--- a/files/docs/TFM.pptx
+++ b/files/docs/TFM.pptx
@@ -25,6 +25,17 @@
     <p:sldId id="270" r:id="rId22"/>
     <p:sldId id="271" r:id="rId23"/>
     <p:sldId id="272" r:id="rId24"/>
+    <p:sldId id="273" r:id="rId25"/>
+    <p:sldId id="274" r:id="rId26"/>
+    <p:sldId id="275" r:id="rId27"/>
+    <p:sldId id="276" r:id="rId28"/>
+    <p:sldId id="277" r:id="rId29"/>
+    <p:sldId id="278" r:id="rId30"/>
+    <p:sldId id="279" r:id="rId31"/>
+    <p:sldId id="280" r:id="rId32"/>
+    <p:sldId id="281" r:id="rId33"/>
+    <p:sldId id="282" r:id="rId34"/>
+    <p:sldId id="283" r:id="rId35"/>
   </p:sldIdLst>
   <p:sldSz cx="13004800" cy="9753600"/>
   <p:notesSz cx="6858000" cy="9144000"/>
@@ -352,7 +363,7 @@
       </p:grpSpPr>
       <p:sp>
         <p:nvSpPr>
-          <p:cNvPr id="130" name="Shape 130"/>
+          <p:cNvPr id="132" name="Shape 132"/>
           <p:cNvSpPr/>
           <p:nvPr>
             <p:ph type="sldImg"/>
@@ -377,7 +388,7 @@
       </p:sp>
       <p:sp>
         <p:nvSpPr>
-          <p:cNvPr id="131" name="Shape 131"/>
+          <p:cNvPr id="133" name="Shape 133"/>
           <p:cNvSpPr/>
           <p:nvPr>
             <p:ph type="body" sz="quarter" idx="1"/>
@@ -526,7 +537,7 @@
       </p:grpSpPr>
       <p:sp>
         <p:nvSpPr>
-          <p:cNvPr id="146" name="Shape 146"/>
+          <p:cNvPr id="149" name="Shape 149"/>
           <p:cNvSpPr/>
           <p:nvPr>
             <p:ph type="sldImg"/>
@@ -547,7 +558,7 @@
       </p:sp>
       <p:sp>
         <p:nvSpPr>
-          <p:cNvPr id="147" name="Shape 147"/>
+          <p:cNvPr id="150" name="Shape 150"/>
           <p:cNvSpPr/>
           <p:nvPr>
             <p:ph type="body" sz="quarter" idx="1"/>
@@ -564,7 +575,7 @@
           <a:p>
             <a:pPr/>
             <a:r>
-              <a:t>En este TFM se va a tratar de ver el gran potencial que tiene una de las tendencias que está comenzando a expandirse en el mundo de las tecnologías, como es el caso del IoT, llamado en español como el internet de las cosas.</a:t>
+              <a:t>En este TFM se va a tratar de ver el gran potencial que tiene una de las tendencias que está comenzando a expandirse en el mundo de las tecnologías, como es el caso del IoT, llamado en español el internet de las cosas.</a:t>
             </a:r>
           </a:p>
           <a:p>
@@ -575,6 +586,1069 @@
           </a:p>
           <a:p>
             <a:pPr/>
+          </a:p>
+          <a:p>
+            <a:pPr/>
+            <a:r>
+              <a:t>Aunque todos los avances comentados anteriormente van a ser un gran impacto en cuanto a la industria y a la investigación, no va a ser menos para los entornos domésticos, puesto que permite automatizar una gran variedad de funciones en nuestros hogares.</a:t>
+            </a:r>
+          </a:p>
+          <a:p>
+            <a:pPr/>
+            <a:r>
+              <a:t>Un elemento muy importante en nuestras vidas son los smartphones, pues tenemos en nuestras manos un dispositivo con muchos sensores y conectividad a Internet. De forma que puede servirnos como la ventana a conocer todos los datos que nos rodean en nuestro hogar.</a:t>
+            </a:r>
+          </a:p>
+          <a:p>
+            <a:pPr/>
+            <a:r>
+              <a:t>Otra de las razones que han sido fundamentales en este auge es la miniaturización de tecnología, que nos permite tener un dispositivo “Inteligente” en cualquier parte que nosotros imaginemos. como pueden ser los microordenadores.</a:t>
+            </a:r>
+          </a:p>
+          <a:p>
+            <a:pPr/>
+          </a:p>
+        </p:txBody>
+      </p:sp>
+    </p:spTree>
+  </p:cSld>
+  <p:clrMapOvr>
+    <a:masterClrMapping/>
+  </p:clrMapOvr>
+</p:notes>
+</file>
+
+<file path=ppt/notesSlides/notesSlide10.xml><?xml version="1.0" encoding="utf-8"?>
+<p:notes xmlns:a="http://schemas.openxmlformats.org/drawingml/2006/main" xmlns:r="http://schemas.openxmlformats.org/officeDocument/2006/relationships" xmlns:p="http://schemas.openxmlformats.org/presentationml/2006/main" showMasterSp="1" showMasterPhAnim="1">
+  <p:cSld>
+    <p:spTree>
+      <p:nvGrpSpPr>
+        <p:cNvPr id="1" name=""/>
+        <p:cNvGrpSpPr/>
+        <p:nvPr/>
+      </p:nvGrpSpPr>
+      <p:grpSpPr>
+        <a:xfrm>
+          <a:off x="0" y="0"/>
+          <a:ext cx="0" cy="0"/>
+          <a:chOff x="0" y="0"/>
+          <a:chExt cx="0" cy="0"/>
+        </a:xfrm>
+      </p:grpSpPr>
+      <p:sp>
+        <p:nvSpPr>
+          <p:cNvPr id="204" name="Shape 204"/>
+          <p:cNvSpPr/>
+          <p:nvPr>
+            <p:ph type="sldImg"/>
+          </p:nvPr>
+        </p:nvSpPr>
+        <p:spPr>
+          <a:prstGeom prst="rect">
+            <a:avLst/>
+          </a:prstGeom>
+        </p:spPr>
+        <p:txBody>
+          <a:bodyPr/>
+          <a:lstStyle/>
+          <a:p>
+            <a:pPr/>
+          </a:p>
+        </p:txBody>
+      </p:sp>
+      <p:sp>
+        <p:nvSpPr>
+          <p:cNvPr id="205" name="Shape 205"/>
+          <p:cNvSpPr/>
+          <p:nvPr>
+            <p:ph type="body" sz="quarter" idx="1"/>
+          </p:nvPr>
+        </p:nvSpPr>
+        <p:spPr>
+          <a:prstGeom prst="rect">
+            <a:avLst/>
+          </a:prstGeom>
+        </p:spPr>
+        <p:txBody>
+          <a:bodyPr/>
+          <a:lstStyle/>
+          <a:p>
+            <a:pPr/>
+            <a:r>
+              <a:t>Aquí podemos ve el diagrama de flujo de la primera toma de decisiones. </a:t>
+            </a:r>
+          </a:p>
+          <a:p>
+            <a:pPr/>
+          </a:p>
+          <a:p>
+            <a:pPr/>
+            <a:r>
+              <a:t>El primer inicio de la aplicación, nos va a pedir que se introduzca la configuración inicial del sistema. En el que tendremos que introducir la contraseña de administrador y la de usuario, este usuario será automáticamente registrado como administrador.</a:t>
+            </a:r>
+          </a:p>
+          <a:p>
+            <a:pPr/>
+          </a:p>
+          <a:p>
+            <a:pPr/>
+            <a:r>
+              <a:t>Una vez configurada la aplicación, cuando se envía un mensaje, la primera premisa que tenemos es el ser un usuario del sistema, si no se cumple esto seremos expulsados directamente. </a:t>
+            </a:r>
+          </a:p>
+          <a:p>
+            <a:pPr/>
+            <a:r>
+              <a:t>En caso de ser usuarios, se evaluará si se ha emitido una acción, que es un mensaje que un slash delante. Si es una acción, se evaluará si es una acción de usuario o de administrador y se actuará en consecuencia a la acción emitida como podemos ver en la imagen de la derecha, se puede ver que algunas acciones cambian la variable estado actual, como es el caso de la acción password. Esto nos va a servir para poder introducir parámetros. </a:t>
+            </a:r>
+          </a:p>
+          <a:p>
+            <a:pPr/>
+            <a:r>
+              <a:t>Si no es una acción válida obtendremos un mensaje de error.</a:t>
+            </a:r>
+          </a:p>
+          <a:p>
+            <a:pPr/>
+            <a:r>
+              <a:t>Si el mensaje recibido no es una acción, se evaluará la variable estado actual de ese usuario, la cual se ha ido actualizando dependiendo de las acciones realizadas y se actuará en consecuencia a su valor. Si la variable estado actual es null, se enviará un mensaje de error.</a:t>
+            </a:r>
+          </a:p>
+        </p:txBody>
+      </p:sp>
+    </p:spTree>
+  </p:cSld>
+  <p:clrMapOvr>
+    <a:masterClrMapping/>
+  </p:clrMapOvr>
+</p:notes>
+</file>
+
+<file path=ppt/notesSlides/notesSlide11.xml><?xml version="1.0" encoding="utf-8"?>
+<p:notes xmlns:a="http://schemas.openxmlformats.org/drawingml/2006/main" xmlns:r="http://schemas.openxmlformats.org/officeDocument/2006/relationships" xmlns:p="http://schemas.openxmlformats.org/presentationml/2006/main" showMasterSp="1" showMasterPhAnim="1">
+  <p:cSld>
+    <p:spTree>
+      <p:nvGrpSpPr>
+        <p:cNvPr id="1" name=""/>
+        <p:cNvGrpSpPr/>
+        <p:nvPr/>
+      </p:nvGrpSpPr>
+      <p:grpSpPr>
+        <a:xfrm>
+          <a:off x="0" y="0"/>
+          <a:ext cx="0" cy="0"/>
+          <a:chOff x="0" y="0"/>
+          <a:chExt cx="0" cy="0"/>
+        </a:xfrm>
+      </p:grpSpPr>
+      <p:sp>
+        <p:nvSpPr>
+          <p:cNvPr id="210" name="Shape 210"/>
+          <p:cNvSpPr/>
+          <p:nvPr>
+            <p:ph type="sldImg"/>
+          </p:nvPr>
+        </p:nvSpPr>
+        <p:spPr>
+          <a:prstGeom prst="rect">
+            <a:avLst/>
+          </a:prstGeom>
+        </p:spPr>
+        <p:txBody>
+          <a:bodyPr/>
+          <a:lstStyle/>
+          <a:p>
+            <a:pPr/>
+          </a:p>
+        </p:txBody>
+      </p:sp>
+      <p:sp>
+        <p:nvSpPr>
+          <p:cNvPr id="211" name="Shape 211"/>
+          <p:cNvSpPr/>
+          <p:nvPr>
+            <p:ph type="body" sz="quarter" idx="1"/>
+          </p:nvPr>
+        </p:nvSpPr>
+        <p:spPr>
+          <a:prstGeom prst="rect">
+            <a:avLst/>
+          </a:prstGeom>
+        </p:spPr>
+        <p:txBody>
+          <a:bodyPr/>
+          <a:lstStyle/>
+          <a:p>
+            <a:pPr/>
+            <a:r>
+              <a:t>Vamos a ver como se gestionan los diferentes tipos de usuarios del sistema y cuales son las posibilidades de cada uno.</a:t>
+            </a:r>
+          </a:p>
+          <a:p>
+            <a:pPr/>
+            <a:r>
+              <a:t>En telegram, cada usuario se identifica por un ID único que se asigna automáticamente en el momento del registro de la aplicación y por un alias que se lo asigna el propio usuario. La comunicación se puede realizar mediante cualquiera de estos dos identificadores, pero hemos optado por usar el ID pues este identificador lo tienen todos los usuarios.</a:t>
+            </a:r>
+          </a:p>
+          <a:p>
+            <a:pPr/>
+            <a:r>
+              <a:t>Los usuarios se almacenan en una variable llamada users. En esta imagen podemos ver la estructura y ahora vamos a comentar cada propiedad.</a:t>
+            </a:r>
+          </a:p>
+          <a:p>
+            <a:pPr marL="294105" indent="-294105">
+              <a:buClr>
+                <a:srgbClr val="5C86B9"/>
+              </a:buClr>
+              <a:buSzPct val="70000"/>
+              <a:buFont typeface="Zapf Dingbats"/>
+              <a:buChar char="-"/>
+            </a:pPr>
+            <a:r>
+              <a:t>El alias y el ID comentados anteriormente.</a:t>
+            </a:r>
+          </a:p>
+          <a:p>
+            <a:pPr marL="294105" indent="-294105">
+              <a:buClr>
+                <a:srgbClr val="5C86B9"/>
+              </a:buClr>
+              <a:buSzPct val="70000"/>
+              <a:buFont typeface="Zapf Dingbats"/>
+              <a:buChar char="-"/>
+            </a:pPr>
+            <a:r>
+              <a:t>Nombre, lo establece el usuario en la configuración y el sistema lo usará para nombrarlo.</a:t>
+            </a:r>
+          </a:p>
+          <a:p>
+            <a:pPr marL="294105" indent="-294105">
+              <a:buClr>
+                <a:srgbClr val="5C86B9"/>
+              </a:buClr>
+              <a:buSzPct val="70000"/>
+              <a:buFont typeface="Zapf Dingbats"/>
+              <a:buChar char="-"/>
+            </a:pPr>
+            <a:r>
+              <a:t>MAC, se almacena la MAC del usuario para el control de presencia.</a:t>
+            </a:r>
+          </a:p>
+          <a:p>
+            <a:pPr marL="294105" indent="-294105">
+              <a:buClr>
+                <a:srgbClr val="5C86B9"/>
+              </a:buClr>
+              <a:buSzPct val="70000"/>
+              <a:buFont typeface="Zapf Dingbats"/>
+              <a:buChar char="-"/>
+            </a:pPr>
+            <a:r>
+              <a:t>Registrado y admin registrado, cuando el usuario introduza la contraseña, en este campo se registra la hora y cuando pase el tiempo indicado por el administrador, el usuario tendrá que volver a introducir la contraseña. Una marca el registro como usuario y el otro como administrador.</a:t>
+            </a:r>
+          </a:p>
+          <a:p>
+            <a:pPr marL="294105" indent="-294105">
+              <a:buClr>
+                <a:srgbClr val="5C86B9"/>
+              </a:buClr>
+              <a:buSzPct val="70000"/>
+              <a:buFont typeface="Zapf Dingbats"/>
+              <a:buChar char="-"/>
+            </a:pPr>
+            <a:r>
+              <a:t>Estado actual, es la variable que comentamos en el apartador anterior que nos sirve para tener interacción con el sistema. Esta propiedad cuenta con dos variables, acción que identifica qué está haciendo y estado que nos sirve internamente para saber qué pedirle.</a:t>
+            </a:r>
+          </a:p>
+        </p:txBody>
+      </p:sp>
+    </p:spTree>
+  </p:cSld>
+  <p:clrMapOvr>
+    <a:masterClrMapping/>
+  </p:clrMapOvr>
+</p:notes>
+</file>
+
+<file path=ppt/notesSlides/notesSlide12.xml><?xml version="1.0" encoding="utf-8"?>
+<p:notes xmlns:a="http://schemas.openxmlformats.org/drawingml/2006/main" xmlns:r="http://schemas.openxmlformats.org/officeDocument/2006/relationships" xmlns:p="http://schemas.openxmlformats.org/presentationml/2006/main" showMasterSp="1" showMasterPhAnim="1">
+  <p:cSld>
+    <p:spTree>
+      <p:nvGrpSpPr>
+        <p:cNvPr id="1" name=""/>
+        <p:cNvGrpSpPr/>
+        <p:nvPr/>
+      </p:nvGrpSpPr>
+      <p:grpSpPr>
+        <a:xfrm>
+          <a:off x="0" y="0"/>
+          <a:ext cx="0" cy="0"/>
+          <a:chOff x="0" y="0"/>
+          <a:chExt cx="0" cy="0"/>
+        </a:xfrm>
+      </p:grpSpPr>
+      <p:sp>
+        <p:nvSpPr>
+          <p:cNvPr id="216" name="Shape 216"/>
+          <p:cNvSpPr/>
+          <p:nvPr>
+            <p:ph type="sldImg"/>
+          </p:nvPr>
+        </p:nvSpPr>
+        <p:spPr>
+          <a:prstGeom prst="rect">
+            <a:avLst/>
+          </a:prstGeom>
+        </p:spPr>
+        <p:txBody>
+          <a:bodyPr/>
+          <a:lstStyle/>
+          <a:p>
+            <a:pPr/>
+          </a:p>
+        </p:txBody>
+      </p:sp>
+      <p:sp>
+        <p:nvSpPr>
+          <p:cNvPr id="217" name="Shape 217"/>
+          <p:cNvSpPr/>
+          <p:nvPr>
+            <p:ph type="body" sz="quarter" idx="1"/>
+          </p:nvPr>
+        </p:nvSpPr>
+        <p:spPr>
+          <a:prstGeom prst="rect">
+            <a:avLst/>
+          </a:prstGeom>
+        </p:spPr>
+        <p:txBody>
+          <a:bodyPr/>
+          <a:lstStyle/>
+          <a:p>
+            <a:pPr/>
+            <a:r>
+              <a:t>Un apartado importante sería la seguridad, no podemos permitir que cualquier persona externa conecte a nuestro sistema.</a:t>
+            </a:r>
+          </a:p>
+          <a:p>
+            <a:pPr/>
+          </a:p>
+          <a:p>
+            <a:pPr/>
+            <a:r>
+              <a:t>Encontramos un problema a la hora de introducir la contraseña y es que desde nuestra aplicación no podemos editar mensajes del usuario, por lo que cuando éste introduzca la contraseña ésta se quedará visible en el chat a no ser que el usuario la borre manualmente. Para esto se ha diseñado un sistema en el que se mostrará una key aleatoria al usuario y éste tendrá que sumar cada dígito al de la contraseña. Por lo que el usuario enviará un número aleatorio al sistema. La key podrá el usuario editarla mediante un botón de editar, pero si esto no se realiza, a los 5 minutos se editará automáticamente.</a:t>
+            </a:r>
+          </a:p>
+        </p:txBody>
+      </p:sp>
+    </p:spTree>
+  </p:cSld>
+  <p:clrMapOvr>
+    <a:masterClrMapping/>
+  </p:clrMapOvr>
+</p:notes>
+</file>
+
+<file path=ppt/notesSlides/notesSlide13.xml><?xml version="1.0" encoding="utf-8"?>
+<p:notes xmlns:a="http://schemas.openxmlformats.org/drawingml/2006/main" xmlns:r="http://schemas.openxmlformats.org/officeDocument/2006/relationships" xmlns:p="http://schemas.openxmlformats.org/presentationml/2006/main" showMasterSp="1" showMasterPhAnim="1">
+  <p:cSld>
+    <p:spTree>
+      <p:nvGrpSpPr>
+        <p:cNvPr id="1" name=""/>
+        <p:cNvGrpSpPr/>
+        <p:nvPr/>
+      </p:nvGrpSpPr>
+      <p:grpSpPr>
+        <a:xfrm>
+          <a:off x="0" y="0"/>
+          <a:ext cx="0" cy="0"/>
+          <a:chOff x="0" y="0"/>
+          <a:chExt cx="0" cy="0"/>
+        </a:xfrm>
+      </p:grpSpPr>
+      <p:sp>
+        <p:nvSpPr>
+          <p:cNvPr id="222" name="Shape 222"/>
+          <p:cNvSpPr/>
+          <p:nvPr>
+            <p:ph type="sldImg"/>
+          </p:nvPr>
+        </p:nvSpPr>
+        <p:spPr>
+          <a:prstGeom prst="rect">
+            <a:avLst/>
+          </a:prstGeom>
+        </p:spPr>
+        <p:txBody>
+          <a:bodyPr/>
+          <a:lstStyle/>
+          <a:p>
+            <a:pPr/>
+          </a:p>
+        </p:txBody>
+      </p:sp>
+      <p:sp>
+        <p:nvSpPr>
+          <p:cNvPr id="223" name="Shape 223"/>
+          <p:cNvSpPr/>
+          <p:nvPr>
+            <p:ph type="body" sz="quarter" idx="1"/>
+          </p:nvPr>
+        </p:nvSpPr>
+        <p:spPr>
+          <a:prstGeom prst="rect">
+            <a:avLst/>
+          </a:prstGeom>
+        </p:spPr>
+        <p:txBody>
+          <a:bodyPr/>
+          <a:lstStyle/>
+          <a:p>
+            <a:pPr/>
+            <a:r>
+              <a:t>Para la detección de presencia nos hemos basado  en el protocolo ARP. </a:t>
+            </a:r>
+          </a:p>
+          <a:p>
+            <a:pPr/>
+            <a:r>
+              <a:t>Cada usuario será identificado por la MAC de su smartphone, tomamos de base los smartphone sabiendo que hoy en día es algo que podemos decir indespensable en nuestro día a día.</a:t>
+            </a:r>
+          </a:p>
+          <a:p>
+            <a:pPr/>
+            <a:r>
+              <a:t>Con este sistema cuando nos conectemos o desconectemos de la red quedará registrado en un fichero CSV que se creará diariamente, a estos ficheros sólo tendrán acceso los administradores del sistema.</a:t>
+            </a:r>
+          </a:p>
+          <a:p>
+            <a:pPr/>
+          </a:p>
+          <a:p>
+            <a:pPr/>
+            <a:r>
+              <a:t>La forma en la que se obtiene la MAC de usuario es mediante un servidor en nuestra red local, el usuario enviará el comando para capturar su MAC y accederá a este servidor. Cabe recordar que mediante el bot no se establece conexión directa con el usuario, por lo que hay que usar algún método para interceptar la IP del usuario.</a:t>
+            </a:r>
+          </a:p>
+          <a:p>
+            <a:pPr/>
+          </a:p>
+          <a:p>
+            <a:pPr/>
+            <a:r>
+              <a:t>Una vez se ha almacenado la IP del usuario, en el siguiente reconocimiento que se haga de la red, se identificará la MAC de usuario.</a:t>
+            </a:r>
+          </a:p>
+        </p:txBody>
+      </p:sp>
+    </p:spTree>
+  </p:cSld>
+  <p:clrMapOvr>
+    <a:masterClrMapping/>
+  </p:clrMapOvr>
+</p:notes>
+</file>
+
+<file path=ppt/notesSlides/notesSlide14.xml><?xml version="1.0" encoding="utf-8"?>
+<p:notes xmlns:a="http://schemas.openxmlformats.org/drawingml/2006/main" xmlns:r="http://schemas.openxmlformats.org/officeDocument/2006/relationships" xmlns:p="http://schemas.openxmlformats.org/presentationml/2006/main" showMasterSp="1" showMasterPhAnim="1">
+  <p:cSld>
+    <p:spTree>
+      <p:nvGrpSpPr>
+        <p:cNvPr id="1" name=""/>
+        <p:cNvGrpSpPr/>
+        <p:nvPr/>
+      </p:nvGrpSpPr>
+      <p:grpSpPr>
+        <a:xfrm>
+          <a:off x="0" y="0"/>
+          <a:ext cx="0" cy="0"/>
+          <a:chOff x="0" y="0"/>
+          <a:chExt cx="0" cy="0"/>
+        </a:xfrm>
+      </p:grpSpPr>
+      <p:sp>
+        <p:nvSpPr>
+          <p:cNvPr id="228" name="Shape 228"/>
+          <p:cNvSpPr/>
+          <p:nvPr>
+            <p:ph type="sldImg"/>
+          </p:nvPr>
+        </p:nvSpPr>
+        <p:spPr>
+          <a:prstGeom prst="rect">
+            <a:avLst/>
+          </a:prstGeom>
+        </p:spPr>
+        <p:txBody>
+          <a:bodyPr/>
+          <a:lstStyle/>
+          <a:p>
+            <a:pPr/>
+          </a:p>
+        </p:txBody>
+      </p:sp>
+      <p:sp>
+        <p:nvSpPr>
+          <p:cNvPr id="229" name="Shape 229"/>
+          <p:cNvSpPr/>
+          <p:nvPr>
+            <p:ph type="body" sz="quarter" idx="1"/>
+          </p:nvPr>
+        </p:nvSpPr>
+        <p:spPr>
+          <a:prstGeom prst="rect">
+            <a:avLst/>
+          </a:prstGeom>
+        </p:spPr>
+        <p:txBody>
+          <a:bodyPr/>
+          <a:lstStyle/>
+          <a:p>
+            <a:pPr/>
+            <a:r>
+              <a:t>Mediante los mensajes de voz integrados en Telegram, un altavoz y una cámara, se ha desarrollado un sistema de portero automático por control remoto.</a:t>
+            </a:r>
+          </a:p>
+          <a:p>
+            <a:pPr/>
+          </a:p>
+          <a:p>
+            <a:pPr/>
+            <a:r>
+              <a:t>Una vez que se llame al timbre, uno de los GPIO de la raspberry Pi emitirá un evento que iniciará una captura de la cámara, esta captura se enviará a todos los usuarios del sistema. </a:t>
+            </a:r>
+          </a:p>
+          <a:p>
+            <a:pPr/>
+            <a:r>
+              <a:t>Para poder responderle a quien llama, el usuario del sistema puede puede enviar un mensaje de voz mediante telegram y éste se reproducirá por un altavoz colocado en el portero automático.</a:t>
+            </a:r>
+          </a:p>
+          <a:p>
+            <a:pPr/>
+          </a:p>
+          <a:p>
+            <a:pPr/>
+            <a:r>
+              <a:t>Este mensaje de voz se almacena en el servidor de telegram, lo que nosotros recibimos en la aplicación es el id de este archivo en el servidor, por lo que tenemos que descargar ese archivo mediante uno de los métodos preparados para ello en el módulo que estamos usando.</a:t>
+            </a:r>
+          </a:p>
+          <a:p>
+            <a:pPr/>
+            <a:r>
+              <a:t>El fichero que descargamos se encuentra en formato ogg codificado en formato opus. Para reproducir esto hay que convertir el archivo primero a formato wav y luego se podrá reproducir mediante el SSOO.</a:t>
+            </a:r>
+          </a:p>
+        </p:txBody>
+      </p:sp>
+    </p:spTree>
+  </p:cSld>
+  <p:clrMapOvr>
+    <a:masterClrMapping/>
+  </p:clrMapOvr>
+</p:notes>
+</file>
+
+<file path=ppt/notesSlides/notesSlide15.xml><?xml version="1.0" encoding="utf-8"?>
+<p:notes xmlns:a="http://schemas.openxmlformats.org/drawingml/2006/main" xmlns:r="http://schemas.openxmlformats.org/officeDocument/2006/relationships" xmlns:p="http://schemas.openxmlformats.org/presentationml/2006/main" showMasterSp="1" showMasterPhAnim="1">
+  <p:cSld>
+    <p:spTree>
+      <p:nvGrpSpPr>
+        <p:cNvPr id="1" name=""/>
+        <p:cNvGrpSpPr/>
+        <p:nvPr/>
+      </p:nvGrpSpPr>
+      <p:grpSpPr>
+        <a:xfrm>
+          <a:off x="0" y="0"/>
+          <a:ext cx="0" cy="0"/>
+          <a:chOff x="0" y="0"/>
+          <a:chExt cx="0" cy="0"/>
+        </a:xfrm>
+      </p:grpSpPr>
+      <p:sp>
+        <p:nvSpPr>
+          <p:cNvPr id="234" name="Shape 234"/>
+          <p:cNvSpPr/>
+          <p:nvPr>
+            <p:ph type="sldImg"/>
+          </p:nvPr>
+        </p:nvSpPr>
+        <p:spPr>
+          <a:prstGeom prst="rect">
+            <a:avLst/>
+          </a:prstGeom>
+        </p:spPr>
+        <p:txBody>
+          <a:bodyPr/>
+          <a:lstStyle/>
+          <a:p>
+            <a:pPr/>
+          </a:p>
+        </p:txBody>
+      </p:sp>
+      <p:sp>
+        <p:nvSpPr>
+          <p:cNvPr id="235" name="Shape 235"/>
+          <p:cNvSpPr/>
+          <p:nvPr>
+            <p:ph type="body" sz="quarter" idx="1"/>
+          </p:nvPr>
+        </p:nvSpPr>
+        <p:spPr>
+          <a:prstGeom prst="rect">
+            <a:avLst/>
+          </a:prstGeom>
+        </p:spPr>
+        <p:txBody>
+          <a:bodyPr/>
+          <a:lstStyle/>
+          <a:p>
+            <a:pPr/>
+            <a:r>
+              <a:t>Para el control de los sensores y actuadores se van a usar los GPIOs de la Raspberry Pi, aunque también es posible encontrar elementos controlados por USB.</a:t>
+            </a:r>
+          </a:p>
+          <a:p>
+            <a:pPr/>
+          </a:p>
+          <a:p>
+            <a:pPr/>
+            <a:r>
+              <a:t>Para el control de los GPIOs se usará un módulo de NodeJS llamado rpi-gpio, con el que tendremos métodos para configurar, escribir, leer y escuchar eventos de cambios en los GPIOs. </a:t>
+            </a:r>
+          </a:p>
+          <a:p>
+            <a:pPr/>
+            <a:r>
+              <a:t>Los sensores y actuadores a incluir dependerá de las peticiones de los clientes, ya que los GPIOs son muy polivalentes en cuanto a funcionalidad. Por lo que se dejarán funciones preparadas para trabajar con los siguientes elementos.</a:t>
+            </a:r>
+          </a:p>
+          <a:p>
+            <a:pPr/>
+          </a:p>
+          <a:p>
+            <a:pPr marL="294105" indent="-294105">
+              <a:buClr>
+                <a:srgbClr val="5C86B9"/>
+              </a:buClr>
+              <a:buSzPct val="70000"/>
+              <a:buFont typeface="Zapf Dingbats"/>
+              <a:buChar char="-"/>
+            </a:pPr>
+            <a:r>
+              <a:t>Luces: Un funcionamiento sencillo como es el apagar y encender las luces.</a:t>
+            </a:r>
+          </a:p>
+          <a:p>
+            <a:pPr marL="294105" indent="-294105">
+              <a:buClr>
+                <a:srgbClr val="5C86B9"/>
+              </a:buClr>
+              <a:buSzPct val="70000"/>
+              <a:buFont typeface="Zapf Dingbats"/>
+              <a:buChar char="-"/>
+            </a:pPr>
+            <a:r>
+              <a:t>Climatización, al igual que con las luces, se podrá apagar y encender.</a:t>
+            </a:r>
+          </a:p>
+          <a:p>
+            <a:pPr marL="294105" indent="-294105">
+              <a:buClr>
+                <a:srgbClr val="5C86B9"/>
+              </a:buClr>
+              <a:buSzPct val="70000"/>
+              <a:buFont typeface="Zapf Dingbats"/>
+              <a:buChar char="-"/>
+            </a:pPr>
+            <a:r>
+              <a:t>Toldos y persianas, controlaremos la posición inicial y final mediante finales de carrera, por lo que se calibrará el sistema midiendo el tiempo que tarda desde la posición inicial a la final. Por lo que teniendo este dato se pueden hacer aproximaciones de posiciones intermedias.</a:t>
+            </a:r>
+          </a:p>
+        </p:txBody>
+      </p:sp>
+    </p:spTree>
+  </p:cSld>
+  <p:clrMapOvr>
+    <a:masterClrMapping/>
+  </p:clrMapOvr>
+</p:notes>
+</file>
+
+<file path=ppt/notesSlides/notesSlide16.xml><?xml version="1.0" encoding="utf-8"?>
+<p:notes xmlns:a="http://schemas.openxmlformats.org/drawingml/2006/main" xmlns:r="http://schemas.openxmlformats.org/officeDocument/2006/relationships" xmlns:p="http://schemas.openxmlformats.org/presentationml/2006/main" showMasterSp="1" showMasterPhAnim="1">
+  <p:cSld>
+    <p:spTree>
+      <p:nvGrpSpPr>
+        <p:cNvPr id="1" name=""/>
+        <p:cNvGrpSpPr/>
+        <p:nvPr/>
+      </p:nvGrpSpPr>
+      <p:grpSpPr>
+        <a:xfrm>
+          <a:off x="0" y="0"/>
+          <a:ext cx="0" cy="0"/>
+          <a:chOff x="0" y="0"/>
+          <a:chExt cx="0" cy="0"/>
+        </a:xfrm>
+      </p:grpSpPr>
+      <p:sp>
+        <p:nvSpPr>
+          <p:cNvPr id="240" name="Shape 240"/>
+          <p:cNvSpPr/>
+          <p:nvPr>
+            <p:ph type="sldImg"/>
+          </p:nvPr>
+        </p:nvSpPr>
+        <p:spPr>
+          <a:prstGeom prst="rect">
+            <a:avLst/>
+          </a:prstGeom>
+        </p:spPr>
+        <p:txBody>
+          <a:bodyPr/>
+          <a:lstStyle/>
+          <a:p>
+            <a:pPr/>
+          </a:p>
+        </p:txBody>
+      </p:sp>
+      <p:sp>
+        <p:nvSpPr>
+          <p:cNvPr id="241" name="Shape 241"/>
+          <p:cNvSpPr/>
+          <p:nvPr>
+            <p:ph type="body" sz="quarter" idx="1"/>
+          </p:nvPr>
+        </p:nvSpPr>
+        <p:spPr>
+          <a:prstGeom prst="rect">
+            <a:avLst/>
+          </a:prstGeom>
+        </p:spPr>
+        <p:txBody>
+          <a:bodyPr/>
+          <a:lstStyle/>
+          <a:p>
+            <a:pPr/>
+            <a:r>
+              <a:t>Elcontrol de temperatura se va a realizar mediante el API del servicio online openweathermap. Cada hora se ejecutará un método en nuestro sistema que hará una petición a este servicio y dependiendo de la configuración de los sensores y actuadores se realizarán una serie de evaluaciones para ajustar nuestro hogar según las condiciones y la temperatura del momento.</a:t>
+            </a:r>
+          </a:p>
+          <a:p>
+            <a:pPr/>
+          </a:p>
+          <a:p>
+            <a:pPr/>
+            <a:r>
+              <a:t>Nuestro sistema necesita tener las coordenadas de sus ubucación, por lo que cuando se realiza la configuraciónn inicial, se nos pedirá que enviemos la ubicación en la que se encuentra el sistema. El sistema recibirá la ubicación y almacenará las coordenadas</a:t>
+            </a:r>
+          </a:p>
+        </p:txBody>
+      </p:sp>
+    </p:spTree>
+  </p:cSld>
+  <p:clrMapOvr>
+    <a:masterClrMapping/>
+  </p:clrMapOvr>
+</p:notes>
+</file>
+
+<file path=ppt/notesSlides/notesSlide17.xml><?xml version="1.0" encoding="utf-8"?>
+<p:notes xmlns:a="http://schemas.openxmlformats.org/drawingml/2006/main" xmlns:r="http://schemas.openxmlformats.org/officeDocument/2006/relationships" xmlns:p="http://schemas.openxmlformats.org/presentationml/2006/main" showMasterSp="1" showMasterPhAnim="1">
+  <p:cSld>
+    <p:spTree>
+      <p:nvGrpSpPr>
+        <p:cNvPr id="1" name=""/>
+        <p:cNvGrpSpPr/>
+        <p:nvPr/>
+      </p:nvGrpSpPr>
+      <p:grpSpPr>
+        <a:xfrm>
+          <a:off x="0" y="0"/>
+          <a:ext cx="0" cy="0"/>
+          <a:chOff x="0" y="0"/>
+          <a:chExt cx="0" cy="0"/>
+        </a:xfrm>
+      </p:grpSpPr>
+      <p:sp>
+        <p:nvSpPr>
+          <p:cNvPr id="246" name="Shape 246"/>
+          <p:cNvSpPr/>
+          <p:nvPr>
+            <p:ph type="sldImg"/>
+          </p:nvPr>
+        </p:nvSpPr>
+        <p:spPr>
+          <a:prstGeom prst="rect">
+            <a:avLst/>
+          </a:prstGeom>
+        </p:spPr>
+        <p:txBody>
+          <a:bodyPr/>
+          <a:lstStyle/>
+          <a:p>
+            <a:pPr/>
+          </a:p>
+        </p:txBody>
+      </p:sp>
+      <p:sp>
+        <p:nvSpPr>
+          <p:cNvPr id="247" name="Shape 247"/>
+          <p:cNvSpPr/>
+          <p:nvPr>
+            <p:ph type="body" sz="quarter" idx="1"/>
+          </p:nvPr>
+        </p:nvSpPr>
+        <p:spPr>
+          <a:prstGeom prst="rect">
+            <a:avLst/>
+          </a:prstGeom>
+        </p:spPr>
+        <p:txBody>
+          <a:bodyPr/>
+          <a:lstStyle/>
+          <a:p>
+            <a:pPr/>
+            <a:r>
+              <a:t>La alarma contará con sensores de apertura de puertas y ventanas para la detección y una señal acústica para indicar presencia  dentro del hogar.</a:t>
+            </a:r>
+          </a:p>
+          <a:p>
+            <a:pPr/>
+            <a:r>
+              <a:t>El proceso de activar y desactivar la alarma será siempre manual, aunque el sistema de detección de presencia servirá de asistente, de forma que cuando no haya nadie en casa enviará a todos los administradores un mensaje avisando de la desprotección del hogar.</a:t>
+            </a:r>
+          </a:p>
+          <a:p>
+            <a:pPr/>
+          </a:p>
+          <a:p>
+            <a:pPr/>
+            <a:r>
+              <a:t>Todos los usuarios tienen permiso para activar y desactivar la alarma, pero aunque esté registrado tendrá que insertar la contraseña para que la acción tenga efecto.</a:t>
+            </a:r>
+          </a:p>
+          <a:p>
+            <a:pPr/>
+          </a:p>
+          <a:p>
+            <a:pPr/>
+            <a:r>
+              <a:t>Si la alarma está activa y se detecta presencia, el usuario tiene un margen de 15 segundos para desactivar la alarma.</a:t>
+            </a:r>
+          </a:p>
+        </p:txBody>
+      </p:sp>
+    </p:spTree>
+  </p:cSld>
+  <p:clrMapOvr>
+    <a:masterClrMapping/>
+  </p:clrMapOvr>
+</p:notes>
+</file>
+
+<file path=ppt/notesSlides/notesSlide18.xml><?xml version="1.0" encoding="utf-8"?>
+<p:notes xmlns:a="http://schemas.openxmlformats.org/drawingml/2006/main" xmlns:r="http://schemas.openxmlformats.org/officeDocument/2006/relationships" xmlns:p="http://schemas.openxmlformats.org/presentationml/2006/main" showMasterSp="1" showMasterPhAnim="1">
+  <p:cSld>
+    <p:spTree>
+      <p:nvGrpSpPr>
+        <p:cNvPr id="1" name=""/>
+        <p:cNvGrpSpPr/>
+        <p:nvPr/>
+      </p:nvGrpSpPr>
+      <p:grpSpPr>
+        <a:xfrm>
+          <a:off x="0" y="0"/>
+          <a:ext cx="0" cy="0"/>
+          <a:chOff x="0" y="0"/>
+          <a:chExt cx="0" cy="0"/>
+        </a:xfrm>
+      </p:grpSpPr>
+      <p:sp>
+        <p:nvSpPr>
+          <p:cNvPr id="252" name="Shape 252"/>
+          <p:cNvSpPr/>
+          <p:nvPr>
+            <p:ph type="sldImg"/>
+          </p:nvPr>
+        </p:nvSpPr>
+        <p:spPr>
+          <a:prstGeom prst="rect">
+            <a:avLst/>
+          </a:prstGeom>
+        </p:spPr>
+        <p:txBody>
+          <a:bodyPr/>
+          <a:lstStyle/>
+          <a:p>
+            <a:pPr/>
+          </a:p>
+        </p:txBody>
+      </p:sp>
+      <p:sp>
+        <p:nvSpPr>
+          <p:cNvPr id="253" name="Shape 253"/>
+          <p:cNvSpPr/>
+          <p:nvPr>
+            <p:ph type="body" sz="quarter" idx="1"/>
+          </p:nvPr>
+        </p:nvSpPr>
+        <p:spPr>
+          <a:prstGeom prst="rect">
+            <a:avLst/>
+          </a:prstGeom>
+        </p:spPr>
+        <p:txBody>
+          <a:bodyPr/>
+          <a:lstStyle/>
+          <a:p>
+            <a:pPr/>
+            <a:r>
+              <a:t>Vamos a ver como se almacenan los datos de forma permanente. La cantidad de información que vamos a manejar es mínima, por lo que no tiene sentido usar una base de datos. Por lo que se opta por almacenar las opciones en un fichero CSV, de esta forma se implementa la lectura y escritura de este tipo de archivos para poder manejarlos para configurar el sistema, añadir usuarios en lotes.</a:t>
+            </a:r>
+          </a:p>
+        </p:txBody>
+      </p:sp>
+    </p:spTree>
+  </p:cSld>
+  <p:clrMapOvr>
+    <a:masterClrMapping/>
+  </p:clrMapOvr>
+</p:notes>
+</file>
+
+<file path=ppt/notesSlides/notesSlide19.xml><?xml version="1.0" encoding="utf-8"?>
+<p:notes xmlns:a="http://schemas.openxmlformats.org/drawingml/2006/main" xmlns:r="http://schemas.openxmlformats.org/officeDocument/2006/relationships" xmlns:p="http://schemas.openxmlformats.org/presentationml/2006/main" showMasterSp="1" showMasterPhAnim="1">
+  <p:cSld>
+    <p:spTree>
+      <p:nvGrpSpPr>
+        <p:cNvPr id="1" name=""/>
+        <p:cNvGrpSpPr/>
+        <p:nvPr/>
+      </p:nvGrpSpPr>
+      <p:grpSpPr>
+        <a:xfrm>
+          <a:off x="0" y="0"/>
+          <a:ext cx="0" cy="0"/>
+          <a:chOff x="0" y="0"/>
+          <a:chExt cx="0" cy="0"/>
+        </a:xfrm>
+      </p:grpSpPr>
+      <p:sp>
+        <p:nvSpPr>
+          <p:cNvPr id="258" name="Shape 258"/>
+          <p:cNvSpPr/>
+          <p:nvPr>
+            <p:ph type="sldImg"/>
+          </p:nvPr>
+        </p:nvSpPr>
+        <p:spPr>
+          <a:prstGeom prst="rect">
+            <a:avLst/>
+          </a:prstGeom>
+        </p:spPr>
+        <p:txBody>
+          <a:bodyPr/>
+          <a:lstStyle/>
+          <a:p>
+            <a:pPr/>
+          </a:p>
+        </p:txBody>
+      </p:sp>
+      <p:sp>
+        <p:nvSpPr>
+          <p:cNvPr id="259" name="Shape 259"/>
+          <p:cNvSpPr/>
+          <p:nvPr>
+            <p:ph type="body" sz="quarter" idx="1"/>
+          </p:nvPr>
+        </p:nvSpPr>
+        <p:spPr>
+          <a:prstGeom prst="rect">
+            <a:avLst/>
+          </a:prstGeom>
+        </p:spPr>
+        <p:txBody>
+          <a:bodyPr/>
+          <a:lstStyle/>
+          <a:p>
+            <a:pPr/>
+            <a:r>
+              <a:t>El sistema se ha puesto a prueba haciendo un test a los siguientes módulos:</a:t>
+            </a:r>
+          </a:p>
+          <a:p>
+            <a:pPr marL="294105" indent="-294105">
+              <a:buClr>
+                <a:srgbClr val="5C86B9"/>
+              </a:buClr>
+              <a:buSzPct val="70000"/>
+              <a:buFont typeface="Zapf Dingbats"/>
+              <a:buChar char="-"/>
+            </a:pPr>
+            <a:r>
+              <a:t>Respuesta al protocolo ARP</a:t>
+            </a:r>
+          </a:p>
+          <a:p>
+            <a:pPr marL="294105" indent="-294105">
+              <a:buClr>
+                <a:srgbClr val="5C86B9"/>
+              </a:buClr>
+              <a:buSzPct val="70000"/>
+              <a:buFont typeface="Zapf Dingbats"/>
+              <a:buChar char="-"/>
+            </a:pPr>
+            <a:r>
+              <a:t>Tiempo de captura de foto</a:t>
+            </a:r>
+          </a:p>
+          <a:p>
+            <a:pPr marL="294105" indent="-294105">
+              <a:buClr>
+                <a:srgbClr val="5C86B9"/>
+              </a:buClr>
+              <a:buSzPct val="70000"/>
+              <a:buFont typeface="Zapf Dingbats"/>
+              <a:buChar char="-"/>
+            </a:pPr>
+            <a:r>
+              <a:t>Proceso de recepción y reproducción de audio</a:t>
+            </a:r>
+          </a:p>
+          <a:p>
+            <a:pPr marL="294105" indent="-294105">
+              <a:buClr>
+                <a:srgbClr val="5C86B9"/>
+              </a:buClr>
+              <a:buSzPct val="70000"/>
+              <a:buFont typeface="Zapf Dingbats"/>
+              <a:buChar char="-"/>
+            </a:pPr>
+            <a:r>
+              <a:t>Petición de datos meteorológicos</a:t>
+            </a:r>
+          </a:p>
+          <a:p>
+            <a:pPr/>
+          </a:p>
+          <a:p>
+            <a:pPr/>
+            <a:r>
+              <a:t>Estos módulos se han probado sobre la Raspberry Pi en la que va a correr nuestra aplicación y sobre un sistema Debian virtual izado en un MacBook Pro.</a:t>
+            </a:r>
+          </a:p>
+          <a:p>
+            <a:pPr/>
+          </a:p>
+          <a:p>
+            <a:pPr/>
+            <a:r>
+              <a:t>Decir que en estas pruebas de rendimiento se ha obviado el tiempo de recepción del mensaje sobre la aplicación, puesto que el formato en el que se envía la fecha desde la aplicación está medido en el sistema Unix Time que se mide en segundos, sabiendo que los tiempos de recepción es del orden de milisegundos no tiene sentido hacer esta comparación.</a:t>
+            </a:r>
           </a:p>
         </p:txBody>
       </p:sp>
@@ -605,7 +1679,7 @@
       </p:grpSpPr>
       <p:sp>
         <p:nvSpPr>
-          <p:cNvPr id="151" name="Shape 151"/>
+          <p:cNvPr id="155" name="Shape 155"/>
           <p:cNvSpPr/>
           <p:nvPr>
             <p:ph type="sldImg"/>
@@ -626,7 +1700,7 @@
       </p:sp>
       <p:sp>
         <p:nvSpPr>
-          <p:cNvPr id="152" name="Shape 152"/>
+          <p:cNvPr id="156" name="Shape 156"/>
           <p:cNvSpPr/>
           <p:nvPr>
             <p:ph type="body" sz="quarter" idx="1"/>
@@ -643,19 +1717,724 @@
           <a:p>
             <a:pPr/>
             <a:r>
-              <a:t>Aunque todos los avances comentados anteriormente van a ser un gran impacto en cuanto a la industria y a la investigación, no va a ser menos para los entornos domésticos, puesto que permite automatizar una gran variedad de funciones en nuestros hogares.</a:t>
-            </a:r>
-          </a:p>
-          <a:p>
-            <a:pPr/>
-            <a:r>
-              <a:t>Un elemento muy importante en nuestras vidas son los smartphones, pues tenemos en nuestras manos un dispositivo con muchos sensores y conectividad a Internet. De forma que puede servirnos como la ventana a conocer todos los datos que nos rodean en nuestro hogar.</a:t>
-            </a:r>
-          </a:p>
-          <a:p>
-            <a:pPr/>
-            <a:r>
-              <a:t>Otra de las razones que han sido fundamentales en este auge es la miniaturización de tecnología, como pueden ser los microordenadores. Esto nos permite tener un dispositivo “Inteligente” en cualquier parte que nosotros imaginemos.</a:t>
+              <a:t>En el presenta TFM se van a buscar unos objetivos buscando una relación entre el IoT y el entorno doméstico.</a:t>
+            </a:r>
+          </a:p>
+          <a:p>
+            <a:pPr/>
+          </a:p>
+          <a:p>
+            <a:pPr marL="294105" indent="-294105">
+              <a:buClr>
+                <a:srgbClr val="5C86B9"/>
+              </a:buClr>
+              <a:buSzPct val="70000"/>
+              <a:buFont typeface="Zapf Dingbats"/>
+              <a:buChar char="-"/>
+            </a:pPr>
+            <a:r>
+              <a:t>Realizar un sistema domótico basádo en los principios del IoT.</a:t>
+            </a:r>
+          </a:p>
+          <a:p>
+            <a:pPr marL="294105" indent="-294105">
+              <a:buClr>
+                <a:srgbClr val="5C86B9"/>
+              </a:buClr>
+              <a:buSzPct val="70000"/>
+              <a:buFont typeface="Zapf Dingbats"/>
+              <a:buChar char="-"/>
+            </a:pPr>
+            <a:r>
+              <a:t>Este sistema se integrará en una raspberry pi.</a:t>
+            </a:r>
+          </a:p>
+          <a:p>
+            <a:pPr marL="294105" indent="-294105">
+              <a:buClr>
+                <a:srgbClr val="5C86B9"/>
+              </a:buClr>
+              <a:buSzPct val="70000"/>
+              <a:buFont typeface="Zapf Dingbats"/>
+              <a:buChar char="-"/>
+            </a:pPr>
+            <a:r>
+              <a:t>El sistema se desarrollará en NodeJS, el cual es un entorno de ejecución de JavaScript, de esta manera veremos opciones distintas a Python, que prácticamente se ha establecido como el lenguaje oficial de la Raspberry pi. Y veremos la capacidad que tiene este entorno para adaptarse al IoT.</a:t>
+            </a:r>
+          </a:p>
+          <a:p>
+            <a:pPr marL="294105" indent="-294105">
+              <a:buClr>
+                <a:srgbClr val="5C86B9"/>
+              </a:buClr>
+              <a:buSzPct val="70000"/>
+              <a:buFont typeface="Zapf Dingbats"/>
+              <a:buChar char="-"/>
+            </a:pPr>
+            <a:r>
+              <a:t>Se buscará tener en todo momento un control de los usuarios que están en casa, se buscará que este sea un sistema transparente al usuario final. De esta forma se ha pensado en la detección de los usuarios mediante el protocolo ARP y detectar que usuario tenemos en casa mediante la identificación de su MAC.</a:t>
+            </a:r>
+          </a:p>
+          <a:p>
+            <a:pPr marL="294105" indent="-294105">
+              <a:buClr>
+                <a:srgbClr val="5C86B9"/>
+              </a:buClr>
+              <a:buSzPct val="70000"/>
+              <a:buFont typeface="Zapf Dingbats"/>
+              <a:buChar char="-"/>
+            </a:pPr>
+            <a:r>
+              <a:t>Para finalizar, se buscará que el control de nuestro sistema domótico se realice mediante una aplicación de mensajería, sabiendo que hoy en día estas son una de las aplicaciones indispensables en nuestras vidas, parece interesante el estudiar la posibilidad de añadir una pequeña aplicación propia a uno de estos servicios.</a:t>
+            </a:r>
+          </a:p>
+        </p:txBody>
+      </p:sp>
+    </p:spTree>
+  </p:cSld>
+  <p:clrMapOvr>
+    <a:masterClrMapping/>
+  </p:clrMapOvr>
+</p:notes>
+</file>
+
+<file path=ppt/notesSlides/notesSlide20.xml><?xml version="1.0" encoding="utf-8"?>
+<p:notes xmlns:a="http://schemas.openxmlformats.org/drawingml/2006/main" xmlns:r="http://schemas.openxmlformats.org/officeDocument/2006/relationships" xmlns:p="http://schemas.openxmlformats.org/presentationml/2006/main" showMasterSp="1" showMasterPhAnim="1">
+  <p:cSld>
+    <p:spTree>
+      <p:nvGrpSpPr>
+        <p:cNvPr id="1" name=""/>
+        <p:cNvGrpSpPr/>
+        <p:nvPr/>
+      </p:nvGrpSpPr>
+      <p:grpSpPr>
+        <a:xfrm>
+          <a:off x="0" y="0"/>
+          <a:ext cx="0" cy="0"/>
+          <a:chOff x="0" y="0"/>
+          <a:chExt cx="0" cy="0"/>
+        </a:xfrm>
+      </p:grpSpPr>
+      <p:sp>
+        <p:nvSpPr>
+          <p:cNvPr id="264" name="Shape 264"/>
+          <p:cNvSpPr/>
+          <p:nvPr>
+            <p:ph type="sldImg"/>
+          </p:nvPr>
+        </p:nvSpPr>
+        <p:spPr>
+          <a:prstGeom prst="rect">
+            <a:avLst/>
+          </a:prstGeom>
+        </p:spPr>
+        <p:txBody>
+          <a:bodyPr/>
+          <a:lstStyle/>
+          <a:p>
+            <a:pPr/>
+          </a:p>
+        </p:txBody>
+      </p:sp>
+      <p:sp>
+        <p:nvSpPr>
+          <p:cNvPr id="265" name="Shape 265"/>
+          <p:cNvSpPr/>
+          <p:nvPr>
+            <p:ph type="body" sz="quarter" idx="1"/>
+          </p:nvPr>
+        </p:nvSpPr>
+        <p:spPr>
+          <a:prstGeom prst="rect">
+            <a:avLst/>
+          </a:prstGeom>
+        </p:spPr>
+        <p:txBody>
+          <a:bodyPr/>
+          <a:lstStyle/>
+          <a:p>
+            <a:pPr/>
+            <a:r>
+              <a:t>Aquí vemos el tiempo que tarda en realizarse el protocolo ARP. Vemos que son tiempos altos, pero son aceptables dentro de la funcionalidad que nosotros buscamos.</a:t>
+            </a:r>
+          </a:p>
+        </p:txBody>
+      </p:sp>
+    </p:spTree>
+  </p:cSld>
+  <p:clrMapOvr>
+    <a:masterClrMapping/>
+  </p:clrMapOvr>
+</p:notes>
+</file>
+
+<file path=ppt/notesSlides/notesSlide21.xml><?xml version="1.0" encoding="utf-8"?>
+<p:notes xmlns:a="http://schemas.openxmlformats.org/drawingml/2006/main" xmlns:r="http://schemas.openxmlformats.org/officeDocument/2006/relationships" xmlns:p="http://schemas.openxmlformats.org/presentationml/2006/main" showMasterSp="1" showMasterPhAnim="1">
+  <p:cSld>
+    <p:spTree>
+      <p:nvGrpSpPr>
+        <p:cNvPr id="1" name=""/>
+        <p:cNvGrpSpPr/>
+        <p:nvPr/>
+      </p:nvGrpSpPr>
+      <p:grpSpPr>
+        <a:xfrm>
+          <a:off x="0" y="0"/>
+          <a:ext cx="0" cy="0"/>
+          <a:chOff x="0" y="0"/>
+          <a:chExt cx="0" cy="0"/>
+        </a:xfrm>
+      </p:grpSpPr>
+      <p:sp>
+        <p:nvSpPr>
+          <p:cNvPr id="270" name="Shape 270"/>
+          <p:cNvSpPr/>
+          <p:nvPr>
+            <p:ph type="sldImg"/>
+          </p:nvPr>
+        </p:nvSpPr>
+        <p:spPr>
+          <a:prstGeom prst="rect">
+            <a:avLst/>
+          </a:prstGeom>
+        </p:spPr>
+        <p:txBody>
+          <a:bodyPr/>
+          <a:lstStyle/>
+          <a:p>
+            <a:pPr/>
+          </a:p>
+        </p:txBody>
+      </p:sp>
+      <p:sp>
+        <p:nvSpPr>
+          <p:cNvPr id="271" name="Shape 271"/>
+          <p:cNvSpPr/>
+          <p:nvPr>
+            <p:ph type="body" sz="quarter" idx="1"/>
+          </p:nvPr>
+        </p:nvSpPr>
+        <p:spPr>
+          <a:prstGeom prst="rect">
+            <a:avLst/>
+          </a:prstGeom>
+        </p:spPr>
+        <p:txBody>
+          <a:bodyPr/>
+          <a:lstStyle/>
+          <a:p>
+            <a:pPr/>
+            <a:r>
+              <a:t>Estos tiempos son tomados desde que se empieza a tomar la foto hasta que ésta se almacena en nuestro disco duro. Pues es necesario almacenar la foto para poder enviarla desde nuestro módulo.</a:t>
+            </a:r>
+          </a:p>
+          <a:p>
+            <a:pPr/>
+            <a:r>
+              <a:t>Se ha medido la velocidad con dos módulos diferentes y se puede ver como no influye el módulo en los tiempos, por lo que usaremos cualquiera de ellos. </a:t>
+            </a:r>
+          </a:p>
+          <a:p>
+            <a:pPr/>
+            <a:r>
+              <a:t>Por otro lado, estos datos son tomados con una webcam antigua, por lo que habría que realizar pruebas con otro tipo de webcam y ver que tipo de influencia tiene.</a:t>
+            </a:r>
+          </a:p>
+        </p:txBody>
+      </p:sp>
+    </p:spTree>
+  </p:cSld>
+  <p:clrMapOvr>
+    <a:masterClrMapping/>
+  </p:clrMapOvr>
+</p:notes>
+</file>
+
+<file path=ppt/notesSlides/notesSlide22.xml><?xml version="1.0" encoding="utf-8"?>
+<p:notes xmlns:a="http://schemas.openxmlformats.org/drawingml/2006/main" xmlns:r="http://schemas.openxmlformats.org/officeDocument/2006/relationships" xmlns:p="http://schemas.openxmlformats.org/presentationml/2006/main" showMasterSp="1" showMasterPhAnim="1">
+  <p:cSld>
+    <p:spTree>
+      <p:nvGrpSpPr>
+        <p:cNvPr id="1" name=""/>
+        <p:cNvGrpSpPr/>
+        <p:nvPr/>
+      </p:nvGrpSpPr>
+      <p:grpSpPr>
+        <a:xfrm>
+          <a:off x="0" y="0"/>
+          <a:ext cx="0" cy="0"/>
+          <a:chOff x="0" y="0"/>
+          <a:chExt cx="0" cy="0"/>
+        </a:xfrm>
+      </p:grpSpPr>
+      <p:sp>
+        <p:nvSpPr>
+          <p:cNvPr id="276" name="Shape 276"/>
+          <p:cNvSpPr/>
+          <p:nvPr>
+            <p:ph type="sldImg"/>
+          </p:nvPr>
+        </p:nvSpPr>
+        <p:spPr>
+          <a:prstGeom prst="rect">
+            <a:avLst/>
+          </a:prstGeom>
+        </p:spPr>
+        <p:txBody>
+          <a:bodyPr/>
+          <a:lstStyle/>
+          <a:p>
+            <a:pPr/>
+          </a:p>
+        </p:txBody>
+      </p:sp>
+      <p:sp>
+        <p:nvSpPr>
+          <p:cNvPr id="277" name="Shape 277"/>
+          <p:cNvSpPr/>
+          <p:nvPr>
+            <p:ph type="body" sz="quarter" idx="1"/>
+          </p:nvPr>
+        </p:nvSpPr>
+        <p:spPr>
+          <a:prstGeom prst="rect">
+            <a:avLst/>
+          </a:prstGeom>
+        </p:spPr>
+        <p:txBody>
+          <a:bodyPr/>
+          <a:lstStyle/>
+          <a:p>
+            <a:pPr/>
+            <a:r>
+              <a:t>Estos son los datos de la recepción y reproducción de audio. Pero bien es cierto que estos datos son muy subjetivos pues depende	de la duración del audio, también hay que incluir el tiempo de subida del audio que es algo que no podemos medir y también de la velocidad de descarga de la red doméstica.</a:t>
+            </a:r>
+          </a:p>
+        </p:txBody>
+      </p:sp>
+    </p:spTree>
+  </p:cSld>
+  <p:clrMapOvr>
+    <a:masterClrMapping/>
+  </p:clrMapOvr>
+</p:notes>
+</file>
+
+<file path=ppt/notesSlides/notesSlide23.xml><?xml version="1.0" encoding="utf-8"?>
+<p:notes xmlns:a="http://schemas.openxmlformats.org/drawingml/2006/main" xmlns:r="http://schemas.openxmlformats.org/officeDocument/2006/relationships" xmlns:p="http://schemas.openxmlformats.org/presentationml/2006/main" showMasterSp="1" showMasterPhAnim="1">
+  <p:cSld>
+    <p:spTree>
+      <p:nvGrpSpPr>
+        <p:cNvPr id="1" name=""/>
+        <p:cNvGrpSpPr/>
+        <p:nvPr/>
+      </p:nvGrpSpPr>
+      <p:grpSpPr>
+        <a:xfrm>
+          <a:off x="0" y="0"/>
+          <a:ext cx="0" cy="0"/>
+          <a:chOff x="0" y="0"/>
+          <a:chExt cx="0" cy="0"/>
+        </a:xfrm>
+      </p:grpSpPr>
+      <p:sp>
+        <p:nvSpPr>
+          <p:cNvPr id="282" name="Shape 282"/>
+          <p:cNvSpPr/>
+          <p:nvPr>
+            <p:ph type="sldImg"/>
+          </p:nvPr>
+        </p:nvSpPr>
+        <p:spPr>
+          <a:prstGeom prst="rect">
+            <a:avLst/>
+          </a:prstGeom>
+        </p:spPr>
+        <p:txBody>
+          <a:bodyPr/>
+          <a:lstStyle/>
+          <a:p>
+            <a:pPr/>
+          </a:p>
+        </p:txBody>
+      </p:sp>
+      <p:sp>
+        <p:nvSpPr>
+          <p:cNvPr id="283" name="Shape 283"/>
+          <p:cNvSpPr/>
+          <p:nvPr>
+            <p:ph type="body" sz="quarter" idx="1"/>
+          </p:nvPr>
+        </p:nvSpPr>
+        <p:spPr>
+          <a:prstGeom prst="rect">
+            <a:avLst/>
+          </a:prstGeom>
+        </p:spPr>
+        <p:txBody>
+          <a:bodyPr/>
+          <a:lstStyle/>
+          <a:p>
+            <a:pPr/>
+            <a:r>
+              <a:t>Aquí podemos ver el los tiempos de la petición y tratamiento de datos meteorológicos.</a:t>
+            </a:r>
+          </a:p>
+          <a:p>
+            <a:pPr/>
+          </a:p>
+          <a:p>
+            <a:pPr/>
+            <a:r>
+              <a:t>Como conclusión a estas pruebas de rendimiento podemos decir que se ve que hay una diferencia sustancial entre ambas máquinas algo que es totalmente obvio viendo las grandísimas diferencias que hay entre ambas máquinas. Pero los tiempos obtenidos por nuestra Raspberry Pi son asumibles, de igual forma que vemos que no los tiempos no son proporcionales a la potencia de la máquina</a:t>
+            </a:r>
+          </a:p>
+        </p:txBody>
+      </p:sp>
+    </p:spTree>
+  </p:cSld>
+  <p:clrMapOvr>
+    <a:masterClrMapping/>
+  </p:clrMapOvr>
+</p:notes>
+</file>
+
+<file path=ppt/notesSlides/notesSlide24.xml><?xml version="1.0" encoding="utf-8"?>
+<p:notes xmlns:a="http://schemas.openxmlformats.org/drawingml/2006/main" xmlns:r="http://schemas.openxmlformats.org/officeDocument/2006/relationships" xmlns:p="http://schemas.openxmlformats.org/presentationml/2006/main" showMasterSp="1" showMasterPhAnim="1">
+  <p:cSld>
+    <p:spTree>
+      <p:nvGrpSpPr>
+        <p:cNvPr id="1" name=""/>
+        <p:cNvGrpSpPr/>
+        <p:nvPr/>
+      </p:nvGrpSpPr>
+      <p:grpSpPr>
+        <a:xfrm>
+          <a:off x="0" y="0"/>
+          <a:ext cx="0" cy="0"/>
+          <a:chOff x="0" y="0"/>
+          <a:chExt cx="0" cy="0"/>
+        </a:xfrm>
+      </p:grpSpPr>
+      <p:sp>
+        <p:nvSpPr>
+          <p:cNvPr id="291" name="Shape 291"/>
+          <p:cNvSpPr/>
+          <p:nvPr>
+            <p:ph type="sldImg"/>
+          </p:nvPr>
+        </p:nvSpPr>
+        <p:spPr>
+          <a:prstGeom prst="rect">
+            <a:avLst/>
+          </a:prstGeom>
+        </p:spPr>
+        <p:txBody>
+          <a:bodyPr/>
+          <a:lstStyle/>
+          <a:p>
+            <a:pPr/>
+          </a:p>
+        </p:txBody>
+      </p:sp>
+      <p:sp>
+        <p:nvSpPr>
+          <p:cNvPr id="292" name="Shape 292"/>
+          <p:cNvSpPr/>
+          <p:nvPr>
+            <p:ph type="body" sz="quarter" idx="1"/>
+          </p:nvPr>
+        </p:nvSpPr>
+        <p:spPr>
+          <a:prstGeom prst="rect">
+            <a:avLst/>
+          </a:prstGeom>
+        </p:spPr>
+        <p:txBody>
+          <a:bodyPr/>
+          <a:lstStyle/>
+          <a:p>
+            <a:pPr/>
+            <a:r>
+              <a:t>En esta tabla podemos ver los costes fijos totales que tendríamos por dispositivo.</a:t>
+            </a:r>
+          </a:p>
+          <a:p>
+            <a:pPr/>
+          </a:p>
+          <a:p>
+            <a:pPr/>
+            <a:r>
+              <a:t>A esto habría que sumarle las 300 horas de desarrollo a un precio de 30€/h, que daría un coste total de desarrollo de 9000€ por lo que si repartimos estas horas entre los primeros 100 dispositivos, tendríamos un coste total del 185€ por dispositivo.</a:t>
+            </a:r>
+          </a:p>
+          <a:p>
+            <a:pPr/>
+          </a:p>
+          <a:p>
+            <a:pPr/>
+            <a:r>
+              <a:t>A esto habría que sumar los módulos supletorios que el cliente requiera y su instalación.</a:t>
+            </a:r>
+          </a:p>
+        </p:txBody>
+      </p:sp>
+    </p:spTree>
+  </p:cSld>
+  <p:clrMapOvr>
+    <a:masterClrMapping/>
+  </p:clrMapOvr>
+</p:notes>
+</file>
+
+<file path=ppt/notesSlides/notesSlide25.xml><?xml version="1.0" encoding="utf-8"?>
+<p:notes xmlns:a="http://schemas.openxmlformats.org/drawingml/2006/main" xmlns:r="http://schemas.openxmlformats.org/officeDocument/2006/relationships" xmlns:p="http://schemas.openxmlformats.org/presentationml/2006/main" showMasterSp="1" showMasterPhAnim="1">
+  <p:cSld>
+    <p:spTree>
+      <p:nvGrpSpPr>
+        <p:cNvPr id="1" name=""/>
+        <p:cNvGrpSpPr/>
+        <p:nvPr/>
+      </p:nvGrpSpPr>
+      <p:grpSpPr>
+        <a:xfrm>
+          <a:off x="0" y="0"/>
+          <a:ext cx="0" cy="0"/>
+          <a:chOff x="0" y="0"/>
+          <a:chExt cx="0" cy="0"/>
+        </a:xfrm>
+      </p:grpSpPr>
+      <p:sp>
+        <p:nvSpPr>
+          <p:cNvPr id="297" name="Shape 297"/>
+          <p:cNvSpPr/>
+          <p:nvPr>
+            <p:ph type="sldImg"/>
+          </p:nvPr>
+        </p:nvSpPr>
+        <p:spPr>
+          <a:prstGeom prst="rect">
+            <a:avLst/>
+          </a:prstGeom>
+        </p:spPr>
+        <p:txBody>
+          <a:bodyPr/>
+          <a:lstStyle/>
+          <a:p>
+            <a:pPr/>
+          </a:p>
+        </p:txBody>
+      </p:sp>
+      <p:sp>
+        <p:nvSpPr>
+          <p:cNvPr id="298" name="Shape 298"/>
+          <p:cNvSpPr/>
+          <p:nvPr>
+            <p:ph type="body" sz="quarter" idx="1"/>
+          </p:nvPr>
+        </p:nvSpPr>
+        <p:spPr>
+          <a:prstGeom prst="rect">
+            <a:avLst/>
+          </a:prstGeom>
+        </p:spPr>
+        <p:txBody>
+          <a:bodyPr/>
+          <a:lstStyle/>
+          <a:p>
+            <a:pPr/>
+            <a:r>
+              <a:t>Se han podido ver diferentes deficiencias en este sistema durante el desarrollo y por ello se proponen los siguientes desarrollos futuros:</a:t>
+            </a:r>
+          </a:p>
+          <a:p>
+            <a:pPr/>
+          </a:p>
+          <a:p>
+            <a:pPr marL="294105" indent="-294105">
+              <a:buClr>
+                <a:srgbClr val="5C86B9"/>
+              </a:buClr>
+              <a:buSzPct val="70000"/>
+              <a:buFont typeface="Zapf Dingbats"/>
+              <a:buChar char="-"/>
+            </a:pPr>
+            <a:r>
+              <a:t>Investigar sobre nuevos métodos para la detección de presencia de forma transparente al usuario de forma que se mejoren los tiempos obtenidos.</a:t>
+            </a:r>
+          </a:p>
+          <a:p>
+            <a:pPr marL="294105" indent="-294105">
+              <a:buClr>
+                <a:srgbClr val="5C86B9"/>
+              </a:buClr>
+              <a:buSzPct val="70000"/>
+              <a:buFont typeface="Zapf Dingbats"/>
+              <a:buChar char="-"/>
+            </a:pPr>
+            <a:r>
+              <a:t>Realizar pruebas de rendimientos con diferentes cámaras y ver que velocidad de captura se puede obtener.</a:t>
+            </a:r>
+          </a:p>
+          <a:p>
+            <a:pPr marL="294105" indent="-294105">
+              <a:buClr>
+                <a:srgbClr val="5C86B9"/>
+              </a:buClr>
+              <a:buSzPct val="70000"/>
+              <a:buFont typeface="Zapf Dingbats"/>
+              <a:buChar char="-"/>
+            </a:pPr>
+            <a:r>
+              <a:t>Desarrollar un algoritmo que detecte qué elementos tiene conectado el sistema y actúe en consecuencia</a:t>
+            </a:r>
+          </a:p>
+          <a:p>
+            <a:pPr marL="294105" indent="-294105">
+              <a:buClr>
+                <a:srgbClr val="5C86B9"/>
+              </a:buClr>
+              <a:buSzPct val="70000"/>
+              <a:buFont typeface="Zapf Dingbats"/>
+              <a:buChar char="-"/>
+            </a:pPr>
+            <a:r>
+              <a:t>Desarrollar un sistema de visión artificial capaz de identificar tanto a los usuarios como diferentes situaciones especiales como puede ser un incendio.</a:t>
+            </a:r>
+          </a:p>
+          <a:p>
+            <a:pPr marL="294105" indent="-294105">
+              <a:buClr>
+                <a:srgbClr val="5C86B9"/>
+              </a:buClr>
+              <a:buSzPct val="70000"/>
+              <a:buFont typeface="Zapf Dingbats"/>
+              <a:buChar char="-"/>
+            </a:pPr>
+            <a:r>
+              <a:t>Realizar pruebas de rendimiento con diferentes lenguajes de programación como por ejemplo Python, Ruby, Java, que son lenguajes que tienen su propio framework para el uso del Bot API</a:t>
+            </a:r>
+          </a:p>
+        </p:txBody>
+      </p:sp>
+    </p:spTree>
+  </p:cSld>
+  <p:clrMapOvr>
+    <a:masterClrMapping/>
+  </p:clrMapOvr>
+</p:notes>
+</file>
+
+<file path=ppt/notesSlides/notesSlide26.xml><?xml version="1.0" encoding="utf-8"?>
+<p:notes xmlns:a="http://schemas.openxmlformats.org/drawingml/2006/main" xmlns:r="http://schemas.openxmlformats.org/officeDocument/2006/relationships" xmlns:p="http://schemas.openxmlformats.org/presentationml/2006/main" showMasterSp="1" showMasterPhAnim="1">
+  <p:cSld>
+    <p:spTree>
+      <p:nvGrpSpPr>
+        <p:cNvPr id="1" name=""/>
+        <p:cNvGrpSpPr/>
+        <p:nvPr/>
+      </p:nvGrpSpPr>
+      <p:grpSpPr>
+        <a:xfrm>
+          <a:off x="0" y="0"/>
+          <a:ext cx="0" cy="0"/>
+          <a:chOff x="0" y="0"/>
+          <a:chExt cx="0" cy="0"/>
+        </a:xfrm>
+      </p:grpSpPr>
+      <p:sp>
+        <p:nvSpPr>
+          <p:cNvPr id="303" name="Shape 303"/>
+          <p:cNvSpPr/>
+          <p:nvPr>
+            <p:ph type="sldImg"/>
+          </p:nvPr>
+        </p:nvSpPr>
+        <p:spPr>
+          <a:prstGeom prst="rect">
+            <a:avLst/>
+          </a:prstGeom>
+        </p:spPr>
+        <p:txBody>
+          <a:bodyPr/>
+          <a:lstStyle/>
+          <a:p>
+            <a:pPr/>
+          </a:p>
+        </p:txBody>
+      </p:sp>
+      <p:sp>
+        <p:nvSpPr>
+          <p:cNvPr id="304" name="Shape 304"/>
+          <p:cNvSpPr/>
+          <p:nvPr>
+            <p:ph type="body" sz="quarter" idx="1"/>
+          </p:nvPr>
+        </p:nvSpPr>
+        <p:spPr>
+          <a:prstGeom prst="rect">
+            <a:avLst/>
+          </a:prstGeom>
+        </p:spPr>
+        <p:txBody>
+          <a:bodyPr/>
+          <a:lstStyle/>
+          <a:p>
+            <a:pPr/>
+            <a:r>
+              <a:t>Hemos visto como los objetivos iniciales planteados se han podido satisfacer positivamente.</a:t>
+            </a:r>
+          </a:p>
+          <a:p>
+            <a:pPr marL="294105" indent="-294105">
+              <a:buClr>
+                <a:srgbClr val="5C86B9"/>
+              </a:buClr>
+              <a:buSzPct val="70000"/>
+              <a:buFont typeface="Zapf Dingbats"/>
+              <a:buChar char="-"/>
+            </a:pPr>
+            <a:r>
+              <a:t>En primer lugar hemos visto como la Raspberry Pi tiene algunas limitaciones pero cumple perfectamente con las exigencias que nosotros le pedimos.</a:t>
+            </a:r>
+          </a:p>
+          <a:p>
+            <a:pPr marL="294105" indent="-294105">
+              <a:buClr>
+                <a:srgbClr val="5C86B9"/>
+              </a:buClr>
+              <a:buSzPct val="70000"/>
+              <a:buFont typeface="Zapf Dingbats"/>
+              <a:buChar char="-"/>
+            </a:pPr>
+            <a:r>
+              <a:t>Respecto al uso de NodeJS, hemos podido realizar todas las funciones que queríamos, consiguiendo grandes facilidades mediante el uso de módulos de terceros.</a:t>
+            </a:r>
+          </a:p>
+          <a:p>
+            <a:pPr marL="294105" indent="-294105">
+              <a:buClr>
+                <a:srgbClr val="5C86B9"/>
+              </a:buClr>
+              <a:buSzPct val="70000"/>
+              <a:buFont typeface="Zapf Dingbats"/>
+              <a:buChar char="-"/>
+            </a:pPr>
+            <a:r>
+              <a:t>El control de presencia planteado se ha podido implementar en el sistema, aunque en el apartado de pruebas de rendimiento hemos visto que lleva un tiempo bastante alto el reconocimiento de la red, pero es un tiempo que podemos permitirnos.</a:t>
+            </a:r>
+          </a:p>
+          <a:p>
+            <a:pPr marL="294105" indent="-294105">
+              <a:buClr>
+                <a:srgbClr val="5C86B9"/>
+              </a:buClr>
+              <a:buSzPct val="70000"/>
+              <a:buFont typeface="Zapf Dingbats"/>
+              <a:buChar char="-"/>
+            </a:pPr>
+            <a:r>
+              <a:t>Por último, el requisito final propuesto que era el control del sistema mediante una aplicación de mensajería se ha podido satisfacer mediante el Bot API de Telegram. Integrando un Bot en su cliente y haciendo la tarea de control muy intuitiva.</a:t>
             </a:r>
           </a:p>
         </p:txBody>
@@ -687,7 +2466,7 @@
       </p:grpSpPr>
       <p:sp>
         <p:nvSpPr>
-          <p:cNvPr id="156" name="Shape 156"/>
+          <p:cNvPr id="161" name="Shape 161"/>
           <p:cNvSpPr/>
           <p:nvPr>
             <p:ph type="sldImg"/>
@@ -708,7 +2487,7 @@
       </p:sp>
       <p:sp>
         <p:nvSpPr>
-          <p:cNvPr id="157" name="Shape 157"/>
+          <p:cNvPr id="162" name="Shape 162"/>
           <p:cNvSpPr/>
           <p:nvPr>
             <p:ph type="body" sz="quarter" idx="1"/>
@@ -725,75 +2504,19 @@
           <a:p>
             <a:pPr/>
             <a:r>
-              <a:t>En el presenta TFM se van a buscar unos objetivos buscando una relación entre el IoT y el entorno doméstico.</a:t>
-            </a:r>
-          </a:p>
-          <a:p>
-            <a:pPr/>
-          </a:p>
-          <a:p>
-            <a:pPr marL="294105" indent="-294105">
-              <a:buClr>
-                <a:srgbClr val="5C86B9"/>
-              </a:buClr>
-              <a:buSzPct val="70000"/>
-              <a:buFont typeface="Zapf Dingbats"/>
-              <a:buChar char="-"/>
-            </a:pPr>
-            <a:r>
-              <a:t>Realizar un sistema domótico basádo en los principios del IoT.</a:t>
-            </a:r>
-          </a:p>
-          <a:p>
-            <a:pPr marL="294105" indent="-294105">
-              <a:buClr>
-                <a:srgbClr val="5C86B9"/>
-              </a:buClr>
-              <a:buSzPct val="70000"/>
-              <a:buFont typeface="Zapf Dingbats"/>
-              <a:buChar char="-"/>
-            </a:pPr>
-            <a:r>
-              <a:t>Este sistema se integrará en una raspberry pi.</a:t>
-            </a:r>
-          </a:p>
-          <a:p>
-            <a:pPr marL="294105" indent="-294105">
-              <a:buClr>
-                <a:srgbClr val="5C86B9"/>
-              </a:buClr>
-              <a:buSzPct val="70000"/>
-              <a:buFont typeface="Zapf Dingbats"/>
-              <a:buChar char="-"/>
-            </a:pPr>
-            <a:r>
-              <a:t>El sistema se desarrollará en NodeJS, el cual es un entorno de ejecución de JavaScript, de esta manera veremos opciones distintas a Python, que prácticamente se ha establecido como el lenguaje oficial de la Raspberry pi. Y veremos la capacidad que tiene este entorno para adaptarse al IoT.</a:t>
-            </a:r>
-          </a:p>
-          <a:p>
-            <a:pPr marL="294105" indent="-294105">
-              <a:buClr>
-                <a:srgbClr val="5C86B9"/>
-              </a:buClr>
-              <a:buSzPct val="70000"/>
-              <a:buFont typeface="Zapf Dingbats"/>
-              <a:buChar char="-"/>
-            </a:pPr>
-            <a:r>
-              <a:t>Se buscará tener en todo momento un control de los usuarios que están en casa, se buscará que este sea un sistema transparente al usuario final. De esta forma se ha pensado en la detección de los usuarios mediante el protocolo ARP y detectar que usuario tenemos en casa mediante la identificación de su MAC.</a:t>
-            </a:r>
-          </a:p>
-          <a:p>
-            <a:pPr marL="294105" indent="-294105">
-              <a:buClr>
-                <a:srgbClr val="5C86B9"/>
-              </a:buClr>
-              <a:buSzPct val="70000"/>
-              <a:buFont typeface="Zapf Dingbats"/>
-              <a:buChar char="-"/>
-            </a:pPr>
-            <a:r>
-              <a:t>Para finalizar, se buscará que el control de nuestro sistema domótico se realice mediante una aplicación de mensajería, sabiendo que hoy en día estas son una de las aplicaciones indispensables en nuestras vidas, parece interesante el estudiar la posibilidad de añadir una pequeña aplicación propia a uno de estos servicios.</a:t>
+              <a:t>En la imagen podemos ver la arquitectura global del sistema, se puede ver como el usuario nunca tiene contacto directo con él. Pues la comunicación se establece siempre con el servidor de telegram de por medio.</a:t>
+            </a:r>
+          </a:p>
+          <a:p>
+            <a:pPr/>
+            <a:r>
+              <a:t>Una vez que el usuario envía un comando y la aplicación lo recibe, esto provoca un evento que envía la orden hacia la lógica de control, la cual actúa en consecuencia de su alrededor.</a:t>
+            </a:r>
+          </a:p>
+          <a:p>
+            <a:pPr/>
+            <a:r>
+              <a:t>De igual forma que el usuario envía comandos al sistema, el sistema enviará al usuario los diferentes dato que recoge por los diferentes sensores o servicios que se estén manejando en ese momento.</a:t>
             </a:r>
           </a:p>
         </p:txBody>
@@ -825,7 +2548,7 @@
       </p:grpSpPr>
       <p:sp>
         <p:nvSpPr>
-          <p:cNvPr id="161" name="Shape 161"/>
+          <p:cNvPr id="167" name="Shape 167"/>
           <p:cNvSpPr/>
           <p:nvPr>
             <p:ph type="sldImg"/>
@@ -846,7 +2569,7 @@
       </p:sp>
       <p:sp>
         <p:nvSpPr>
-          <p:cNvPr id="162" name="Shape 162"/>
+          <p:cNvPr id="168" name="Shape 168"/>
           <p:cNvSpPr/>
           <p:nvPr>
             <p:ph type="body" sz="quarter" idx="1"/>
@@ -863,19 +2586,7 @@
           <a:p>
             <a:pPr/>
             <a:r>
-              <a:t>En la imagen podemos ver la arquitectura global del sistema, se puede ver como el usuario nunca tiene contacto directo con él. Pues la comunicación se establece siempre con el servidor de telegram de por medio.</a:t>
-            </a:r>
-          </a:p>
-          <a:p>
-            <a:pPr/>
-            <a:r>
-              <a:t>Una vez que el usuario envía un comando y la aplicación lo recibe, esto provoca un evento que envía la orden hacia la lógica de control, la cual actúa en consecuencia de su alrededor.</a:t>
-            </a:r>
-          </a:p>
-          <a:p>
-            <a:pPr/>
-            <a:r>
-              <a:t>De igual forma que el usuario envía comandos al sistema, el sistema enviará al usuario los diferentes dato que recoge por los diferentes sensores o servicios que se estén manejando en ese momento.</a:t>
+              <a:t>Ahora vamos a ver el punto más denso de la presentación que es como está desarrollado el sistema, siguiendo los puntos que vemos en esta diapositiva.</a:t>
             </a:r>
           </a:p>
         </p:txBody>
@@ -907,7 +2618,7 @@
       </p:grpSpPr>
       <p:sp>
         <p:nvSpPr>
-          <p:cNvPr id="168" name="Shape 168"/>
+          <p:cNvPr id="173" name="Shape 173"/>
           <p:cNvSpPr/>
           <p:nvPr>
             <p:ph type="sldImg"/>
@@ -928,7 +2639,7 @@
       </p:sp>
       <p:sp>
         <p:nvSpPr>
-          <p:cNvPr id="169" name="Shape 169"/>
+          <p:cNvPr id="174" name="Shape 174"/>
           <p:cNvSpPr/>
           <p:nvPr>
             <p:ph type="body" sz="quarter" idx="1"/>
@@ -945,22 +2656,70 @@
           <a:p>
             <a:pPr/>
             <a:r>
-              <a:t>El componente principal del sistema es la Raspberry Pi, en concreto usaremos la versión 3.</a:t>
-            </a:r>
-          </a:p>
-          <a:p>
-            <a:pPr/>
-            <a:r>
-              <a:t>La raspberry Pi se puede definir como un miniordenador que en su interior cuenta con un procesador ARM de 64bits con 4 núcleos a 1,2GHz. Cuenta con 1GB de memoria RAM, además de conectiva Wi-Fi, Bluetooth, Ethernet…</a:t>
-            </a:r>
-          </a:p>
-          <a:p>
-            <a:pPr/>
-          </a:p>
-          <a:p>
-            <a:pPr/>
-            <a:r>
-              <a:t>Los demás componentes que se usarán en el sistema son genéricos, por lo que no dependemos de modelos concretos.</a:t>
+              <a:t>Telegram ofrece dos tipos de API, la Telegram API, que permite crear tu propio cliente de telegram y la Bot API, que nos permite es crear una aplicación dentro del cliente de telegram. En este TFM nos centramos en el Bot API.</a:t>
+            </a:r>
+          </a:p>
+          <a:p>
+            <a:pPr/>
+          </a:p>
+          <a:p>
+            <a:pPr/>
+            <a:r>
+              <a:t>Con estos bots los usuarios pueden interactuar con estas aplicaciones mediante mensajes de texto, envío de ficheros, mensajes de voz, etc. Los cuales serán interpretados por nuestras aplicaciones</a:t>
+            </a:r>
+          </a:p>
+          <a:p>
+            <a:pPr/>
+          </a:p>
+          <a:p>
+            <a:pPr/>
+            <a:r>
+              <a:t>Como ejemplo de bots podemos ver:</a:t>
+            </a:r>
+          </a:p>
+          <a:p>
+            <a:pPr/>
+            <a:r>
+              <a:t>- Notificaciones de noticias, un bot que envíe publicaciones de interés tan pronto como sean publicadas.</a:t>
+            </a:r>
+          </a:p>
+          <a:p>
+            <a:pPr marL="294105" indent="-294105">
+              <a:buClr>
+                <a:srgbClr val="5C86B9"/>
+              </a:buClr>
+              <a:buSzPct val="70000"/>
+              <a:buFont typeface="Zapf Dingbats"/>
+              <a:buChar char="-"/>
+            </a:pPr>
+            <a:r>
+              <a:t>Integrar Telegram con otros servicios, los bots pueden incluirse en un chat y hacer peticiones a servicios externos como IMDB, Youtube, Wikipedia, etc.</a:t>
+            </a:r>
+          </a:p>
+          <a:p>
+            <a:pPr marL="294105" indent="-294105">
+              <a:buClr>
+                <a:srgbClr val="5C86B9"/>
+              </a:buClr>
+              <a:buSzPct val="70000"/>
+              <a:buFont typeface="Zapf Dingbats"/>
+              <a:buChar char="-"/>
+            </a:pPr>
+            <a:r>
+              <a:t>Juegos, se pueden integrar contenido html5 y de esta forma incluir juegos.</a:t>
+            </a:r>
+          </a:p>
+          <a:p>
+            <a:pPr marL="294105" indent="-294105">
+              <a:buClr>
+                <a:srgbClr val="5C86B9"/>
+              </a:buClr>
+              <a:buSzPct val="70000"/>
+              <a:buFont typeface="Zapf Dingbats"/>
+              <a:buChar char="-"/>
+            </a:pPr>
+            <a:r>
+              <a:t>Crear herramientas, tanto para usar de forma individual como en grupos como por ejemplo: predicciones meteorológicas, traducciones, votaciones, etc.</a:t>
             </a:r>
           </a:p>
         </p:txBody>
@@ -992,7 +2751,7 @@
       </p:grpSpPr>
       <p:sp>
         <p:nvSpPr>
-          <p:cNvPr id="176" name="Shape 176"/>
+          <p:cNvPr id="179" name="Shape 179"/>
           <p:cNvSpPr/>
           <p:nvPr>
             <p:ph type="sldImg"/>
@@ -1013,7 +2772,7 @@
       </p:sp>
       <p:sp>
         <p:nvSpPr>
-          <p:cNvPr id="177" name="Shape 177"/>
+          <p:cNvPr id="180" name="Shape 180"/>
           <p:cNvSpPr/>
           <p:nvPr>
             <p:ph type="body" sz="quarter" idx="1"/>
@@ -1030,7 +2789,13 @@
           <a:p>
             <a:pPr/>
             <a:r>
-              <a:t>El sistema se ha puesto a prueba haciendo un test a los siguientes módulos:</a:t>
+              <a:t>¿Como funcionan los bots?</a:t>
+            </a:r>
+          </a:p>
+          <a:p>
+            <a:pPr/>
+            <a:r>
+              <a:t>Los usuarios pueden interactuar de dos formas con los bots:</a:t>
             </a:r>
           </a:p>
           <a:p>
@@ -1043,7 +2808,7 @@
               <a:buChar char="-"/>
             </a:pPr>
             <a:r>
-              <a:t>Respuesta al protocolo ARP</a:t>
+              <a:t>Tratándolo como un usuario, podemos abrir un chat con él o agregarlo a un grupo y responderá cuando se introduzca un comando  registrado.</a:t>
             </a:r>
           </a:p>
           <a:p>
@@ -1056,51 +2821,7 @@
               <a:buChar char="-"/>
             </a:pPr>
             <a:r>
-              <a:t>Tiempo de captura de foto</a:t>
-            </a:r>
-          </a:p>
-          <a:p>
-            <a:pPr marL="294105" indent="-294105">
-              <a:buClr>
-                <a:srgbClr val="5C86B9"/>
-              </a:buClr>
-              <a:buSzPct val="70000"/>
-              <a:buFont typeface="Zapf Dingbats"/>
-              <a:buChar char="-"/>
-            </a:pPr>
-            <a:r>
-              <a:t>Proceso de recepción y reproducción de audio</a:t>
-            </a:r>
-          </a:p>
-          <a:p>
-            <a:pPr marL="294105" indent="-294105">
-              <a:buClr>
-                <a:srgbClr val="5C86B9"/>
-              </a:buClr>
-              <a:buSzPct val="70000"/>
-              <a:buFont typeface="Zapf Dingbats"/>
-              <a:buChar char="-"/>
-            </a:pPr>
-            <a:r>
-              <a:t>Petición de datos meteorológicos</a:t>
-            </a:r>
-          </a:p>
-          <a:p>
-            <a:pPr/>
-          </a:p>
-          <a:p>
-            <a:pPr/>
-            <a:r>
-              <a:t>Estos módulos se han probado sobre la Raspberry Pi en la que va a correr nuestra aplicación y sobre un sistema Debian virtual izado en un MacBook Pro.</a:t>
-            </a:r>
-          </a:p>
-          <a:p>
-            <a:pPr/>
-          </a:p>
-          <a:p>
-            <a:pPr/>
-            <a:r>
-              <a:t>Decir que en estas pruebas de rendimiento se ha obviado el tiempo de recepción del mensaje sobre la aplicación, puesto que el formato en el que se envía la fecha desde la aplicación está medido en el sistema Unix Time que se mide en segundos, sabiendo que los tiempos de recepción es del orden de milisegundos no tiene sentido hacer esta comparación.</a:t>
+              <a:t>Ejecutándolo como una acción sobre el teclado, podemos introducir @nombredelbot seguido del comando, así podemos usar el bot en cualquier chat y sin necesidad de añadirlo.</a:t>
             </a:r>
           </a:p>
         </p:txBody>
@@ -1132,7 +2853,7 @@
       </p:grpSpPr>
       <p:sp>
         <p:nvSpPr>
-          <p:cNvPr id="193" name="Shape 193"/>
+          <p:cNvPr id="185" name="Shape 185"/>
           <p:cNvSpPr/>
           <p:nvPr>
             <p:ph type="sldImg"/>
@@ -1153,7 +2874,7 @@
       </p:sp>
       <p:sp>
         <p:nvSpPr>
-          <p:cNvPr id="194" name="Shape 194"/>
+          <p:cNvPr id="186" name="Shape 186"/>
           <p:cNvSpPr/>
           <p:nvPr>
             <p:ph type="body" sz="quarter" idx="1"/>
@@ -1170,25 +2891,7 @@
           <a:p>
             <a:pPr/>
             <a:r>
-              <a:t>En esta tabla podemos ver los costes fijos totales que tendríamos por dispositivo.</a:t>
-            </a:r>
-          </a:p>
-          <a:p>
-            <a:pPr/>
-          </a:p>
-          <a:p>
-            <a:pPr/>
-            <a:r>
-              <a:t>A esto habría que sumarle las 300 horas de desarrollo a un precio de 30€/h, que daría un coste total de desarrollo de 9000€ por lo que si repartimos estas horas entre los primeros 100 dispositivos, tendríamos un coste total del 185€ por dispositivo.</a:t>
-            </a:r>
-          </a:p>
-          <a:p>
-            <a:pPr/>
-          </a:p>
-          <a:p>
-            <a:pPr/>
-            <a:r>
-              <a:t>A esto habría que sumar los módulos supletorios que el cliente requiera y su instalación.</a:t>
+              <a:t>Ahora vemos que se pueden identificar dos tipos de mensajes, los que envía el usuario hacia el bot y los que el bot envía hacia el usuario.</a:t>
             </a:r>
           </a:p>
         </p:txBody>
@@ -1220,7 +2923,7 @@
       </p:grpSpPr>
       <p:sp>
         <p:nvSpPr>
-          <p:cNvPr id="198" name="Shape 198"/>
+          <p:cNvPr id="191" name="Shape 191"/>
           <p:cNvSpPr/>
           <p:nvPr>
             <p:ph type="sldImg"/>
@@ -1241,7 +2944,7 @@
       </p:sp>
       <p:sp>
         <p:nvSpPr>
-          <p:cNvPr id="199" name="Shape 199"/>
+          <p:cNvPr id="192" name="Shape 192"/>
           <p:cNvSpPr/>
           <p:nvPr>
             <p:ph type="body" sz="quarter" idx="1"/>
@@ -1258,11 +2961,14 @@
           <a:p>
             <a:pPr/>
             <a:r>
-              <a:t>Se han podido ver diferentes deficiencias en este sistema durante el desarrollo y por ello se proponen los siguientes desarrollos futuros:</a:t>
-            </a:r>
-          </a:p>
-          <a:p>
-            <a:pPr/>
+              <a:t>Vamos a ver el primer tipo:</a:t>
+            </a:r>
+          </a:p>
+          <a:p>
+            <a:pPr/>
+            <a:r>
+              <a:t>Este tipo de mensajes que nosotros vamos a recibir en nuestra aplicación, son representados por un objeto JSON, que tiene 3 campos principales cada uno representado por un nuevo JSON.</a:t>
+            </a:r>
           </a:p>
           <a:p>
             <a:pPr marL="294105" indent="-294105">
@@ -1274,7 +2980,7 @@
               <a:buChar char="-"/>
             </a:pPr>
             <a:r>
-              <a:t>Investigar sobre nuevos métodos para la detección de presencia de forma transparente al usuario de forma que se mejoren los tiempos obtenidos.</a:t>
+              <a:t>User, es el campo que contiene los datos del usuario que envía el mensaje. Podemos encontrar el ID, nombre, apellido y su alias.</a:t>
             </a:r>
           </a:p>
           <a:p>
@@ -1287,7 +2993,7 @@
               <a:buChar char="-"/>
             </a:pPr>
             <a:r>
-              <a:t>Realizar pruebas de rendimientos con diferentes cámaras y ver que velocidad de captura se puede obtener.</a:t>
+              <a:t>Chat, contiene los datos del chat desde el que se envía el mensaje, esto es útil cuando el mensaje se envía por ejemplo desde un grupo. Encontramos el ID del chat, el tipo y su título.</a:t>
             </a:r>
           </a:p>
           <a:p>
@@ -1300,33 +3006,7 @@
               <a:buChar char="-"/>
             </a:pPr>
             <a:r>
-              <a:t>Desarrollar un algoritmo que detecte qué elementos tiene conectado el sistema y actúe en consecuencia</a:t>
-            </a:r>
-          </a:p>
-          <a:p>
-            <a:pPr marL="294105" indent="-294105">
-              <a:buClr>
-                <a:srgbClr val="5C86B9"/>
-              </a:buClr>
-              <a:buSzPct val="70000"/>
-              <a:buFont typeface="Zapf Dingbats"/>
-              <a:buChar char="-"/>
-            </a:pPr>
-            <a:r>
-              <a:t>Desarrollar un sistema de visión artificial capaz de identificar tanto a los usuarios como diferentes situaciones especiales como puede ser un incendio.</a:t>
-            </a:r>
-          </a:p>
-          <a:p>
-            <a:pPr marL="294105" indent="-294105">
-              <a:buClr>
-                <a:srgbClr val="5C86B9"/>
-              </a:buClr>
-              <a:buSzPct val="70000"/>
-              <a:buFont typeface="Zapf Dingbats"/>
-              <a:buChar char="-"/>
-            </a:pPr>
-            <a:r>
-              <a:t>Realizar pruebas de rendimiento con diferentes lenguajes de programación como por ejemplo Python, Ruby, Java, que son lenguajes que tienen su propio framework para el uso del Bot API</a:t>
+              <a:t>Message, este es el campo que contiene los datos referentes al mensaje enviado. Decir que de estos campos se recibirán tan solo los que contenga información. Encontramos el id del mensaje, el id del emisor, la fecha de envío y a continuación tenemos el campo de interés que es el tipo de mensaje con su información.</a:t>
             </a:r>
           </a:p>
         </p:txBody>
@@ -1358,7 +3038,7 @@
       </p:grpSpPr>
       <p:sp>
         <p:nvSpPr>
-          <p:cNvPr id="203" name="Shape 203"/>
+          <p:cNvPr id="197" name="Shape 197"/>
           <p:cNvSpPr/>
           <p:nvPr>
             <p:ph type="sldImg"/>
@@ -1379,7 +3059,7 @@
       </p:sp>
       <p:sp>
         <p:nvSpPr>
-          <p:cNvPr id="204" name="Shape 204"/>
+          <p:cNvPr id="198" name="Shape 198"/>
           <p:cNvSpPr/>
           <p:nvPr>
             <p:ph type="body" sz="quarter" idx="1"/>
@@ -1396,59 +3076,7 @@
           <a:p>
             <a:pPr/>
             <a:r>
-              <a:t>Hemos visto como los objetivos iniciales planteados se han podido satisfacer positivamente.</a:t>
-            </a:r>
-          </a:p>
-          <a:p>
-            <a:pPr marL="294105" indent="-294105">
-              <a:buClr>
-                <a:srgbClr val="5C86B9"/>
-              </a:buClr>
-              <a:buSzPct val="70000"/>
-              <a:buFont typeface="Zapf Dingbats"/>
-              <a:buChar char="-"/>
-            </a:pPr>
-            <a:r>
-              <a:t>En primer lugar hemos visto como la Raspberry Pi tiene algunas limitaciones pero cumple perfectamente con las exigencias que nosotros le pedimos.</a:t>
-            </a:r>
-          </a:p>
-          <a:p>
-            <a:pPr marL="294105" indent="-294105">
-              <a:buClr>
-                <a:srgbClr val="5C86B9"/>
-              </a:buClr>
-              <a:buSzPct val="70000"/>
-              <a:buFont typeface="Zapf Dingbats"/>
-              <a:buChar char="-"/>
-            </a:pPr>
-            <a:r>
-              <a:t>Respecto al uso de NodeJS, hemos podido realizar todas las funciones que queríamos, consiguiendo grandes facilidades mediante el uso de módulos de terceros.</a:t>
-            </a:r>
-          </a:p>
-          <a:p>
-            <a:pPr marL="294105" indent="-294105">
-              <a:buClr>
-                <a:srgbClr val="5C86B9"/>
-              </a:buClr>
-              <a:buSzPct val="70000"/>
-              <a:buFont typeface="Zapf Dingbats"/>
-              <a:buChar char="-"/>
-            </a:pPr>
-            <a:r>
-              <a:t>El control de presencia planteado se ha podido implementar en el sistema, aunque en el apartado de pruebas de rendimiento hemos visto que lleva un tiempo bastante alto el reconocimiento de la red, pero es un tiempo que podemos permitirnos.</a:t>
-            </a:r>
-          </a:p>
-          <a:p>
-            <a:pPr marL="294105" indent="-294105">
-              <a:buClr>
-                <a:srgbClr val="5C86B9"/>
-              </a:buClr>
-              <a:buSzPct val="70000"/>
-              <a:buFont typeface="Zapf Dingbats"/>
-              <a:buChar char="-"/>
-            </a:pPr>
-            <a:r>
-              <a:t>Por último, el requisito final propuesto que era el control del sistema mediante una aplicación de mensajería se ha podido satisfacer mediante el Bot API de Telegram. Integrando un Bot en su cliente y haciendo la tarea de control muy intuitiva.</a:t>
+              <a:t>Al igual que el usuario puede enviar mensajes de voz, texto, imágenes, etc. Nuestra aplicación puede también enviar este tipo de archivos, el Bot API viene preparado de forma que la única información de la que nosotros tenemos que preocuparnos es de tener el ID de donde lo queremos enviar y el qué queremos enviar. Todo lo demás es un proceso transparente al desarrollador.</a:t>
             </a:r>
           </a:p>
         </p:txBody>
@@ -1818,7 +3446,7 @@
       </p:grpSpPr>
       <p:sp>
         <p:nvSpPr>
-          <p:cNvPr id="107" name="Shape 107"/>
+          <p:cNvPr id="109" name="Shape 109"/>
           <p:cNvSpPr/>
           <p:nvPr>
             <p:ph type="body" sz="quarter" idx="13"/>
@@ -1856,7 +3484,7 @@
       </p:sp>
       <p:sp>
         <p:nvSpPr>
-          <p:cNvPr id="108" name="Shape 108"/>
+          <p:cNvPr id="110" name="Shape 110"/>
           <p:cNvSpPr/>
           <p:nvPr>
             <p:ph type="body" sz="quarter" idx="14"/>
@@ -1901,7 +3529,7 @@
       </p:sp>
       <p:sp>
         <p:nvSpPr>
-          <p:cNvPr id="109" name="Shape 109"/>
+          <p:cNvPr id="111" name="Shape 111"/>
           <p:cNvSpPr/>
           <p:nvPr>
             <p:ph type="sldNum" sz="quarter" idx="2"/>
@@ -1957,7 +3585,7 @@
       </p:grpSpPr>
       <p:sp>
         <p:nvSpPr>
-          <p:cNvPr id="116" name="Shape 116"/>
+          <p:cNvPr id="118" name="Shape 118"/>
           <p:cNvSpPr/>
           <p:nvPr>
             <p:ph type="pic" idx="13"/>
@@ -1984,7 +3612,7 @@
       </p:sp>
       <p:sp>
         <p:nvSpPr>
-          <p:cNvPr id="117" name="Shape 117"/>
+          <p:cNvPr id="119" name="Shape 119"/>
           <p:cNvSpPr/>
           <p:nvPr>
             <p:ph type="sldNum" sz="quarter" idx="2"/>
@@ -2047,7 +3675,7 @@
       </p:grpSpPr>
       <p:sp>
         <p:nvSpPr>
-          <p:cNvPr id="124" name="Shape 124"/>
+          <p:cNvPr id="126" name="Shape 126"/>
           <p:cNvSpPr/>
           <p:nvPr>
             <p:ph type="sldNum" sz="quarter" idx="2"/>
@@ -3003,7 +4631,7 @@
 </file>
 
 <file path=ppt/slideLayouts/slideLayout6.xml><?xml version="1.0" encoding="utf-8"?>
-<p:sldLayout xmlns:a="http://schemas.openxmlformats.org/drawingml/2006/main" xmlns:r="http://schemas.openxmlformats.org/officeDocument/2006/relationships" xmlns:p="http://schemas.openxmlformats.org/presentationml/2006/main" type="tx" showMasterSp="1" showMasterPhAnim="1">
+<p:sldLayout xmlns:a="http://schemas.openxmlformats.org/drawingml/2006/main" xmlns:r="http://schemas.openxmlformats.org/officeDocument/2006/relationships" xmlns:p="http://schemas.openxmlformats.org/presentationml/2006/main" type="tx" showMasterSp="0" showMasterPhAnim="1">
   <p:cSld name="Título y viñetas">
     <p:spTree>
       <p:nvGrpSpPr>
@@ -3023,11 +4651,101 @@
         <p:nvSpPr>
           <p:cNvPr id="68" name="Shape 68"/>
           <p:cNvSpPr/>
+          <p:nvPr/>
+        </p:nvSpPr>
+        <p:spPr>
+          <a:xfrm>
+            <a:off x="406400" y="1562100"/>
+            <a:ext cx="12192001" cy="127"/>
+          </a:xfrm>
+          <a:prstGeom prst="line">
+            <a:avLst/>
+          </a:prstGeom>
+          <a:ln w="12700">
+            <a:solidFill>
+              <a:schemeClr val="accent1">
+                <a:hueOff val="109193"/>
+                <a:satOff val="-4874"/>
+                <a:lumOff val="12971"/>
+              </a:schemeClr>
+            </a:solidFill>
+            <a:miter lim="400000"/>
+          </a:ln>
+        </p:spPr>
+        <p:txBody>
+          <a:bodyPr lIns="50800" tIns="50800" rIns="50800" bIns="50800" anchor="ctr"/>
+          <a:lstStyle/>
+          <a:p>
+            <a:pPr algn="l" defTabSz="457200">
+              <a:defRPr sz="1200">
+                <a:solidFill>
+                  <a:srgbClr val="000000"/>
+                </a:solidFill>
+                <a:latin typeface="Helvetica"/>
+                <a:ea typeface="Helvetica"/>
+                <a:cs typeface="Helvetica"/>
+                <a:sym typeface="Helvetica"/>
+              </a:defRPr>
+            </a:pPr>
+          </a:p>
+        </p:txBody>
+      </p:sp>
+      <p:sp>
+        <p:nvSpPr>
+          <p:cNvPr id="69" name="Shape 69"/>
+          <p:cNvSpPr/>
+          <p:nvPr/>
+        </p:nvSpPr>
+        <p:spPr>
+          <a:xfrm>
+            <a:off x="406400" y="1612900"/>
+            <a:ext cx="12192001" cy="127"/>
+          </a:xfrm>
+          <a:prstGeom prst="line">
+            <a:avLst/>
+          </a:prstGeom>
+          <a:ln w="12700">
+            <a:solidFill>
+              <a:schemeClr val="accent1">
+                <a:hueOff val="109193"/>
+                <a:satOff val="-4874"/>
+                <a:lumOff val="12971"/>
+              </a:schemeClr>
+            </a:solidFill>
+            <a:miter lim="400000"/>
+          </a:ln>
+        </p:spPr>
+        <p:txBody>
+          <a:bodyPr lIns="50800" tIns="50800" rIns="50800" bIns="50800" anchor="ctr"/>
+          <a:lstStyle/>
+          <a:p>
+            <a:pPr algn="l" defTabSz="457200">
+              <a:defRPr sz="1200">
+                <a:solidFill>
+                  <a:srgbClr val="000000"/>
+                </a:solidFill>
+                <a:latin typeface="Helvetica"/>
+                <a:ea typeface="Helvetica"/>
+                <a:cs typeface="Helvetica"/>
+                <a:sym typeface="Helvetica"/>
+              </a:defRPr>
+            </a:pPr>
+          </a:p>
+        </p:txBody>
+      </p:sp>
+      <p:sp>
+        <p:nvSpPr>
+          <p:cNvPr id="70" name="Shape 70"/>
+          <p:cNvSpPr/>
           <p:nvPr>
             <p:ph type="title"/>
           </p:nvPr>
         </p:nvSpPr>
         <p:spPr>
+          <a:xfrm>
+            <a:off x="355600" y="444500"/>
+            <a:ext cx="12293600" cy="1257349"/>
+          </a:xfrm>
           <a:prstGeom prst="rect">
             <a:avLst/>
           </a:prstGeom>
@@ -3045,13 +4763,17 @@
       </p:sp>
       <p:sp>
         <p:nvSpPr>
-          <p:cNvPr id="69" name="Shape 69"/>
+          <p:cNvPr id="71" name="Shape 71"/>
           <p:cNvSpPr/>
           <p:nvPr>
             <p:ph type="body" idx="1"/>
           </p:nvPr>
         </p:nvSpPr>
         <p:spPr>
+          <a:xfrm>
+            <a:off x="355600" y="2379507"/>
+            <a:ext cx="12293600" cy="6929593"/>
+          </a:xfrm>
           <a:prstGeom prst="rect">
             <a:avLst/>
           </a:prstGeom>
@@ -3119,7 +4841,7 @@
       </p:sp>
       <p:sp>
         <p:nvSpPr>
-          <p:cNvPr id="70" name="Shape 70"/>
+          <p:cNvPr id="72" name="Shape 72"/>
           <p:cNvSpPr/>
           <p:nvPr>
             <p:ph type="sldNum" sz="quarter" idx="2"/>
@@ -3167,7 +4889,7 @@
       </p:grpSpPr>
       <p:sp>
         <p:nvSpPr>
-          <p:cNvPr id="77" name="Shape 77"/>
+          <p:cNvPr id="79" name="Shape 79"/>
           <p:cNvSpPr/>
           <p:nvPr/>
         </p:nvSpPr>
@@ -3210,7 +4932,7 @@
       </p:sp>
       <p:sp>
         <p:nvSpPr>
-          <p:cNvPr id="78" name="Shape 78"/>
+          <p:cNvPr id="80" name="Shape 80"/>
           <p:cNvSpPr/>
           <p:nvPr/>
         </p:nvSpPr>
@@ -3253,7 +4975,7 @@
       </p:sp>
       <p:sp>
         <p:nvSpPr>
-          <p:cNvPr id="79" name="Shape 79"/>
+          <p:cNvPr id="81" name="Shape 81"/>
           <p:cNvSpPr/>
           <p:nvPr>
             <p:ph type="pic" idx="13"/>
@@ -3280,7 +5002,7 @@
       </p:sp>
       <p:sp>
         <p:nvSpPr>
-          <p:cNvPr id="80" name="Shape 80"/>
+          <p:cNvPr id="82" name="Shape 82"/>
           <p:cNvSpPr/>
           <p:nvPr>
             <p:ph type="title"/>
@@ -3308,7 +5030,7 @@
       </p:sp>
       <p:sp>
         <p:nvSpPr>
-          <p:cNvPr id="81" name="Shape 81"/>
+          <p:cNvPr id="83" name="Shape 83"/>
           <p:cNvSpPr/>
           <p:nvPr>
             <p:ph type="body" sz="half" idx="1"/>
@@ -3376,7 +5098,7 @@
       </p:sp>
       <p:sp>
         <p:nvSpPr>
-          <p:cNvPr id="82" name="Shape 82"/>
+          <p:cNvPr id="84" name="Shape 84"/>
           <p:cNvSpPr/>
           <p:nvPr>
             <p:ph type="sldNum" sz="quarter" idx="2"/>
@@ -3439,7 +5161,7 @@
       </p:grpSpPr>
       <p:sp>
         <p:nvSpPr>
-          <p:cNvPr id="89" name="Shape 89"/>
+          <p:cNvPr id="91" name="Shape 91"/>
           <p:cNvSpPr/>
           <p:nvPr>
             <p:ph type="body" idx="1"/>
@@ -3517,7 +5239,7 @@
       </p:sp>
       <p:sp>
         <p:nvSpPr>
-          <p:cNvPr id="90" name="Shape 90"/>
+          <p:cNvPr id="92" name="Shape 92"/>
           <p:cNvSpPr/>
           <p:nvPr>
             <p:ph type="sldNum" sz="quarter" idx="2"/>
@@ -3573,7 +5295,7 @@
       </p:grpSpPr>
       <p:sp>
         <p:nvSpPr>
-          <p:cNvPr id="97" name="Shape 97"/>
+          <p:cNvPr id="99" name="Shape 99"/>
           <p:cNvSpPr/>
           <p:nvPr>
             <p:ph type="pic" sz="half" idx="13"/>
@@ -3600,7 +5322,7 @@
       </p:sp>
       <p:sp>
         <p:nvSpPr>
-          <p:cNvPr id="98" name="Shape 98"/>
+          <p:cNvPr id="100" name="Shape 100"/>
           <p:cNvSpPr/>
           <p:nvPr>
             <p:ph type="pic" sz="half" idx="14"/>
@@ -3627,7 +5349,7 @@
       </p:sp>
       <p:sp>
         <p:nvSpPr>
-          <p:cNvPr id="99" name="Shape 99"/>
+          <p:cNvPr id="101" name="Shape 101"/>
           <p:cNvSpPr/>
           <p:nvPr>
             <p:ph type="pic" idx="15"/>
@@ -3654,7 +5376,7 @@
       </p:sp>
       <p:sp>
         <p:nvSpPr>
-          <p:cNvPr id="100" name="Shape 100"/>
+          <p:cNvPr id="102" name="Shape 102"/>
           <p:cNvSpPr/>
           <p:nvPr>
             <p:ph type="sldNum" sz="quarter" idx="2"/>
@@ -4833,7 +6555,7 @@
       </p:grpSpPr>
       <p:sp>
         <p:nvSpPr>
-          <p:cNvPr id="133" name="Shape 133"/>
+          <p:cNvPr id="135" name="Shape 135"/>
           <p:cNvSpPr/>
           <p:nvPr>
             <p:ph type="body" idx="13"/>
@@ -4857,7 +6579,7 @@
       </p:sp>
       <p:sp>
         <p:nvSpPr>
-          <p:cNvPr id="134" name="Shape 134"/>
+          <p:cNvPr id="136" name="Shape 136"/>
           <p:cNvSpPr/>
           <p:nvPr>
             <p:ph type="ctrTitle"/>
@@ -4889,7 +6611,7 @@
       </p:sp>
       <p:sp>
         <p:nvSpPr>
-          <p:cNvPr id="135" name="Shape 135"/>
+          <p:cNvPr id="137" name="Shape 137"/>
           <p:cNvSpPr/>
           <p:nvPr>
             <p:ph type="subTitle" sz="quarter" idx="1"/>
@@ -4913,7 +6635,7 @@
       </p:sp>
       <p:pic>
         <p:nvPicPr>
-          <p:cNvPr id="136" name="us.png"/>
+          <p:cNvPr id="138" name="us.png"/>
           <p:cNvPicPr>
             <a:picLocks noChangeAspect="1"/>
           </p:cNvPicPr>
@@ -4940,6 +6662,96 @@
           </a:ln>
         </p:spPr>
       </p:pic>
+      <p:sp>
+        <p:nvSpPr>
+          <p:cNvPr id="139" name="Shape 139"/>
+          <p:cNvSpPr/>
+          <p:nvPr>
+            <p:ph type="sldNum" sz="quarter" idx="4294967295"/>
+          </p:nvPr>
+        </p:nvSpPr>
+        <p:spPr>
+          <a:xfrm>
+            <a:off x="12382499" y="9220200"/>
+            <a:ext cx="215901" cy="355600"/>
+          </a:xfrm>
+          <a:prstGeom prst="rect">
+            <a:avLst/>
+          </a:prstGeom>
+          <a:extLst>
+            <a:ext uri="{C572A759-6A51-4108-AA02-DFA0A04FC94B}">
+              <ma14:wrappingTextBoxFlag xmlns:ma14="http://schemas.microsoft.com/office/mac/drawingml/2011/main" val="1"/>
+            </a:ext>
+          </a:extLst>
+        </p:spPr>
+        <p:txBody>
+          <a:bodyPr/>
+          <a:lstStyle>
+            <a:lvl1pPr>
+              <a:defRPr>
+                <a:solidFill>
+                  <a:srgbClr val="324863"/>
+                </a:solidFill>
+              </a:defRPr>
+            </a:lvl1pPr>
+          </a:lstStyle>
+          <a:p>
+            <a:pPr/>
+            <a:fld id="{86CB4B4D-7CA3-9044-876B-883B54F8677D}" type="slidenum"/>
+          </a:p>
+        </p:txBody>
+      </p:sp>
+      <p:sp>
+        <p:nvSpPr>
+          <p:cNvPr id="140" name="Shape 140"/>
+          <p:cNvSpPr/>
+          <p:nvPr/>
+        </p:nvSpPr>
+        <p:spPr>
+          <a:xfrm>
+            <a:off x="355599" y="533138"/>
+            <a:ext cx="12293601" cy="508001"/>
+          </a:xfrm>
+          <a:prstGeom prst="rect">
+            <a:avLst/>
+          </a:prstGeom>
+          <a:ln w="12700">
+            <a:miter lim="400000"/>
+          </a:ln>
+          <a:extLst>
+            <a:ext uri="{C572A759-6A51-4108-AA02-DFA0A04FC94B}">
+              <ma14:wrappingTextBoxFlag xmlns:ma14="http://schemas.microsoft.com/office/mac/drawingml/2011/main" val="1"/>
+            </a:ext>
+          </a:extLst>
+        </p:spPr>
+        <p:txBody>
+          <a:bodyPr lIns="50800" tIns="50800" rIns="50800" bIns="50800">
+            <a:normAutofit fontScale="100000" lnSpcReduction="0"/>
+          </a:bodyPr>
+          <a:lstStyle>
+            <a:lvl1pPr algn="l">
+              <a:spcBef>
+                <a:spcPts val="1000"/>
+              </a:spcBef>
+              <a:defRPr b="1" sz="2400">
+                <a:solidFill>
+                  <a:schemeClr val="accent1">
+                    <a:hueOff val="54750"/>
+                    <a:satOff val="-1697"/>
+                    <a:lumOff val="-18038"/>
+                  </a:schemeClr>
+                </a:solidFill>
+              </a:defRPr>
+            </a:lvl1pPr>
+          </a:lstStyle>
+          <a:p>
+            <a:pPr/>
+            <a:r>
+              <a:t>Máster en Ingeniería de Computadores y Redes</a:t>
+            </a:r>
+          </a:p>
+        </p:txBody>
+      </p:sp>
     </p:spTree>
   </p:cSld>
   <p:clrMapOvr>
@@ -4968,7 +6780,7 @@
       </p:grpSpPr>
       <p:sp>
         <p:nvSpPr>
-          <p:cNvPr id="174" name="Shape 174"/>
+          <p:cNvPr id="188" name="Shape 188"/>
           <p:cNvSpPr/>
           <p:nvPr>
             <p:ph type="title"/>
@@ -4985,14 +6797,14 @@
           <a:p>
             <a:pPr/>
             <a:r>
-              <a:t>Pruebas de Rendimiento</a:t>
-            </a:r>
-          </a:p>
-        </p:txBody>
-      </p:sp>
-      <p:sp>
-        <p:nvSpPr>
-          <p:cNvPr id="175" name="Shape 175"/>
+              <a:t>API Telegram</a:t>
+            </a:r>
+          </a:p>
+        </p:txBody>
+      </p:sp>
+      <p:sp>
+        <p:nvSpPr>
+          <p:cNvPr id="189" name="Shape 189"/>
           <p:cNvSpPr/>
           <p:nvPr>
             <p:ph type="body" idx="1"/>
@@ -5009,26 +6821,35 @@
           <a:p>
             <a:pPr/>
             <a:r>
-              <a:t>Respuesta protocolo ARP</a:t>
-            </a:r>
-          </a:p>
-          <a:p>
-            <a:pPr/>
-            <a:r>
-              <a:t>Captura de foto</a:t>
-            </a:r>
-          </a:p>
-          <a:p>
-            <a:pPr/>
-            <a:r>
-              <a:t>Proceso de recepción y reproducción de audio</a:t>
-            </a:r>
-          </a:p>
-          <a:p>
-            <a:pPr/>
-            <a:r>
-              <a:t>Petición y tratamiento de datos meteorológicos</a:t>
-            </a:r>
+              <a:t>Mensajes del usuario al bot</a:t>
+            </a:r>
+          </a:p>
+        </p:txBody>
+      </p:sp>
+      <p:sp>
+        <p:nvSpPr>
+          <p:cNvPr id="190" name="Shape 190"/>
+          <p:cNvSpPr/>
+          <p:nvPr>
+            <p:ph type="sldNum" sz="quarter" idx="2"/>
+          </p:nvPr>
+        </p:nvSpPr>
+        <p:spPr>
+          <a:prstGeom prst="rect">
+            <a:avLst/>
+          </a:prstGeom>
+          <a:extLst>
+            <a:ext uri="{C572A759-6A51-4108-AA02-DFA0A04FC94B}">
+              <ma14:wrappingTextBoxFlag xmlns:ma14="http://schemas.microsoft.com/office/mac/drawingml/2011/main" val="1"/>
+            </a:ext>
+          </a:extLst>
+        </p:spPr>
+        <p:txBody>
+          <a:bodyPr/>
+          <a:lstStyle/>
+          <a:p>
+            <a:pPr/>
+            <a:fld id="{86CB4B4D-7CA3-9044-876B-883B54F8677D}" type="slidenum"/>
           </a:p>
         </p:txBody>
       </p:sp>
@@ -5060,7 +6881,1377 @@
       </p:grpSpPr>
       <p:sp>
         <p:nvSpPr>
-          <p:cNvPr id="179" name="Shape 179"/>
+          <p:cNvPr id="194" name="Shape 194"/>
+          <p:cNvSpPr/>
+          <p:nvPr>
+            <p:ph type="title"/>
+          </p:nvPr>
+        </p:nvSpPr>
+        <p:spPr>
+          <a:prstGeom prst="rect">
+            <a:avLst/>
+          </a:prstGeom>
+        </p:spPr>
+        <p:txBody>
+          <a:bodyPr/>
+          <a:lstStyle/>
+          <a:p>
+            <a:pPr/>
+            <a:r>
+              <a:t>API Telegram</a:t>
+            </a:r>
+          </a:p>
+        </p:txBody>
+      </p:sp>
+      <p:sp>
+        <p:nvSpPr>
+          <p:cNvPr id="195" name="Shape 195"/>
+          <p:cNvSpPr/>
+          <p:nvPr>
+            <p:ph type="body" idx="1"/>
+          </p:nvPr>
+        </p:nvSpPr>
+        <p:spPr>
+          <a:prstGeom prst="rect">
+            <a:avLst/>
+          </a:prstGeom>
+        </p:spPr>
+        <p:txBody>
+          <a:bodyPr/>
+          <a:lstStyle/>
+          <a:p>
+            <a:pPr/>
+            <a:r>
+              <a:t>Mensajes del bot al usuario</a:t>
+            </a:r>
+          </a:p>
+        </p:txBody>
+      </p:sp>
+      <p:sp>
+        <p:nvSpPr>
+          <p:cNvPr id="196" name="Shape 196"/>
+          <p:cNvSpPr/>
+          <p:nvPr>
+            <p:ph type="sldNum" sz="quarter" idx="2"/>
+          </p:nvPr>
+        </p:nvSpPr>
+        <p:spPr>
+          <a:xfrm>
+            <a:off x="12337256" y="9220200"/>
+            <a:ext cx="306388" cy="355600"/>
+          </a:xfrm>
+          <a:prstGeom prst="rect">
+            <a:avLst/>
+          </a:prstGeom>
+          <a:extLst>
+            <a:ext uri="{C572A759-6A51-4108-AA02-DFA0A04FC94B}">
+              <ma14:wrappingTextBoxFlag xmlns:ma14="http://schemas.microsoft.com/office/mac/drawingml/2011/main" val="1"/>
+            </a:ext>
+          </a:extLst>
+        </p:spPr>
+        <p:txBody>
+          <a:bodyPr/>
+          <a:lstStyle/>
+          <a:p>
+            <a:pPr/>
+            <a:fld id="{86CB4B4D-7CA3-9044-876B-883B54F8677D}" type="slidenum"/>
+          </a:p>
+        </p:txBody>
+      </p:sp>
+    </p:spTree>
+  </p:cSld>
+  <p:clrMapOvr>
+    <a:masterClrMapping/>
+  </p:clrMapOvr>
+  <p:transition xmlns:p14="http://schemas.microsoft.com/office/powerpoint/2010/main" spd="med" advClick="1"/>
+</p:sld>
+</file>
+
+<file path=ppt/slides/slide12.xml><?xml version="1.0" encoding="utf-8"?>
+<p:sld xmlns:a="http://schemas.openxmlformats.org/drawingml/2006/main" xmlns:r="http://schemas.openxmlformats.org/officeDocument/2006/relationships" xmlns:p="http://schemas.openxmlformats.org/presentationml/2006/main" showMasterSp="1" showMasterPhAnim="1">
+  <p:cSld>
+    <p:spTree>
+      <p:nvGrpSpPr>
+        <p:cNvPr id="1" name=""/>
+        <p:cNvGrpSpPr/>
+        <p:nvPr/>
+      </p:nvGrpSpPr>
+      <p:grpSpPr>
+        <a:xfrm>
+          <a:off x="0" y="0"/>
+          <a:ext cx="0" cy="0"/>
+          <a:chOff x="0" y="0"/>
+          <a:chExt cx="0" cy="0"/>
+        </a:xfrm>
+      </p:grpSpPr>
+      <p:sp>
+        <p:nvSpPr>
+          <p:cNvPr id="200" name="Shape 200"/>
+          <p:cNvSpPr/>
+          <p:nvPr>
+            <p:ph type="title"/>
+          </p:nvPr>
+        </p:nvSpPr>
+        <p:spPr>
+          <a:prstGeom prst="rect">
+            <a:avLst/>
+          </a:prstGeom>
+        </p:spPr>
+        <p:txBody>
+          <a:bodyPr/>
+          <a:lstStyle/>
+          <a:p>
+            <a:pPr/>
+            <a:r>
+              <a:t>Máquina de estados</a:t>
+            </a:r>
+          </a:p>
+        </p:txBody>
+      </p:sp>
+      <p:pic>
+        <p:nvPicPr>
+          <p:cNvPr id="201" name="TransMaqEstPrin.png"/>
+          <p:cNvPicPr>
+            <a:picLocks noChangeAspect="1"/>
+          </p:cNvPicPr>
+          <p:nvPr/>
+        </p:nvPicPr>
+        <p:blipFill>
+          <a:blip r:embed="rId3">
+            <a:extLst/>
+          </a:blip>
+          <a:stretch>
+            <a:fillRect/>
+          </a:stretch>
+        </p:blipFill>
+        <p:spPr>
+          <a:xfrm>
+            <a:off x="825747" y="3004125"/>
+            <a:ext cx="5196544" cy="6640027"/>
+          </a:xfrm>
+          <a:prstGeom prst="rect">
+            <a:avLst/>
+          </a:prstGeom>
+          <a:ln w="12700">
+            <a:miter lim="400000"/>
+          </a:ln>
+        </p:spPr>
+      </p:pic>
+      <p:pic>
+        <p:nvPicPr>
+          <p:cNvPr id="202" name="TransMaqEstAcc.png"/>
+          <p:cNvPicPr>
+            <a:picLocks noChangeAspect="1"/>
+          </p:cNvPicPr>
+          <p:nvPr/>
+        </p:nvPicPr>
+        <p:blipFill>
+          <a:blip r:embed="rId4">
+            <a:extLst/>
+          </a:blip>
+          <a:stretch>
+            <a:fillRect/>
+          </a:stretch>
+        </p:blipFill>
+        <p:spPr>
+          <a:xfrm>
+            <a:off x="6719503" y="3495488"/>
+            <a:ext cx="5744508" cy="5302624"/>
+          </a:xfrm>
+          <a:prstGeom prst="rect">
+            <a:avLst/>
+          </a:prstGeom>
+          <a:ln w="12700">
+            <a:miter lim="400000"/>
+          </a:ln>
+        </p:spPr>
+      </p:pic>
+      <p:sp>
+        <p:nvSpPr>
+          <p:cNvPr id="203" name="Shape 203"/>
+          <p:cNvSpPr/>
+          <p:nvPr>
+            <p:ph type="sldNum" sz="quarter" idx="2"/>
+          </p:nvPr>
+        </p:nvSpPr>
+        <p:spPr>
+          <a:prstGeom prst="rect">
+            <a:avLst/>
+          </a:prstGeom>
+          <a:extLst>
+            <a:ext uri="{C572A759-6A51-4108-AA02-DFA0A04FC94B}">
+              <ma14:wrappingTextBoxFlag xmlns:ma14="http://schemas.microsoft.com/office/mac/drawingml/2011/main" val="1"/>
+            </a:ext>
+          </a:extLst>
+        </p:spPr>
+        <p:txBody>
+          <a:bodyPr/>
+          <a:lstStyle/>
+          <a:p>
+            <a:pPr/>
+            <a:fld id="{86CB4B4D-7CA3-9044-876B-883B54F8677D}" type="slidenum"/>
+          </a:p>
+        </p:txBody>
+      </p:sp>
+    </p:spTree>
+  </p:cSld>
+  <p:clrMapOvr>
+    <a:masterClrMapping/>
+  </p:clrMapOvr>
+  <p:transition xmlns:p14="http://schemas.microsoft.com/office/powerpoint/2010/main" spd="med" advClick="1"/>
+</p:sld>
+</file>
+
+<file path=ppt/slides/slide13.xml><?xml version="1.0" encoding="utf-8"?>
+<p:sld xmlns:a="http://schemas.openxmlformats.org/drawingml/2006/main" xmlns:r="http://schemas.openxmlformats.org/officeDocument/2006/relationships" xmlns:p="http://schemas.openxmlformats.org/presentationml/2006/main" showMasterSp="1" showMasterPhAnim="1">
+  <p:cSld>
+    <p:spTree>
+      <p:nvGrpSpPr>
+        <p:cNvPr id="1" name=""/>
+        <p:cNvGrpSpPr/>
+        <p:nvPr/>
+      </p:nvGrpSpPr>
+      <p:grpSpPr>
+        <a:xfrm>
+          <a:off x="0" y="0"/>
+          <a:ext cx="0" cy="0"/>
+          <a:chOff x="0" y="0"/>
+          <a:chExt cx="0" cy="0"/>
+        </a:xfrm>
+      </p:grpSpPr>
+      <p:sp>
+        <p:nvSpPr>
+          <p:cNvPr id="207" name="Shape 207"/>
+          <p:cNvSpPr/>
+          <p:nvPr>
+            <p:ph type="title"/>
+          </p:nvPr>
+        </p:nvSpPr>
+        <p:spPr>
+          <a:prstGeom prst="rect">
+            <a:avLst/>
+          </a:prstGeom>
+        </p:spPr>
+        <p:txBody>
+          <a:bodyPr/>
+          <a:lstStyle/>
+          <a:p>
+            <a:pPr/>
+            <a:r>
+              <a:t>Usuarios</a:t>
+            </a:r>
+          </a:p>
+        </p:txBody>
+      </p:sp>
+      <p:pic>
+        <p:nvPicPr>
+          <p:cNvPr id="208" name="TransUserEst.png"/>
+          <p:cNvPicPr>
+            <a:picLocks noChangeAspect="1"/>
+          </p:cNvPicPr>
+          <p:nvPr/>
+        </p:nvPicPr>
+        <p:blipFill>
+          <a:blip r:embed="rId3">
+            <a:extLst/>
+          </a:blip>
+          <a:stretch>
+            <a:fillRect/>
+          </a:stretch>
+        </p:blipFill>
+        <p:spPr>
+          <a:xfrm>
+            <a:off x="4196930" y="3072840"/>
+            <a:ext cx="4610940" cy="6147920"/>
+          </a:xfrm>
+          <a:prstGeom prst="rect">
+            <a:avLst/>
+          </a:prstGeom>
+          <a:ln w="12700">
+            <a:miter lim="400000"/>
+          </a:ln>
+        </p:spPr>
+      </p:pic>
+      <p:sp>
+        <p:nvSpPr>
+          <p:cNvPr id="209" name="Shape 209"/>
+          <p:cNvSpPr/>
+          <p:nvPr>
+            <p:ph type="sldNum" sz="quarter" idx="2"/>
+          </p:nvPr>
+        </p:nvSpPr>
+        <p:spPr>
+          <a:prstGeom prst="rect">
+            <a:avLst/>
+          </a:prstGeom>
+          <a:extLst>
+            <a:ext uri="{C572A759-6A51-4108-AA02-DFA0A04FC94B}">
+              <ma14:wrappingTextBoxFlag xmlns:ma14="http://schemas.microsoft.com/office/mac/drawingml/2011/main" val="1"/>
+            </a:ext>
+          </a:extLst>
+        </p:spPr>
+        <p:txBody>
+          <a:bodyPr/>
+          <a:lstStyle/>
+          <a:p>
+            <a:pPr/>
+            <a:fld id="{86CB4B4D-7CA3-9044-876B-883B54F8677D}" type="slidenum"/>
+          </a:p>
+        </p:txBody>
+      </p:sp>
+    </p:spTree>
+  </p:cSld>
+  <p:clrMapOvr>
+    <a:masterClrMapping/>
+  </p:clrMapOvr>
+  <p:transition xmlns:p14="http://schemas.microsoft.com/office/powerpoint/2010/main" spd="med" advClick="1"/>
+</p:sld>
+</file>
+
+<file path=ppt/slides/slide14.xml><?xml version="1.0" encoding="utf-8"?>
+<p:sld xmlns:a="http://schemas.openxmlformats.org/drawingml/2006/main" xmlns:r="http://schemas.openxmlformats.org/officeDocument/2006/relationships" xmlns:p="http://schemas.openxmlformats.org/presentationml/2006/main" showMasterSp="1" showMasterPhAnim="1">
+  <p:cSld>
+    <p:spTree>
+      <p:nvGrpSpPr>
+        <p:cNvPr id="1" name=""/>
+        <p:cNvGrpSpPr/>
+        <p:nvPr/>
+      </p:nvGrpSpPr>
+      <p:grpSpPr>
+        <a:xfrm>
+          <a:off x="0" y="0"/>
+          <a:ext cx="0" cy="0"/>
+          <a:chOff x="0" y="0"/>
+          <a:chExt cx="0" cy="0"/>
+        </a:xfrm>
+      </p:grpSpPr>
+      <p:sp>
+        <p:nvSpPr>
+          <p:cNvPr id="213" name="Shape 213"/>
+          <p:cNvSpPr/>
+          <p:nvPr>
+            <p:ph type="title"/>
+          </p:nvPr>
+        </p:nvSpPr>
+        <p:spPr>
+          <a:prstGeom prst="rect">
+            <a:avLst/>
+          </a:prstGeom>
+        </p:spPr>
+        <p:txBody>
+          <a:bodyPr/>
+          <a:lstStyle/>
+          <a:p>
+            <a:pPr/>
+            <a:r>
+              <a:t>Seguridad</a:t>
+            </a:r>
+          </a:p>
+        </p:txBody>
+      </p:sp>
+      <p:pic>
+        <p:nvPicPr>
+          <p:cNvPr id="214" name="TransActPass.png"/>
+          <p:cNvPicPr>
+            <a:picLocks noChangeAspect="1"/>
+          </p:cNvPicPr>
+          <p:nvPr/>
+        </p:nvPicPr>
+        <p:blipFill>
+          <a:blip r:embed="rId3">
+            <a:extLst/>
+          </a:blip>
+          <a:stretch>
+            <a:fillRect/>
+          </a:stretch>
+        </p:blipFill>
+        <p:spPr>
+          <a:xfrm>
+            <a:off x="3004168" y="3016803"/>
+            <a:ext cx="6996464" cy="6259994"/>
+          </a:xfrm>
+          <a:prstGeom prst="rect">
+            <a:avLst/>
+          </a:prstGeom>
+          <a:ln w="12700">
+            <a:miter lim="400000"/>
+          </a:ln>
+        </p:spPr>
+      </p:pic>
+      <p:sp>
+        <p:nvSpPr>
+          <p:cNvPr id="215" name="Shape 215"/>
+          <p:cNvSpPr/>
+          <p:nvPr>
+            <p:ph type="sldNum" sz="quarter" idx="2"/>
+          </p:nvPr>
+        </p:nvSpPr>
+        <p:spPr>
+          <a:prstGeom prst="rect">
+            <a:avLst/>
+          </a:prstGeom>
+          <a:extLst>
+            <a:ext uri="{C572A759-6A51-4108-AA02-DFA0A04FC94B}">
+              <ma14:wrappingTextBoxFlag xmlns:ma14="http://schemas.microsoft.com/office/mac/drawingml/2011/main" val="1"/>
+            </a:ext>
+          </a:extLst>
+        </p:spPr>
+        <p:txBody>
+          <a:bodyPr/>
+          <a:lstStyle/>
+          <a:p>
+            <a:pPr/>
+            <a:fld id="{86CB4B4D-7CA3-9044-876B-883B54F8677D}" type="slidenum"/>
+          </a:p>
+        </p:txBody>
+      </p:sp>
+    </p:spTree>
+  </p:cSld>
+  <p:clrMapOvr>
+    <a:masterClrMapping/>
+  </p:clrMapOvr>
+  <p:transition xmlns:p14="http://schemas.microsoft.com/office/powerpoint/2010/main" spd="med" advClick="1"/>
+</p:sld>
+</file>
+
+<file path=ppt/slides/slide15.xml><?xml version="1.0" encoding="utf-8"?>
+<p:sld xmlns:a="http://schemas.openxmlformats.org/drawingml/2006/main" xmlns:r="http://schemas.openxmlformats.org/officeDocument/2006/relationships" xmlns:p="http://schemas.openxmlformats.org/presentationml/2006/main" showMasterSp="1" showMasterPhAnim="1">
+  <p:cSld>
+    <p:spTree>
+      <p:nvGrpSpPr>
+        <p:cNvPr id="1" name=""/>
+        <p:cNvGrpSpPr/>
+        <p:nvPr/>
+      </p:nvGrpSpPr>
+      <p:grpSpPr>
+        <a:xfrm>
+          <a:off x="0" y="0"/>
+          <a:ext cx="0" cy="0"/>
+          <a:chOff x="0" y="0"/>
+          <a:chExt cx="0" cy="0"/>
+        </a:xfrm>
+      </p:grpSpPr>
+      <p:sp>
+        <p:nvSpPr>
+          <p:cNvPr id="219" name="Shape 219"/>
+          <p:cNvSpPr/>
+          <p:nvPr>
+            <p:ph type="title"/>
+          </p:nvPr>
+        </p:nvSpPr>
+        <p:spPr>
+          <a:prstGeom prst="rect">
+            <a:avLst/>
+          </a:prstGeom>
+        </p:spPr>
+        <p:txBody>
+          <a:bodyPr/>
+          <a:lstStyle/>
+          <a:p>
+            <a:pPr/>
+            <a:r>
+              <a:t>Control de Presencia</a:t>
+            </a:r>
+          </a:p>
+        </p:txBody>
+      </p:sp>
+      <p:pic>
+        <p:nvPicPr>
+          <p:cNvPr id="220" name="TransActMAC.png"/>
+          <p:cNvPicPr>
+            <a:picLocks noChangeAspect="1"/>
+          </p:cNvPicPr>
+          <p:nvPr/>
+        </p:nvPicPr>
+        <p:blipFill>
+          <a:blip r:embed="rId3">
+            <a:extLst/>
+          </a:blip>
+          <a:stretch>
+            <a:fillRect/>
+          </a:stretch>
+        </p:blipFill>
+        <p:spPr>
+          <a:xfrm>
+            <a:off x="2744716" y="2780541"/>
+            <a:ext cx="7515368" cy="6732518"/>
+          </a:xfrm>
+          <a:prstGeom prst="rect">
+            <a:avLst/>
+          </a:prstGeom>
+          <a:ln w="12700">
+            <a:miter lim="400000"/>
+          </a:ln>
+        </p:spPr>
+      </p:pic>
+      <p:sp>
+        <p:nvSpPr>
+          <p:cNvPr id="221" name="Shape 221"/>
+          <p:cNvSpPr/>
+          <p:nvPr>
+            <p:ph type="sldNum" sz="quarter" idx="2"/>
+          </p:nvPr>
+        </p:nvSpPr>
+        <p:spPr>
+          <a:prstGeom prst="rect">
+            <a:avLst/>
+          </a:prstGeom>
+          <a:extLst>
+            <a:ext uri="{C572A759-6A51-4108-AA02-DFA0A04FC94B}">
+              <ma14:wrappingTextBoxFlag xmlns:ma14="http://schemas.microsoft.com/office/mac/drawingml/2011/main" val="1"/>
+            </a:ext>
+          </a:extLst>
+        </p:spPr>
+        <p:txBody>
+          <a:bodyPr/>
+          <a:lstStyle/>
+          <a:p>
+            <a:pPr/>
+            <a:fld id="{86CB4B4D-7CA3-9044-876B-883B54F8677D}" type="slidenum"/>
+          </a:p>
+        </p:txBody>
+      </p:sp>
+    </p:spTree>
+  </p:cSld>
+  <p:clrMapOvr>
+    <a:masterClrMapping/>
+  </p:clrMapOvr>
+  <p:transition xmlns:p14="http://schemas.microsoft.com/office/powerpoint/2010/main" spd="med" advClick="1"/>
+</p:sld>
+</file>
+
+<file path=ppt/slides/slide16.xml><?xml version="1.0" encoding="utf-8"?>
+<p:sld xmlns:a="http://schemas.openxmlformats.org/drawingml/2006/main" xmlns:r="http://schemas.openxmlformats.org/officeDocument/2006/relationships" xmlns:p="http://schemas.openxmlformats.org/presentationml/2006/main" showMasterSp="1" showMasterPhAnim="1">
+  <p:cSld>
+    <p:spTree>
+      <p:nvGrpSpPr>
+        <p:cNvPr id="1" name=""/>
+        <p:cNvGrpSpPr/>
+        <p:nvPr/>
+      </p:nvGrpSpPr>
+      <p:grpSpPr>
+        <a:xfrm>
+          <a:off x="0" y="0"/>
+          <a:ext cx="0" cy="0"/>
+          <a:chOff x="0" y="0"/>
+          <a:chExt cx="0" cy="0"/>
+        </a:xfrm>
+      </p:grpSpPr>
+      <p:sp>
+        <p:nvSpPr>
+          <p:cNvPr id="225" name="Shape 225"/>
+          <p:cNvSpPr/>
+          <p:nvPr>
+            <p:ph type="title"/>
+          </p:nvPr>
+        </p:nvSpPr>
+        <p:spPr>
+          <a:prstGeom prst="rect">
+            <a:avLst/>
+          </a:prstGeom>
+        </p:spPr>
+        <p:txBody>
+          <a:bodyPr/>
+          <a:lstStyle/>
+          <a:p>
+            <a:pPr/>
+            <a:r>
+              <a:t>Portero Automático</a:t>
+            </a:r>
+          </a:p>
+        </p:txBody>
+      </p:sp>
+      <p:sp>
+        <p:nvSpPr>
+          <p:cNvPr id="226" name="Shape 226"/>
+          <p:cNvSpPr/>
+          <p:nvPr>
+            <p:ph type="body" idx="1"/>
+          </p:nvPr>
+        </p:nvSpPr>
+        <p:spPr>
+          <a:prstGeom prst="rect">
+            <a:avLst/>
+          </a:prstGeom>
+        </p:spPr>
+        <p:txBody>
+          <a:bodyPr/>
+          <a:lstStyle/>
+          <a:p>
+            <a:pPr/>
+            <a:r>
+              <a:t>Gráfico</a:t>
+            </a:r>
+          </a:p>
+        </p:txBody>
+      </p:sp>
+      <p:sp>
+        <p:nvSpPr>
+          <p:cNvPr id="227" name="Shape 227"/>
+          <p:cNvSpPr/>
+          <p:nvPr>
+            <p:ph type="sldNum" sz="quarter" idx="2"/>
+          </p:nvPr>
+        </p:nvSpPr>
+        <p:spPr>
+          <a:prstGeom prst="rect">
+            <a:avLst/>
+          </a:prstGeom>
+          <a:extLst>
+            <a:ext uri="{C572A759-6A51-4108-AA02-DFA0A04FC94B}">
+              <ma14:wrappingTextBoxFlag xmlns:ma14="http://schemas.microsoft.com/office/mac/drawingml/2011/main" val="1"/>
+            </a:ext>
+          </a:extLst>
+        </p:spPr>
+        <p:txBody>
+          <a:bodyPr/>
+          <a:lstStyle/>
+          <a:p>
+            <a:pPr/>
+            <a:fld id="{86CB4B4D-7CA3-9044-876B-883B54F8677D}" type="slidenum"/>
+          </a:p>
+        </p:txBody>
+      </p:sp>
+    </p:spTree>
+  </p:cSld>
+  <p:clrMapOvr>
+    <a:masterClrMapping/>
+  </p:clrMapOvr>
+  <p:transition xmlns:p14="http://schemas.microsoft.com/office/powerpoint/2010/main" spd="med" advClick="1"/>
+</p:sld>
+</file>
+
+<file path=ppt/slides/slide17.xml><?xml version="1.0" encoding="utf-8"?>
+<p:sld xmlns:a="http://schemas.openxmlformats.org/drawingml/2006/main" xmlns:r="http://schemas.openxmlformats.org/officeDocument/2006/relationships" xmlns:p="http://schemas.openxmlformats.org/presentationml/2006/main" showMasterSp="1" showMasterPhAnim="1">
+  <p:cSld>
+    <p:spTree>
+      <p:nvGrpSpPr>
+        <p:cNvPr id="1" name=""/>
+        <p:cNvGrpSpPr/>
+        <p:nvPr/>
+      </p:nvGrpSpPr>
+      <p:grpSpPr>
+        <a:xfrm>
+          <a:off x="0" y="0"/>
+          <a:ext cx="0" cy="0"/>
+          <a:chOff x="0" y="0"/>
+          <a:chExt cx="0" cy="0"/>
+        </a:xfrm>
+      </p:grpSpPr>
+      <p:sp>
+        <p:nvSpPr>
+          <p:cNvPr id="231" name="Shape 231"/>
+          <p:cNvSpPr/>
+          <p:nvPr>
+            <p:ph type="title"/>
+          </p:nvPr>
+        </p:nvSpPr>
+        <p:spPr>
+          <a:prstGeom prst="rect">
+            <a:avLst/>
+          </a:prstGeom>
+        </p:spPr>
+        <p:txBody>
+          <a:bodyPr/>
+          <a:lstStyle/>
+          <a:p>
+            <a:pPr/>
+            <a:r>
+              <a:t>Sensores y Actuadores</a:t>
+            </a:r>
+          </a:p>
+        </p:txBody>
+      </p:sp>
+      <p:sp>
+        <p:nvSpPr>
+          <p:cNvPr id="232" name="Shape 232"/>
+          <p:cNvSpPr/>
+          <p:nvPr>
+            <p:ph type="body" idx="1"/>
+          </p:nvPr>
+        </p:nvSpPr>
+        <p:spPr>
+          <a:prstGeom prst="rect">
+            <a:avLst/>
+          </a:prstGeom>
+        </p:spPr>
+        <p:txBody>
+          <a:bodyPr/>
+          <a:lstStyle/>
+          <a:p>
+            <a:pPr/>
+            <a:r>
+              <a:t>Gráfico</a:t>
+            </a:r>
+          </a:p>
+        </p:txBody>
+      </p:sp>
+      <p:sp>
+        <p:nvSpPr>
+          <p:cNvPr id="233" name="Shape 233"/>
+          <p:cNvSpPr/>
+          <p:nvPr>
+            <p:ph type="sldNum" sz="quarter" idx="2"/>
+          </p:nvPr>
+        </p:nvSpPr>
+        <p:spPr>
+          <a:prstGeom prst="rect">
+            <a:avLst/>
+          </a:prstGeom>
+          <a:extLst>
+            <a:ext uri="{C572A759-6A51-4108-AA02-DFA0A04FC94B}">
+              <ma14:wrappingTextBoxFlag xmlns:ma14="http://schemas.microsoft.com/office/mac/drawingml/2011/main" val="1"/>
+            </a:ext>
+          </a:extLst>
+        </p:spPr>
+        <p:txBody>
+          <a:bodyPr/>
+          <a:lstStyle/>
+          <a:p>
+            <a:pPr/>
+            <a:fld id="{86CB4B4D-7CA3-9044-876B-883B54F8677D}" type="slidenum"/>
+          </a:p>
+        </p:txBody>
+      </p:sp>
+    </p:spTree>
+  </p:cSld>
+  <p:clrMapOvr>
+    <a:masterClrMapping/>
+  </p:clrMapOvr>
+  <p:transition xmlns:p14="http://schemas.microsoft.com/office/powerpoint/2010/main" spd="med" advClick="1"/>
+</p:sld>
+</file>
+
+<file path=ppt/slides/slide18.xml><?xml version="1.0" encoding="utf-8"?>
+<p:sld xmlns:a="http://schemas.openxmlformats.org/drawingml/2006/main" xmlns:r="http://schemas.openxmlformats.org/officeDocument/2006/relationships" xmlns:p="http://schemas.openxmlformats.org/presentationml/2006/main" showMasterSp="1" showMasterPhAnim="1">
+  <p:cSld>
+    <p:spTree>
+      <p:nvGrpSpPr>
+        <p:cNvPr id="1" name=""/>
+        <p:cNvGrpSpPr/>
+        <p:nvPr/>
+      </p:nvGrpSpPr>
+      <p:grpSpPr>
+        <a:xfrm>
+          <a:off x="0" y="0"/>
+          <a:ext cx="0" cy="0"/>
+          <a:chOff x="0" y="0"/>
+          <a:chExt cx="0" cy="0"/>
+        </a:xfrm>
+      </p:grpSpPr>
+      <p:sp>
+        <p:nvSpPr>
+          <p:cNvPr id="237" name="Shape 237"/>
+          <p:cNvSpPr/>
+          <p:nvPr>
+            <p:ph type="title"/>
+          </p:nvPr>
+        </p:nvSpPr>
+        <p:spPr>
+          <a:prstGeom prst="rect">
+            <a:avLst/>
+          </a:prstGeom>
+        </p:spPr>
+        <p:txBody>
+          <a:bodyPr/>
+          <a:lstStyle/>
+          <a:p>
+            <a:pPr/>
+            <a:r>
+              <a:t>Temperatura</a:t>
+            </a:r>
+          </a:p>
+        </p:txBody>
+      </p:sp>
+      <p:sp>
+        <p:nvSpPr>
+          <p:cNvPr id="238" name="Shape 238"/>
+          <p:cNvSpPr/>
+          <p:nvPr>
+            <p:ph type="body" idx="1"/>
+          </p:nvPr>
+        </p:nvSpPr>
+        <p:spPr>
+          <a:prstGeom prst="rect">
+            <a:avLst/>
+          </a:prstGeom>
+        </p:spPr>
+        <p:txBody>
+          <a:bodyPr/>
+          <a:lstStyle/>
+          <a:p>
+            <a:pPr/>
+            <a:r>
+              <a:t>Gráfico</a:t>
+            </a:r>
+          </a:p>
+        </p:txBody>
+      </p:sp>
+      <p:sp>
+        <p:nvSpPr>
+          <p:cNvPr id="239" name="Shape 239"/>
+          <p:cNvSpPr/>
+          <p:nvPr>
+            <p:ph type="sldNum" sz="quarter" idx="2"/>
+          </p:nvPr>
+        </p:nvSpPr>
+        <p:spPr>
+          <a:prstGeom prst="rect">
+            <a:avLst/>
+          </a:prstGeom>
+          <a:extLst>
+            <a:ext uri="{C572A759-6A51-4108-AA02-DFA0A04FC94B}">
+              <ma14:wrappingTextBoxFlag xmlns:ma14="http://schemas.microsoft.com/office/mac/drawingml/2011/main" val="1"/>
+            </a:ext>
+          </a:extLst>
+        </p:spPr>
+        <p:txBody>
+          <a:bodyPr/>
+          <a:lstStyle/>
+          <a:p>
+            <a:pPr/>
+            <a:fld id="{86CB4B4D-7CA3-9044-876B-883B54F8677D}" type="slidenum"/>
+          </a:p>
+        </p:txBody>
+      </p:sp>
+    </p:spTree>
+  </p:cSld>
+  <p:clrMapOvr>
+    <a:masterClrMapping/>
+  </p:clrMapOvr>
+  <p:transition xmlns:p14="http://schemas.microsoft.com/office/powerpoint/2010/main" spd="med" advClick="1"/>
+</p:sld>
+</file>
+
+<file path=ppt/slides/slide19.xml><?xml version="1.0" encoding="utf-8"?>
+<p:sld xmlns:a="http://schemas.openxmlformats.org/drawingml/2006/main" xmlns:r="http://schemas.openxmlformats.org/officeDocument/2006/relationships" xmlns:p="http://schemas.openxmlformats.org/presentationml/2006/main" showMasterSp="1" showMasterPhAnim="1">
+  <p:cSld>
+    <p:spTree>
+      <p:nvGrpSpPr>
+        <p:cNvPr id="1" name=""/>
+        <p:cNvGrpSpPr/>
+        <p:nvPr/>
+      </p:nvGrpSpPr>
+      <p:grpSpPr>
+        <a:xfrm>
+          <a:off x="0" y="0"/>
+          <a:ext cx="0" cy="0"/>
+          <a:chOff x="0" y="0"/>
+          <a:chExt cx="0" cy="0"/>
+        </a:xfrm>
+      </p:grpSpPr>
+      <p:sp>
+        <p:nvSpPr>
+          <p:cNvPr id="243" name="Shape 243"/>
+          <p:cNvSpPr/>
+          <p:nvPr>
+            <p:ph type="title"/>
+          </p:nvPr>
+        </p:nvSpPr>
+        <p:spPr>
+          <a:prstGeom prst="rect">
+            <a:avLst/>
+          </a:prstGeom>
+        </p:spPr>
+        <p:txBody>
+          <a:bodyPr/>
+          <a:lstStyle/>
+          <a:p>
+            <a:pPr/>
+            <a:r>
+              <a:t>Alarma</a:t>
+            </a:r>
+          </a:p>
+        </p:txBody>
+      </p:sp>
+      <p:sp>
+        <p:nvSpPr>
+          <p:cNvPr id="244" name="Shape 244"/>
+          <p:cNvSpPr/>
+          <p:nvPr>
+            <p:ph type="body" idx="1"/>
+          </p:nvPr>
+        </p:nvSpPr>
+        <p:spPr>
+          <a:prstGeom prst="rect">
+            <a:avLst/>
+          </a:prstGeom>
+        </p:spPr>
+        <p:txBody>
+          <a:bodyPr/>
+          <a:lstStyle/>
+          <a:p>
+            <a:pPr/>
+            <a:r>
+              <a:t>Gráfico</a:t>
+            </a:r>
+          </a:p>
+        </p:txBody>
+      </p:sp>
+      <p:sp>
+        <p:nvSpPr>
+          <p:cNvPr id="245" name="Shape 245"/>
+          <p:cNvSpPr/>
+          <p:nvPr>
+            <p:ph type="sldNum" sz="quarter" idx="2"/>
+          </p:nvPr>
+        </p:nvSpPr>
+        <p:spPr>
+          <a:prstGeom prst="rect">
+            <a:avLst/>
+          </a:prstGeom>
+          <a:extLst>
+            <a:ext uri="{C572A759-6A51-4108-AA02-DFA0A04FC94B}">
+              <ma14:wrappingTextBoxFlag xmlns:ma14="http://schemas.microsoft.com/office/mac/drawingml/2011/main" val="1"/>
+            </a:ext>
+          </a:extLst>
+        </p:spPr>
+        <p:txBody>
+          <a:bodyPr/>
+          <a:lstStyle/>
+          <a:p>
+            <a:pPr/>
+            <a:fld id="{86CB4B4D-7CA3-9044-876B-883B54F8677D}" type="slidenum"/>
+          </a:p>
+        </p:txBody>
+      </p:sp>
+    </p:spTree>
+  </p:cSld>
+  <p:clrMapOvr>
+    <a:masterClrMapping/>
+  </p:clrMapOvr>
+  <p:transition xmlns:p14="http://schemas.microsoft.com/office/powerpoint/2010/main" spd="med" advClick="1"/>
+</p:sld>
+</file>
+
+<file path=ppt/slides/slide2.xml><?xml version="1.0" encoding="utf-8"?>
+<p:sld xmlns:a="http://schemas.openxmlformats.org/drawingml/2006/main" xmlns:r="http://schemas.openxmlformats.org/officeDocument/2006/relationships" xmlns:p="http://schemas.openxmlformats.org/presentationml/2006/main" showMasterSp="1" showMasterPhAnim="1">
+  <p:cSld>
+    <p:spTree>
+      <p:nvGrpSpPr>
+        <p:cNvPr id="1" name=""/>
+        <p:cNvGrpSpPr/>
+        <p:nvPr/>
+      </p:nvGrpSpPr>
+      <p:grpSpPr>
+        <a:xfrm>
+          <a:off x="0" y="0"/>
+          <a:ext cx="0" cy="0"/>
+          <a:chOff x="0" y="0"/>
+          <a:chExt cx="0" cy="0"/>
+        </a:xfrm>
+      </p:grpSpPr>
+      <p:sp>
+        <p:nvSpPr>
+          <p:cNvPr id="142" name="Shape 142"/>
+          <p:cNvSpPr/>
+          <p:nvPr>
+            <p:ph type="title"/>
+          </p:nvPr>
+        </p:nvSpPr>
+        <p:spPr>
+          <a:prstGeom prst="rect">
+            <a:avLst/>
+          </a:prstGeom>
+        </p:spPr>
+        <p:txBody>
+          <a:bodyPr/>
+          <a:lstStyle/>
+          <a:p>
+            <a:pPr lvl="1"/>
+            <a:r>
+              <a:t>Índice</a:t>
+            </a:r>
+          </a:p>
+        </p:txBody>
+      </p:sp>
+      <p:sp>
+        <p:nvSpPr>
+          <p:cNvPr id="143" name="Shape 143"/>
+          <p:cNvSpPr/>
+          <p:nvPr>
+            <p:ph type="body" idx="1"/>
+          </p:nvPr>
+        </p:nvSpPr>
+        <p:spPr>
+          <a:prstGeom prst="rect">
+            <a:avLst/>
+          </a:prstGeom>
+        </p:spPr>
+        <p:txBody>
+          <a:bodyPr/>
+          <a:lstStyle/>
+          <a:p>
+            <a:pPr marL="457200" indent="-457200" defTabSz="525779">
+              <a:spcBef>
+                <a:spcPts val="3700"/>
+              </a:spcBef>
+              <a:defRPr sz="3420"/>
+            </a:pPr>
+            <a:r>
+              <a:t>Introducción y Objetivos </a:t>
+            </a:r>
+          </a:p>
+          <a:p>
+            <a:pPr marL="457200" indent="-457200" defTabSz="525779">
+              <a:spcBef>
+                <a:spcPts val="3700"/>
+              </a:spcBef>
+              <a:defRPr sz="3420"/>
+            </a:pPr>
+            <a:r>
+              <a:t>Arquitectura del Sistema</a:t>
+            </a:r>
+          </a:p>
+          <a:p>
+            <a:pPr marL="457200" indent="-457200" defTabSz="525779">
+              <a:spcBef>
+                <a:spcPts val="3700"/>
+              </a:spcBef>
+              <a:defRPr sz="3420"/>
+            </a:pPr>
+            <a:r>
+              <a:t>Desarrollo del Software</a:t>
+            </a:r>
+          </a:p>
+          <a:p>
+            <a:pPr marL="457200" indent="-457200" defTabSz="525779">
+              <a:spcBef>
+                <a:spcPts val="3700"/>
+              </a:spcBef>
+              <a:defRPr sz="3420"/>
+            </a:pPr>
+            <a:r>
+              <a:t>Pruebas de Rendimiento</a:t>
+            </a:r>
+          </a:p>
+          <a:p>
+            <a:pPr marL="457200" indent="-457200" defTabSz="525779">
+              <a:spcBef>
+                <a:spcPts val="3700"/>
+              </a:spcBef>
+              <a:defRPr sz="3420"/>
+            </a:pPr>
+            <a:r>
+              <a:t>Costes</a:t>
+            </a:r>
+          </a:p>
+          <a:p>
+            <a:pPr marL="457200" indent="-457200" defTabSz="525779">
+              <a:spcBef>
+                <a:spcPts val="3700"/>
+              </a:spcBef>
+              <a:defRPr sz="3420"/>
+            </a:pPr>
+            <a:r>
+              <a:t>Futuros Desarrollos</a:t>
+            </a:r>
+          </a:p>
+          <a:p>
+            <a:pPr marL="457200" indent="-457200" defTabSz="525779">
+              <a:spcBef>
+                <a:spcPts val="3700"/>
+              </a:spcBef>
+              <a:defRPr sz="3420"/>
+            </a:pPr>
+            <a:r>
+              <a:t>Conclusiones</a:t>
+            </a:r>
+          </a:p>
+        </p:txBody>
+      </p:sp>
+      <p:sp>
+        <p:nvSpPr>
+          <p:cNvPr id="144" name="Shape 144"/>
+          <p:cNvSpPr/>
+          <p:nvPr>
+            <p:ph type="sldNum" sz="quarter" idx="2"/>
+          </p:nvPr>
+        </p:nvSpPr>
+        <p:spPr>
+          <a:xfrm>
+            <a:off x="12382499" y="9220200"/>
+            <a:ext cx="215901" cy="355600"/>
+          </a:xfrm>
+          <a:prstGeom prst="rect">
+            <a:avLst/>
+          </a:prstGeom>
+          <a:extLst>
+            <a:ext uri="{C572A759-6A51-4108-AA02-DFA0A04FC94B}">
+              <ma14:wrappingTextBoxFlag xmlns:ma14="http://schemas.microsoft.com/office/mac/drawingml/2011/main" val="1"/>
+            </a:ext>
+          </a:extLst>
+        </p:spPr>
+        <p:txBody>
+          <a:bodyPr/>
+          <a:lstStyle/>
+          <a:p>
+            <a:pPr/>
+            <a:fld id="{86CB4B4D-7CA3-9044-876B-883B54F8677D}" type="slidenum"/>
+          </a:p>
+        </p:txBody>
+      </p:sp>
+    </p:spTree>
+  </p:cSld>
+  <p:clrMapOvr>
+    <a:masterClrMapping/>
+  </p:clrMapOvr>
+  <p:transition xmlns:p14="http://schemas.microsoft.com/office/powerpoint/2010/main" spd="med" advClick="1"/>
+</p:sld>
+</file>
+
+<file path=ppt/slides/slide20.xml><?xml version="1.0" encoding="utf-8"?>
+<p:sld xmlns:a="http://schemas.openxmlformats.org/drawingml/2006/main" xmlns:r="http://schemas.openxmlformats.org/officeDocument/2006/relationships" xmlns:p="http://schemas.openxmlformats.org/presentationml/2006/main" showMasterSp="1" showMasterPhAnim="1">
+  <p:cSld>
+    <p:spTree>
+      <p:nvGrpSpPr>
+        <p:cNvPr id="1" name=""/>
+        <p:cNvGrpSpPr/>
+        <p:nvPr/>
+      </p:nvGrpSpPr>
+      <p:grpSpPr>
+        <a:xfrm>
+          <a:off x="0" y="0"/>
+          <a:ext cx="0" cy="0"/>
+          <a:chOff x="0" y="0"/>
+          <a:chExt cx="0" cy="0"/>
+        </a:xfrm>
+      </p:grpSpPr>
+      <p:sp>
+        <p:nvSpPr>
+          <p:cNvPr id="249" name="Shape 249"/>
+          <p:cNvSpPr/>
+          <p:nvPr>
+            <p:ph type="title"/>
+          </p:nvPr>
+        </p:nvSpPr>
+        <p:spPr>
+          <a:prstGeom prst="rect">
+            <a:avLst/>
+          </a:prstGeom>
+        </p:spPr>
+        <p:txBody>
+          <a:bodyPr/>
+          <a:lstStyle/>
+          <a:p>
+            <a:pPr/>
+            <a:r>
+              <a:t>Almacenamiento de Opciones</a:t>
+            </a:r>
+          </a:p>
+        </p:txBody>
+      </p:sp>
+      <p:sp>
+        <p:nvSpPr>
+          <p:cNvPr id="250" name="Shape 250"/>
+          <p:cNvSpPr/>
+          <p:nvPr>
+            <p:ph type="body" idx="1"/>
+          </p:nvPr>
+        </p:nvSpPr>
+        <p:spPr>
+          <a:prstGeom prst="rect">
+            <a:avLst/>
+          </a:prstGeom>
+        </p:spPr>
+        <p:txBody>
+          <a:bodyPr/>
+          <a:lstStyle/>
+          <a:p>
+            <a:pPr/>
+            <a:r>
+              <a:t>Gráfico</a:t>
+            </a:r>
+          </a:p>
+        </p:txBody>
+      </p:sp>
+      <p:sp>
+        <p:nvSpPr>
+          <p:cNvPr id="251" name="Shape 251"/>
+          <p:cNvSpPr/>
+          <p:nvPr>
+            <p:ph type="sldNum" sz="quarter" idx="2"/>
+          </p:nvPr>
+        </p:nvSpPr>
+        <p:spPr>
+          <a:prstGeom prst="rect">
+            <a:avLst/>
+          </a:prstGeom>
+          <a:extLst>
+            <a:ext uri="{C572A759-6A51-4108-AA02-DFA0A04FC94B}">
+              <ma14:wrappingTextBoxFlag xmlns:ma14="http://schemas.microsoft.com/office/mac/drawingml/2011/main" val="1"/>
+            </a:ext>
+          </a:extLst>
+        </p:spPr>
+        <p:txBody>
+          <a:bodyPr/>
+          <a:lstStyle/>
+          <a:p>
+            <a:pPr/>
+            <a:fld id="{86CB4B4D-7CA3-9044-876B-883B54F8677D}" type="slidenum"/>
+          </a:p>
+        </p:txBody>
+      </p:sp>
+    </p:spTree>
+  </p:cSld>
+  <p:clrMapOvr>
+    <a:masterClrMapping/>
+  </p:clrMapOvr>
+  <p:transition xmlns:p14="http://schemas.microsoft.com/office/powerpoint/2010/main" spd="med" advClick="1"/>
+</p:sld>
+</file>
+
+<file path=ppt/slides/slide21.xml><?xml version="1.0" encoding="utf-8"?>
+<p:sld xmlns:a="http://schemas.openxmlformats.org/drawingml/2006/main" xmlns:r="http://schemas.openxmlformats.org/officeDocument/2006/relationships" xmlns:p="http://schemas.openxmlformats.org/presentationml/2006/main" showMasterSp="1" showMasterPhAnim="1">
+  <p:cSld>
+    <p:spTree>
+      <p:nvGrpSpPr>
+        <p:cNvPr id="1" name=""/>
+        <p:cNvGrpSpPr/>
+        <p:nvPr/>
+      </p:nvGrpSpPr>
+      <p:grpSpPr>
+        <a:xfrm>
+          <a:off x="0" y="0"/>
+          <a:ext cx="0" cy="0"/>
+          <a:chOff x="0" y="0"/>
+          <a:chExt cx="0" cy="0"/>
+        </a:xfrm>
+      </p:grpSpPr>
+      <p:sp>
+        <p:nvSpPr>
+          <p:cNvPr id="255" name="Shape 255"/>
+          <p:cNvSpPr/>
+          <p:nvPr>
+            <p:ph type="title"/>
+          </p:nvPr>
+        </p:nvSpPr>
+        <p:spPr>
+          <a:prstGeom prst="rect">
+            <a:avLst/>
+          </a:prstGeom>
+        </p:spPr>
+        <p:txBody>
+          <a:bodyPr/>
+          <a:lstStyle/>
+          <a:p>
+            <a:pPr/>
+            <a:r>
+              <a:t>Pruebas de Rendimiento</a:t>
+            </a:r>
+          </a:p>
+        </p:txBody>
+      </p:sp>
+      <p:sp>
+        <p:nvSpPr>
+          <p:cNvPr id="256" name="Shape 256"/>
+          <p:cNvSpPr/>
+          <p:nvPr>
+            <p:ph type="body" idx="1"/>
+          </p:nvPr>
+        </p:nvSpPr>
+        <p:spPr>
+          <a:xfrm>
+            <a:off x="355599" y="1996227"/>
+            <a:ext cx="12293601" cy="6324601"/>
+          </a:xfrm>
+          <a:prstGeom prst="rect">
+            <a:avLst/>
+          </a:prstGeom>
+        </p:spPr>
+        <p:txBody>
+          <a:bodyPr/>
+          <a:lstStyle/>
+          <a:p>
+            <a:pPr>
+              <a:defRPr sz="4500"/>
+            </a:pPr>
+            <a:r>
+              <a:t>Respuesta protocolo ARP</a:t>
+            </a:r>
+          </a:p>
+          <a:p>
+            <a:pPr>
+              <a:defRPr sz="4500"/>
+            </a:pPr>
+            <a:r>
+              <a:t>Captura de foto</a:t>
+            </a:r>
+          </a:p>
+          <a:p>
+            <a:pPr>
+              <a:defRPr sz="4500"/>
+            </a:pPr>
+            <a:r>
+              <a:t>Proceso de recepción y reproducción de audio</a:t>
+            </a:r>
+          </a:p>
+          <a:p>
+            <a:pPr>
+              <a:defRPr sz="4500"/>
+            </a:pPr>
+            <a:r>
+              <a:t>Petición y tratamiento de datos meteorológicos</a:t>
+            </a:r>
+          </a:p>
+        </p:txBody>
+      </p:sp>
+      <p:sp>
+        <p:nvSpPr>
+          <p:cNvPr id="257" name="Shape 257"/>
+          <p:cNvSpPr/>
+          <p:nvPr>
+            <p:ph type="sldNum" sz="quarter" idx="2"/>
+          </p:nvPr>
+        </p:nvSpPr>
+        <p:spPr>
+          <a:prstGeom prst="rect">
+            <a:avLst/>
+          </a:prstGeom>
+          <a:extLst>
+            <a:ext uri="{C572A759-6A51-4108-AA02-DFA0A04FC94B}">
+              <ma14:wrappingTextBoxFlag xmlns:ma14="http://schemas.microsoft.com/office/mac/drawingml/2011/main" val="1"/>
+            </a:ext>
+          </a:extLst>
+        </p:spPr>
+        <p:txBody>
+          <a:bodyPr/>
+          <a:lstStyle/>
+          <a:p>
+            <a:pPr/>
+            <a:fld id="{86CB4B4D-7CA3-9044-876B-883B54F8677D}" type="slidenum"/>
+          </a:p>
+        </p:txBody>
+      </p:sp>
+    </p:spTree>
+  </p:cSld>
+  <p:clrMapOvr>
+    <a:masterClrMapping/>
+  </p:clrMapOvr>
+  <p:transition xmlns:p14="http://schemas.microsoft.com/office/powerpoint/2010/main" spd="med" advClick="1"/>
+</p:sld>
+</file>
+
+<file path=ppt/slides/slide22.xml><?xml version="1.0" encoding="utf-8"?>
+<p:sld xmlns:a="http://schemas.openxmlformats.org/drawingml/2006/main" xmlns:r="http://schemas.openxmlformats.org/officeDocument/2006/relationships" xmlns:p="http://schemas.openxmlformats.org/presentationml/2006/main" showMasterSp="1" showMasterPhAnim="1">
+  <p:cSld>
+    <p:spTree>
+      <p:nvGrpSpPr>
+        <p:cNvPr id="1" name=""/>
+        <p:cNvGrpSpPr/>
+        <p:nvPr/>
+      </p:nvGrpSpPr>
+      <p:grpSpPr>
+        <a:xfrm>
+          <a:off x="0" y="0"/>
+          <a:ext cx="0" cy="0"/>
+          <a:chOff x="0" y="0"/>
+          <a:chExt cx="0" cy="0"/>
+        </a:xfrm>
+      </p:grpSpPr>
+      <p:sp>
+        <p:nvSpPr>
+          <p:cNvPr id="261" name="Shape 261"/>
           <p:cNvSpPr/>
           <p:nvPr>
             <p:ph type="title"/>
@@ -5084,13 +8275,13 @@
       </p:sp>
       <p:graphicFrame>
         <p:nvGraphicFramePr>
-          <p:cNvPr id="180" name="Table 180"/>
+          <p:cNvPr id="262" name="Table 262"/>
           <p:cNvGraphicFramePr/>
           <p:nvPr/>
         </p:nvGraphicFramePr>
         <p:xfrm>
-          <a:off x="3435350" y="3894442"/>
-          <a:ext cx="6146800" cy="4517416"/>
+          <a:off x="2747015" y="3143714"/>
+          <a:ext cx="7523470" cy="5467430"/>
         </p:xfrm>
         <a:graphic xmlns:a="http://schemas.openxmlformats.org/drawingml/2006/main">
           <a:graphicData uri="http://schemas.openxmlformats.org/drawingml/2006/table">
@@ -5099,10 +8290,10 @@
                 <a:tableStyleId>{4C3C2611-4C71-4FC5-86AE-919BDF0F9419}</a:tableStyleId>
               </a:tblPr>
               <a:tblGrid>
-                <a:gridCol w="3067050"/>
-                <a:gridCol w="3067050"/>
+                <a:gridCol w="3755384"/>
+                <a:gridCol w="3755384"/>
               </a:tblGrid>
-              <a:tr h="1501571">
+              <a:tr h="1818242">
                 <a:tc>
                   <a:txBody>
                     <a:bodyPr/>
@@ -5143,7 +8334,7 @@
                       <a:miter lim="400000"/>
                     </a:lnL>
                     <a:blipFill rotWithShape="1">
-                      <a:blip r:embed="rId2"/>
+                      <a:blip r:embed="rId3"/>
                       <a:srcRect l="0" t="0" r="0" b="0"/>
                       <a:tile tx="0" ty="0" sx="100000" sy="100000" flip="none" algn="tl"/>
                     </a:blipFill>
@@ -5189,14 +8380,14 @@
                       <a:miter lim="400000"/>
                     </a:lnR>
                     <a:blipFill rotWithShape="1">
-                      <a:blip r:embed="rId2"/>
+                      <a:blip r:embed="rId3"/>
                       <a:srcRect l="0" t="0" r="0" b="0"/>
                       <a:tile tx="0" ty="0" sx="100000" sy="100000" flip="none" algn="tl"/>
                     </a:blipFill>
                   </a:tcPr>
                 </a:tc>
               </a:tr>
-              <a:tr h="1501571">
+              <a:tr h="1818242">
                 <a:tc>
                   <a:txBody>
                     <a:bodyPr/>
@@ -5256,7 +8447,7 @@
                   <a:tcPr marL="50800" marR="50800" marT="50800" marB="50800" anchor="ctr" anchorCtr="0" horzOverflow="overflow"/>
                 </a:tc>
               </a:tr>
-              <a:tr h="1501571">
+              <a:tr h="1818242">
                 <a:tc>
                   <a:txBody>
                     <a:bodyPr/>
@@ -5320,6 +8511,33 @@
           </a:graphicData>
         </a:graphic>
       </p:graphicFrame>
+      <p:sp>
+        <p:nvSpPr>
+          <p:cNvPr id="263" name="Shape 263"/>
+          <p:cNvSpPr/>
+          <p:nvPr>
+            <p:ph type="sldNum" sz="quarter" idx="2"/>
+          </p:nvPr>
+        </p:nvSpPr>
+        <p:spPr>
+          <a:prstGeom prst="rect">
+            <a:avLst/>
+          </a:prstGeom>
+          <a:extLst>
+            <a:ext uri="{C572A759-6A51-4108-AA02-DFA0A04FC94B}">
+              <ma14:wrappingTextBoxFlag xmlns:ma14="http://schemas.microsoft.com/office/mac/drawingml/2011/main" val="1"/>
+            </a:ext>
+          </a:extLst>
+        </p:spPr>
+        <p:txBody>
+          <a:bodyPr/>
+          <a:lstStyle/>
+          <a:p>
+            <a:pPr/>
+            <a:fld id="{86CB4B4D-7CA3-9044-876B-883B54F8677D}" type="slidenum"/>
+          </a:p>
+        </p:txBody>
+      </p:sp>
     </p:spTree>
   </p:cSld>
   <p:clrMapOvr>
@@ -5329,7 +8547,7 @@
 </p:sld>
 </file>
 
-<file path=ppt/slides/slide12.xml><?xml version="1.0" encoding="utf-8"?>
+<file path=ppt/slides/slide23.xml><?xml version="1.0" encoding="utf-8"?>
 <p:sld xmlns:a="http://schemas.openxmlformats.org/drawingml/2006/main" xmlns:r="http://schemas.openxmlformats.org/officeDocument/2006/relationships" xmlns:p="http://schemas.openxmlformats.org/presentationml/2006/main" showMasterSp="1" showMasterPhAnim="1">
   <p:cSld>
     <p:spTree>
@@ -5348,7 +8566,7 @@
       </p:grpSpPr>
       <p:sp>
         <p:nvSpPr>
-          <p:cNvPr id="182" name="Shape 182"/>
+          <p:cNvPr id="267" name="Shape 267"/>
           <p:cNvSpPr/>
           <p:nvPr>
             <p:ph type="title"/>
@@ -5372,13 +8590,13 @@
       </p:sp>
       <p:graphicFrame>
         <p:nvGraphicFramePr>
-          <p:cNvPr id="183" name="Table 183"/>
+          <p:cNvPr id="268" name="Table 268"/>
           <p:cNvGraphicFramePr/>
           <p:nvPr/>
         </p:nvGraphicFramePr>
         <p:xfrm>
-          <a:off x="2052067" y="3894442"/>
-          <a:ext cx="8913366" cy="4517416"/>
+          <a:off x="980810" y="2950465"/>
+          <a:ext cx="11055880" cy="5603273"/>
         </p:xfrm>
         <a:graphic xmlns:a="http://schemas.openxmlformats.org/drawingml/2006/main">
           <a:graphicData uri="http://schemas.openxmlformats.org/drawingml/2006/table">
@@ -5387,11 +8605,11 @@
                 <a:tableStyleId>{4C3C2611-4C71-4FC5-86AE-919BDF0F9419}</a:tableStyleId>
               </a:tblPr>
               <a:tblGrid>
-                <a:gridCol w="2966888"/>
-                <a:gridCol w="2966888"/>
-                <a:gridCol w="2966888"/>
+                <a:gridCol w="3681059"/>
+                <a:gridCol w="3681059"/>
+                <a:gridCol w="3681059"/>
               </a:tblGrid>
-              <a:tr h="1501571">
+              <a:tr h="1863524">
                 <a:tc>
                   <a:txBody>
                     <a:bodyPr/>
@@ -5432,7 +8650,7 @@
                       <a:miter lim="400000"/>
                     </a:lnL>
                     <a:blipFill rotWithShape="1">
-                      <a:blip r:embed="rId2"/>
+                      <a:blip r:embed="rId3"/>
                       <a:srcRect l="0" t="0" r="0" b="0"/>
                       <a:tile tx="0" ty="0" sx="100000" sy="100000" flip="none" algn="tl"/>
                     </a:blipFill>
@@ -5472,7 +8690,7 @@
                   </a:txBody>
                   <a:tcPr marL="50800" marR="50800" marT="50800" marB="50800" anchor="ctr" anchorCtr="0" horzOverflow="overflow">
                     <a:blipFill rotWithShape="1">
-                      <a:blip r:embed="rId2"/>
+                      <a:blip r:embed="rId3"/>
                       <a:srcRect l="0" t="0" r="0" b="0"/>
                       <a:tile tx="0" ty="0" sx="100000" sy="100000" flip="none" algn="tl"/>
                     </a:blipFill>
@@ -5518,14 +8736,14 @@
                       <a:miter lim="400000"/>
                     </a:lnR>
                     <a:blipFill rotWithShape="1">
-                      <a:blip r:embed="rId2"/>
+                      <a:blip r:embed="rId3"/>
                       <a:srcRect l="0" t="0" r="0" b="0"/>
                       <a:tile tx="0" ty="0" sx="100000" sy="100000" flip="none" algn="tl"/>
                     </a:blipFill>
                   </a:tcPr>
                 </a:tc>
               </a:tr>
-              <a:tr h="1501571">
+              <a:tr h="1863524">
                 <a:tc>
                   <a:txBody>
                     <a:bodyPr/>
@@ -5614,7 +8832,7 @@
                   <a:tcPr marL="50800" marR="50800" marT="50800" marB="50800" anchor="ctr" anchorCtr="0" horzOverflow="overflow"/>
                 </a:tc>
               </a:tr>
-              <a:tr h="1501571">
+              <a:tr h="1863524">
                 <a:tc>
                   <a:txBody>
                     <a:bodyPr/>
@@ -5707,6 +8925,33 @@
           </a:graphicData>
         </a:graphic>
       </p:graphicFrame>
+      <p:sp>
+        <p:nvSpPr>
+          <p:cNvPr id="269" name="Shape 269"/>
+          <p:cNvSpPr/>
+          <p:nvPr>
+            <p:ph type="sldNum" sz="quarter" idx="2"/>
+          </p:nvPr>
+        </p:nvSpPr>
+        <p:spPr>
+          <a:prstGeom prst="rect">
+            <a:avLst/>
+          </a:prstGeom>
+          <a:extLst>
+            <a:ext uri="{C572A759-6A51-4108-AA02-DFA0A04FC94B}">
+              <ma14:wrappingTextBoxFlag xmlns:ma14="http://schemas.microsoft.com/office/mac/drawingml/2011/main" val="1"/>
+            </a:ext>
+          </a:extLst>
+        </p:spPr>
+        <p:txBody>
+          <a:bodyPr/>
+          <a:lstStyle/>
+          <a:p>
+            <a:pPr/>
+            <a:fld id="{86CB4B4D-7CA3-9044-876B-883B54F8677D}" type="slidenum"/>
+          </a:p>
+        </p:txBody>
+      </p:sp>
     </p:spTree>
   </p:cSld>
   <p:clrMapOvr>
@@ -5716,7 +8961,7 @@
 </p:sld>
 </file>
 
-<file path=ppt/slides/slide13.xml><?xml version="1.0" encoding="utf-8"?>
+<file path=ppt/slides/slide24.xml><?xml version="1.0" encoding="utf-8"?>
 <p:sld xmlns:a="http://schemas.openxmlformats.org/drawingml/2006/main" xmlns:r="http://schemas.openxmlformats.org/officeDocument/2006/relationships" xmlns:p="http://schemas.openxmlformats.org/presentationml/2006/main" showMasterSp="1" showMasterPhAnim="1">
   <p:cSld>
     <p:spTree>
@@ -5735,7 +8980,7 @@
       </p:grpSpPr>
       <p:sp>
         <p:nvSpPr>
-          <p:cNvPr id="185" name="Shape 185"/>
+          <p:cNvPr id="273" name="Shape 273"/>
           <p:cNvSpPr/>
           <p:nvPr>
             <p:ph type="title"/>
@@ -5763,13 +9008,13 @@
       </p:sp>
       <p:graphicFrame>
         <p:nvGraphicFramePr>
-          <p:cNvPr id="186" name="Table 186"/>
+          <p:cNvPr id="274" name="Table 274"/>
           <p:cNvGraphicFramePr/>
           <p:nvPr/>
         </p:nvGraphicFramePr>
         <p:xfrm>
-          <a:off x="1935730" y="3894442"/>
-          <a:ext cx="9146040" cy="4517416"/>
+          <a:off x="875090" y="2951470"/>
+          <a:ext cx="11267320" cy="5565160"/>
         </p:xfrm>
         <a:graphic xmlns:a="http://schemas.openxmlformats.org/drawingml/2006/main">
           <a:graphicData uri="http://schemas.openxmlformats.org/drawingml/2006/table">
@@ -5778,12 +9023,12 @@
                 <a:tableStyleId>{4C3C2611-4C71-4FC5-86AE-919BDF0F9419}</a:tableStyleId>
               </a:tblPr>
               <a:tblGrid>
-                <a:gridCol w="2283334"/>
-                <a:gridCol w="2283334"/>
-                <a:gridCol w="2283334"/>
-                <a:gridCol w="2283334"/>
+                <a:gridCol w="2813654"/>
+                <a:gridCol w="2813654"/>
+                <a:gridCol w="2813654"/>
+                <a:gridCol w="2813654"/>
               </a:tblGrid>
-              <a:tr h="1501571">
+              <a:tr h="1850819">
                 <a:tc>
                   <a:txBody>
                     <a:bodyPr/>
@@ -5824,7 +9069,7 @@
                       <a:miter lim="400000"/>
                     </a:lnL>
                     <a:blipFill rotWithShape="1">
-                      <a:blip r:embed="rId2"/>
+                      <a:blip r:embed="rId3"/>
                       <a:srcRect l="0" t="0" r="0" b="0"/>
                       <a:tile tx="0" ty="0" sx="100000" sy="100000" flip="none" algn="tl"/>
                     </a:blipFill>
@@ -5864,7 +9109,7 @@
                   </a:txBody>
                   <a:tcPr marL="50800" marR="50800" marT="50800" marB="50800" anchor="ctr" anchorCtr="0" horzOverflow="overflow">
                     <a:blipFill rotWithShape="1">
-                      <a:blip r:embed="rId2"/>
+                      <a:blip r:embed="rId3"/>
                       <a:srcRect l="0" t="0" r="0" b="0"/>
                       <a:tile tx="0" ty="0" sx="100000" sy="100000" flip="none" algn="tl"/>
                     </a:blipFill>
@@ -5904,7 +9149,7 @@
                   </a:txBody>
                   <a:tcPr marL="50800" marR="50800" marT="50800" marB="50800" anchor="ctr" anchorCtr="0" horzOverflow="overflow">
                     <a:blipFill rotWithShape="1">
-                      <a:blip r:embed="rId2"/>
+                      <a:blip r:embed="rId3"/>
                       <a:srcRect l="0" t="0" r="0" b="0"/>
                       <a:tile tx="0" ty="0" sx="100000" sy="100000" flip="none" algn="tl"/>
                     </a:blipFill>
@@ -5950,14 +9195,14 @@
                       <a:miter lim="400000"/>
                     </a:lnR>
                     <a:blipFill rotWithShape="1">
-                      <a:blip r:embed="rId2"/>
+                      <a:blip r:embed="rId3"/>
                       <a:srcRect l="0" t="0" r="0" b="0"/>
                       <a:tile tx="0" ty="0" sx="100000" sy="100000" flip="none" algn="tl"/>
                     </a:blipFill>
                   </a:tcPr>
                 </a:tc>
               </a:tr>
-              <a:tr h="1501571">
+              <a:tr h="1850819">
                 <a:tc>
                   <a:txBody>
                     <a:bodyPr/>
@@ -6075,7 +9320,7 @@
                   <a:tcPr marL="50800" marR="50800" marT="50800" marB="50800" anchor="ctr" anchorCtr="0" horzOverflow="overflow"/>
                 </a:tc>
               </a:tr>
-              <a:tr h="1501571">
+              <a:tr h="1850819">
                 <a:tc>
                   <a:txBody>
                     <a:bodyPr/>
@@ -6197,6 +9442,33 @@
           </a:graphicData>
         </a:graphic>
       </p:graphicFrame>
+      <p:sp>
+        <p:nvSpPr>
+          <p:cNvPr id="275" name="Shape 275"/>
+          <p:cNvSpPr/>
+          <p:nvPr>
+            <p:ph type="sldNum" sz="quarter" idx="2"/>
+          </p:nvPr>
+        </p:nvSpPr>
+        <p:spPr>
+          <a:prstGeom prst="rect">
+            <a:avLst/>
+          </a:prstGeom>
+          <a:extLst>
+            <a:ext uri="{C572A759-6A51-4108-AA02-DFA0A04FC94B}">
+              <ma14:wrappingTextBoxFlag xmlns:ma14="http://schemas.microsoft.com/office/mac/drawingml/2011/main" val="1"/>
+            </a:ext>
+          </a:extLst>
+        </p:spPr>
+        <p:txBody>
+          <a:bodyPr/>
+          <a:lstStyle/>
+          <a:p>
+            <a:pPr/>
+            <a:fld id="{86CB4B4D-7CA3-9044-876B-883B54F8677D}" type="slidenum"/>
+          </a:p>
+        </p:txBody>
+      </p:sp>
     </p:spTree>
   </p:cSld>
   <p:clrMapOvr>
@@ -6206,7 +9478,7 @@
 </p:sld>
 </file>
 
-<file path=ppt/slides/slide14.xml><?xml version="1.0" encoding="utf-8"?>
+<file path=ppt/slides/slide25.xml><?xml version="1.0" encoding="utf-8"?>
 <p:sld xmlns:a="http://schemas.openxmlformats.org/drawingml/2006/main" xmlns:r="http://schemas.openxmlformats.org/officeDocument/2006/relationships" xmlns:p="http://schemas.openxmlformats.org/presentationml/2006/main" showMasterSp="1" showMasterPhAnim="1">
   <p:cSld>
     <p:spTree>
@@ -6225,7 +9497,7 @@
       </p:grpSpPr>
       <p:sp>
         <p:nvSpPr>
-          <p:cNvPr id="188" name="Shape 188"/>
+          <p:cNvPr id="279" name="Shape 279"/>
           <p:cNvSpPr/>
           <p:nvPr>
             <p:ph type="title"/>
@@ -6239,8 +9511,8 @@
         <p:txBody>
           <a:bodyPr/>
           <a:lstStyle>
-            <a:lvl1pPr defTabSz="560831">
-              <a:defRPr spc="-122" sz="6144"/>
+            <a:lvl1pPr defTabSz="432308">
+              <a:defRPr spc="-94" sz="4736"/>
             </a:lvl1pPr>
           </a:lstStyle>
           <a:p>
@@ -6253,13 +9525,13 @@
       </p:sp>
       <p:graphicFrame>
         <p:nvGraphicFramePr>
-          <p:cNvPr id="189" name="Table 189"/>
+          <p:cNvPr id="280" name="Table 280"/>
           <p:cNvGraphicFramePr/>
           <p:nvPr/>
         </p:nvGraphicFramePr>
         <p:xfrm>
-          <a:off x="3435350" y="3894442"/>
-          <a:ext cx="6146800" cy="4517416"/>
+          <a:off x="1695579" y="2649507"/>
+          <a:ext cx="9626342" cy="5459489"/>
         </p:xfrm>
         <a:graphic xmlns:a="http://schemas.openxmlformats.org/drawingml/2006/main">
           <a:graphicData uri="http://schemas.openxmlformats.org/drawingml/2006/table">
@@ -6268,10 +9540,10 @@
                 <a:tableStyleId>{4C3C2611-4C71-4FC5-86AE-919BDF0F9419}</a:tableStyleId>
               </a:tblPr>
               <a:tblGrid>
-                <a:gridCol w="3067050"/>
-                <a:gridCol w="3067050"/>
+                <a:gridCol w="4806821"/>
+                <a:gridCol w="4806821"/>
               </a:tblGrid>
-              <a:tr h="1501571">
+              <a:tr h="1815596">
                 <a:tc>
                   <a:txBody>
                     <a:bodyPr/>
@@ -6312,7 +9584,7 @@
                       <a:miter lim="400000"/>
                     </a:lnL>
                     <a:blipFill rotWithShape="1">
-                      <a:blip r:embed="rId2"/>
+                      <a:blip r:embed="rId3"/>
                       <a:srcRect l="0" t="0" r="0" b="0"/>
                       <a:tile tx="0" ty="0" sx="100000" sy="100000" flip="none" algn="tl"/>
                     </a:blipFill>
@@ -6358,14 +9630,14 @@
                       <a:miter lim="400000"/>
                     </a:lnR>
                     <a:blipFill rotWithShape="1">
-                      <a:blip r:embed="rId2"/>
+                      <a:blip r:embed="rId3"/>
                       <a:srcRect l="0" t="0" r="0" b="0"/>
                       <a:tile tx="0" ty="0" sx="100000" sy="100000" flip="none" algn="tl"/>
                     </a:blipFill>
                   </a:tcPr>
                 </a:tc>
               </a:tr>
-              <a:tr h="1501571">
+              <a:tr h="1815596">
                 <a:tc>
                   <a:txBody>
                     <a:bodyPr/>
@@ -6425,7 +9697,7 @@
                   <a:tcPr marL="50800" marR="50800" marT="50800" marB="50800" anchor="ctr" anchorCtr="0" horzOverflow="overflow"/>
                 </a:tc>
               </a:tr>
-              <a:tr h="1501571">
+              <a:tr h="1815596">
                 <a:tc>
                   <a:txBody>
                     <a:bodyPr/>
@@ -6489,6 +9761,33 @@
           </a:graphicData>
         </a:graphic>
       </p:graphicFrame>
+      <p:sp>
+        <p:nvSpPr>
+          <p:cNvPr id="281" name="Shape 281"/>
+          <p:cNvSpPr/>
+          <p:nvPr>
+            <p:ph type="sldNum" sz="quarter" idx="2"/>
+          </p:nvPr>
+        </p:nvSpPr>
+        <p:spPr>
+          <a:prstGeom prst="rect">
+            <a:avLst/>
+          </a:prstGeom>
+          <a:extLst>
+            <a:ext uri="{C572A759-6A51-4108-AA02-DFA0A04FC94B}">
+              <ma14:wrappingTextBoxFlag xmlns:ma14="http://schemas.microsoft.com/office/mac/drawingml/2011/main" val="1"/>
+            </a:ext>
+          </a:extLst>
+        </p:spPr>
+        <p:txBody>
+          <a:bodyPr/>
+          <a:lstStyle/>
+          <a:p>
+            <a:pPr/>
+            <a:fld id="{86CB4B4D-7CA3-9044-876B-883B54F8677D}" type="slidenum"/>
+          </a:p>
+        </p:txBody>
+      </p:sp>
     </p:spTree>
   </p:cSld>
   <p:clrMapOvr>
@@ -6498,7 +9797,7 @@
 </p:sld>
 </file>
 
-<file path=ppt/slides/slide15.xml><?xml version="1.0" encoding="utf-8"?>
+<file path=ppt/slides/slide26.xml><?xml version="1.0" encoding="utf-8"?>
 <p:sld xmlns:a="http://schemas.openxmlformats.org/drawingml/2006/main" xmlns:r="http://schemas.openxmlformats.org/officeDocument/2006/relationships" xmlns:p="http://schemas.openxmlformats.org/presentationml/2006/main" showMasterSp="1" showMasterPhAnim="1">
   <p:cSld>
     <p:spTree>
@@ -6517,7 +9816,7 @@
       </p:grpSpPr>
       <p:sp>
         <p:nvSpPr>
-          <p:cNvPr id="191" name="Shape 191"/>
+          <p:cNvPr id="285" name="Shape 285"/>
           <p:cNvSpPr/>
           <p:nvPr>
             <p:ph type="title"/>
@@ -6541,13 +9840,13 @@
       </p:sp>
       <p:graphicFrame>
         <p:nvGraphicFramePr>
-          <p:cNvPr id="192" name="Table 192"/>
+          <p:cNvPr id="286" name="Table 286"/>
           <p:cNvGraphicFramePr/>
           <p:nvPr/>
         </p:nvGraphicFramePr>
         <p:xfrm>
-          <a:off x="3435350" y="3894442"/>
-          <a:ext cx="6146800" cy="4517416"/>
+          <a:off x="993810" y="2782620"/>
+          <a:ext cx="6146801" cy="4517416"/>
         </p:xfrm>
         <a:graphic xmlns:a="http://schemas.openxmlformats.org/drawingml/2006/main">
           <a:graphicData uri="http://schemas.openxmlformats.org/drawingml/2006/table">
@@ -6957,6 +10256,194 @@
           </a:graphicData>
         </a:graphic>
       </p:graphicFrame>
+      <p:sp>
+        <p:nvSpPr>
+          <p:cNvPr id="287" name="Shape 287"/>
+          <p:cNvSpPr/>
+          <p:nvPr>
+            <p:ph type="body" sz="quarter" idx="1"/>
+          </p:nvPr>
+        </p:nvSpPr>
+        <p:spPr>
+          <a:xfrm>
+            <a:off x="7596450" y="3162365"/>
+            <a:ext cx="5314562" cy="3479670"/>
+          </a:xfrm>
+          <a:prstGeom prst="rect">
+            <a:avLst/>
+          </a:prstGeom>
+        </p:spPr>
+        <p:txBody>
+          <a:bodyPr/>
+          <a:lstStyle/>
+          <a:p>
+            <a:pPr marL="375920" indent="-375920" defTabSz="432308">
+              <a:spcBef>
+                <a:spcPts val="3100"/>
+              </a:spcBef>
+              <a:defRPr sz="3330"/>
+            </a:pPr>
+            <a:r>
+              <a:t>Costes de desarrollo:</a:t>
+            </a:r>
+          </a:p>
+          <a:p>
+            <a:pPr lvl="1" marL="751840" indent="-375920" defTabSz="432308">
+              <a:spcBef>
+                <a:spcPts val="3100"/>
+              </a:spcBef>
+              <a:defRPr sz="3330"/>
+            </a:pPr>
+            <a:r>
+              <a:t>300h</a:t>
+            </a:r>
+          </a:p>
+          <a:p>
+            <a:pPr lvl="1" marL="751840" indent="-375920" defTabSz="432308">
+              <a:spcBef>
+                <a:spcPts val="3100"/>
+              </a:spcBef>
+              <a:defRPr sz="3330"/>
+            </a:pPr>
+            <a:r>
+              <a:t>30€/h</a:t>
+            </a:r>
+          </a:p>
+          <a:p>
+            <a:pPr lvl="1" marL="751840" indent="-375920" defTabSz="432308">
+              <a:spcBef>
+                <a:spcPts val="3100"/>
+              </a:spcBef>
+              <a:defRPr sz="3330"/>
+            </a:pPr>
+            <a:r>
+              <a:t>Total = 9000€</a:t>
+            </a:r>
+          </a:p>
+        </p:txBody>
+      </p:sp>
+      <p:sp>
+        <p:nvSpPr>
+          <p:cNvPr id="288" name="Shape 288"/>
+          <p:cNvSpPr/>
+          <p:nvPr>
+            <p:ph type="sldNum" sz="quarter" idx="2"/>
+          </p:nvPr>
+        </p:nvSpPr>
+        <p:spPr>
+          <a:xfrm>
+            <a:off x="12331700" y="8267700"/>
+            <a:ext cx="317500" cy="355600"/>
+          </a:xfrm>
+          <a:prstGeom prst="rect">
+            <a:avLst/>
+          </a:prstGeom>
+          <a:extLst>
+            <a:ext uri="{C572A759-6A51-4108-AA02-DFA0A04FC94B}">
+              <ma14:wrappingTextBoxFlag xmlns:ma14="http://schemas.microsoft.com/office/mac/drawingml/2011/main" val="1"/>
+            </a:ext>
+          </a:extLst>
+        </p:spPr>
+        <p:txBody>
+          <a:bodyPr/>
+          <a:lstStyle/>
+          <a:p>
+            <a:pPr/>
+            <a:fld id="{86CB4B4D-7CA3-9044-876B-883B54F8677D}" type="slidenum"/>
+          </a:p>
+        </p:txBody>
+      </p:sp>
+      <p:sp>
+        <p:nvSpPr>
+          <p:cNvPr id="289" name="Shape 289"/>
+          <p:cNvSpPr/>
+          <p:nvPr/>
+        </p:nvSpPr>
+        <p:spPr>
+          <a:xfrm>
+            <a:off x="2485384" y="1937434"/>
+            <a:ext cx="3150952" cy="609601"/>
+          </a:xfrm>
+          <a:prstGeom prst="rect">
+            <a:avLst/>
+          </a:prstGeom>
+          <a:ln w="12700">
+            <a:miter lim="400000"/>
+          </a:ln>
+          <a:extLst>
+            <a:ext uri="{C572A759-6A51-4108-AA02-DFA0A04FC94B}">
+              <ma14:wrappingTextBoxFlag xmlns:ma14="http://schemas.microsoft.com/office/mac/drawingml/2011/main" val="1"/>
+            </a:ext>
+          </a:extLst>
+        </p:spPr>
+        <p:txBody>
+          <a:bodyPr wrap="none" lIns="50800" tIns="50800" rIns="50800" bIns="50800" anchor="ctr">
+            <a:spAutoFit/>
+          </a:bodyPr>
+          <a:lstStyle>
+            <a:lvl1pPr>
+              <a:defRPr b="1"/>
+            </a:lvl1pPr>
+          </a:lstStyle>
+          <a:p>
+            <a:pPr/>
+            <a:r>
+              <a:t>Costes materiales</a:t>
+            </a:r>
+          </a:p>
+        </p:txBody>
+      </p:sp>
+      <p:sp>
+        <p:nvSpPr>
+          <p:cNvPr id="290" name="Shape 290"/>
+          <p:cNvSpPr/>
+          <p:nvPr/>
+        </p:nvSpPr>
+        <p:spPr>
+          <a:xfrm>
+            <a:off x="2123306" y="7899317"/>
+            <a:ext cx="8758188" cy="1092366"/>
+          </a:xfrm>
+          <a:prstGeom prst="rect">
+            <a:avLst/>
+          </a:prstGeom>
+          <a:ln w="12700">
+            <a:miter lim="400000"/>
+          </a:ln>
+          <a:extLst>
+            <a:ext uri="{C572A759-6A51-4108-AA02-DFA0A04FC94B}">
+              <ma14:wrappingTextBoxFlag xmlns:ma14="http://schemas.microsoft.com/office/mac/drawingml/2011/main" val="1"/>
+            </a:ext>
+          </a:extLst>
+        </p:spPr>
+        <p:txBody>
+          <a:bodyPr lIns="50800" tIns="50800" rIns="50800" bIns="50800" anchor="ctr">
+            <a:normAutofit fontScale="100000" lnSpcReduction="0"/>
+          </a:bodyPr>
+          <a:lstStyle/>
+          <a:p>
+            <a:pPr lvl="1" marL="680720" indent="-340360" algn="l" defTabSz="391414">
+              <a:spcBef>
+                <a:spcPts val="2800"/>
+              </a:spcBef>
+              <a:buClr>
+                <a:srgbClr val="5C86B9"/>
+              </a:buClr>
+              <a:buSzPct val="70000"/>
+              <a:buFont typeface="Zapf Dingbats"/>
+              <a:buChar char="✤"/>
+              <a:defRPr sz="3350">
+                <a:solidFill>
+                  <a:srgbClr val="000000"/>
+                </a:solidFill>
+              </a:defRPr>
+            </a:pPr>
+            <a:r>
+              <a:t>El precio para 100 unidades sería de 185€</a:t>
+            </a:r>
+          </a:p>
+        </p:txBody>
+      </p:sp>
     </p:spTree>
   </p:cSld>
   <p:clrMapOvr>
@@ -6966,7 +10453,7 @@
 </p:sld>
 </file>
 
-<file path=ppt/slides/slide16.xml><?xml version="1.0" encoding="utf-8"?>
+<file path=ppt/slides/slide27.xml><?xml version="1.0" encoding="utf-8"?>
 <p:sld xmlns:a="http://schemas.openxmlformats.org/drawingml/2006/main" xmlns:r="http://schemas.openxmlformats.org/officeDocument/2006/relationships" xmlns:p="http://schemas.openxmlformats.org/presentationml/2006/main" showMasterSp="1" showMasterPhAnim="1">
   <p:cSld>
     <p:spTree>
@@ -6985,7 +10472,7 @@
       </p:grpSpPr>
       <p:sp>
         <p:nvSpPr>
-          <p:cNvPr id="196" name="Shape 196"/>
+          <p:cNvPr id="294" name="Shape 294"/>
           <p:cNvSpPr/>
           <p:nvPr>
             <p:ph type="title"/>
@@ -7009,7 +10496,7 @@
       </p:sp>
       <p:sp>
         <p:nvSpPr>
-          <p:cNvPr id="197" name="Shape 197"/>
+          <p:cNvPr id="295" name="Shape 295"/>
           <p:cNvSpPr/>
           <p:nvPr>
             <p:ph type="body" idx="1"/>
@@ -7024,59 +10511,86 @@
           <a:bodyPr/>
           <a:lstStyle/>
           <a:p>
-            <a:pPr marL="396239" indent="-396239" defTabSz="455675">
+            <a:pPr marL="441959" indent="-441959" defTabSz="508254">
               <a:spcBef>
-                <a:spcPts val="3200"/>
+                <a:spcPts val="3600"/>
               </a:spcBef>
-              <a:defRPr sz="2964"/>
+              <a:defRPr sz="3306"/>
             </a:pPr>
             <a:r>
               <a:t>Investigar otros método de detección de presencia.</a:t>
             </a:r>
           </a:p>
           <a:p>
-            <a:pPr marL="396239" indent="-396239" defTabSz="455675">
+            <a:pPr marL="441959" indent="-441959" defTabSz="508254">
               <a:spcBef>
-                <a:spcPts val="3200"/>
+                <a:spcPts val="3600"/>
               </a:spcBef>
-              <a:defRPr sz="2964"/>
+              <a:defRPr sz="3306"/>
             </a:pPr>
             <a:r>
               <a:t>Realizar pruebas de rendimiento con diferentes cámaras, para mejorar la velocidad de captura</a:t>
             </a:r>
           </a:p>
           <a:p>
-            <a:pPr marL="396239" indent="-396239" defTabSz="455675">
+            <a:pPr marL="441959" indent="-441959" defTabSz="508254">
               <a:spcBef>
-                <a:spcPts val="3200"/>
+                <a:spcPts val="3600"/>
               </a:spcBef>
-              <a:defRPr sz="2964"/>
+              <a:defRPr sz="3306"/>
             </a:pPr>
             <a:r>
               <a:t>Desarrollar un algoritmo que detecte los elementos conectados al sistema.</a:t>
             </a:r>
           </a:p>
           <a:p>
-            <a:pPr marL="396239" indent="-396239" defTabSz="455675">
+            <a:pPr marL="441959" indent="-441959" defTabSz="508254">
               <a:spcBef>
-                <a:spcPts val="3200"/>
+                <a:spcPts val="3600"/>
               </a:spcBef>
-              <a:defRPr sz="2964"/>
+              <a:defRPr sz="3306"/>
             </a:pPr>
             <a:r>
               <a:t>Desarrollar un sistema de visión artificial para detectar situaciones anómalas.</a:t>
             </a:r>
           </a:p>
           <a:p>
-            <a:pPr marL="396239" indent="-396239" defTabSz="455675">
+            <a:pPr marL="441959" indent="-441959" defTabSz="508254">
               <a:spcBef>
-                <a:spcPts val="3200"/>
+                <a:spcPts val="3600"/>
               </a:spcBef>
-              <a:defRPr sz="2964"/>
+              <a:defRPr sz="3306"/>
             </a:pPr>
             <a:r>
               <a:t>Realizar pruebas de rendimiento con diferentes lenguajes de programación</a:t>
             </a:r>
+          </a:p>
+        </p:txBody>
+      </p:sp>
+      <p:sp>
+        <p:nvSpPr>
+          <p:cNvPr id="296" name="Shape 296"/>
+          <p:cNvSpPr/>
+          <p:nvPr>
+            <p:ph type="sldNum" sz="quarter" idx="2"/>
+          </p:nvPr>
+        </p:nvSpPr>
+        <p:spPr>
+          <a:prstGeom prst="rect">
+            <a:avLst/>
+          </a:prstGeom>
+          <a:extLst>
+            <a:ext uri="{C572A759-6A51-4108-AA02-DFA0A04FC94B}">
+              <ma14:wrappingTextBoxFlag xmlns:ma14="http://schemas.microsoft.com/office/mac/drawingml/2011/main" val="1"/>
+            </a:ext>
+          </a:extLst>
+        </p:spPr>
+        <p:txBody>
+          <a:bodyPr/>
+          <a:lstStyle/>
+          <a:p>
+            <a:pPr/>
+            <a:fld id="{86CB4B4D-7CA3-9044-876B-883B54F8677D}" type="slidenum"/>
           </a:p>
         </p:txBody>
       </p:sp>
@@ -7089,7 +10603,7 @@
 </p:sld>
 </file>
 
-<file path=ppt/slides/slide17.xml><?xml version="1.0" encoding="utf-8"?>
+<file path=ppt/slides/slide28.xml><?xml version="1.0" encoding="utf-8"?>
 <p:sld xmlns:a="http://schemas.openxmlformats.org/drawingml/2006/main" xmlns:r="http://schemas.openxmlformats.org/officeDocument/2006/relationships" xmlns:p="http://schemas.openxmlformats.org/presentationml/2006/main" showMasterSp="1" showMasterPhAnim="1">
   <p:cSld>
     <p:spTree>
@@ -7108,7 +10622,7 @@
       </p:grpSpPr>
       <p:sp>
         <p:nvSpPr>
-          <p:cNvPr id="201" name="Shape 201"/>
+          <p:cNvPr id="300" name="Shape 300"/>
           <p:cNvSpPr/>
           <p:nvPr>
             <p:ph type="title"/>
@@ -7132,7 +10646,7 @@
       </p:sp>
       <p:sp>
         <p:nvSpPr>
-          <p:cNvPr id="202" name="Shape 202"/>
+          <p:cNvPr id="301" name="Shape 301"/>
           <p:cNvSpPr/>
           <p:nvPr>
             <p:ph type="body" idx="1"/>
@@ -7172,148 +10686,30 @@
           </a:p>
         </p:txBody>
       </p:sp>
-    </p:spTree>
-  </p:cSld>
-  <p:clrMapOvr>
-    <a:masterClrMapping/>
-  </p:clrMapOvr>
-  <p:transition xmlns:p14="http://schemas.microsoft.com/office/powerpoint/2010/main" spd="med" advClick="1"/>
-</p:sld>
-</file>
-
-<file path=ppt/slides/slide2.xml><?xml version="1.0" encoding="utf-8"?>
-<p:sld xmlns:a="http://schemas.openxmlformats.org/drawingml/2006/main" xmlns:r="http://schemas.openxmlformats.org/officeDocument/2006/relationships" xmlns:p="http://schemas.openxmlformats.org/presentationml/2006/main" showMasterSp="1" showMasterPhAnim="1">
-  <p:cSld>
-    <p:spTree>
-      <p:nvGrpSpPr>
-        <p:cNvPr id="1" name=""/>
-        <p:cNvGrpSpPr/>
-        <p:nvPr/>
-      </p:nvGrpSpPr>
-      <p:grpSpPr>
-        <a:xfrm>
-          <a:off x="0" y="0"/>
-          <a:ext cx="0" cy="0"/>
-          <a:chOff x="0" y="0"/>
-          <a:chExt cx="0" cy="0"/>
-        </a:xfrm>
-      </p:grpSpPr>
-      <p:sp>
-        <p:nvSpPr>
-          <p:cNvPr id="138" name="Shape 138"/>
-          <p:cNvSpPr/>
-          <p:nvPr>
-            <p:ph type="title"/>
-          </p:nvPr>
-        </p:nvSpPr>
-        <p:spPr>
-          <a:prstGeom prst="rect">
-            <a:avLst/>
-          </a:prstGeom>
-        </p:spPr>
-        <p:txBody>
-          <a:bodyPr/>
-          <a:lstStyle/>
-          <a:p>
-            <a:pPr lvl="1"/>
-            <a:r>
-              <a:t>Índice</a:t>
-            </a:r>
-          </a:p>
-        </p:txBody>
-      </p:sp>
-      <p:sp>
-        <p:nvSpPr>
-          <p:cNvPr id="139" name="Shape 139"/>
-          <p:cNvSpPr/>
-          <p:nvPr>
-            <p:ph type="body" idx="1"/>
-          </p:nvPr>
-        </p:nvSpPr>
-        <p:spPr>
-          <a:prstGeom prst="rect">
-            <a:avLst/>
-          </a:prstGeom>
-        </p:spPr>
-        <p:txBody>
-          <a:bodyPr/>
-          <a:lstStyle/>
-          <a:p>
-            <a:pPr marL="406400" indent="-406400" defTabSz="467359">
-              <a:spcBef>
-                <a:spcPts val="3300"/>
-              </a:spcBef>
-              <a:defRPr sz="3040"/>
-            </a:pPr>
-            <a:r>
-              <a:t>Introducción </a:t>
-            </a:r>
-          </a:p>
-          <a:p>
-            <a:pPr marL="406400" indent="-406400" defTabSz="467359">
-              <a:spcBef>
-                <a:spcPts val="3300"/>
-              </a:spcBef>
-              <a:defRPr sz="3040"/>
-            </a:pPr>
-            <a:r>
-              <a:t>Arquitectura del Sistema</a:t>
-            </a:r>
-          </a:p>
-          <a:p>
-            <a:pPr marL="406400" indent="-406400" defTabSz="467359">
-              <a:spcBef>
-                <a:spcPts val="3300"/>
-              </a:spcBef>
-              <a:defRPr sz="3040"/>
-            </a:pPr>
-            <a:r>
-              <a:t>Desarrollo del Software</a:t>
-            </a:r>
-          </a:p>
-          <a:p>
-            <a:pPr marL="406400" indent="-406400" defTabSz="467359">
-              <a:spcBef>
-                <a:spcPts val="3300"/>
-              </a:spcBef>
-              <a:defRPr sz="3040"/>
-            </a:pPr>
-            <a:r>
-              <a:t>Pruebas de Rendimiento</a:t>
-            </a:r>
-          </a:p>
-          <a:p>
-            <a:pPr marL="406400" indent="-406400" defTabSz="467359">
-              <a:spcBef>
-                <a:spcPts val="3300"/>
-              </a:spcBef>
-              <a:defRPr sz="3040"/>
-            </a:pPr>
-            <a:r>
-              <a:t>Costes</a:t>
-            </a:r>
-          </a:p>
-          <a:p>
-            <a:pPr marL="406400" indent="-406400" defTabSz="467359">
-              <a:spcBef>
-                <a:spcPts val="3300"/>
-              </a:spcBef>
-              <a:defRPr sz="3040"/>
-            </a:pPr>
-            <a:r>
-              <a:t>Futuros Desarrollos</a:t>
-            </a:r>
-          </a:p>
-          <a:p>
-            <a:pPr marL="406400" indent="-406400" defTabSz="467359">
-              <a:spcBef>
-                <a:spcPts val="3300"/>
-              </a:spcBef>
-              <a:defRPr sz="3040"/>
-            </a:pPr>
-            <a:r>
-              <a:t>Conclusiones</a:t>
-            </a:r>
+      <p:sp>
+        <p:nvSpPr>
+          <p:cNvPr id="302" name="Shape 302"/>
+          <p:cNvSpPr/>
+          <p:nvPr>
+            <p:ph type="sldNum" sz="quarter" idx="2"/>
+          </p:nvPr>
+        </p:nvSpPr>
+        <p:spPr>
+          <a:prstGeom prst="rect">
+            <a:avLst/>
+          </a:prstGeom>
+          <a:extLst>
+            <a:ext uri="{C572A759-6A51-4108-AA02-DFA0A04FC94B}">
+              <ma14:wrappingTextBoxFlag xmlns:ma14="http://schemas.microsoft.com/office/mac/drawingml/2011/main" val="1"/>
+            </a:ext>
+          </a:extLst>
+        </p:spPr>
+        <p:txBody>
+          <a:bodyPr/>
+          <a:lstStyle/>
+          <a:p>
+            <a:pPr/>
+            <a:fld id="{86CB4B4D-7CA3-9044-876B-883B54F8677D}" type="slidenum"/>
           </a:p>
         </p:txBody>
       </p:sp>
@@ -7345,7 +10741,7 @@
       </p:grpSpPr>
       <p:sp>
         <p:nvSpPr>
-          <p:cNvPr id="141" name="Shape 141"/>
+          <p:cNvPr id="146" name="Shape 146"/>
           <p:cNvSpPr/>
           <p:nvPr>
             <p:ph type="title"/>
@@ -7369,7 +10765,7 @@
       </p:sp>
       <p:sp>
         <p:nvSpPr>
-          <p:cNvPr id="142" name="Shape 142"/>
+          <p:cNvPr id="147" name="Shape 147"/>
           <p:cNvSpPr/>
           <p:nvPr>
             <p:ph type="body" idx="1"/>
@@ -7386,14 +10782,39 @@
           <a:p>
             <a:pPr/>
             <a:r>
-              <a:t>Introducción</a:t>
-            </a:r>
-          </a:p>
-          <a:p>
-            <a:pPr/>
-            <a:r>
-              <a:t>Objetivos</a:t>
-            </a:r>
+              <a:t>Introducción al IoT</a:t>
+            </a:r>
+          </a:p>
+        </p:txBody>
+      </p:sp>
+      <p:sp>
+        <p:nvSpPr>
+          <p:cNvPr id="148" name="Shape 148"/>
+          <p:cNvSpPr/>
+          <p:nvPr>
+            <p:ph type="sldNum" sz="quarter" idx="2"/>
+          </p:nvPr>
+        </p:nvSpPr>
+        <p:spPr>
+          <a:xfrm>
+            <a:off x="12382499" y="9220200"/>
+            <a:ext cx="215901" cy="355600"/>
+          </a:xfrm>
+          <a:prstGeom prst="rect">
+            <a:avLst/>
+          </a:prstGeom>
+          <a:extLst>
+            <a:ext uri="{C572A759-6A51-4108-AA02-DFA0A04FC94B}">
+              <ma14:wrappingTextBoxFlag xmlns:ma14="http://schemas.microsoft.com/office/mac/drawingml/2011/main" val="1"/>
+            </a:ext>
+          </a:extLst>
+        </p:spPr>
+        <p:txBody>
+          <a:bodyPr/>
+          <a:lstStyle/>
+          <a:p>
+            <a:pPr/>
+            <a:fld id="{86CB4B4D-7CA3-9044-876B-883B54F8677D}" type="slidenum"/>
           </a:p>
         </p:txBody>
       </p:sp>
@@ -7425,7 +10846,7 @@
       </p:grpSpPr>
       <p:sp>
         <p:nvSpPr>
-          <p:cNvPr id="144" name="Shape 144"/>
+          <p:cNvPr id="152" name="Shape 152"/>
           <p:cNvSpPr/>
           <p:nvPr>
             <p:ph type="title"/>
@@ -7442,14 +10863,14 @@
           <a:p>
             <a:pPr/>
             <a:r>
-              <a:t>Introducción</a:t>
-            </a:r>
-          </a:p>
-        </p:txBody>
-      </p:sp>
-      <p:sp>
-        <p:nvSpPr>
-          <p:cNvPr id="145" name="Shape 145"/>
+              <a:t>Objetivos</a:t>
+            </a:r>
+          </a:p>
+        </p:txBody>
+      </p:sp>
+      <p:sp>
+        <p:nvSpPr>
+          <p:cNvPr id="153" name="Shape 153"/>
           <p:cNvSpPr/>
           <p:nvPr>
             <p:ph type="body" idx="1"/>
@@ -7466,8 +10887,63 @@
           <a:p>
             <a:pPr/>
             <a:r>
-              <a:t>Introducción al IoT</a:t>
-            </a:r>
+              <a:t>Sistema domótico basado en IoT</a:t>
+            </a:r>
+          </a:p>
+          <a:p>
+            <a:pPr/>
+            <a:r>
+              <a:t>Integración de este sistema en Raspberry Pi.</a:t>
+            </a:r>
+          </a:p>
+          <a:p>
+            <a:pPr/>
+            <a:r>
+              <a:t>Desarrollo del software en NodeJS (JavaScript)</a:t>
+            </a:r>
+          </a:p>
+          <a:p>
+            <a:pPr/>
+            <a:r>
+              <a:t>Control de Presencia.</a:t>
+            </a:r>
+          </a:p>
+          <a:p>
+            <a:pPr/>
+            <a:r>
+              <a:t>Control del sistema domótico mediante una aplicación de mensajería</a:t>
+            </a:r>
+          </a:p>
+        </p:txBody>
+      </p:sp>
+      <p:sp>
+        <p:nvSpPr>
+          <p:cNvPr id="154" name="Shape 154"/>
+          <p:cNvSpPr/>
+          <p:nvPr>
+            <p:ph type="sldNum" sz="quarter" idx="2"/>
+          </p:nvPr>
+        </p:nvSpPr>
+        <p:spPr>
+          <a:xfrm>
+            <a:off x="12382499" y="9220200"/>
+            <a:ext cx="215901" cy="355600"/>
+          </a:xfrm>
+          <a:prstGeom prst="rect">
+            <a:avLst/>
+          </a:prstGeom>
+          <a:extLst>
+            <a:ext uri="{C572A759-6A51-4108-AA02-DFA0A04FC94B}">
+              <ma14:wrappingTextBoxFlag xmlns:ma14="http://schemas.microsoft.com/office/mac/drawingml/2011/main" val="1"/>
+            </a:ext>
+          </a:extLst>
+        </p:spPr>
+        <p:txBody>
+          <a:bodyPr/>
+          <a:lstStyle/>
+          <a:p>
+            <a:pPr/>
+            <a:fld id="{86CB4B4D-7CA3-9044-876B-883B54F8677D}" type="slidenum"/>
           </a:p>
         </p:txBody>
       </p:sp>
@@ -7499,7 +10975,7 @@
       </p:grpSpPr>
       <p:sp>
         <p:nvSpPr>
-          <p:cNvPr id="149" name="Shape 149"/>
+          <p:cNvPr id="158" name="Shape 158"/>
           <p:cNvSpPr/>
           <p:nvPr>
             <p:ph type="title"/>
@@ -7516,32 +10992,68 @@
           <a:p>
             <a:pPr/>
             <a:r>
-              <a:t>Introducción</a:t>
-            </a:r>
-          </a:p>
-        </p:txBody>
-      </p:sp>
-      <p:sp>
-        <p:nvSpPr>
-          <p:cNvPr id="150" name="Shape 150"/>
-          <p:cNvSpPr/>
-          <p:nvPr>
-            <p:ph type="body" idx="1"/>
-          </p:nvPr>
-        </p:nvSpPr>
-        <p:spPr>
-          <a:prstGeom prst="rect">
-            <a:avLst/>
-          </a:prstGeom>
-        </p:spPr>
-        <p:txBody>
-          <a:bodyPr/>
-          <a:lstStyle/>
-          <a:p>
-            <a:pPr/>
-            <a:r>
-              <a:t>IoT enfocado al TFM</a:t>
-            </a:r>
+              <a:t>Arquitectura del Sistema</a:t>
+            </a:r>
+          </a:p>
+        </p:txBody>
+      </p:sp>
+      <p:pic>
+        <p:nvPicPr>
+          <p:cNvPr id="159" name="TransArqSist.png"/>
+          <p:cNvPicPr>
+            <a:picLocks noChangeAspect="1"/>
+          </p:cNvPicPr>
+          <p:nvPr/>
+        </p:nvPicPr>
+        <p:blipFill>
+          <a:blip r:embed="rId3">
+            <a:extLst/>
+          </a:blip>
+          <a:stretch>
+            <a:fillRect/>
+          </a:stretch>
+        </p:blipFill>
+        <p:spPr>
+          <a:xfrm>
+            <a:off x="3770813" y="3437369"/>
+            <a:ext cx="5463174" cy="5418862"/>
+          </a:xfrm>
+          <a:prstGeom prst="rect">
+            <a:avLst/>
+          </a:prstGeom>
+          <a:ln w="12700">
+            <a:miter lim="400000"/>
+          </a:ln>
+        </p:spPr>
+      </p:pic>
+      <p:sp>
+        <p:nvSpPr>
+          <p:cNvPr id="160" name="Shape 160"/>
+          <p:cNvSpPr/>
+          <p:nvPr>
+            <p:ph type="sldNum" sz="quarter" idx="2"/>
+          </p:nvPr>
+        </p:nvSpPr>
+        <p:spPr>
+          <a:xfrm>
+            <a:off x="12382499" y="9220200"/>
+            <a:ext cx="215901" cy="355600"/>
+          </a:xfrm>
+          <a:prstGeom prst="rect">
+            <a:avLst/>
+          </a:prstGeom>
+          <a:extLst>
+            <a:ext uri="{C572A759-6A51-4108-AA02-DFA0A04FC94B}">
+              <ma14:wrappingTextBoxFlag xmlns:ma14="http://schemas.microsoft.com/office/mac/drawingml/2011/main" val="1"/>
+            </a:ext>
+          </a:extLst>
+        </p:spPr>
+        <p:txBody>
+          <a:bodyPr/>
+          <a:lstStyle/>
+          <a:p>
+            <a:pPr/>
+            <a:fld id="{86CB4B4D-7CA3-9044-876B-883B54F8677D}" type="slidenum"/>
           </a:p>
         </p:txBody>
       </p:sp>
@@ -7573,7 +11085,7 @@
       </p:grpSpPr>
       <p:sp>
         <p:nvSpPr>
-          <p:cNvPr id="154" name="Shape 154"/>
+          <p:cNvPr id="164" name="Shape 164"/>
           <p:cNvSpPr/>
           <p:nvPr>
             <p:ph type="title"/>
@@ -7590,14 +11102,14 @@
           <a:p>
             <a:pPr/>
             <a:r>
-              <a:t>Objetivos</a:t>
-            </a:r>
-          </a:p>
-        </p:txBody>
-      </p:sp>
-      <p:sp>
-        <p:nvSpPr>
-          <p:cNvPr id="155" name="Shape 155"/>
+              <a:t>Desarrollo del Software</a:t>
+            </a:r>
+          </a:p>
+        </p:txBody>
+      </p:sp>
+      <p:sp>
+        <p:nvSpPr>
+          <p:cNvPr id="165" name="Shape 165"/>
           <p:cNvSpPr/>
           <p:nvPr>
             <p:ph type="body" idx="1"/>
@@ -7612,34 +11124,134 @@
           <a:bodyPr/>
           <a:lstStyle/>
           <a:p>
-            <a:pPr/>
-            <a:r>
-              <a:t>Sistema domótico basado en IoT</a:t>
-            </a:r>
-          </a:p>
-          <a:p>
-            <a:pPr/>
-            <a:r>
-              <a:t>Integración de este sistema en Raspberry Pi.</a:t>
-            </a:r>
-          </a:p>
-          <a:p>
-            <a:pPr/>
-            <a:r>
-              <a:t>Desarrollo del software en NodeJS (JavaScript)</a:t>
-            </a:r>
-          </a:p>
-          <a:p>
-            <a:pPr/>
-            <a:r>
-              <a:t>Control de Presencia.</a:t>
-            </a:r>
-          </a:p>
-          <a:p>
-            <a:pPr/>
-            <a:r>
-              <a:t>Control del sistema domótico mediante una aplicación de mensajería</a:t>
-            </a:r>
+            <a:pPr marL="345440" indent="-345440" defTabSz="397256">
+              <a:spcBef>
+                <a:spcPts val="2800"/>
+              </a:spcBef>
+              <a:defRPr sz="2584"/>
+            </a:pPr>
+            <a:r>
+              <a:t>API Telegram</a:t>
+            </a:r>
+          </a:p>
+          <a:p>
+            <a:pPr marL="345440" indent="-345440" defTabSz="397256">
+              <a:spcBef>
+                <a:spcPts val="2800"/>
+              </a:spcBef>
+              <a:defRPr sz="2584"/>
+            </a:pPr>
+            <a:r>
+              <a:t>Máquina de Estados</a:t>
+            </a:r>
+          </a:p>
+          <a:p>
+            <a:pPr marL="345440" indent="-345440" defTabSz="397256">
+              <a:spcBef>
+                <a:spcPts val="2800"/>
+              </a:spcBef>
+              <a:defRPr sz="2584"/>
+            </a:pPr>
+            <a:r>
+              <a:t>Usuarios</a:t>
+            </a:r>
+          </a:p>
+          <a:p>
+            <a:pPr marL="345440" indent="-345440" defTabSz="397256">
+              <a:spcBef>
+                <a:spcPts val="2800"/>
+              </a:spcBef>
+              <a:defRPr sz="2584"/>
+            </a:pPr>
+            <a:r>
+              <a:t>Control de Presencia</a:t>
+            </a:r>
+          </a:p>
+          <a:p>
+            <a:pPr marL="345440" indent="-345440" defTabSz="397256">
+              <a:spcBef>
+                <a:spcPts val="2800"/>
+              </a:spcBef>
+              <a:defRPr sz="2584"/>
+            </a:pPr>
+            <a:r>
+              <a:t>Portero Automático</a:t>
+            </a:r>
+          </a:p>
+          <a:p>
+            <a:pPr marL="345440" indent="-345440" defTabSz="397256">
+              <a:spcBef>
+                <a:spcPts val="2800"/>
+              </a:spcBef>
+              <a:defRPr sz="2584"/>
+            </a:pPr>
+            <a:r>
+              <a:t>Sensores y Actuadores</a:t>
+            </a:r>
+          </a:p>
+          <a:p>
+            <a:pPr marL="345440" indent="-345440" defTabSz="397256">
+              <a:spcBef>
+                <a:spcPts val="2800"/>
+              </a:spcBef>
+              <a:defRPr sz="2584"/>
+            </a:pPr>
+            <a:r>
+              <a:t>Temperatura</a:t>
+            </a:r>
+          </a:p>
+          <a:p>
+            <a:pPr marL="345440" indent="-345440" defTabSz="397256">
+              <a:spcBef>
+                <a:spcPts val="2800"/>
+              </a:spcBef>
+              <a:defRPr sz="2584"/>
+            </a:pPr>
+            <a:r>
+              <a:t>Alarma</a:t>
+            </a:r>
+          </a:p>
+          <a:p>
+            <a:pPr marL="345440" indent="-345440" defTabSz="397256">
+              <a:spcBef>
+                <a:spcPts val="2800"/>
+              </a:spcBef>
+              <a:defRPr sz="2584"/>
+            </a:pPr>
+            <a:r>
+              <a:t>Almacenamiento de Opciones</a:t>
+            </a:r>
+          </a:p>
+        </p:txBody>
+      </p:sp>
+      <p:sp>
+        <p:nvSpPr>
+          <p:cNvPr id="166" name="Shape 166"/>
+          <p:cNvSpPr/>
+          <p:nvPr>
+            <p:ph type="sldNum" sz="quarter" idx="2"/>
+          </p:nvPr>
+        </p:nvSpPr>
+        <p:spPr>
+          <a:xfrm>
+            <a:off x="12382499" y="9220200"/>
+            <a:ext cx="215901" cy="355600"/>
+          </a:xfrm>
+          <a:prstGeom prst="rect">
+            <a:avLst/>
+          </a:prstGeom>
+          <a:extLst>
+            <a:ext uri="{C572A759-6A51-4108-AA02-DFA0A04FC94B}">
+              <ma14:wrappingTextBoxFlag xmlns:ma14="http://schemas.microsoft.com/office/mac/drawingml/2011/main" val="1"/>
+            </a:ext>
+          </a:extLst>
+        </p:spPr>
+        <p:txBody>
+          <a:bodyPr/>
+          <a:lstStyle/>
+          <a:p>
+            <a:pPr/>
+            <a:fld id="{86CB4B4D-7CA3-9044-876B-883B54F8677D}" type="slidenum"/>
           </a:p>
         </p:txBody>
       </p:sp>
@@ -7671,7 +11283,7 @@
       </p:grpSpPr>
       <p:sp>
         <p:nvSpPr>
-          <p:cNvPr id="159" name="Shape 159"/>
+          <p:cNvPr id="170" name="Shape 170"/>
           <p:cNvSpPr/>
           <p:nvPr>
             <p:ph type="title"/>
@@ -7688,40 +11300,90 @@
           <a:p>
             <a:pPr/>
             <a:r>
-              <a:t>Arquitectura del Sistema</a:t>
-            </a:r>
-          </a:p>
-        </p:txBody>
-      </p:sp>
-      <p:pic>
-        <p:nvPicPr>
-          <p:cNvPr id="160" name="TransArqSist.png"/>
-          <p:cNvPicPr>
-            <a:picLocks noChangeAspect="1"/>
-          </p:cNvPicPr>
-          <p:nvPr/>
-        </p:nvPicPr>
-        <p:blipFill>
-          <a:blip r:embed="rId3">
-            <a:extLst/>
-          </a:blip>
-          <a:stretch>
-            <a:fillRect/>
-          </a:stretch>
-        </p:blipFill>
+              <a:t>API Telegram</a:t>
+            </a:r>
+          </a:p>
+        </p:txBody>
+      </p:sp>
+      <p:sp>
+        <p:nvSpPr>
+          <p:cNvPr id="171" name="Shape 171"/>
+          <p:cNvSpPr/>
+          <p:nvPr>
+            <p:ph type="body" idx="1"/>
+          </p:nvPr>
+        </p:nvSpPr>
+        <p:spPr>
+          <a:prstGeom prst="rect">
+            <a:avLst/>
+          </a:prstGeom>
+        </p:spPr>
+        <p:txBody>
+          <a:bodyPr/>
+          <a:lstStyle/>
+          <a:p>
+            <a:pPr/>
+            <a:r>
+              <a:t>¿Qué se puede hacer con los bots?</a:t>
+            </a:r>
+          </a:p>
+          <a:p>
+            <a:pPr lvl="1"/>
+            <a:r>
+              <a:t>Notificaciones de noticias</a:t>
+            </a:r>
+          </a:p>
+          <a:p>
+            <a:pPr lvl="1"/>
+            <a:r>
+              <a:t>Integración con servicios externos</a:t>
+            </a:r>
+          </a:p>
+          <a:p>
+            <a:pPr lvl="1"/>
+            <a:r>
+              <a:t>Juegos</a:t>
+            </a:r>
+          </a:p>
+          <a:p>
+            <a:pPr lvl="1"/>
+            <a:r>
+              <a:t>Creación de herramientas</a:t>
+            </a:r>
+          </a:p>
+        </p:txBody>
+      </p:sp>
+      <p:sp>
+        <p:nvSpPr>
+          <p:cNvPr id="172" name="Shape 172"/>
+          <p:cNvSpPr/>
+          <p:nvPr>
+            <p:ph type="sldNum" sz="quarter" idx="2"/>
+          </p:nvPr>
+        </p:nvSpPr>
         <p:spPr>
           <a:xfrm>
-            <a:off x="1183217" y="3788609"/>
-            <a:ext cx="4754952" cy="4716383"/>
+            <a:off x="12382499" y="9220200"/>
+            <a:ext cx="215901" cy="355600"/>
           </a:xfrm>
           <a:prstGeom prst="rect">
             <a:avLst/>
           </a:prstGeom>
-          <a:ln w="12700">
-            <a:miter lim="400000"/>
-          </a:ln>
-        </p:spPr>
-      </p:pic>
+          <a:extLst>
+            <a:ext uri="{C572A759-6A51-4108-AA02-DFA0A04FC94B}">
+              <ma14:wrappingTextBoxFlag xmlns:ma14="http://schemas.microsoft.com/office/mac/drawingml/2011/main" val="1"/>
+            </a:ext>
+          </a:extLst>
+        </p:spPr>
+        <p:txBody>
+          <a:bodyPr/>
+          <a:lstStyle/>
+          <a:p>
+            <a:pPr/>
+            <a:fld id="{86CB4B4D-7CA3-9044-876B-883B54F8677D}" type="slidenum"/>
+          </a:p>
+        </p:txBody>
+      </p:sp>
     </p:spTree>
   </p:cSld>
   <p:clrMapOvr>
@@ -7750,7 +11412,7 @@
       </p:grpSpPr>
       <p:sp>
         <p:nvSpPr>
-          <p:cNvPr id="164" name="Shape 164"/>
+          <p:cNvPr id="176" name="Shape 176"/>
           <p:cNvSpPr/>
           <p:nvPr>
             <p:ph type="title"/>
@@ -7767,83 +11429,66 @@
           <a:p>
             <a:pPr/>
             <a:r>
-              <a:t>Arquitectura del sistema</a:t>
-            </a:r>
-          </a:p>
-        </p:txBody>
-      </p:sp>
-      <p:grpSp>
-        <p:nvGrpSpPr>
-          <p:cNvPr id="167" name="Group 167"/>
-          <p:cNvGrpSpPr/>
-          <p:nvPr/>
-        </p:nvGrpSpPr>
-        <p:grpSpPr>
+              <a:t>API Telegram</a:t>
+            </a:r>
+          </a:p>
+        </p:txBody>
+      </p:sp>
+      <p:sp>
+        <p:nvSpPr>
+          <p:cNvPr id="177" name="Shape 177"/>
+          <p:cNvSpPr/>
+          <p:nvPr>
+            <p:ph type="body" idx="1"/>
+          </p:nvPr>
+        </p:nvSpPr>
+        <p:spPr>
+          <a:prstGeom prst="rect">
+            <a:avLst/>
+          </a:prstGeom>
+        </p:spPr>
+        <p:txBody>
+          <a:bodyPr/>
+          <a:lstStyle/>
+          <a:p>
+            <a:pPr/>
+            <a:r>
+              <a:t>¿Cómo funcionan los bots?</a:t>
+            </a:r>
+          </a:p>
+        </p:txBody>
+      </p:sp>
+      <p:sp>
+        <p:nvSpPr>
+          <p:cNvPr id="178" name="Shape 178"/>
+          <p:cNvSpPr/>
+          <p:nvPr>
+            <p:ph type="sldNum" sz="quarter" idx="2"/>
+          </p:nvPr>
+        </p:nvSpPr>
+        <p:spPr>
           <a:xfrm>
-            <a:off x="3997924" y="3528164"/>
-            <a:ext cx="5008952" cy="5237272"/>
-            <a:chOff x="0" y="0"/>
-            <a:chExt cx="5008950" cy="5237270"/>
+            <a:off x="12382499" y="9220200"/>
+            <a:ext cx="215901" cy="355600"/>
           </a:xfrm>
-        </p:grpSpPr>
-        <p:pic>
-          <p:nvPicPr>
-            <p:cNvPr id="166" name="pasted-image.tiff"/>
-            <p:cNvPicPr>
-              <a:picLocks noChangeAspect="1"/>
-            </p:cNvPicPr>
-            <p:nvPr/>
-          </p:nvPicPr>
-          <p:blipFill>
-            <a:blip r:embed="rId3">
-              <a:extLst/>
-            </a:blip>
-            <a:stretch>
-              <a:fillRect/>
-            </a:stretch>
-          </p:blipFill>
-          <p:spPr>
-            <a:xfrm>
-              <a:off x="127000" y="88900"/>
-              <a:ext cx="4754951" cy="4907071"/>
-            </a:xfrm>
-            <a:prstGeom prst="rect">
-              <a:avLst/>
-            </a:prstGeom>
-            <a:ln>
-              <a:noFill/>
-            </a:ln>
-            <a:effectLst/>
-          </p:spPr>
-        </p:pic>
-        <p:pic>
-          <p:nvPicPr>
-            <p:cNvPr id="165" name=""/>
-            <p:cNvPicPr>
-              <a:picLocks noChangeAspect="0"/>
-            </p:cNvPicPr>
-            <p:nvPr/>
-          </p:nvPicPr>
-          <p:blipFill>
-            <a:blip r:embed="rId4">
-              <a:extLst/>
-            </a:blip>
-            <a:stretch>
-              <a:fillRect/>
-            </a:stretch>
-          </p:blipFill>
-          <p:spPr>
-            <a:xfrm>
-              <a:off x="0" y="0"/>
-              <a:ext cx="5008951" cy="5237271"/>
-            </a:xfrm>
-            <a:prstGeom prst="rect">
-              <a:avLst/>
-            </a:prstGeom>
-            <a:effectLst/>
-          </p:spPr>
-        </p:pic>
-      </p:grpSp>
+          <a:prstGeom prst="rect">
+            <a:avLst/>
+          </a:prstGeom>
+          <a:extLst>
+            <a:ext uri="{C572A759-6A51-4108-AA02-DFA0A04FC94B}">
+              <ma14:wrappingTextBoxFlag xmlns:ma14="http://schemas.microsoft.com/office/mac/drawingml/2011/main" val="1"/>
+            </a:ext>
+          </a:extLst>
+        </p:spPr>
+        <p:txBody>
+          <a:bodyPr/>
+          <a:lstStyle/>
+          <a:p>
+            <a:pPr/>
+            <a:fld id="{86CB4B4D-7CA3-9044-876B-883B54F8677D}" type="slidenum"/>
+          </a:p>
+        </p:txBody>
+      </p:sp>
     </p:spTree>
   </p:cSld>
   <p:clrMapOvr>
@@ -7872,7 +11517,7 @@
       </p:grpSpPr>
       <p:sp>
         <p:nvSpPr>
-          <p:cNvPr id="171" name="Shape 171"/>
+          <p:cNvPr id="182" name="Shape 182"/>
           <p:cNvSpPr/>
           <p:nvPr>
             <p:ph type="title"/>
@@ -7889,14 +11534,14 @@
           <a:p>
             <a:pPr/>
             <a:r>
-              <a:t>Desarrollo del Software</a:t>
-            </a:r>
-          </a:p>
-        </p:txBody>
-      </p:sp>
-      <p:sp>
-        <p:nvSpPr>
-          <p:cNvPr id="172" name="Shape 172"/>
+              <a:t>API Telegram</a:t>
+            </a:r>
+          </a:p>
+        </p:txBody>
+      </p:sp>
+      <p:sp>
+        <p:nvSpPr>
+          <p:cNvPr id="183" name="Shape 183"/>
           <p:cNvSpPr/>
           <p:nvPr>
             <p:ph type="body" idx="1"/>
@@ -7911,103 +11556,47 @@
           <a:bodyPr/>
           <a:lstStyle/>
           <a:p>
-            <a:pPr marL="314959" indent="-314959" defTabSz="362204">
-              <a:spcBef>
-                <a:spcPts val="2600"/>
-              </a:spcBef>
-              <a:defRPr sz="2356"/>
-            </a:pPr>
-            <a:r>
-              <a:t>API Telegram</a:t>
-            </a:r>
-          </a:p>
-          <a:p>
-            <a:pPr marL="314959" indent="-314959" defTabSz="362204">
-              <a:spcBef>
-                <a:spcPts val="2600"/>
-              </a:spcBef>
-              <a:defRPr sz="2356"/>
-            </a:pPr>
-            <a:r>
-              <a:t>Máquina de Estados</a:t>
-            </a:r>
-          </a:p>
-          <a:p>
-            <a:pPr marL="314959" indent="-314959" defTabSz="362204">
-              <a:spcBef>
-                <a:spcPts val="2600"/>
-              </a:spcBef>
-              <a:defRPr sz="2356"/>
-            </a:pPr>
-            <a:r>
-              <a:t>Control de usuarios</a:t>
-            </a:r>
-          </a:p>
-          <a:p>
-            <a:pPr marL="314959" indent="-314959" defTabSz="362204">
-              <a:spcBef>
-                <a:spcPts val="2600"/>
-              </a:spcBef>
-              <a:defRPr sz="2356"/>
-            </a:pPr>
-            <a:r>
-              <a:t>Control de Presencia</a:t>
-            </a:r>
-          </a:p>
-          <a:p>
-            <a:pPr marL="314959" indent="-314959" defTabSz="362204">
-              <a:spcBef>
-                <a:spcPts val="2600"/>
-              </a:spcBef>
-              <a:defRPr sz="2356"/>
-            </a:pPr>
-            <a:r>
-              <a:t>Control del Portero Automático</a:t>
-            </a:r>
-          </a:p>
-          <a:p>
-            <a:pPr marL="314959" indent="-314959" defTabSz="362204">
-              <a:spcBef>
-                <a:spcPts val="2600"/>
-              </a:spcBef>
-              <a:defRPr sz="2356"/>
-            </a:pPr>
-            <a:r>
-              <a:t>Control de sensores y Actuadores</a:t>
-            </a:r>
-          </a:p>
-          <a:p>
-            <a:pPr marL="314959" indent="-314959" defTabSz="362204">
-              <a:spcBef>
-                <a:spcPts val="2600"/>
-              </a:spcBef>
-              <a:defRPr sz="2356"/>
-            </a:pPr>
-            <a:r>
-              <a:t>Control de Temperatura</a:t>
-            </a:r>
-          </a:p>
-          <a:p>
-            <a:pPr marL="314959" indent="-314959" defTabSz="362204">
-              <a:spcBef>
-                <a:spcPts val="2600"/>
-              </a:spcBef>
-              <a:defRPr sz="2356"/>
-            </a:pPr>
-            <a:r>
-              <a:t>Control de Alarma</a:t>
-            </a:r>
-          </a:p>
-          <a:p>
-            <a:pPr marL="314959" indent="-314959" defTabSz="362204">
-              <a:spcBef>
-                <a:spcPts val="2600"/>
-              </a:spcBef>
-              <a:defRPr sz="2356"/>
-            </a:pPr>
-            <a:r>
-              <a:t>Almacenamiento de Opciones</a:t>
-            </a:r>
+            <a:pPr/>
+            <a:r>
+              <a:t>Mensajes del usuario al bot</a:t>
+            </a:r>
+          </a:p>
+          <a:p>
+            <a:pPr/>
+            <a:r>
+              <a:t>Mensajes del bot al usuario</a:t>
+            </a:r>
+          </a:p>
+        </p:txBody>
+      </p:sp>
+      <p:sp>
+        <p:nvSpPr>
+          <p:cNvPr id="184" name="Shape 184"/>
+          <p:cNvSpPr/>
+          <p:nvPr>
+            <p:ph type="sldNum" sz="quarter" idx="2"/>
+          </p:nvPr>
+        </p:nvSpPr>
+        <p:spPr>
+          <a:xfrm>
+            <a:off x="12382499" y="9220200"/>
+            <a:ext cx="215901" cy="355600"/>
+          </a:xfrm>
+          <a:prstGeom prst="rect">
+            <a:avLst/>
+          </a:prstGeom>
+          <a:extLst>
+            <a:ext uri="{C572A759-6A51-4108-AA02-DFA0A04FC94B}">
+              <ma14:wrappingTextBoxFlag xmlns:ma14="http://schemas.microsoft.com/office/mac/drawingml/2011/main" val="1"/>
+            </a:ext>
+          </a:extLst>
+        </p:spPr>
+        <p:txBody>
+          <a:bodyPr/>
+          <a:lstStyle/>
+          <a:p>
+            <a:pPr/>
+            <a:fld id="{86CB4B4D-7CA3-9044-876B-883B54F8677D}" type="slidenum"/>
           </a:p>
         </p:txBody>
       </p:sp>

--- a/files/docs/TFM.pptx
+++ b/files/docs/TFM.pptx
@@ -16,8 +16,8 @@
     <p:sldId id="261" r:id="rId7"/>
     <p:sldId id="262" r:id="rId8"/>
     <p:sldId id="265" r:id="rId9"/>
-    <p:sldId id="267" r:id="rId10"/>
-    <p:sldId id="268" r:id="rId11"/>
+    <p:sldId id="268" r:id="rId10"/>
+    <p:sldId id="267" r:id="rId11"/>
     <p:sldId id="269" r:id="rId12"/>
     <p:sldId id="270" r:id="rId13"/>
     <p:sldId id="271" r:id="rId14"/>
@@ -332,6 +332,11 @@
       </a:defRPr>
     </a:lvl9pPr>
   </p:defaultTextStyle>
+  <p:extLst>
+    <p:ext uri="{EFAFB233-063F-42B5-8137-9DF3F51BA10A}">
+      <p15:sldGuideLst xmlns:p15="http://schemas.microsoft.com/office/powerpoint/2012/main"/>
+    </p:ext>
+  </p:extLst>
 </p:presentation>
 </file>
 
@@ -572,11 +577,7 @@
             </a:r>
             <a:r>
               <a:rPr lang="es-ES" dirty="0"/>
-              <a:t> comienzo la presentación de mi trabajo titulado… </a:t>
-            </a:r>
-            <a:r>
-              <a:rPr lang="es-ES" dirty="0"/>
-              <a:t>Sistema </a:t>
+              <a:t> comienzo la presentación de mi trabajo titulado… Sistema </a:t>
             </a:r>
             <a:r>
               <a:rPr lang="es-ES" dirty="0" err="1"/>
@@ -642,7 +643,7 @@
       </p:grpSpPr>
       <p:sp>
         <p:nvSpPr>
-          <p:cNvPr id="210" name="Shape 210"/>
+          <p:cNvPr id="204" name="Shape 204"/>
           <p:cNvSpPr>
             <a:spLocks noGrp="1" noRot="1" noChangeAspect="1"/>
           </p:cNvSpPr>
@@ -665,7 +666,7 @@
       </p:sp>
       <p:sp>
         <p:nvSpPr>
-          <p:cNvPr id="211" name="Shape 211"/>
+          <p:cNvPr id="205" name="Shape 205"/>
           <p:cNvSpPr>
             <a:spLocks noGrp="1"/>
           </p:cNvSpPr>
@@ -683,82 +684,38 @@
           <a:lstStyle/>
           <a:p>
             <a:r>
-              <a:t>Vamos a ver como se gestionan los diferentes tipos de usuarios del sistema y cuales son las posibilidades de cada uno.</a:t>
-            </a:r>
-          </a:p>
-          <a:p>
-            <a:r>
-              <a:t>En telegram, cada usuario se identifica por un ID único que se asigna automáticamente en el momento del registro de la aplicación y por un alias que se lo asigna el propio usuario. La comunicación se puede realizar mediante cualquiera de estos dos identificadores, pero hemos optado por usar el ID pues este identificador lo tienen todos los usuarios.</a:t>
-            </a:r>
-          </a:p>
-          <a:p>
-            <a:r>
-              <a:t>Los usuarios se almacenan en una variable llamada users. En esta imagen podemos ver la estructura y ahora vamos a comentar cada propiedad.</a:t>
-            </a:r>
-          </a:p>
-          <a:p>
-            <a:pPr marL="294105" indent="-294105">
-              <a:buClr>
-                <a:srgbClr val="5C86B9"/>
-              </a:buClr>
-              <a:buSzPct val="70000"/>
-              <a:buFont typeface="Zapf Dingbats"/>
-              <a:buChar char="-"/>
-            </a:pPr>
-            <a:r>
-              <a:t>El alias y el ID comentados anteriormente.</a:t>
-            </a:r>
-          </a:p>
-          <a:p>
-            <a:pPr marL="294105" indent="-294105">
-              <a:buClr>
-                <a:srgbClr val="5C86B9"/>
-              </a:buClr>
-              <a:buSzPct val="70000"/>
-              <a:buFont typeface="Zapf Dingbats"/>
-              <a:buChar char="-"/>
-            </a:pPr>
-            <a:r>
-              <a:t>Nombre, lo establece el usuario en la configuración y el sistema lo usará para nombrarlo.</a:t>
-            </a:r>
-          </a:p>
-          <a:p>
-            <a:pPr marL="294105" indent="-294105">
-              <a:buClr>
-                <a:srgbClr val="5C86B9"/>
-              </a:buClr>
-              <a:buSzPct val="70000"/>
-              <a:buFont typeface="Zapf Dingbats"/>
-              <a:buChar char="-"/>
-            </a:pPr>
-            <a:r>
-              <a:t>MAC, se almacena la MAC del usuario para el control de presencia.</a:t>
-            </a:r>
-          </a:p>
-          <a:p>
-            <a:pPr marL="294105" indent="-294105">
-              <a:buClr>
-                <a:srgbClr val="5C86B9"/>
-              </a:buClr>
-              <a:buSzPct val="70000"/>
-              <a:buFont typeface="Zapf Dingbats"/>
-              <a:buChar char="-"/>
-            </a:pPr>
-            <a:r>
-              <a:t>Registrado y admin registrado, cuando el usuario introduza la contraseña, en este campo se registra la hora y cuando pase el tiempo indicado por el administrador, el usuario tendrá que volver a introducir la contraseña. Una marca el registro como usuario y el otro como administrador.</a:t>
-            </a:r>
-          </a:p>
-          <a:p>
-            <a:pPr marL="294105" indent="-294105">
-              <a:buClr>
-                <a:srgbClr val="5C86B9"/>
-              </a:buClr>
-              <a:buSzPct val="70000"/>
-              <a:buFont typeface="Zapf Dingbats"/>
-              <a:buChar char="-"/>
-            </a:pPr>
-            <a:r>
-              <a:t>Estado actual, es la variable que comentamos en el apartador anterior que nos sirve para tener interacción con el sistema. Esta propiedad cuenta con dos variables, acción que identifica qué está haciendo y estado que nos sirve internamente para saber qué pedirle.</a:t>
+              <a:t>Aquí podemos ve el diagrama de flujo de la primera toma de decisiones. </a:t>
+            </a:r>
+          </a:p>
+          <a:p>
+            <a:endParaRPr/>
+          </a:p>
+          <a:p>
+            <a:r>
+              <a:t>El primer inicio de la aplicación, nos va a pedir que se introduzca la configuración inicial del sistema. En el que tendremos que introducir la contraseña de administrador y la de usuario, este usuario será automáticamente registrado como administrador.</a:t>
+            </a:r>
+          </a:p>
+          <a:p>
+            <a:endParaRPr/>
+          </a:p>
+          <a:p>
+            <a:r>
+              <a:t>Una vez configurada la aplicación, cuando se envía un mensaje, la primera premisa que tenemos es el ser un usuario del sistema, si no se cumple esto seremos expulsados directamente. </a:t>
+            </a:r>
+          </a:p>
+          <a:p>
+            <a:r>
+              <a:t>En caso de ser usuarios, se evaluará si se ha emitido una acción, que es un mensaje que un slash delante. Si es una acción, se evaluará si es una acción de usuario o de administrador y se actuará en consecuencia a la acción emitida como podemos ver en la imagen de la derecha, se puede ver que algunas acciones cambian la variable estado actual, como es el caso de la acción password. Esto nos va a servir para poder introducir parámetros. </a:t>
+            </a:r>
+          </a:p>
+          <a:p>
+            <a:r>
+              <a:t>Si no es una acción válida obtendremos un mensaje de error.</a:t>
+            </a:r>
+          </a:p>
+          <a:p>
+            <a:r>
+              <a:t>Si el mensaje recibido no es una acción, se evaluará la variable estado actual de ese usuario, la cual se ha ido actualizando dependiendo de las acciones realizadas y se actuará en consecuencia a su valor. Si la variable estado actual es null, se enviará un mensaje de error.</a:t>
             </a:r>
           </a:p>
         </p:txBody>
@@ -2893,6 +2850,83 @@
 </p:notes>
 </file>
 
+<file path=ppt/notesSlides/notesSlide23.xml><?xml version="1.0" encoding="utf-8"?>
+<p:notes xmlns:a="http://schemas.openxmlformats.org/drawingml/2006/main" xmlns:r="http://schemas.openxmlformats.org/officeDocument/2006/relationships" xmlns:p="http://schemas.openxmlformats.org/presentationml/2006/main">
+  <p:cSld>
+    <p:spTree>
+      <p:nvGrpSpPr>
+        <p:cNvPr id="1" name=""/>
+        <p:cNvGrpSpPr/>
+        <p:nvPr/>
+      </p:nvGrpSpPr>
+      <p:grpSpPr>
+        <a:xfrm>
+          <a:off x="0" y="0"/>
+          <a:ext cx="0" cy="0"/>
+          <a:chOff x="0" y="0"/>
+          <a:chExt cx="0" cy="0"/>
+        </a:xfrm>
+      </p:grpSpPr>
+      <p:sp>
+        <p:nvSpPr>
+          <p:cNvPr id="2" name="Marcador de imagen de diapositiva 1"/>
+          <p:cNvSpPr>
+            <a:spLocks noGrp="1" noRot="1" noChangeAspect="1"/>
+          </p:cNvSpPr>
+          <p:nvPr>
+            <p:ph type="sldImg"/>
+          </p:nvPr>
+        </p:nvSpPr>
+        <p:spPr/>
+      </p:sp>
+      <p:sp>
+        <p:nvSpPr>
+          <p:cNvPr id="3" name="Marcador de notas 2"/>
+          <p:cNvSpPr>
+            <a:spLocks noGrp="1"/>
+          </p:cNvSpPr>
+          <p:nvPr>
+            <p:ph type="body" idx="1"/>
+          </p:nvPr>
+        </p:nvSpPr>
+        <p:spPr/>
+        <p:txBody>
+          <a:bodyPr/>
+          <a:lstStyle/>
+          <a:p>
+            <a:r>
+              <a:rPr lang="es-ES" dirty="0"/>
+              <a:t>Ya he terminado</a:t>
+            </a:r>
+            <a:r>
+              <a:rPr lang="es-ES" baseline="0" dirty="0"/>
+              <a:t> la presentación y quedo a disposición del </a:t>
+            </a:r>
+            <a:r>
+              <a:rPr lang="es-ES" baseline="0" dirty="0" err="1"/>
+              <a:t>tirbunal</a:t>
+            </a:r>
+            <a:r>
+              <a:rPr lang="es-ES" baseline="0" dirty="0"/>
+              <a:t> para enseñar mi demostración y resolver preguntas</a:t>
+            </a:r>
+            <a:endParaRPr lang="es-ES" dirty="0"/>
+          </a:p>
+        </p:txBody>
+      </p:sp>
+    </p:spTree>
+    <p:extLst>
+      <p:ext uri="{BB962C8B-B14F-4D97-AF65-F5344CB8AC3E}">
+        <p14:creationId xmlns:p14="http://schemas.microsoft.com/office/powerpoint/2010/main" val="3636033212"/>
+      </p:ext>
+    </p:extLst>
+  </p:cSld>
+  <p:clrMapOvr>
+    <a:masterClrMapping/>
+  </p:clrMapOvr>
+</p:notes>
+</file>
+
 <file path=ppt/notesSlides/notesSlide3.xml><?xml version="1.0" encoding="utf-8"?>
 <p:notes xmlns:a="http://schemas.openxmlformats.org/drawingml/2006/main" xmlns:r="http://schemas.openxmlformats.org/officeDocument/2006/relationships" xmlns:p="http://schemas.openxmlformats.org/presentationml/2006/main">
   <p:cSld>
@@ -2953,34 +2987,690 @@
           <a:lstStyle/>
           <a:p>
             <a:r>
-              <a:t>En este TFM se va a tratar de ver el gran potencial que tiene una de las tendencias que está comenzando a expandirse en el mundo de las tecnologías, como es el caso del IoT, llamado en español el internet de las cosas.</a:t>
-            </a:r>
-          </a:p>
-          <a:p>
-            <a:r>
-              <a:t>Este término se refiere a la interconexión de los dispositivos físicos como vehículos, edificios, etc. embebidos en con electrónica, software y conexión a internet, de forma que permitan la recolección de datos. Con esto se permite que los ordenadores interactúen con elementos de la vida real y ganen independencia de los seres humanos.</a:t>
-            </a:r>
-          </a:p>
-          <a:p>
-            <a:endParaRPr/>
-          </a:p>
-          <a:p>
-            <a:r>
-              <a:t>Aunque todos los avances comentados anteriormente van a ser un gran impacto en cuanto a la industria y a la investigación, no va a ser menos para los entornos domésticos, puesto que permite automatizar una gran variedad de funciones en nuestros hogares.</a:t>
-            </a:r>
-          </a:p>
-          <a:p>
-            <a:r>
-              <a:t>Un elemento muy importante en nuestras vidas son los smartphones, pues tenemos en nuestras manos un dispositivo con muchos sensores y conectividad a Internet. De forma que puede servirnos como la ventana a conocer todos los datos que nos rodean en nuestro hogar.</a:t>
-            </a:r>
-          </a:p>
-          <a:p>
-            <a:r>
+              <a:rPr dirty="0" err="1"/>
+              <a:t>En</a:t>
+            </a:r>
+            <a:r>
+              <a:rPr dirty="0"/>
+              <a:t> </a:t>
+            </a:r>
+            <a:r>
+              <a:rPr dirty="0" err="1"/>
+              <a:t>este</a:t>
+            </a:r>
+            <a:r>
+              <a:rPr dirty="0"/>
+              <a:t> TFM se </a:t>
+            </a:r>
+            <a:r>
+              <a:rPr dirty="0" err="1"/>
+              <a:t>va</a:t>
+            </a:r>
+            <a:r>
+              <a:rPr dirty="0"/>
+              <a:t> a </a:t>
+            </a:r>
+            <a:r>
+              <a:rPr dirty="0" err="1"/>
+              <a:t>tratar</a:t>
+            </a:r>
+            <a:r>
+              <a:rPr dirty="0"/>
+              <a:t> de </a:t>
+            </a:r>
+            <a:r>
+              <a:rPr dirty="0" err="1"/>
+              <a:t>ver</a:t>
+            </a:r>
+            <a:r>
+              <a:rPr dirty="0"/>
+              <a:t> el gran </a:t>
+            </a:r>
+            <a:r>
+              <a:rPr dirty="0" err="1"/>
+              <a:t>potencial</a:t>
+            </a:r>
+            <a:r>
+              <a:rPr dirty="0"/>
+              <a:t> que </a:t>
+            </a:r>
+            <a:r>
+              <a:rPr dirty="0" err="1"/>
+              <a:t>tiene</a:t>
+            </a:r>
+            <a:r>
+              <a:rPr dirty="0"/>
+              <a:t> </a:t>
+            </a:r>
+            <a:r>
+              <a:rPr dirty="0" err="1"/>
+              <a:t>una</a:t>
+            </a:r>
+            <a:r>
+              <a:rPr dirty="0"/>
+              <a:t> de las </a:t>
+            </a:r>
+            <a:r>
+              <a:rPr dirty="0" err="1"/>
+              <a:t>tendencias</a:t>
+            </a:r>
+            <a:r>
+              <a:rPr dirty="0"/>
+              <a:t> que </a:t>
+            </a:r>
+            <a:r>
+              <a:rPr dirty="0" err="1"/>
+              <a:t>está</a:t>
+            </a:r>
+            <a:r>
+              <a:rPr dirty="0"/>
+              <a:t> </a:t>
+            </a:r>
+            <a:r>
+              <a:rPr dirty="0" err="1"/>
+              <a:t>comenzando</a:t>
+            </a:r>
+            <a:r>
+              <a:rPr dirty="0"/>
+              <a:t> a </a:t>
+            </a:r>
+            <a:r>
+              <a:rPr dirty="0" err="1"/>
+              <a:t>expandirse</a:t>
+            </a:r>
+            <a:r>
+              <a:rPr dirty="0"/>
+              <a:t> </a:t>
+            </a:r>
+            <a:r>
+              <a:rPr dirty="0" err="1"/>
+              <a:t>en</a:t>
+            </a:r>
+            <a:r>
+              <a:rPr dirty="0"/>
+              <a:t> el </a:t>
+            </a:r>
+            <a:r>
+              <a:rPr dirty="0" err="1"/>
+              <a:t>mundo</a:t>
+            </a:r>
+            <a:r>
+              <a:rPr dirty="0"/>
+              <a:t> de las </a:t>
+            </a:r>
+            <a:r>
+              <a:rPr dirty="0" err="1"/>
+              <a:t>tecnologías</a:t>
+            </a:r>
+            <a:r>
+              <a:rPr dirty="0"/>
+              <a:t>, </a:t>
+            </a:r>
+            <a:r>
+              <a:rPr dirty="0" err="1"/>
+              <a:t>como</a:t>
+            </a:r>
+            <a:r>
+              <a:rPr dirty="0"/>
+              <a:t> </a:t>
+            </a:r>
+            <a:r>
+              <a:rPr dirty="0" err="1"/>
+              <a:t>es</a:t>
+            </a:r>
+            <a:r>
+              <a:rPr dirty="0"/>
+              <a:t> el </a:t>
+            </a:r>
+            <a:r>
+              <a:rPr dirty="0" err="1"/>
+              <a:t>caso</a:t>
+            </a:r>
+            <a:r>
+              <a:rPr dirty="0"/>
+              <a:t> del </a:t>
+            </a:r>
+            <a:r>
+              <a:rPr dirty="0" err="1"/>
+              <a:t>IoT</a:t>
+            </a:r>
+            <a:r>
+              <a:rPr dirty="0"/>
+              <a:t>, </a:t>
+            </a:r>
+            <a:r>
+              <a:rPr dirty="0" err="1"/>
+              <a:t>llamado</a:t>
+            </a:r>
+            <a:r>
+              <a:rPr dirty="0"/>
+              <a:t> </a:t>
+            </a:r>
+            <a:r>
+              <a:rPr dirty="0" err="1"/>
+              <a:t>en</a:t>
+            </a:r>
+            <a:r>
+              <a:rPr dirty="0"/>
+              <a:t> </a:t>
+            </a:r>
+            <a:r>
+              <a:rPr dirty="0" err="1"/>
+              <a:t>español</a:t>
+            </a:r>
+            <a:r>
+              <a:rPr dirty="0"/>
+              <a:t> el internet de las </a:t>
+            </a:r>
+            <a:r>
+              <a:rPr dirty="0" err="1"/>
+              <a:t>cosas</a:t>
+            </a:r>
+            <a:r>
+              <a:rPr dirty="0"/>
+              <a:t>.</a:t>
+            </a:r>
+          </a:p>
+          <a:p>
+            <a:r>
+              <a:rPr dirty="0"/>
+              <a:t>Este </a:t>
+            </a:r>
+            <a:r>
+              <a:rPr dirty="0" err="1"/>
+              <a:t>término</a:t>
+            </a:r>
+            <a:r>
+              <a:rPr dirty="0"/>
+              <a:t> se </a:t>
+            </a:r>
+            <a:r>
+              <a:rPr dirty="0" err="1"/>
+              <a:t>refiere</a:t>
+            </a:r>
+            <a:r>
+              <a:rPr dirty="0"/>
+              <a:t> a la </a:t>
+            </a:r>
+            <a:r>
+              <a:rPr dirty="0" err="1"/>
+              <a:t>interconexión</a:t>
+            </a:r>
+            <a:r>
+              <a:rPr dirty="0"/>
+              <a:t> de </a:t>
+            </a:r>
+            <a:r>
+              <a:rPr dirty="0" err="1"/>
+              <a:t>los</a:t>
+            </a:r>
+            <a:r>
+              <a:rPr dirty="0"/>
+              <a:t> </a:t>
+            </a:r>
+            <a:r>
+              <a:rPr dirty="0" err="1"/>
+              <a:t>dispositivos</a:t>
+            </a:r>
+            <a:r>
+              <a:rPr dirty="0"/>
+              <a:t> </a:t>
+            </a:r>
+            <a:r>
+              <a:rPr dirty="0" err="1"/>
+              <a:t>físicos</a:t>
+            </a:r>
+            <a:r>
+              <a:rPr dirty="0"/>
+              <a:t> </a:t>
+            </a:r>
+            <a:r>
+              <a:rPr dirty="0" err="1"/>
+              <a:t>como</a:t>
+            </a:r>
+            <a:r>
+              <a:rPr dirty="0"/>
+              <a:t> </a:t>
+            </a:r>
+            <a:r>
+              <a:rPr dirty="0" err="1"/>
+              <a:t>vehículos</a:t>
+            </a:r>
+            <a:r>
+              <a:rPr dirty="0"/>
+              <a:t>, </a:t>
+            </a:r>
+            <a:r>
+              <a:rPr dirty="0" err="1"/>
+              <a:t>edificios</a:t>
+            </a:r>
+            <a:r>
+              <a:rPr dirty="0"/>
+              <a:t>, etc. </a:t>
+            </a:r>
+            <a:r>
+              <a:rPr dirty="0" err="1"/>
+              <a:t>embebidos</a:t>
+            </a:r>
+            <a:r>
+              <a:rPr dirty="0"/>
+              <a:t> </a:t>
+            </a:r>
+            <a:r>
+              <a:rPr dirty="0" err="1"/>
+              <a:t>en</a:t>
+            </a:r>
+            <a:r>
+              <a:rPr dirty="0"/>
+              <a:t> con </a:t>
+            </a:r>
+            <a:r>
+              <a:rPr dirty="0" err="1"/>
+              <a:t>electrónica</a:t>
+            </a:r>
+            <a:r>
+              <a:rPr dirty="0"/>
+              <a:t>, software y </a:t>
+            </a:r>
+            <a:r>
+              <a:rPr dirty="0" err="1"/>
+              <a:t>conexión</a:t>
+            </a:r>
+            <a:r>
+              <a:rPr dirty="0"/>
+              <a:t> a internet, de forma que </a:t>
+            </a:r>
+            <a:r>
+              <a:rPr dirty="0" err="1"/>
+              <a:t>permitan</a:t>
+            </a:r>
+            <a:r>
+              <a:rPr dirty="0"/>
+              <a:t> la </a:t>
+            </a:r>
+            <a:r>
+              <a:rPr dirty="0" err="1"/>
+              <a:t>recolección</a:t>
+            </a:r>
+            <a:r>
+              <a:rPr dirty="0"/>
+              <a:t> de </a:t>
+            </a:r>
+            <a:r>
+              <a:rPr dirty="0" err="1"/>
+              <a:t>datos</a:t>
+            </a:r>
+            <a:r>
+              <a:rPr dirty="0"/>
+              <a:t>. Con </a:t>
+            </a:r>
+            <a:r>
+              <a:rPr dirty="0" err="1"/>
+              <a:t>esto</a:t>
+            </a:r>
+            <a:r>
+              <a:rPr dirty="0"/>
+              <a:t> se </a:t>
+            </a:r>
+            <a:r>
+              <a:rPr dirty="0" err="1"/>
+              <a:t>permite</a:t>
+            </a:r>
+            <a:r>
+              <a:rPr dirty="0"/>
+              <a:t> que </a:t>
+            </a:r>
+            <a:r>
+              <a:rPr dirty="0" err="1"/>
+              <a:t>los</a:t>
+            </a:r>
+            <a:r>
+              <a:rPr dirty="0"/>
+              <a:t> </a:t>
+            </a:r>
+            <a:r>
+              <a:rPr dirty="0" err="1"/>
+              <a:t>ordenadores</a:t>
+            </a:r>
+            <a:r>
+              <a:rPr dirty="0"/>
+              <a:t> </a:t>
+            </a:r>
+            <a:r>
+              <a:rPr dirty="0" err="1"/>
+              <a:t>interactúen</a:t>
+            </a:r>
+            <a:r>
+              <a:rPr dirty="0"/>
+              <a:t> con </a:t>
+            </a:r>
+            <a:r>
+              <a:rPr dirty="0" err="1"/>
+              <a:t>elementos</a:t>
+            </a:r>
+            <a:r>
+              <a:rPr dirty="0"/>
+              <a:t> de la </a:t>
+            </a:r>
+            <a:r>
+              <a:rPr dirty="0" err="1"/>
+              <a:t>vida</a:t>
+            </a:r>
+            <a:r>
+              <a:rPr dirty="0"/>
+              <a:t> real y </a:t>
+            </a:r>
+            <a:r>
+              <a:rPr dirty="0" err="1"/>
+              <a:t>ganen</a:t>
+            </a:r>
+            <a:r>
+              <a:rPr dirty="0"/>
+              <a:t> </a:t>
+            </a:r>
+            <a:r>
+              <a:rPr dirty="0" err="1"/>
+              <a:t>independencia</a:t>
+            </a:r>
+            <a:r>
+              <a:rPr dirty="0"/>
+              <a:t> de </a:t>
+            </a:r>
+            <a:r>
+              <a:rPr dirty="0" err="1"/>
+              <a:t>los</a:t>
+            </a:r>
+            <a:r>
+              <a:rPr dirty="0"/>
+              <a:t> </a:t>
+            </a:r>
+            <a:r>
+              <a:rPr dirty="0" err="1"/>
+              <a:t>seres</a:t>
+            </a:r>
+            <a:r>
+              <a:rPr dirty="0"/>
+              <a:t> </a:t>
+            </a:r>
+            <a:r>
+              <a:rPr dirty="0" err="1"/>
+              <a:t>humanos</a:t>
+            </a:r>
+            <a:r>
+              <a:rPr dirty="0"/>
+              <a:t>.</a:t>
+            </a:r>
+          </a:p>
+          <a:p>
+            <a:endParaRPr lang="es-ES" dirty="0"/>
+          </a:p>
+          <a:p>
+            <a:pPr marL="0" marR="0" lvl="0" indent="0" defTabSz="457200" eaLnBrk="1" fontAlgn="auto" latinLnBrk="0" hangingPunct="1">
+              <a:lnSpc>
+                <a:spcPct val="117999"/>
+              </a:lnSpc>
+              <a:spcBef>
+                <a:spcPts val="0"/>
+              </a:spcBef>
+              <a:spcAft>
+                <a:spcPts val="0"/>
+              </a:spcAft>
+              <a:buClrTx/>
+              <a:buSzTx/>
+              <a:buFontTx/>
+              <a:buNone/>
+              <a:tabLst/>
+              <a:defRPr/>
+            </a:pPr>
+            <a:r>
+              <a:rPr lang="es-ES" dirty="0"/>
               <a:t>Otra de las razones que han sido fundamentales en este auge es la miniaturización de tecnología, que nos permite tener un dispositivo “Inteligente” en cualquier parte que nosotros imaginemos. como pueden ser los microordenadores.</a:t>
             </a:r>
-          </a:p>
-          <a:p>
-            <a:endParaRPr/>
+            <a:endParaRPr lang="es-ES" dirty="0"/>
+          </a:p>
+          <a:p>
+            <a:endParaRPr dirty="0"/>
+          </a:p>
+          <a:p>
+            <a:r>
+              <a:rPr dirty="0"/>
+              <a:t>Un </a:t>
+            </a:r>
+            <a:r>
+              <a:rPr dirty="0" err="1"/>
+              <a:t>elemento</a:t>
+            </a:r>
+            <a:r>
+              <a:rPr dirty="0"/>
+              <a:t> </a:t>
+            </a:r>
+            <a:r>
+              <a:rPr dirty="0" err="1"/>
+              <a:t>muy</a:t>
+            </a:r>
+            <a:r>
+              <a:rPr dirty="0"/>
+              <a:t> </a:t>
+            </a:r>
+            <a:r>
+              <a:rPr dirty="0" err="1"/>
+              <a:t>importante</a:t>
+            </a:r>
+            <a:r>
+              <a:rPr dirty="0"/>
+              <a:t> </a:t>
+            </a:r>
+            <a:r>
+              <a:rPr dirty="0" err="1"/>
+              <a:t>en</a:t>
+            </a:r>
+            <a:r>
+              <a:rPr dirty="0"/>
+              <a:t> </a:t>
+            </a:r>
+            <a:r>
+              <a:rPr dirty="0" err="1"/>
+              <a:t>nuestras</a:t>
+            </a:r>
+            <a:r>
+              <a:rPr dirty="0"/>
+              <a:t> </a:t>
+            </a:r>
+            <a:r>
+              <a:rPr dirty="0" err="1"/>
+              <a:t>vidas</a:t>
+            </a:r>
+            <a:r>
+              <a:rPr dirty="0"/>
+              <a:t> son </a:t>
+            </a:r>
+            <a:r>
+              <a:rPr dirty="0" err="1"/>
+              <a:t>los</a:t>
+            </a:r>
+            <a:r>
+              <a:rPr dirty="0"/>
+              <a:t> smartphones, </a:t>
+            </a:r>
+            <a:r>
+              <a:rPr dirty="0" err="1"/>
+              <a:t>pues</a:t>
+            </a:r>
+            <a:r>
+              <a:rPr dirty="0"/>
+              <a:t> </a:t>
+            </a:r>
+            <a:r>
+              <a:rPr dirty="0" err="1"/>
+              <a:t>tenemos</a:t>
+            </a:r>
+            <a:r>
+              <a:rPr dirty="0"/>
+              <a:t> </a:t>
+            </a:r>
+            <a:r>
+              <a:rPr dirty="0" err="1"/>
+              <a:t>en</a:t>
+            </a:r>
+            <a:r>
+              <a:rPr dirty="0"/>
+              <a:t> </a:t>
+            </a:r>
+            <a:r>
+              <a:rPr dirty="0" err="1"/>
+              <a:t>nuestras</a:t>
+            </a:r>
+            <a:r>
+              <a:rPr dirty="0"/>
+              <a:t> </a:t>
+            </a:r>
+            <a:r>
+              <a:rPr dirty="0" err="1"/>
+              <a:t>manos</a:t>
+            </a:r>
+            <a:r>
+              <a:rPr dirty="0"/>
+              <a:t> un </a:t>
+            </a:r>
+            <a:r>
+              <a:rPr dirty="0" err="1"/>
+              <a:t>dispositivo</a:t>
+            </a:r>
+            <a:r>
+              <a:rPr dirty="0"/>
+              <a:t> con </a:t>
+            </a:r>
+            <a:r>
+              <a:rPr dirty="0" err="1"/>
+              <a:t>muchos</a:t>
+            </a:r>
+            <a:r>
+              <a:rPr dirty="0"/>
+              <a:t> </a:t>
+            </a:r>
+            <a:r>
+              <a:rPr dirty="0" err="1"/>
+              <a:t>sensores</a:t>
+            </a:r>
+            <a:r>
+              <a:rPr dirty="0"/>
+              <a:t> y </a:t>
+            </a:r>
+            <a:r>
+              <a:rPr dirty="0" err="1"/>
+              <a:t>conectividad</a:t>
+            </a:r>
+            <a:r>
+              <a:rPr dirty="0"/>
+              <a:t> a Internet. De forma que </a:t>
+            </a:r>
+            <a:r>
+              <a:rPr dirty="0" err="1"/>
+              <a:t>puede</a:t>
+            </a:r>
+            <a:r>
+              <a:rPr dirty="0"/>
+              <a:t> </a:t>
+            </a:r>
+            <a:r>
+              <a:rPr dirty="0" err="1"/>
+              <a:t>servirnos</a:t>
+            </a:r>
+            <a:r>
+              <a:rPr dirty="0"/>
+              <a:t> </a:t>
+            </a:r>
+            <a:r>
+              <a:rPr dirty="0" err="1"/>
+              <a:t>como</a:t>
+            </a:r>
+            <a:r>
+              <a:rPr dirty="0"/>
+              <a:t> la </a:t>
+            </a:r>
+            <a:r>
+              <a:rPr dirty="0" err="1"/>
+              <a:t>ventana</a:t>
+            </a:r>
+            <a:r>
+              <a:rPr dirty="0"/>
+              <a:t> a </a:t>
+            </a:r>
+            <a:r>
+              <a:rPr dirty="0" err="1"/>
+              <a:t>conocer</a:t>
+            </a:r>
+            <a:r>
+              <a:rPr dirty="0"/>
+              <a:t> </a:t>
+            </a:r>
+            <a:r>
+              <a:rPr dirty="0" err="1"/>
+              <a:t>todos</a:t>
+            </a:r>
+            <a:r>
+              <a:rPr dirty="0"/>
+              <a:t> </a:t>
+            </a:r>
+            <a:r>
+              <a:rPr dirty="0" err="1"/>
+              <a:t>los</a:t>
+            </a:r>
+            <a:r>
+              <a:rPr dirty="0"/>
+              <a:t> </a:t>
+            </a:r>
+            <a:r>
+              <a:rPr dirty="0" err="1"/>
+              <a:t>datos</a:t>
+            </a:r>
+            <a:r>
+              <a:rPr dirty="0"/>
+              <a:t> que </a:t>
+            </a:r>
+            <a:r>
+              <a:rPr dirty="0" err="1"/>
+              <a:t>nos</a:t>
+            </a:r>
+            <a:r>
+              <a:rPr dirty="0"/>
+              <a:t> </a:t>
+            </a:r>
+            <a:r>
+              <a:rPr dirty="0" err="1"/>
+              <a:t>rodean</a:t>
+            </a:r>
+            <a:r>
+              <a:rPr dirty="0"/>
+              <a:t> </a:t>
+            </a:r>
+            <a:r>
+              <a:rPr dirty="0" err="1"/>
+              <a:t>en</a:t>
+            </a:r>
+            <a:r>
+              <a:rPr dirty="0"/>
+              <a:t> </a:t>
+            </a:r>
+            <a:r>
+              <a:rPr dirty="0" err="1"/>
+              <a:t>nuestro</a:t>
+            </a:r>
+            <a:r>
+              <a:rPr dirty="0"/>
+              <a:t> </a:t>
+            </a:r>
+            <a:r>
+              <a:rPr dirty="0" err="1"/>
+              <a:t>hogar</a:t>
+            </a:r>
+            <a:r>
+              <a:rPr dirty="0"/>
+              <a:t>.</a:t>
+            </a:r>
+          </a:p>
+          <a:p>
+            <a:endParaRPr dirty="0"/>
           </a:p>
         </p:txBody>
       </p:sp>
@@ -3193,17 +3883,496 @@
           <a:lstStyle/>
           <a:p>
             <a:r>
-              <a:t>En la imagen podemos ver la arquitectura global del sistema, se puede ver como el usuario nunca tiene contacto directo con él. Pues la comunicación se establece siempre con el servidor de telegram de por medio.</a:t>
-            </a:r>
-          </a:p>
-          <a:p>
-            <a:r>
-              <a:t>Una vez que el usuario envía un comando y la aplicación lo recibe, esto provoca un evento que envía la orden hacia la lógica de control, la cual actúa en consecuencia de su alrededor.</a:t>
-            </a:r>
-          </a:p>
-          <a:p>
-            <a:r>
-              <a:t>De igual forma que el usuario envía comandos al sistema, el sistema enviará al usuario los diferentes dato que recoge por los diferentes sensores o servicios que se estén manejando en ese momento.</a:t>
+              <a:rPr dirty="0" err="1"/>
+              <a:t>En</a:t>
+            </a:r>
+            <a:r>
+              <a:rPr dirty="0"/>
+              <a:t> la imagen </a:t>
+            </a:r>
+            <a:r>
+              <a:rPr dirty="0" err="1"/>
+              <a:t>podemos</a:t>
+            </a:r>
+            <a:r>
+              <a:rPr dirty="0"/>
+              <a:t> </a:t>
+            </a:r>
+            <a:r>
+              <a:rPr dirty="0" err="1"/>
+              <a:t>ver</a:t>
+            </a:r>
+            <a:r>
+              <a:rPr dirty="0"/>
+              <a:t> la </a:t>
+            </a:r>
+            <a:r>
+              <a:rPr dirty="0" err="1"/>
+              <a:t>arquitectura</a:t>
+            </a:r>
+            <a:r>
+              <a:rPr dirty="0"/>
+              <a:t> global del </a:t>
+            </a:r>
+            <a:r>
+              <a:rPr dirty="0" err="1"/>
+              <a:t>sistema</a:t>
+            </a:r>
+            <a:r>
+              <a:rPr dirty="0"/>
+              <a:t>, se </a:t>
+            </a:r>
+            <a:r>
+              <a:rPr dirty="0" err="1"/>
+              <a:t>puede</a:t>
+            </a:r>
+            <a:r>
+              <a:rPr dirty="0"/>
+              <a:t> </a:t>
+            </a:r>
+            <a:r>
+              <a:rPr dirty="0" err="1"/>
+              <a:t>ver</a:t>
+            </a:r>
+            <a:r>
+              <a:rPr dirty="0"/>
+              <a:t> </a:t>
+            </a:r>
+            <a:r>
+              <a:rPr dirty="0" err="1"/>
+              <a:t>como</a:t>
+            </a:r>
+            <a:r>
+              <a:rPr dirty="0"/>
+              <a:t> el </a:t>
+            </a:r>
+            <a:r>
+              <a:rPr dirty="0" err="1"/>
+              <a:t>usuario</a:t>
+            </a:r>
+            <a:r>
+              <a:rPr dirty="0"/>
+              <a:t> </a:t>
+            </a:r>
+            <a:r>
+              <a:rPr dirty="0" err="1"/>
+              <a:t>nunca</a:t>
+            </a:r>
+            <a:r>
+              <a:rPr dirty="0"/>
+              <a:t> </a:t>
+            </a:r>
+            <a:r>
+              <a:rPr dirty="0" err="1"/>
+              <a:t>tiene</a:t>
+            </a:r>
+            <a:r>
+              <a:rPr dirty="0"/>
+              <a:t> </a:t>
+            </a:r>
+            <a:r>
+              <a:rPr dirty="0" err="1"/>
+              <a:t>contacto</a:t>
+            </a:r>
+            <a:r>
+              <a:rPr dirty="0"/>
+              <a:t> </a:t>
+            </a:r>
+            <a:r>
+              <a:rPr dirty="0" err="1"/>
+              <a:t>directo</a:t>
+            </a:r>
+            <a:r>
+              <a:rPr dirty="0"/>
+              <a:t> con </a:t>
+            </a:r>
+            <a:r>
+              <a:rPr dirty="0" err="1"/>
+              <a:t>él</a:t>
+            </a:r>
+            <a:r>
+              <a:rPr dirty="0"/>
+              <a:t>. </a:t>
+            </a:r>
+            <a:r>
+              <a:rPr dirty="0" err="1"/>
+              <a:t>Pues</a:t>
+            </a:r>
+            <a:r>
+              <a:rPr dirty="0"/>
+              <a:t> la </a:t>
+            </a:r>
+            <a:r>
+              <a:rPr dirty="0" err="1"/>
+              <a:t>comunicación</a:t>
+            </a:r>
+            <a:r>
+              <a:rPr dirty="0"/>
+              <a:t> se </a:t>
+            </a:r>
+            <a:r>
+              <a:rPr dirty="0" err="1"/>
+              <a:t>establece</a:t>
+            </a:r>
+            <a:r>
+              <a:rPr dirty="0"/>
+              <a:t> </a:t>
+            </a:r>
+            <a:r>
+              <a:rPr dirty="0" err="1"/>
+              <a:t>siempre</a:t>
+            </a:r>
+            <a:r>
+              <a:rPr dirty="0"/>
+              <a:t> con el </a:t>
+            </a:r>
+            <a:r>
+              <a:rPr dirty="0" err="1"/>
+              <a:t>servidor</a:t>
+            </a:r>
+            <a:r>
+              <a:rPr dirty="0"/>
+              <a:t> de telegram de </a:t>
+            </a:r>
+            <a:r>
+              <a:rPr dirty="0" err="1"/>
+              <a:t>por</a:t>
+            </a:r>
+            <a:r>
+              <a:rPr dirty="0"/>
+              <a:t> medio.</a:t>
+            </a:r>
+          </a:p>
+          <a:p>
+            <a:r>
+              <a:rPr dirty="0"/>
+              <a:t>Una </a:t>
+            </a:r>
+            <a:r>
+              <a:rPr dirty="0" err="1"/>
+              <a:t>vez</a:t>
+            </a:r>
+            <a:r>
+              <a:rPr dirty="0"/>
+              <a:t> que el </a:t>
+            </a:r>
+            <a:r>
+              <a:rPr dirty="0" err="1"/>
+              <a:t>usuario</a:t>
+            </a:r>
+            <a:r>
+              <a:rPr dirty="0"/>
+              <a:t> </a:t>
+            </a:r>
+            <a:r>
+              <a:rPr dirty="0" err="1"/>
+              <a:t>envía</a:t>
+            </a:r>
+            <a:r>
+              <a:rPr dirty="0"/>
+              <a:t> un </a:t>
+            </a:r>
+            <a:r>
+              <a:rPr dirty="0" err="1"/>
+              <a:t>comando</a:t>
+            </a:r>
+            <a:r>
+              <a:rPr dirty="0"/>
+              <a:t> y la </a:t>
+            </a:r>
+            <a:r>
+              <a:rPr dirty="0" err="1"/>
+              <a:t>aplicación</a:t>
+            </a:r>
+            <a:r>
+              <a:rPr dirty="0"/>
+              <a:t> lo </a:t>
+            </a:r>
+            <a:r>
+              <a:rPr dirty="0" err="1"/>
+              <a:t>recibe</a:t>
+            </a:r>
+            <a:r>
+              <a:rPr dirty="0"/>
+              <a:t>, </a:t>
+            </a:r>
+            <a:r>
+              <a:rPr dirty="0" err="1"/>
+              <a:t>esto</a:t>
+            </a:r>
+            <a:r>
+              <a:rPr dirty="0"/>
+              <a:t> </a:t>
+            </a:r>
+            <a:r>
+              <a:rPr dirty="0" err="1"/>
+              <a:t>provoca</a:t>
+            </a:r>
+            <a:r>
+              <a:rPr dirty="0"/>
+              <a:t> un </a:t>
+            </a:r>
+            <a:r>
+              <a:rPr dirty="0" err="1"/>
+              <a:t>evento</a:t>
+            </a:r>
+            <a:r>
+              <a:rPr dirty="0"/>
+              <a:t> que </a:t>
+            </a:r>
+            <a:r>
+              <a:rPr dirty="0" err="1"/>
+              <a:t>envía</a:t>
+            </a:r>
+            <a:r>
+              <a:rPr dirty="0"/>
+              <a:t> la </a:t>
+            </a:r>
+            <a:r>
+              <a:rPr dirty="0" err="1"/>
+              <a:t>orden</a:t>
+            </a:r>
+            <a:r>
+              <a:rPr dirty="0"/>
+              <a:t> </a:t>
+            </a:r>
+            <a:r>
+              <a:rPr dirty="0" err="1"/>
+              <a:t>hacia</a:t>
+            </a:r>
+            <a:r>
+              <a:rPr dirty="0"/>
+              <a:t> la </a:t>
+            </a:r>
+            <a:r>
+              <a:rPr dirty="0" err="1"/>
+              <a:t>lógica</a:t>
+            </a:r>
+            <a:r>
+              <a:rPr dirty="0"/>
+              <a:t> de control, la </a:t>
+            </a:r>
+            <a:r>
+              <a:rPr dirty="0" err="1"/>
+              <a:t>cual</a:t>
+            </a:r>
+            <a:r>
+              <a:rPr dirty="0"/>
+              <a:t> </a:t>
+            </a:r>
+            <a:r>
+              <a:rPr dirty="0" err="1"/>
+              <a:t>actúa</a:t>
+            </a:r>
+            <a:r>
+              <a:rPr dirty="0"/>
+              <a:t> </a:t>
+            </a:r>
+            <a:r>
+              <a:rPr dirty="0" err="1"/>
+              <a:t>en</a:t>
+            </a:r>
+            <a:r>
+              <a:rPr dirty="0"/>
+              <a:t> </a:t>
+            </a:r>
+            <a:r>
+              <a:rPr dirty="0" err="1"/>
+              <a:t>consecuencia</a:t>
+            </a:r>
+            <a:r>
+              <a:rPr dirty="0"/>
+              <a:t> de </a:t>
+            </a:r>
+            <a:r>
+              <a:rPr dirty="0" err="1"/>
+              <a:t>su</a:t>
+            </a:r>
+            <a:r>
+              <a:rPr dirty="0"/>
+              <a:t> </a:t>
+            </a:r>
+            <a:r>
+              <a:rPr dirty="0" err="1"/>
+              <a:t>alrededor</a:t>
+            </a:r>
+            <a:r>
+              <a:rPr dirty="0"/>
+              <a:t>.</a:t>
+            </a:r>
+          </a:p>
+          <a:p>
+            <a:r>
+              <a:rPr dirty="0"/>
+              <a:t>De </a:t>
+            </a:r>
+            <a:r>
+              <a:rPr dirty="0" err="1"/>
+              <a:t>igual</a:t>
+            </a:r>
+            <a:r>
+              <a:rPr dirty="0"/>
+              <a:t> forma que el </a:t>
+            </a:r>
+            <a:r>
+              <a:rPr dirty="0" err="1"/>
+              <a:t>usuario</a:t>
+            </a:r>
+            <a:r>
+              <a:rPr dirty="0"/>
+              <a:t> </a:t>
+            </a:r>
+            <a:r>
+              <a:rPr dirty="0" err="1"/>
+              <a:t>envía</a:t>
+            </a:r>
+            <a:r>
+              <a:rPr dirty="0"/>
+              <a:t> </a:t>
+            </a:r>
+            <a:r>
+              <a:rPr dirty="0" err="1"/>
+              <a:t>comandos</a:t>
+            </a:r>
+            <a:r>
+              <a:rPr dirty="0"/>
+              <a:t> al </a:t>
+            </a:r>
+            <a:r>
+              <a:rPr dirty="0" err="1"/>
+              <a:t>sistema</a:t>
+            </a:r>
+            <a:r>
+              <a:rPr dirty="0"/>
+              <a:t>, el </a:t>
+            </a:r>
+            <a:r>
+              <a:rPr dirty="0" err="1"/>
+              <a:t>sistema</a:t>
+            </a:r>
+            <a:r>
+              <a:rPr dirty="0"/>
+              <a:t> </a:t>
+            </a:r>
+            <a:r>
+              <a:rPr dirty="0" err="1"/>
+              <a:t>enviará</a:t>
+            </a:r>
+            <a:r>
+              <a:rPr dirty="0"/>
+              <a:t> al </a:t>
+            </a:r>
+            <a:r>
+              <a:rPr dirty="0" err="1"/>
+              <a:t>usuario</a:t>
+            </a:r>
+            <a:r>
+              <a:rPr dirty="0"/>
+              <a:t> </a:t>
+            </a:r>
+            <a:r>
+              <a:rPr dirty="0" err="1"/>
+              <a:t>los</a:t>
+            </a:r>
+            <a:r>
+              <a:rPr dirty="0"/>
+              <a:t> </a:t>
+            </a:r>
+            <a:r>
+              <a:rPr dirty="0" err="1"/>
+              <a:t>diferentes</a:t>
+            </a:r>
+            <a:r>
+              <a:rPr dirty="0"/>
+              <a:t> </a:t>
+            </a:r>
+            <a:r>
+              <a:rPr dirty="0" err="1"/>
+              <a:t>dato</a:t>
+            </a:r>
+            <a:r>
+              <a:rPr dirty="0"/>
+              <a:t> que </a:t>
+            </a:r>
+            <a:r>
+              <a:rPr dirty="0" err="1"/>
+              <a:t>recoge</a:t>
+            </a:r>
+            <a:r>
+              <a:rPr dirty="0"/>
+              <a:t> </a:t>
+            </a:r>
+            <a:r>
+              <a:rPr dirty="0" err="1"/>
+              <a:t>por</a:t>
+            </a:r>
+            <a:r>
+              <a:rPr dirty="0"/>
+              <a:t> </a:t>
+            </a:r>
+            <a:r>
+              <a:rPr dirty="0" err="1"/>
+              <a:t>los</a:t>
+            </a:r>
+            <a:r>
+              <a:rPr dirty="0"/>
+              <a:t> </a:t>
+            </a:r>
+            <a:r>
+              <a:rPr dirty="0" err="1"/>
+              <a:t>diferentes</a:t>
+            </a:r>
+            <a:r>
+              <a:rPr dirty="0"/>
+              <a:t> </a:t>
+            </a:r>
+            <a:r>
+              <a:rPr dirty="0" err="1"/>
+              <a:t>sensores</a:t>
+            </a:r>
+            <a:r>
+              <a:rPr dirty="0"/>
+              <a:t> o </a:t>
+            </a:r>
+            <a:r>
+              <a:rPr dirty="0" err="1"/>
+              <a:t>servicios</a:t>
+            </a:r>
+            <a:r>
+              <a:rPr dirty="0"/>
+              <a:t> que se </a:t>
+            </a:r>
+            <a:r>
+              <a:rPr dirty="0" err="1"/>
+              <a:t>estén</a:t>
+            </a:r>
+            <a:r>
+              <a:rPr dirty="0"/>
+              <a:t> </a:t>
+            </a:r>
+            <a:r>
+              <a:rPr dirty="0" err="1"/>
+              <a:t>manejando</a:t>
+            </a:r>
+            <a:r>
+              <a:rPr dirty="0"/>
+              <a:t> </a:t>
+            </a:r>
+            <a:r>
+              <a:rPr dirty="0" err="1"/>
+              <a:t>en</a:t>
+            </a:r>
+            <a:r>
+              <a:rPr dirty="0"/>
+              <a:t> ese </a:t>
+            </a:r>
+            <a:r>
+              <a:rPr dirty="0" err="1"/>
+              <a:t>momento</a:t>
+            </a:r>
+            <a:r>
+              <a:rPr dirty="0"/>
+              <a:t>.</a:t>
             </a:r>
           </a:p>
         </p:txBody>
@@ -4293,7 +5462,7 @@
       </p:grpSpPr>
       <p:sp>
         <p:nvSpPr>
-          <p:cNvPr id="204" name="Shape 204"/>
+          <p:cNvPr id="210" name="Shape 210"/>
           <p:cNvSpPr>
             <a:spLocks noGrp="1" noRot="1" noChangeAspect="1"/>
           </p:cNvSpPr>
@@ -4316,7 +5485,7 @@
       </p:sp>
       <p:sp>
         <p:nvSpPr>
-          <p:cNvPr id="205" name="Shape 205"/>
+          <p:cNvPr id="211" name="Shape 211"/>
           <p:cNvSpPr>
             <a:spLocks noGrp="1"/>
           </p:cNvSpPr>
@@ -4334,38 +5503,82 @@
           <a:lstStyle/>
           <a:p>
             <a:r>
-              <a:t>Aquí podemos ve el diagrama de flujo de la primera toma de decisiones. </a:t>
-            </a:r>
-          </a:p>
-          <a:p>
-            <a:endParaRPr/>
-          </a:p>
-          <a:p>
-            <a:r>
-              <a:t>El primer inicio de la aplicación, nos va a pedir que se introduzca la configuración inicial del sistema. En el que tendremos que introducir la contraseña de administrador y la de usuario, este usuario será automáticamente registrado como administrador.</a:t>
-            </a:r>
-          </a:p>
-          <a:p>
-            <a:endParaRPr/>
-          </a:p>
-          <a:p>
-            <a:r>
-              <a:t>Una vez configurada la aplicación, cuando se envía un mensaje, la primera premisa que tenemos es el ser un usuario del sistema, si no se cumple esto seremos expulsados directamente. </a:t>
-            </a:r>
-          </a:p>
-          <a:p>
-            <a:r>
-              <a:t>En caso de ser usuarios, se evaluará si se ha emitido una acción, que es un mensaje que un slash delante. Si es una acción, se evaluará si es una acción de usuario o de administrador y se actuará en consecuencia a la acción emitida como podemos ver en la imagen de la derecha, se puede ver que algunas acciones cambian la variable estado actual, como es el caso de la acción password. Esto nos va a servir para poder introducir parámetros. </a:t>
-            </a:r>
-          </a:p>
-          <a:p>
-            <a:r>
-              <a:t>Si no es una acción válida obtendremos un mensaje de error.</a:t>
-            </a:r>
-          </a:p>
-          <a:p>
-            <a:r>
-              <a:t>Si el mensaje recibido no es una acción, se evaluará la variable estado actual de ese usuario, la cual se ha ido actualizando dependiendo de las acciones realizadas y se actuará en consecuencia a su valor. Si la variable estado actual es null, se enviará un mensaje de error.</a:t>
+              <a:t>Vamos a ver como se gestionan los diferentes tipos de usuarios del sistema y cuales son las posibilidades de cada uno.</a:t>
+            </a:r>
+          </a:p>
+          <a:p>
+            <a:r>
+              <a:t>En telegram, cada usuario se identifica por un ID único que se asigna automáticamente en el momento del registro de la aplicación y por un alias que se lo asigna el propio usuario. La comunicación se puede realizar mediante cualquiera de estos dos identificadores, pero hemos optado por usar el ID pues este identificador lo tienen todos los usuarios.</a:t>
+            </a:r>
+          </a:p>
+          <a:p>
+            <a:r>
+              <a:t>Los usuarios se almacenan en una variable llamada users. En esta imagen podemos ver la estructura y ahora vamos a comentar cada propiedad.</a:t>
+            </a:r>
+          </a:p>
+          <a:p>
+            <a:pPr marL="294105" indent="-294105">
+              <a:buClr>
+                <a:srgbClr val="5C86B9"/>
+              </a:buClr>
+              <a:buSzPct val="70000"/>
+              <a:buFont typeface="Zapf Dingbats"/>
+              <a:buChar char="-"/>
+            </a:pPr>
+            <a:r>
+              <a:t>El alias y el ID comentados anteriormente.</a:t>
+            </a:r>
+          </a:p>
+          <a:p>
+            <a:pPr marL="294105" indent="-294105">
+              <a:buClr>
+                <a:srgbClr val="5C86B9"/>
+              </a:buClr>
+              <a:buSzPct val="70000"/>
+              <a:buFont typeface="Zapf Dingbats"/>
+              <a:buChar char="-"/>
+            </a:pPr>
+            <a:r>
+              <a:t>Nombre, lo establece el usuario en la configuración y el sistema lo usará para nombrarlo.</a:t>
+            </a:r>
+          </a:p>
+          <a:p>
+            <a:pPr marL="294105" indent="-294105">
+              <a:buClr>
+                <a:srgbClr val="5C86B9"/>
+              </a:buClr>
+              <a:buSzPct val="70000"/>
+              <a:buFont typeface="Zapf Dingbats"/>
+              <a:buChar char="-"/>
+            </a:pPr>
+            <a:r>
+              <a:t>MAC, se almacena la MAC del usuario para el control de presencia.</a:t>
+            </a:r>
+          </a:p>
+          <a:p>
+            <a:pPr marL="294105" indent="-294105">
+              <a:buClr>
+                <a:srgbClr val="5C86B9"/>
+              </a:buClr>
+              <a:buSzPct val="70000"/>
+              <a:buFont typeface="Zapf Dingbats"/>
+              <a:buChar char="-"/>
+            </a:pPr>
+            <a:r>
+              <a:t>Registrado y admin registrado, cuando el usuario introduza la contraseña, en este campo se registra la hora y cuando pase el tiempo indicado por el administrador, el usuario tendrá que volver a introducir la contraseña. Una marca el registro como usuario y el otro como administrador.</a:t>
+            </a:r>
+          </a:p>
+          <a:p>
+            <a:pPr marL="294105" indent="-294105">
+              <a:buClr>
+                <a:srgbClr val="5C86B9"/>
+              </a:buClr>
+              <a:buSzPct val="70000"/>
+              <a:buFont typeface="Zapf Dingbats"/>
+              <a:buChar char="-"/>
+            </a:pPr>
+            <a:r>
+              <a:t>Estado actual, es la variable que comentamos en el apartador anterior que nos sirve para tener interacción con el sistema. Esta propiedad cuenta con dos variables, acción que identifica qué está haciendo y estado que nos sirve internamente para saber qué pedirle.</a:t>
             </a:r>
           </a:p>
         </p:txBody>
@@ -6933,7 +8146,7 @@
           </a:ln>
           <a:extLst>
             <a:ext uri="{C572A759-6A51-4108-AA02-DFA0A04FC94B}">
-              <ma14:wrappingTextBoxFlag xmlns:ma14="http://schemas.microsoft.com/office/mac/drawingml/2011/main" xmlns="" val="1"/>
+              <ma14:wrappingTextBoxFlag xmlns="" xmlns:ma14="http://schemas.microsoft.com/office/mac/drawingml/2011/main" val="1"/>
             </a:ext>
           </a:extLst>
         </p:spPr>
@@ -6972,7 +8185,7 @@
           </a:ln>
           <a:extLst>
             <a:ext uri="{C572A759-6A51-4108-AA02-DFA0A04FC94B}">
-              <ma14:wrappingTextBoxFlag xmlns:ma14="http://schemas.microsoft.com/office/mac/drawingml/2011/main" xmlns="" val="1"/>
+              <ma14:wrappingTextBoxFlag xmlns="" xmlns:ma14="http://schemas.microsoft.com/office/mac/drawingml/2011/main" val="1"/>
             </a:ext>
           </a:extLst>
         </p:spPr>
@@ -8123,7 +9336,7 @@
           </a:prstGeom>
           <a:extLst>
             <a:ext uri="{C572A759-6A51-4108-AA02-DFA0A04FC94B}">
-              <ma14:wrappingTextBoxFlag xmlns:ma14="http://schemas.microsoft.com/office/mac/drawingml/2011/main" xmlns="" val="1"/>
+              <ma14:wrappingTextBoxFlag xmlns="" xmlns:ma14="http://schemas.microsoft.com/office/mac/drawingml/2011/main" val="1"/>
             </a:ext>
           </a:extLst>
         </p:spPr>
@@ -8165,7 +9378,7 @@
           </a:ln>
           <a:extLst>
             <a:ext uri="{C572A759-6A51-4108-AA02-DFA0A04FC94B}">
-              <ma14:wrappingTextBoxFlag xmlns:ma14="http://schemas.microsoft.com/office/mac/drawingml/2011/main" xmlns="" val="1"/>
+              <ma14:wrappingTextBoxFlag xmlns="" xmlns:ma14="http://schemas.microsoft.com/office/mac/drawingml/2011/main" val="1"/>
             </a:ext>
           </a:extLst>
         </p:spPr>
@@ -8224,7 +9437,7 @@
       </p:grpSpPr>
       <p:sp>
         <p:nvSpPr>
-          <p:cNvPr id="207" name="Shape 207"/>
+          <p:cNvPr id="200" name="Shape 200"/>
           <p:cNvSpPr>
             <a:spLocks noGrp="1"/>
           </p:cNvSpPr>
@@ -8242,14 +9455,14 @@
           <a:lstStyle/>
           <a:p>
             <a:r>
-              <a:t>Usuarios</a:t>
+              <a:t>Máquina de estados</a:t>
             </a:r>
           </a:p>
         </p:txBody>
       </p:sp>
       <p:sp>
         <p:nvSpPr>
-          <p:cNvPr id="209" name="Shape 209"/>
+          <p:cNvPr id="203" name="Shape 203"/>
           <p:cNvSpPr>
             <a:spLocks noGrp="1"/>
           </p:cNvSpPr>
@@ -8263,7 +9476,7 @@
           </a:prstGeom>
           <a:extLst>
             <a:ext uri="{C572A759-6A51-4108-AA02-DFA0A04FC94B}">
-              <ma14:wrappingTextBoxFlag xmlns:ma14="http://schemas.microsoft.com/office/mac/drawingml/2011/main" xmlns="" val="1"/>
+              <ma14:wrappingTextBoxFlag xmlns="" xmlns:ma14="http://schemas.microsoft.com/office/mac/drawingml/2011/main" val="1"/>
             </a:ext>
           </a:extLst>
         </p:spPr>
@@ -8286,7 +9499,7 @@
           </p:cNvPicPr>
           <p:nvPr/>
         </p:nvPicPr>
-        <p:blipFill>
+        <p:blipFill rotWithShape="1">
           <a:blip r:embed="rId3">
             <a:extLst>
               <a:ext uri="{28A0092B-C50C-407E-A947-70E740481C1C}">
@@ -8294,14 +9507,13 @@
               </a:ext>
             </a:extLst>
           </a:blip>
-          <a:stretch>
-            <a:fillRect/>
-          </a:stretch>
+          <a:srcRect l="18627" t="8090" r="15818" b="40962"/>
+          <a:stretch/>
         </p:blipFill>
         <p:spPr>
           <a:xfrm>
-            <a:off x="977900" y="1765300"/>
-            <a:ext cx="11049000" cy="7810500"/>
+            <a:off x="505906" y="2167003"/>
+            <a:ext cx="11992988" cy="6176375"/>
           </a:xfrm>
           <a:prstGeom prst="rect">
             <a:avLst/>
@@ -8385,7 +9597,7 @@
           </a:prstGeom>
           <a:extLst>
             <a:ext uri="{C572A759-6A51-4108-AA02-DFA0A04FC94B}">
-              <ma14:wrappingTextBoxFlag xmlns:ma14="http://schemas.microsoft.com/office/mac/drawingml/2011/main" xmlns="" val="1"/>
+              <ma14:wrappingTextBoxFlag xmlns="" xmlns:ma14="http://schemas.microsoft.com/office/mac/drawingml/2011/main" val="1"/>
             </a:ext>
           </a:extLst>
         </p:spPr>
@@ -8507,7 +9719,7 @@
           </a:prstGeom>
           <a:extLst>
             <a:ext uri="{C572A759-6A51-4108-AA02-DFA0A04FC94B}">
-              <ma14:wrappingTextBoxFlag xmlns:ma14="http://schemas.microsoft.com/office/mac/drawingml/2011/main" xmlns="" val="1"/>
+              <ma14:wrappingTextBoxFlag xmlns="" xmlns:ma14="http://schemas.microsoft.com/office/mac/drawingml/2011/main" val="1"/>
             </a:ext>
           </a:extLst>
         </p:spPr>
@@ -8629,7 +9841,7 @@
           </a:prstGeom>
           <a:extLst>
             <a:ext uri="{C572A759-6A51-4108-AA02-DFA0A04FC94B}">
-              <ma14:wrappingTextBoxFlag xmlns:ma14="http://schemas.microsoft.com/office/mac/drawingml/2011/main" xmlns="" val="1"/>
+              <ma14:wrappingTextBoxFlag xmlns="" xmlns:ma14="http://schemas.microsoft.com/office/mac/drawingml/2011/main" val="1"/>
             </a:ext>
           </a:extLst>
         </p:spPr>
@@ -8978,7 +10190,7 @@
           </a:prstGeom>
           <a:extLst>
             <a:ext uri="{C572A759-6A51-4108-AA02-DFA0A04FC94B}">
-              <ma14:wrappingTextBoxFlag xmlns:ma14="http://schemas.microsoft.com/office/mac/drawingml/2011/main" xmlns="" val="1"/>
+              <ma14:wrappingTextBoxFlag xmlns="" xmlns:ma14="http://schemas.microsoft.com/office/mac/drawingml/2011/main" val="1"/>
             </a:ext>
           </a:extLst>
         </p:spPr>
@@ -9023,7 +10235,7 @@
             </a:pPr>
             <a:r>
               <a:rPr lang="es-ES" dirty="0"/>
-              <a:t>Temperatura</a:t>
+              <a:t>Meteorología</a:t>
             </a:r>
           </a:p>
           <a:p>
@@ -9191,8 +10403,18 @@
           <a:lstStyle/>
           <a:p>
             <a:r>
-              <a:t>Pruebas de Rendimiento</a:t>
-            </a:r>
+              <a:rPr dirty="0" err="1"/>
+              <a:t>Pruebas</a:t>
+            </a:r>
+            <a:r>
+              <a:rPr dirty="0"/>
+              <a:t> de </a:t>
+            </a:r>
+            <a:r>
+              <a:rPr dirty="0" err="1"/>
+              <a:t>Rendimiento</a:t>
+            </a:r>
+            <a:endParaRPr dirty="0"/>
           </a:p>
         </p:txBody>
       </p:sp>
@@ -9338,7 +10560,7 @@
           </a:prstGeom>
           <a:extLst>
             <a:ext uri="{C572A759-6A51-4108-AA02-DFA0A04FC94B}">
-              <ma14:wrappingTextBoxFlag xmlns:ma14="http://schemas.microsoft.com/office/mac/drawingml/2011/main" xmlns="" val="1"/>
+              <ma14:wrappingTextBoxFlag xmlns="" xmlns:ma14="http://schemas.microsoft.com/office/mac/drawingml/2011/main" val="1"/>
             </a:ext>
           </a:extLst>
         </p:spPr>
@@ -9399,8 +10621,10 @@
           <a:lstStyle/>
           <a:p>
             <a:r>
-              <a:t>Respuesta protocolo ARP</a:t>
-            </a:r>
+              <a:rPr lang="es-ES" dirty="0"/>
+              <a:t>Pruebas de Rendimiento</a:t>
+            </a:r>
+            <a:endParaRPr dirty="0"/>
           </a:p>
         </p:txBody>
       </p:sp>
@@ -9408,11 +10632,17 @@
         <p:nvGraphicFramePr>
           <p:cNvPr id="262" name="Table 262"/>
           <p:cNvGraphicFramePr/>
-          <p:nvPr/>
+          <p:nvPr>
+            <p:extLst>
+              <p:ext uri="{D42A27DB-BD31-4B8C-83A1-F6EECF244321}">
+                <p14:modId xmlns:p14="http://schemas.microsoft.com/office/powerpoint/2010/main" val="4138252776"/>
+              </p:ext>
+            </p:extLst>
+          </p:nvPr>
         </p:nvGraphicFramePr>
         <p:xfrm>
-          <a:off x="2747015" y="3143714"/>
-          <a:ext cx="7510768" cy="5454726"/>
+          <a:off x="1172725" y="1867711"/>
+          <a:ext cx="3920596" cy="3726562"/>
         </p:xfrm>
         <a:graphic>
           <a:graphicData uri="http://schemas.openxmlformats.org/drawingml/2006/table">
@@ -9421,14 +10651,14 @@
                 <a:tableStyleId>{4C3C2611-4C71-4FC5-86AE-919BDF0F9419}</a:tableStyleId>
               </a:tblPr>
               <a:tblGrid>
-                <a:gridCol w="3755384">
+                <a:gridCol w="1960298">
                   <a:extLst>
                     <a:ext uri="{9D8B030D-6E8A-4147-A177-3AD203B41FA5}">
                       <a16:colId xmlns:a16="http://schemas.microsoft.com/office/drawing/2014/main" val="20000"/>
                     </a:ext>
                   </a:extLst>
                 </a:gridCol>
-                <a:gridCol w="3755384">
+                <a:gridCol w="1960298">
                   <a:extLst>
                     <a:ext uri="{9D8B030D-6E8A-4147-A177-3AD203B41FA5}">
                       <a16:colId xmlns:a16="http://schemas.microsoft.com/office/drawing/2014/main" val="20001"/>
@@ -9436,7 +10666,124 @@
                   </a:extLst>
                 </a:gridCol>
               </a:tblGrid>
-              <a:tr h="1818242">
+              <a:tr h="603307">
+                <a:tc gridSpan="2">
+                  <a:txBody>
+                    <a:bodyPr/>
+                    <a:lstStyle/>
+                    <a:p>
+                      <a:pPr defTabSz="914400">
+                        <a:tabLst>
+                          <a:tab pos="914400" algn="l"/>
+                        </a:tabLst>
+                        <a:defRPr sz="1800">
+                          <a:solidFill>
+                            <a:srgbClr val="000000"/>
+                          </a:solidFill>
+                        </a:defRPr>
+                      </a:pPr>
+                      <a:r>
+                        <a:rPr lang="es-ES" sz="2500" dirty="0">
+                          <a:solidFill>
+                            <a:srgbClr val="F6F4EF"/>
+                          </a:solidFill>
+                          <a:effectLst>
+                            <a:outerShdw blurRad="25400" dist="12700" dir="5400000" rotWithShape="0">
+                              <a:srgbClr val="000000">
+                                <a:alpha val="50000"/>
+                              </a:srgbClr>
+                            </a:outerShdw>
+                          </a:effectLst>
+                        </a:rPr>
+                        <a:t>Protocolo ARP</a:t>
+                      </a:r>
+                      <a:endParaRPr sz="2500" dirty="0">
+                        <a:solidFill>
+                          <a:srgbClr val="F6F4EF"/>
+                        </a:solidFill>
+                        <a:effectLst>
+                          <a:outerShdw blurRad="25400" dist="12700" dir="5400000" rotWithShape="0">
+                            <a:srgbClr val="000000">
+                              <a:alpha val="50000"/>
+                            </a:srgbClr>
+                          </a:outerShdw>
+                        </a:effectLst>
+                      </a:endParaRPr>
+                    </a:p>
+                  </a:txBody>
+                  <a:tcPr marL="42576" marR="42576" marT="42576" marB="42576" anchor="ctr" horzOverflow="overflow">
+                    <a:lnL w="12700">
+                      <a:solidFill>
+                        <a:srgbClr val="7695B6"/>
+                      </a:solidFill>
+                      <a:miter lim="400000"/>
+                    </a:lnL>
+                    <a:lnR w="12700" cap="flat" cmpd="sng" algn="ctr">
+                      <a:solidFill>
+                        <a:srgbClr val="7695B6"/>
+                      </a:solidFill>
+                      <a:prstDash val="solid"/>
+                      <a:miter lim="400000"/>
+                      <a:headEnd type="none" w="med" len="med"/>
+                      <a:tailEnd type="none" w="med" len="med"/>
+                    </a:lnR>
+                    <a:blipFill rotWithShape="1">
+                      <a:blip r:embed="rId3"/>
+                      <a:srcRect/>
+                      <a:tile tx="0" ty="0" sx="100000" sy="100000" flip="none" algn="tl"/>
+                    </a:blipFill>
+                  </a:tcPr>
+                </a:tc>
+                <a:tc hMerge="1">
+                  <a:txBody>
+                    <a:bodyPr/>
+                    <a:lstStyle/>
+                    <a:p>
+                      <a:pPr defTabSz="914400">
+                        <a:tabLst>
+                          <a:tab pos="914400" algn="l"/>
+                        </a:tabLst>
+                        <a:defRPr sz="1800">
+                          <a:solidFill>
+                            <a:srgbClr val="000000"/>
+                          </a:solidFill>
+                        </a:defRPr>
+                      </a:pPr>
+                      <a:endParaRPr sz="3000" dirty="0">
+                        <a:solidFill>
+                          <a:srgbClr val="F6F4EF"/>
+                        </a:solidFill>
+                        <a:effectLst>
+                          <a:outerShdw blurRad="25400" dist="12700" dir="5400000" rotWithShape="0">
+                            <a:srgbClr val="000000">
+                              <a:alpha val="50000"/>
+                            </a:srgbClr>
+                          </a:outerShdw>
+                        </a:effectLst>
+                      </a:endParaRPr>
+                    </a:p>
+                  </a:txBody>
+                  <a:tcPr marL="50800" marR="50800" marT="50800" marB="50800" anchor="ctr" horzOverflow="overflow">
+                    <a:lnR w="12700">
+                      <a:solidFill>
+                        <a:srgbClr val="7695B6"/>
+                      </a:solidFill>
+                      <a:miter lim="400000"/>
+                    </a:lnR>
+                    <a:blipFill rotWithShape="1">
+                      <a:blip r:embed="rId3"/>
+                      <a:srcRect/>
+                      <a:tile tx="0" ty="0" sx="100000" sy="100000" flip="none" algn="tl"/>
+                    </a:blipFill>
+                  </a:tcPr>
+                </a:tc>
+                <a:extLst>
+                  <a:ext uri="{0D108BD9-81ED-4DB2-BD59-A6C34878D82A}">
+                    <a16:rowId xmlns:a16="http://schemas.microsoft.com/office/drawing/2014/main" val="2132679271"/>
+                  </a:ext>
+                </a:extLst>
+              </a:tr>
+              <a:tr h="1041085">
                 <a:tc>
                   <a:txBody>
                     <a:bodyPr/>
@@ -9453,7 +10800,7 @@
                         </a:defRPr>
                       </a:pPr>
                       <a:r>
-                        <a:rPr sz="3000">
+                        <a:rPr sz="2500" dirty="0" err="1">
                           <a:solidFill>
                             <a:srgbClr val="F6F4EF"/>
                           </a:solidFill>
@@ -9467,6 +10814,1575 @@
                         </a:rPr>
                         <a:t>Dispositivo</a:t>
                       </a:r>
+                      <a:endParaRPr sz="2500" dirty="0">
+                        <a:solidFill>
+                          <a:srgbClr val="F6F4EF"/>
+                        </a:solidFill>
+                        <a:effectLst>
+                          <a:outerShdw blurRad="25400" dist="12700" dir="5400000" rotWithShape="0">
+                            <a:srgbClr val="000000">
+                              <a:alpha val="50000"/>
+                            </a:srgbClr>
+                          </a:outerShdw>
+                        </a:effectLst>
+                      </a:endParaRPr>
+                    </a:p>
+                  </a:txBody>
+                  <a:tcPr marL="42576" marR="42576" marT="42576" marB="42576" anchor="ctr" horzOverflow="overflow">
+                    <a:lnL w="12700">
+                      <a:solidFill>
+                        <a:srgbClr val="7695B6"/>
+                      </a:solidFill>
+                      <a:miter lim="400000"/>
+                    </a:lnL>
+                    <a:blipFill rotWithShape="1">
+                      <a:blip r:embed="rId3"/>
+                      <a:srcRect/>
+                      <a:tile tx="0" ty="0" sx="100000" sy="100000" flip="none" algn="tl"/>
+                    </a:blipFill>
+                  </a:tcPr>
+                </a:tc>
+                <a:tc>
+                  <a:txBody>
+                    <a:bodyPr/>
+                    <a:lstStyle/>
+                    <a:p>
+                      <a:pPr defTabSz="914400">
+                        <a:tabLst>
+                          <a:tab pos="914400" algn="l"/>
+                        </a:tabLst>
+                        <a:defRPr sz="1800">
+                          <a:solidFill>
+                            <a:srgbClr val="000000"/>
+                          </a:solidFill>
+                        </a:defRPr>
+                      </a:pPr>
+                      <a:r>
+                        <a:rPr sz="2500" dirty="0" err="1">
+                          <a:solidFill>
+                            <a:srgbClr val="F6F4EF"/>
+                          </a:solidFill>
+                          <a:effectLst>
+                            <a:outerShdw blurRad="25400" dist="12700" dir="5400000" rotWithShape="0">
+                              <a:srgbClr val="000000">
+                                <a:alpha val="50000"/>
+                              </a:srgbClr>
+                            </a:outerShdw>
+                          </a:effectLst>
+                        </a:rPr>
+                        <a:t>Tiempo</a:t>
+                      </a:r>
+                      <a:endParaRPr sz="2500" dirty="0">
+                        <a:solidFill>
+                          <a:srgbClr val="F6F4EF"/>
+                        </a:solidFill>
+                        <a:effectLst>
+                          <a:outerShdw blurRad="25400" dist="12700" dir="5400000" rotWithShape="0">
+                            <a:srgbClr val="000000">
+                              <a:alpha val="50000"/>
+                            </a:srgbClr>
+                          </a:outerShdw>
+                        </a:effectLst>
+                      </a:endParaRPr>
+                    </a:p>
+                  </a:txBody>
+                  <a:tcPr marL="42576" marR="42576" marT="42576" marB="42576" anchor="ctr" horzOverflow="overflow">
+                    <a:lnR w="12700">
+                      <a:solidFill>
+                        <a:srgbClr val="7695B6"/>
+                      </a:solidFill>
+                      <a:miter lim="400000"/>
+                    </a:lnR>
+                    <a:blipFill rotWithShape="1">
+                      <a:blip r:embed="rId3"/>
+                      <a:srcRect/>
+                      <a:tile tx="0" ty="0" sx="100000" sy="100000" flip="none" algn="tl"/>
+                    </a:blipFill>
+                  </a:tcPr>
+                </a:tc>
+                <a:extLst>
+                  <a:ext uri="{0D108BD9-81ED-4DB2-BD59-A6C34878D82A}">
+                    <a16:rowId xmlns:a16="http://schemas.microsoft.com/office/drawing/2014/main" val="10000"/>
+                  </a:ext>
+                </a:extLst>
+              </a:tr>
+              <a:tr h="1041085">
+                <a:tc>
+                  <a:txBody>
+                    <a:bodyPr/>
+                    <a:lstStyle/>
+                    <a:p>
+                      <a:pPr defTabSz="457200">
+                        <a:defRPr sz="1800">
+                          <a:solidFill>
+                            <a:srgbClr val="000000"/>
+                          </a:solidFill>
+                        </a:defRPr>
+                      </a:pPr>
+                      <a:r>
+                        <a:rPr sz="2500" dirty="0">
+                          <a:solidFill>
+                            <a:srgbClr val="6D6A67"/>
+                          </a:solidFill>
+                          <a:effectLst>
+                            <a:outerShdw blurRad="25400" dist="12700" dir="5280000" rotWithShape="0">
+                              <a:srgbClr val="FFFFFF"/>
+                            </a:outerShdw>
+                          </a:effectLst>
+                        </a:rPr>
+                        <a:t>Raspberry Pi</a:t>
+                      </a:r>
+                    </a:p>
+                  </a:txBody>
+                  <a:tcPr marL="42576" marR="42576" marT="42576" marB="42576" anchor="ctr" horzOverflow="overflow"/>
+                </a:tc>
+                <a:tc>
+                  <a:txBody>
+                    <a:bodyPr/>
+                    <a:lstStyle/>
+                    <a:p>
+                      <a:pPr defTabSz="457200">
+                        <a:defRPr sz="1800">
+                          <a:solidFill>
+                            <a:srgbClr val="000000"/>
+                          </a:solidFill>
+                        </a:defRPr>
+                      </a:pPr>
+                      <a:r>
+                        <a:rPr sz="2500" dirty="0">
+                          <a:solidFill>
+                            <a:srgbClr val="6D6A67"/>
+                          </a:solidFill>
+                          <a:effectLst>
+                            <a:outerShdw blurRad="25400" dist="12700" dir="5280000" rotWithShape="0">
+                              <a:srgbClr val="FFFFFF"/>
+                            </a:outerShdw>
+                          </a:effectLst>
+                        </a:rPr>
+                        <a:t>13380ms</a:t>
+                      </a:r>
+                    </a:p>
+                  </a:txBody>
+                  <a:tcPr marL="42576" marR="42576" marT="42576" marB="42576" anchor="ctr" horzOverflow="overflow"/>
+                </a:tc>
+                <a:extLst>
+                  <a:ext uri="{0D108BD9-81ED-4DB2-BD59-A6C34878D82A}">
+                    <a16:rowId xmlns:a16="http://schemas.microsoft.com/office/drawing/2014/main" val="10001"/>
+                  </a:ext>
+                </a:extLst>
+              </a:tr>
+              <a:tr h="1041085">
+                <a:tc>
+                  <a:txBody>
+                    <a:bodyPr/>
+                    <a:lstStyle/>
+                    <a:p>
+                      <a:pPr defTabSz="457200">
+                        <a:defRPr sz="1800">
+                          <a:solidFill>
+                            <a:srgbClr val="000000"/>
+                          </a:solidFill>
+                        </a:defRPr>
+                      </a:pPr>
+                      <a:r>
+                        <a:rPr sz="2500">
+                          <a:solidFill>
+                            <a:srgbClr val="6D6A67"/>
+                          </a:solidFill>
+                          <a:effectLst>
+                            <a:outerShdw blurRad="25400" dist="12700" dir="5280000" rotWithShape="0">
+                              <a:srgbClr val="FFFFFF"/>
+                            </a:outerShdw>
+                          </a:effectLst>
+                        </a:rPr>
+                        <a:t>MacBook</a:t>
+                      </a:r>
+                    </a:p>
+                  </a:txBody>
+                  <a:tcPr marL="42576" marR="42576" marT="42576" marB="42576" anchor="ctr" horzOverflow="overflow"/>
+                </a:tc>
+                <a:tc>
+                  <a:txBody>
+                    <a:bodyPr/>
+                    <a:lstStyle/>
+                    <a:p>
+                      <a:pPr defTabSz="457200">
+                        <a:defRPr sz="1800">
+                          <a:solidFill>
+                            <a:srgbClr val="000000"/>
+                          </a:solidFill>
+                        </a:defRPr>
+                      </a:pPr>
+                      <a:r>
+                        <a:rPr sz="2500" dirty="0">
+                          <a:solidFill>
+                            <a:srgbClr val="6D6A67"/>
+                          </a:solidFill>
+                          <a:effectLst>
+                            <a:outerShdw blurRad="25400" dist="12700" dir="5280000" rotWithShape="0">
+                              <a:srgbClr val="FFFFFF"/>
+                            </a:outerShdw>
+                          </a:effectLst>
+                        </a:rPr>
+                        <a:t>11778ms</a:t>
+                      </a:r>
+                    </a:p>
+                  </a:txBody>
+                  <a:tcPr marL="42576" marR="42576" marT="42576" marB="42576" anchor="ctr" horzOverflow="overflow"/>
+                </a:tc>
+                <a:extLst>
+                  <a:ext uri="{0D108BD9-81ED-4DB2-BD59-A6C34878D82A}">
+                    <a16:rowId xmlns:a16="http://schemas.microsoft.com/office/drawing/2014/main" val="10002"/>
+                  </a:ext>
+                </a:extLst>
+              </a:tr>
+            </a:tbl>
+          </a:graphicData>
+        </a:graphic>
+      </p:graphicFrame>
+      <p:sp>
+        <p:nvSpPr>
+          <p:cNvPr id="263" name="Shape 263"/>
+          <p:cNvSpPr>
+            <a:spLocks noGrp="1"/>
+          </p:cNvSpPr>
+          <p:nvPr>
+            <p:ph type="sldNum" sz="quarter" idx="2"/>
+          </p:nvPr>
+        </p:nvSpPr>
+        <p:spPr>
+          <a:prstGeom prst="rect">
+            <a:avLst/>
+          </a:prstGeom>
+          <a:extLst>
+            <a:ext uri="{C572A759-6A51-4108-AA02-DFA0A04FC94B}">
+              <ma14:wrappingTextBoxFlag xmlns="" xmlns:ma14="http://schemas.microsoft.com/office/mac/drawingml/2011/main" val="1"/>
+            </a:ext>
+          </a:extLst>
+        </p:spPr>
+        <p:txBody>
+          <a:bodyPr/>
+          <a:lstStyle/>
+          <a:p>
+            <a:fld id="{86CB4B4D-7CA3-9044-876B-883B54F8677D}" type="slidenum">
+              <a:t>16</a:t>
+            </a:fld>
+            <a:endParaRPr/>
+          </a:p>
+        </p:txBody>
+      </p:sp>
+      <p:graphicFrame>
+        <p:nvGraphicFramePr>
+          <p:cNvPr id="5" name="Table 268"/>
+          <p:cNvGraphicFramePr/>
+          <p:nvPr>
+            <p:extLst>
+              <p:ext uri="{D42A27DB-BD31-4B8C-83A1-F6EECF244321}">
+                <p14:modId xmlns:p14="http://schemas.microsoft.com/office/powerpoint/2010/main" val="172782151"/>
+              </p:ext>
+            </p:extLst>
+          </p:nvPr>
+        </p:nvGraphicFramePr>
+        <p:xfrm>
+          <a:off x="5861410" y="1867712"/>
+          <a:ext cx="6159006" cy="3726561"/>
+        </p:xfrm>
+        <a:graphic>
+          <a:graphicData uri="http://schemas.openxmlformats.org/drawingml/2006/table">
+            <a:tbl>
+              <a:tblPr firstRow="1">
+                <a:tableStyleId>{4C3C2611-4C71-4FC5-86AE-919BDF0F9419}</a:tableStyleId>
+              </a:tblPr>
+              <a:tblGrid>
+                <a:gridCol w="2053002">
+                  <a:extLst>
+                    <a:ext uri="{9D8B030D-6E8A-4147-A177-3AD203B41FA5}">
+                      <a16:colId xmlns:a16="http://schemas.microsoft.com/office/drawing/2014/main" val="20000"/>
+                    </a:ext>
+                  </a:extLst>
+                </a:gridCol>
+                <a:gridCol w="2053002">
+                  <a:extLst>
+                    <a:ext uri="{9D8B030D-6E8A-4147-A177-3AD203B41FA5}">
+                      <a16:colId xmlns:a16="http://schemas.microsoft.com/office/drawing/2014/main" val="20001"/>
+                    </a:ext>
+                  </a:extLst>
+                </a:gridCol>
+                <a:gridCol w="2053002">
+                  <a:extLst>
+                    <a:ext uri="{9D8B030D-6E8A-4147-A177-3AD203B41FA5}">
+                      <a16:colId xmlns:a16="http://schemas.microsoft.com/office/drawing/2014/main" val="20002"/>
+                    </a:ext>
+                  </a:extLst>
+                </a:gridCol>
+              </a:tblGrid>
+              <a:tr h="608586">
+                <a:tc gridSpan="3">
+                  <a:txBody>
+                    <a:bodyPr/>
+                    <a:lstStyle/>
+                    <a:p>
+                      <a:pPr defTabSz="914400">
+                        <a:tabLst>
+                          <a:tab pos="914400" algn="l"/>
+                        </a:tabLst>
+                        <a:defRPr sz="1800">
+                          <a:solidFill>
+                            <a:srgbClr val="000000"/>
+                          </a:solidFill>
+                        </a:defRPr>
+                      </a:pPr>
+                      <a:r>
+                        <a:rPr lang="es-ES" sz="2400" dirty="0">
+                          <a:solidFill>
+                            <a:srgbClr val="F6F4EF"/>
+                          </a:solidFill>
+                          <a:effectLst>
+                            <a:outerShdw blurRad="25400" dist="12700" dir="5400000" rotWithShape="0">
+                              <a:srgbClr val="000000">
+                                <a:alpha val="50000"/>
+                              </a:srgbClr>
+                            </a:outerShdw>
+                          </a:effectLst>
+                        </a:rPr>
+                        <a:t>Captura de foto</a:t>
+                      </a:r>
+                      <a:endParaRPr sz="2400" dirty="0">
+                        <a:solidFill>
+                          <a:srgbClr val="F6F4EF"/>
+                        </a:solidFill>
+                        <a:effectLst>
+                          <a:outerShdw blurRad="25400" dist="12700" dir="5400000" rotWithShape="0">
+                            <a:srgbClr val="000000">
+                              <a:alpha val="50000"/>
+                            </a:srgbClr>
+                          </a:outerShdw>
+                        </a:effectLst>
+                      </a:endParaRPr>
+                    </a:p>
+                  </a:txBody>
+                  <a:tcPr marL="33181" marR="33181" marT="33181" marB="33181" anchor="ctr" horzOverflow="overflow">
+                    <a:lnL w="12700">
+                      <a:solidFill>
+                        <a:srgbClr val="7695B6"/>
+                      </a:solidFill>
+                      <a:miter lim="400000"/>
+                    </a:lnL>
+                    <a:lnR w="12700" cap="flat" cmpd="sng" algn="ctr">
+                      <a:solidFill>
+                        <a:srgbClr val="7695B6"/>
+                      </a:solidFill>
+                      <a:prstDash val="solid"/>
+                      <a:miter lim="400000"/>
+                      <a:headEnd type="none" w="med" len="med"/>
+                      <a:tailEnd type="none" w="med" len="med"/>
+                    </a:lnR>
+                    <a:blipFill rotWithShape="1">
+                      <a:blip r:embed="rId3"/>
+                      <a:srcRect/>
+                      <a:tile tx="0" ty="0" sx="100000" sy="100000" flip="none" algn="tl"/>
+                    </a:blipFill>
+                  </a:tcPr>
+                </a:tc>
+                <a:tc hMerge="1">
+                  <a:txBody>
+                    <a:bodyPr/>
+                    <a:lstStyle/>
+                    <a:p>
+                      <a:pPr defTabSz="914400">
+                        <a:tabLst>
+                          <a:tab pos="914400" algn="l"/>
+                        </a:tabLst>
+                        <a:defRPr sz="1800">
+                          <a:solidFill>
+                            <a:srgbClr val="000000"/>
+                          </a:solidFill>
+                        </a:defRPr>
+                      </a:pPr>
+                      <a:endParaRPr sz="2000" dirty="0">
+                        <a:solidFill>
+                          <a:srgbClr val="F6F4EF"/>
+                        </a:solidFill>
+                        <a:effectLst>
+                          <a:outerShdw blurRad="25400" dist="12700" dir="5400000" rotWithShape="0">
+                            <a:srgbClr val="000000">
+                              <a:alpha val="50000"/>
+                            </a:srgbClr>
+                          </a:outerShdw>
+                        </a:effectLst>
+                      </a:endParaRPr>
+                    </a:p>
+                  </a:txBody>
+                  <a:tcPr marL="33944" marR="33944" marT="33944" marB="33944" anchor="ctr" horzOverflow="overflow">
+                    <a:blipFill rotWithShape="1">
+                      <a:blip r:embed="rId3"/>
+                      <a:srcRect/>
+                      <a:tile tx="0" ty="0" sx="100000" sy="100000" flip="none" algn="tl"/>
+                    </a:blipFill>
+                  </a:tcPr>
+                </a:tc>
+                <a:tc hMerge="1">
+                  <a:txBody>
+                    <a:bodyPr/>
+                    <a:lstStyle/>
+                    <a:p>
+                      <a:pPr defTabSz="914400">
+                        <a:tabLst>
+                          <a:tab pos="914400" algn="l"/>
+                        </a:tabLst>
+                        <a:defRPr sz="1800">
+                          <a:solidFill>
+                            <a:srgbClr val="000000"/>
+                          </a:solidFill>
+                        </a:defRPr>
+                      </a:pPr>
+                      <a:endParaRPr sz="2000" dirty="0">
+                        <a:solidFill>
+                          <a:srgbClr val="F6F4EF"/>
+                        </a:solidFill>
+                        <a:effectLst>
+                          <a:outerShdw blurRad="25400" dist="12700" dir="5400000" rotWithShape="0">
+                            <a:srgbClr val="000000">
+                              <a:alpha val="50000"/>
+                            </a:srgbClr>
+                          </a:outerShdw>
+                        </a:effectLst>
+                      </a:endParaRPr>
+                    </a:p>
+                  </a:txBody>
+                  <a:tcPr marL="33944" marR="33944" marT="33944" marB="33944" anchor="ctr" horzOverflow="overflow">
+                    <a:lnR w="12700">
+                      <a:solidFill>
+                        <a:srgbClr val="7695B6"/>
+                      </a:solidFill>
+                      <a:miter lim="400000"/>
+                    </a:lnR>
+                    <a:blipFill rotWithShape="1">
+                      <a:blip r:embed="rId3"/>
+                      <a:srcRect/>
+                      <a:tile tx="0" ty="0" sx="100000" sy="100000" flip="none" algn="tl"/>
+                    </a:blipFill>
+                  </a:tcPr>
+                </a:tc>
+                <a:extLst>
+                  <a:ext uri="{0D108BD9-81ED-4DB2-BD59-A6C34878D82A}">
+                    <a16:rowId xmlns:a16="http://schemas.microsoft.com/office/drawing/2014/main" val="3024996647"/>
+                  </a:ext>
+                </a:extLst>
+              </a:tr>
+              <a:tr h="1039325">
+                <a:tc>
+                  <a:txBody>
+                    <a:bodyPr/>
+                    <a:lstStyle/>
+                    <a:p>
+                      <a:pPr defTabSz="914400">
+                        <a:tabLst>
+                          <a:tab pos="914400" algn="l"/>
+                        </a:tabLst>
+                        <a:defRPr sz="1800">
+                          <a:solidFill>
+                            <a:srgbClr val="000000"/>
+                          </a:solidFill>
+                        </a:defRPr>
+                      </a:pPr>
+                      <a:r>
+                        <a:rPr sz="2400" dirty="0" err="1">
+                          <a:solidFill>
+                            <a:srgbClr val="F6F4EF"/>
+                          </a:solidFill>
+                          <a:effectLst>
+                            <a:outerShdw blurRad="25400" dist="12700" dir="5400000" rotWithShape="0">
+                              <a:srgbClr val="000000">
+                                <a:alpha val="50000"/>
+                              </a:srgbClr>
+                            </a:outerShdw>
+                          </a:effectLst>
+                        </a:rPr>
+                        <a:t>Dispositivo</a:t>
+                      </a:r>
+                      <a:endParaRPr sz="2400" dirty="0">
+                        <a:solidFill>
+                          <a:srgbClr val="F6F4EF"/>
+                        </a:solidFill>
+                        <a:effectLst>
+                          <a:outerShdw blurRad="25400" dist="12700" dir="5400000" rotWithShape="0">
+                            <a:srgbClr val="000000">
+                              <a:alpha val="50000"/>
+                            </a:srgbClr>
+                          </a:outerShdw>
+                        </a:effectLst>
+                      </a:endParaRPr>
+                    </a:p>
+                  </a:txBody>
+                  <a:tcPr marL="33181" marR="33181" marT="33181" marB="33181" anchor="ctr" horzOverflow="overflow">
+                    <a:lnL w="12700">
+                      <a:solidFill>
+                        <a:srgbClr val="7695B6"/>
+                      </a:solidFill>
+                      <a:miter lim="400000"/>
+                    </a:lnL>
+                    <a:blipFill rotWithShape="1">
+                      <a:blip r:embed="rId3"/>
+                      <a:srcRect/>
+                      <a:tile tx="0" ty="0" sx="100000" sy="100000" flip="none" algn="tl"/>
+                    </a:blipFill>
+                  </a:tcPr>
+                </a:tc>
+                <a:tc>
+                  <a:txBody>
+                    <a:bodyPr/>
+                    <a:lstStyle/>
+                    <a:p>
+                      <a:pPr defTabSz="914400">
+                        <a:tabLst>
+                          <a:tab pos="914400" algn="l"/>
+                        </a:tabLst>
+                        <a:defRPr sz="1800">
+                          <a:solidFill>
+                            <a:srgbClr val="000000"/>
+                          </a:solidFill>
+                        </a:defRPr>
+                      </a:pPr>
+                      <a:r>
+                        <a:rPr sz="2400" dirty="0">
+                          <a:solidFill>
+                            <a:srgbClr val="F6F4EF"/>
+                          </a:solidFill>
+                          <a:effectLst>
+                            <a:outerShdw blurRad="25400" dist="12700" dir="5400000" rotWithShape="0">
+                              <a:srgbClr val="000000">
+                                <a:alpha val="50000"/>
+                              </a:srgbClr>
+                            </a:outerShdw>
+                          </a:effectLst>
+                        </a:rPr>
+                        <a:t>v4l2camera</a:t>
+                      </a:r>
+                    </a:p>
+                  </a:txBody>
+                  <a:tcPr marL="33181" marR="33181" marT="33181" marB="33181" anchor="ctr" horzOverflow="overflow">
+                    <a:blipFill rotWithShape="1">
+                      <a:blip r:embed="rId3"/>
+                      <a:srcRect/>
+                      <a:tile tx="0" ty="0" sx="100000" sy="100000" flip="none" algn="tl"/>
+                    </a:blipFill>
+                  </a:tcPr>
+                </a:tc>
+                <a:tc>
+                  <a:txBody>
+                    <a:bodyPr/>
+                    <a:lstStyle/>
+                    <a:p>
+                      <a:pPr defTabSz="914400">
+                        <a:tabLst>
+                          <a:tab pos="914400" algn="l"/>
+                        </a:tabLst>
+                        <a:defRPr sz="1800">
+                          <a:solidFill>
+                            <a:srgbClr val="000000"/>
+                          </a:solidFill>
+                        </a:defRPr>
+                      </a:pPr>
+                      <a:r>
+                        <a:rPr sz="2400">
+                          <a:solidFill>
+                            <a:srgbClr val="F6F4EF"/>
+                          </a:solidFill>
+                          <a:effectLst>
+                            <a:outerShdw blurRad="25400" dist="12700" dir="5400000" rotWithShape="0">
+                              <a:srgbClr val="000000">
+                                <a:alpha val="50000"/>
+                              </a:srgbClr>
+                            </a:outerShdw>
+                          </a:effectLst>
+                        </a:rPr>
+                        <a:t>fswebcam</a:t>
+                      </a:r>
+                    </a:p>
+                  </a:txBody>
+                  <a:tcPr marL="33181" marR="33181" marT="33181" marB="33181" anchor="ctr" horzOverflow="overflow">
+                    <a:lnR w="12700">
+                      <a:solidFill>
+                        <a:srgbClr val="7695B6"/>
+                      </a:solidFill>
+                      <a:miter lim="400000"/>
+                    </a:lnR>
+                    <a:blipFill rotWithShape="1">
+                      <a:blip r:embed="rId3"/>
+                      <a:srcRect/>
+                      <a:tile tx="0" ty="0" sx="100000" sy="100000" flip="none" algn="tl"/>
+                    </a:blipFill>
+                  </a:tcPr>
+                </a:tc>
+                <a:extLst>
+                  <a:ext uri="{0D108BD9-81ED-4DB2-BD59-A6C34878D82A}">
+                    <a16:rowId xmlns:a16="http://schemas.microsoft.com/office/drawing/2014/main" val="10000"/>
+                  </a:ext>
+                </a:extLst>
+              </a:tr>
+              <a:tr h="1039325">
+                <a:tc>
+                  <a:txBody>
+                    <a:bodyPr/>
+                    <a:lstStyle/>
+                    <a:p>
+                      <a:pPr defTabSz="457200">
+                        <a:defRPr sz="1800">
+                          <a:solidFill>
+                            <a:srgbClr val="000000"/>
+                          </a:solidFill>
+                        </a:defRPr>
+                      </a:pPr>
+                      <a:r>
+                        <a:rPr sz="2400">
+                          <a:solidFill>
+                            <a:srgbClr val="6D6A67"/>
+                          </a:solidFill>
+                          <a:effectLst>
+                            <a:outerShdw blurRad="25400" dist="12700" dir="5280000" rotWithShape="0">
+                              <a:srgbClr val="FFFFFF"/>
+                            </a:outerShdw>
+                          </a:effectLst>
+                        </a:rPr>
+                        <a:t>Raspberry Pi</a:t>
+                      </a:r>
+                    </a:p>
+                  </a:txBody>
+                  <a:tcPr marL="33181" marR="33181" marT="33181" marB="33181" anchor="ctr" horzOverflow="overflow"/>
+                </a:tc>
+                <a:tc>
+                  <a:txBody>
+                    <a:bodyPr/>
+                    <a:lstStyle/>
+                    <a:p>
+                      <a:pPr defTabSz="457200">
+                        <a:defRPr sz="1800">
+                          <a:solidFill>
+                            <a:srgbClr val="000000"/>
+                          </a:solidFill>
+                        </a:defRPr>
+                      </a:pPr>
+                      <a:r>
+                        <a:rPr sz="2400" dirty="0">
+                          <a:solidFill>
+                            <a:srgbClr val="6D6A67"/>
+                          </a:solidFill>
+                          <a:effectLst>
+                            <a:outerShdw blurRad="25400" dist="12700" dir="5280000" rotWithShape="0">
+                              <a:srgbClr val="FFFFFF"/>
+                            </a:outerShdw>
+                          </a:effectLst>
+                        </a:rPr>
+                        <a:t>1246ms</a:t>
+                      </a:r>
+                    </a:p>
+                  </a:txBody>
+                  <a:tcPr marL="33181" marR="33181" marT="33181" marB="33181" anchor="ctr" horzOverflow="overflow"/>
+                </a:tc>
+                <a:tc>
+                  <a:txBody>
+                    <a:bodyPr/>
+                    <a:lstStyle/>
+                    <a:p>
+                      <a:pPr defTabSz="457200">
+                        <a:defRPr sz="1800">
+                          <a:solidFill>
+                            <a:srgbClr val="000000"/>
+                          </a:solidFill>
+                        </a:defRPr>
+                      </a:pPr>
+                      <a:r>
+                        <a:rPr sz="2400" dirty="0">
+                          <a:solidFill>
+                            <a:srgbClr val="6D6A67"/>
+                          </a:solidFill>
+                          <a:effectLst>
+                            <a:outerShdw blurRad="25400" dist="12700" dir="5280000" rotWithShape="0">
+                              <a:srgbClr val="FFFFFF"/>
+                            </a:outerShdw>
+                          </a:effectLst>
+                        </a:rPr>
+                        <a:t>1278ms</a:t>
+                      </a:r>
+                    </a:p>
+                  </a:txBody>
+                  <a:tcPr marL="33181" marR="33181" marT="33181" marB="33181" anchor="ctr" horzOverflow="overflow"/>
+                </a:tc>
+                <a:extLst>
+                  <a:ext uri="{0D108BD9-81ED-4DB2-BD59-A6C34878D82A}">
+                    <a16:rowId xmlns:a16="http://schemas.microsoft.com/office/drawing/2014/main" val="10001"/>
+                  </a:ext>
+                </a:extLst>
+              </a:tr>
+              <a:tr h="1039325">
+                <a:tc>
+                  <a:txBody>
+                    <a:bodyPr/>
+                    <a:lstStyle/>
+                    <a:p>
+                      <a:pPr defTabSz="457200">
+                        <a:defRPr sz="1800">
+                          <a:solidFill>
+                            <a:srgbClr val="000000"/>
+                          </a:solidFill>
+                        </a:defRPr>
+                      </a:pPr>
+                      <a:r>
+                        <a:rPr sz="2400" dirty="0">
+                          <a:solidFill>
+                            <a:srgbClr val="6D6A67"/>
+                          </a:solidFill>
+                          <a:effectLst>
+                            <a:outerShdw blurRad="25400" dist="12700" dir="5280000" rotWithShape="0">
+                              <a:srgbClr val="FFFFFF"/>
+                            </a:outerShdw>
+                          </a:effectLst>
+                        </a:rPr>
+                        <a:t>MacBook</a:t>
+                      </a:r>
+                    </a:p>
+                  </a:txBody>
+                  <a:tcPr marL="33181" marR="33181" marT="33181" marB="33181" anchor="ctr" horzOverflow="overflow"/>
+                </a:tc>
+                <a:tc>
+                  <a:txBody>
+                    <a:bodyPr/>
+                    <a:lstStyle/>
+                    <a:p>
+                      <a:pPr defTabSz="457200">
+                        <a:defRPr sz="1800">
+                          <a:solidFill>
+                            <a:srgbClr val="000000"/>
+                          </a:solidFill>
+                        </a:defRPr>
+                      </a:pPr>
+                      <a:r>
+                        <a:rPr sz="2400">
+                          <a:solidFill>
+                            <a:srgbClr val="6D6A67"/>
+                          </a:solidFill>
+                          <a:effectLst>
+                            <a:outerShdw blurRad="25400" dist="12700" dir="5280000" rotWithShape="0">
+                              <a:srgbClr val="FFFFFF"/>
+                            </a:outerShdw>
+                          </a:effectLst>
+                        </a:rPr>
+                        <a:t>1038ms</a:t>
+                      </a:r>
+                    </a:p>
+                  </a:txBody>
+                  <a:tcPr marL="33181" marR="33181" marT="33181" marB="33181" anchor="ctr" horzOverflow="overflow"/>
+                </a:tc>
+                <a:tc>
+                  <a:txBody>
+                    <a:bodyPr/>
+                    <a:lstStyle/>
+                    <a:p>
+                      <a:pPr defTabSz="457200">
+                        <a:defRPr sz="1800">
+                          <a:solidFill>
+                            <a:srgbClr val="000000"/>
+                          </a:solidFill>
+                        </a:defRPr>
+                      </a:pPr>
+                      <a:r>
+                        <a:rPr sz="2400" dirty="0">
+                          <a:solidFill>
+                            <a:srgbClr val="6D6A67"/>
+                          </a:solidFill>
+                          <a:effectLst>
+                            <a:outerShdw blurRad="25400" dist="12700" dir="5280000" rotWithShape="0">
+                              <a:srgbClr val="FFFFFF"/>
+                            </a:outerShdw>
+                          </a:effectLst>
+                        </a:rPr>
+                        <a:t>986ms</a:t>
+                      </a:r>
+                    </a:p>
+                  </a:txBody>
+                  <a:tcPr marL="33181" marR="33181" marT="33181" marB="33181" anchor="ctr" horzOverflow="overflow"/>
+                </a:tc>
+                <a:extLst>
+                  <a:ext uri="{0D108BD9-81ED-4DB2-BD59-A6C34878D82A}">
+                    <a16:rowId xmlns:a16="http://schemas.microsoft.com/office/drawing/2014/main" val="10002"/>
+                  </a:ext>
+                </a:extLst>
+              </a:tr>
+            </a:tbl>
+          </a:graphicData>
+        </a:graphic>
+      </p:graphicFrame>
+      <p:graphicFrame>
+        <p:nvGraphicFramePr>
+          <p:cNvPr id="6" name="Table 268"/>
+          <p:cNvGraphicFramePr/>
+          <p:nvPr>
+            <p:extLst>
+              <p:ext uri="{D42A27DB-BD31-4B8C-83A1-F6EECF244321}">
+                <p14:modId xmlns:p14="http://schemas.microsoft.com/office/powerpoint/2010/main" val="4202002506"/>
+              </p:ext>
+            </p:extLst>
+          </p:nvPr>
+        </p:nvGraphicFramePr>
+        <p:xfrm>
+          <a:off x="5861410" y="5783904"/>
+          <a:ext cx="6159006" cy="3675166"/>
+        </p:xfrm>
+        <a:graphic>
+          <a:graphicData uri="http://schemas.openxmlformats.org/drawingml/2006/table">
+            <a:tbl>
+              <a:tblPr firstRow="1">
+                <a:tableStyleId>{4C3C2611-4C71-4FC5-86AE-919BDF0F9419}</a:tableStyleId>
+              </a:tblPr>
+              <a:tblGrid>
+                <a:gridCol w="2053002">
+                  <a:extLst>
+                    <a:ext uri="{9D8B030D-6E8A-4147-A177-3AD203B41FA5}">
+                      <a16:colId xmlns:a16="http://schemas.microsoft.com/office/drawing/2014/main" val="20000"/>
+                    </a:ext>
+                  </a:extLst>
+                </a:gridCol>
+                <a:gridCol w="2053002">
+                  <a:extLst>
+                    <a:ext uri="{9D8B030D-6E8A-4147-A177-3AD203B41FA5}">
+                      <a16:colId xmlns:a16="http://schemas.microsoft.com/office/drawing/2014/main" val="20001"/>
+                    </a:ext>
+                  </a:extLst>
+                </a:gridCol>
+                <a:gridCol w="2053002">
+                  <a:extLst>
+                    <a:ext uri="{9D8B030D-6E8A-4147-A177-3AD203B41FA5}">
+                      <a16:colId xmlns:a16="http://schemas.microsoft.com/office/drawing/2014/main" val="20002"/>
+                    </a:ext>
+                  </a:extLst>
+                </a:gridCol>
+              </a:tblGrid>
+              <a:tr h="557188">
+                <a:tc gridSpan="3">
+                  <a:txBody>
+                    <a:bodyPr/>
+                    <a:lstStyle/>
+                    <a:p>
+                      <a:pPr defTabSz="914400">
+                        <a:tabLst>
+                          <a:tab pos="914400" algn="l"/>
+                        </a:tabLst>
+                        <a:defRPr sz="1800">
+                          <a:solidFill>
+                            <a:srgbClr val="000000"/>
+                          </a:solidFill>
+                        </a:defRPr>
+                      </a:pPr>
+                      <a:r>
+                        <a:rPr lang="es-ES" sz="2100" dirty="0">
+                          <a:solidFill>
+                            <a:srgbClr val="F6F4EF"/>
+                          </a:solidFill>
+                          <a:effectLst>
+                            <a:outerShdw blurRad="25400" dist="12700" dir="5400000" rotWithShape="0">
+                              <a:srgbClr val="000000">
+                                <a:alpha val="50000"/>
+                              </a:srgbClr>
+                            </a:outerShdw>
+                          </a:effectLst>
+                        </a:rPr>
+                        <a:t>Recepción</a:t>
+                      </a:r>
+                      <a:r>
+                        <a:rPr lang="es-ES" sz="2100" baseline="0" dirty="0">
+                          <a:solidFill>
+                            <a:srgbClr val="F6F4EF"/>
+                          </a:solidFill>
+                          <a:effectLst>
+                            <a:outerShdw blurRad="25400" dist="12700" dir="5400000" rotWithShape="0">
+                              <a:srgbClr val="000000">
+                                <a:alpha val="50000"/>
+                              </a:srgbClr>
+                            </a:outerShdw>
+                          </a:effectLst>
+                        </a:rPr>
+                        <a:t> y reproducción de audio</a:t>
+                      </a:r>
+                      <a:endParaRPr sz="2100" dirty="0">
+                        <a:solidFill>
+                          <a:srgbClr val="F6F4EF"/>
+                        </a:solidFill>
+                        <a:effectLst>
+                          <a:outerShdw blurRad="25400" dist="12700" dir="5400000" rotWithShape="0">
+                            <a:srgbClr val="000000">
+                              <a:alpha val="50000"/>
+                            </a:srgbClr>
+                          </a:outerShdw>
+                        </a:effectLst>
+                      </a:endParaRPr>
+                    </a:p>
+                  </a:txBody>
+                  <a:tcPr marL="28332" marR="28332" marT="28332" marB="28332" anchor="ctr" horzOverflow="overflow">
+                    <a:lnL w="12700">
+                      <a:solidFill>
+                        <a:srgbClr val="7695B6"/>
+                      </a:solidFill>
+                      <a:miter lim="400000"/>
+                    </a:lnL>
+                    <a:lnR w="12700" cap="flat" cmpd="sng" algn="ctr">
+                      <a:solidFill>
+                        <a:srgbClr val="7695B6"/>
+                      </a:solidFill>
+                      <a:prstDash val="solid"/>
+                      <a:miter lim="400000"/>
+                      <a:headEnd type="none" w="med" len="med"/>
+                      <a:tailEnd type="none" w="med" len="med"/>
+                    </a:lnR>
+                    <a:blipFill rotWithShape="1">
+                      <a:blip r:embed="rId3"/>
+                      <a:srcRect/>
+                      <a:tile tx="0" ty="0" sx="100000" sy="100000" flip="none" algn="tl"/>
+                    </a:blipFill>
+                  </a:tcPr>
+                </a:tc>
+                <a:tc hMerge="1">
+                  <a:txBody>
+                    <a:bodyPr/>
+                    <a:lstStyle/>
+                    <a:p>
+                      <a:pPr defTabSz="914400">
+                        <a:tabLst>
+                          <a:tab pos="914400" algn="l"/>
+                        </a:tabLst>
+                        <a:defRPr sz="1800">
+                          <a:solidFill>
+                            <a:srgbClr val="000000"/>
+                          </a:solidFill>
+                        </a:defRPr>
+                      </a:pPr>
+                      <a:endParaRPr sz="2000">
+                        <a:solidFill>
+                          <a:srgbClr val="F6F4EF"/>
+                        </a:solidFill>
+                        <a:effectLst>
+                          <a:outerShdw blurRad="25400" dist="12700" dir="5400000" rotWithShape="0">
+                            <a:srgbClr val="000000">
+                              <a:alpha val="50000"/>
+                            </a:srgbClr>
+                          </a:outerShdw>
+                        </a:effectLst>
+                      </a:endParaRPr>
+                    </a:p>
+                  </a:txBody>
+                  <a:tcPr marL="33944" marR="33944" marT="33944" marB="33944" anchor="ctr" horzOverflow="overflow">
+                    <a:blipFill rotWithShape="1">
+                      <a:blip r:embed="rId3"/>
+                      <a:srcRect/>
+                      <a:tile tx="0" ty="0" sx="100000" sy="100000" flip="none" algn="tl"/>
+                    </a:blipFill>
+                  </a:tcPr>
+                </a:tc>
+                <a:tc hMerge="1">
+                  <a:txBody>
+                    <a:bodyPr/>
+                    <a:lstStyle/>
+                    <a:p>
+                      <a:pPr defTabSz="914400">
+                        <a:tabLst>
+                          <a:tab pos="914400" algn="l"/>
+                        </a:tabLst>
+                        <a:defRPr sz="1800">
+                          <a:solidFill>
+                            <a:srgbClr val="000000"/>
+                          </a:solidFill>
+                        </a:defRPr>
+                      </a:pPr>
+                      <a:endParaRPr sz="2000" dirty="0">
+                        <a:solidFill>
+                          <a:srgbClr val="F6F4EF"/>
+                        </a:solidFill>
+                        <a:effectLst>
+                          <a:outerShdw blurRad="25400" dist="12700" dir="5400000" rotWithShape="0">
+                            <a:srgbClr val="000000">
+                              <a:alpha val="50000"/>
+                            </a:srgbClr>
+                          </a:outerShdw>
+                        </a:effectLst>
+                      </a:endParaRPr>
+                    </a:p>
+                  </a:txBody>
+                  <a:tcPr marL="33944" marR="33944" marT="33944" marB="33944" anchor="ctr" horzOverflow="overflow">
+                    <a:lnR w="12700">
+                      <a:solidFill>
+                        <a:srgbClr val="7695B6"/>
+                      </a:solidFill>
+                      <a:miter lim="400000"/>
+                    </a:lnR>
+                    <a:blipFill rotWithShape="1">
+                      <a:blip r:embed="rId3"/>
+                      <a:srcRect/>
+                      <a:tile tx="0" ty="0" sx="100000" sy="100000" flip="none" algn="tl"/>
+                    </a:blipFill>
+                  </a:tcPr>
+                </a:tc>
+                <a:extLst>
+                  <a:ext uri="{0D108BD9-81ED-4DB2-BD59-A6C34878D82A}">
+                    <a16:rowId xmlns:a16="http://schemas.microsoft.com/office/drawing/2014/main" val="3098805213"/>
+                  </a:ext>
+                </a:extLst>
+              </a:tr>
+              <a:tr h="1039326">
+                <a:tc>
+                  <a:txBody>
+                    <a:bodyPr/>
+                    <a:lstStyle/>
+                    <a:p>
+                      <a:pPr defTabSz="914400">
+                        <a:tabLst>
+                          <a:tab pos="914400" algn="l"/>
+                        </a:tabLst>
+                        <a:defRPr sz="1800">
+                          <a:solidFill>
+                            <a:srgbClr val="000000"/>
+                          </a:solidFill>
+                        </a:defRPr>
+                      </a:pPr>
+                      <a:r>
+                        <a:rPr sz="2100" dirty="0" err="1">
+                          <a:solidFill>
+                            <a:srgbClr val="F6F4EF"/>
+                          </a:solidFill>
+                          <a:effectLst>
+                            <a:outerShdw blurRad="25400" dist="12700" dir="5400000" rotWithShape="0">
+                              <a:srgbClr val="000000">
+                                <a:alpha val="50000"/>
+                              </a:srgbClr>
+                            </a:outerShdw>
+                          </a:effectLst>
+                        </a:rPr>
+                        <a:t>Dispositivo</a:t>
+                      </a:r>
+                      <a:endParaRPr sz="2100" dirty="0">
+                        <a:solidFill>
+                          <a:srgbClr val="F6F4EF"/>
+                        </a:solidFill>
+                        <a:effectLst>
+                          <a:outerShdw blurRad="25400" dist="12700" dir="5400000" rotWithShape="0">
+                            <a:srgbClr val="000000">
+                              <a:alpha val="50000"/>
+                            </a:srgbClr>
+                          </a:outerShdw>
+                        </a:effectLst>
+                      </a:endParaRPr>
+                    </a:p>
+                  </a:txBody>
+                  <a:tcPr marL="28332" marR="28332" marT="28332" marB="28332" anchor="ctr" horzOverflow="overflow">
+                    <a:lnL w="12700">
+                      <a:solidFill>
+                        <a:srgbClr val="7695B6"/>
+                      </a:solidFill>
+                      <a:miter lim="400000"/>
+                    </a:lnL>
+                    <a:blipFill rotWithShape="1">
+                      <a:blip r:embed="rId3"/>
+                      <a:srcRect/>
+                      <a:tile tx="0" ty="0" sx="100000" sy="100000" flip="none" algn="tl"/>
+                    </a:blipFill>
+                  </a:tcPr>
+                </a:tc>
+                <a:tc>
+                  <a:txBody>
+                    <a:bodyPr/>
+                    <a:lstStyle/>
+                    <a:p>
+                      <a:pPr defTabSz="914400">
+                        <a:tabLst>
+                          <a:tab pos="914400" algn="l"/>
+                        </a:tabLst>
+                        <a:defRPr sz="1800">
+                          <a:solidFill>
+                            <a:srgbClr val="000000"/>
+                          </a:solidFill>
+                        </a:defRPr>
+                      </a:pPr>
+                      <a:r>
+                        <a:rPr sz="2100" dirty="0">
+                          <a:solidFill>
+                            <a:srgbClr val="F6F4EF"/>
+                          </a:solidFill>
+                          <a:effectLst>
+                            <a:outerShdw blurRad="25400" dist="12700" dir="5400000" rotWithShape="0">
+                              <a:srgbClr val="000000">
+                                <a:alpha val="50000"/>
+                              </a:srgbClr>
+                            </a:outerShdw>
+                          </a:effectLst>
+                        </a:rPr>
+                        <a:t>v4l2camera</a:t>
+                      </a:r>
+                    </a:p>
+                  </a:txBody>
+                  <a:tcPr marL="28332" marR="28332" marT="28332" marB="28332" anchor="ctr" horzOverflow="overflow">
+                    <a:blipFill rotWithShape="1">
+                      <a:blip r:embed="rId3"/>
+                      <a:srcRect/>
+                      <a:tile tx="0" ty="0" sx="100000" sy="100000" flip="none" algn="tl"/>
+                    </a:blipFill>
+                  </a:tcPr>
+                </a:tc>
+                <a:tc>
+                  <a:txBody>
+                    <a:bodyPr/>
+                    <a:lstStyle/>
+                    <a:p>
+                      <a:pPr defTabSz="914400">
+                        <a:tabLst>
+                          <a:tab pos="914400" algn="l"/>
+                        </a:tabLst>
+                        <a:defRPr sz="1800">
+                          <a:solidFill>
+                            <a:srgbClr val="000000"/>
+                          </a:solidFill>
+                        </a:defRPr>
+                      </a:pPr>
+                      <a:r>
+                        <a:rPr sz="2100">
+                          <a:solidFill>
+                            <a:srgbClr val="F6F4EF"/>
+                          </a:solidFill>
+                          <a:effectLst>
+                            <a:outerShdw blurRad="25400" dist="12700" dir="5400000" rotWithShape="0">
+                              <a:srgbClr val="000000">
+                                <a:alpha val="50000"/>
+                              </a:srgbClr>
+                            </a:outerShdw>
+                          </a:effectLst>
+                        </a:rPr>
+                        <a:t>fswebcam</a:t>
+                      </a:r>
+                    </a:p>
+                  </a:txBody>
+                  <a:tcPr marL="28332" marR="28332" marT="28332" marB="28332" anchor="ctr" horzOverflow="overflow">
+                    <a:lnR w="12700">
+                      <a:solidFill>
+                        <a:srgbClr val="7695B6"/>
+                      </a:solidFill>
+                      <a:miter lim="400000"/>
+                    </a:lnR>
+                    <a:blipFill rotWithShape="1">
+                      <a:blip r:embed="rId3"/>
+                      <a:srcRect/>
+                      <a:tile tx="0" ty="0" sx="100000" sy="100000" flip="none" algn="tl"/>
+                    </a:blipFill>
+                  </a:tcPr>
+                </a:tc>
+                <a:extLst>
+                  <a:ext uri="{0D108BD9-81ED-4DB2-BD59-A6C34878D82A}">
+                    <a16:rowId xmlns:a16="http://schemas.microsoft.com/office/drawing/2014/main" val="10000"/>
+                  </a:ext>
+                </a:extLst>
+              </a:tr>
+              <a:tr h="1039326">
+                <a:tc>
+                  <a:txBody>
+                    <a:bodyPr/>
+                    <a:lstStyle/>
+                    <a:p>
+                      <a:pPr defTabSz="457200">
+                        <a:defRPr sz="1800">
+                          <a:solidFill>
+                            <a:srgbClr val="000000"/>
+                          </a:solidFill>
+                        </a:defRPr>
+                      </a:pPr>
+                      <a:r>
+                        <a:rPr sz="2100" dirty="0">
+                          <a:solidFill>
+                            <a:srgbClr val="6D6A67"/>
+                          </a:solidFill>
+                          <a:effectLst>
+                            <a:outerShdw blurRad="25400" dist="12700" dir="5280000" rotWithShape="0">
+                              <a:srgbClr val="FFFFFF"/>
+                            </a:outerShdw>
+                          </a:effectLst>
+                        </a:rPr>
+                        <a:t>Raspberry Pi</a:t>
+                      </a:r>
+                    </a:p>
+                  </a:txBody>
+                  <a:tcPr marL="28332" marR="28332" marT="28332" marB="28332" anchor="ctr" horzOverflow="overflow"/>
+                </a:tc>
+                <a:tc>
+                  <a:txBody>
+                    <a:bodyPr/>
+                    <a:lstStyle/>
+                    <a:p>
+                      <a:pPr defTabSz="457200">
+                        <a:defRPr sz="1800">
+                          <a:solidFill>
+                            <a:srgbClr val="000000"/>
+                          </a:solidFill>
+                        </a:defRPr>
+                      </a:pPr>
+                      <a:r>
+                        <a:rPr sz="2100" dirty="0">
+                          <a:solidFill>
+                            <a:srgbClr val="6D6A67"/>
+                          </a:solidFill>
+                          <a:effectLst>
+                            <a:outerShdw blurRad="25400" dist="12700" dir="5280000" rotWithShape="0">
+                              <a:srgbClr val="FFFFFF"/>
+                            </a:outerShdw>
+                          </a:effectLst>
+                        </a:rPr>
+                        <a:t>1246ms</a:t>
+                      </a:r>
+                    </a:p>
+                  </a:txBody>
+                  <a:tcPr marL="28332" marR="28332" marT="28332" marB="28332" anchor="ctr" horzOverflow="overflow"/>
+                </a:tc>
+                <a:tc>
+                  <a:txBody>
+                    <a:bodyPr/>
+                    <a:lstStyle/>
+                    <a:p>
+                      <a:pPr defTabSz="457200">
+                        <a:defRPr sz="1800">
+                          <a:solidFill>
+                            <a:srgbClr val="000000"/>
+                          </a:solidFill>
+                        </a:defRPr>
+                      </a:pPr>
+                      <a:r>
+                        <a:rPr sz="2100" dirty="0">
+                          <a:solidFill>
+                            <a:srgbClr val="6D6A67"/>
+                          </a:solidFill>
+                          <a:effectLst>
+                            <a:outerShdw blurRad="25400" dist="12700" dir="5280000" rotWithShape="0">
+                              <a:srgbClr val="FFFFFF"/>
+                            </a:outerShdw>
+                          </a:effectLst>
+                        </a:rPr>
+                        <a:t>1278ms</a:t>
+                      </a:r>
+                    </a:p>
+                  </a:txBody>
+                  <a:tcPr marL="28332" marR="28332" marT="28332" marB="28332" anchor="ctr" horzOverflow="overflow"/>
+                </a:tc>
+                <a:extLst>
+                  <a:ext uri="{0D108BD9-81ED-4DB2-BD59-A6C34878D82A}">
+                    <a16:rowId xmlns:a16="http://schemas.microsoft.com/office/drawing/2014/main" val="10001"/>
+                  </a:ext>
+                </a:extLst>
+              </a:tr>
+              <a:tr h="1039326">
+                <a:tc>
+                  <a:txBody>
+                    <a:bodyPr/>
+                    <a:lstStyle/>
+                    <a:p>
+                      <a:pPr defTabSz="457200">
+                        <a:defRPr sz="1800">
+                          <a:solidFill>
+                            <a:srgbClr val="000000"/>
+                          </a:solidFill>
+                        </a:defRPr>
+                      </a:pPr>
+                      <a:r>
+                        <a:rPr sz="2100">
+                          <a:solidFill>
+                            <a:srgbClr val="6D6A67"/>
+                          </a:solidFill>
+                          <a:effectLst>
+                            <a:outerShdw blurRad="25400" dist="12700" dir="5280000" rotWithShape="0">
+                              <a:srgbClr val="FFFFFF"/>
+                            </a:outerShdw>
+                          </a:effectLst>
+                        </a:rPr>
+                        <a:t>MacBook</a:t>
+                      </a:r>
+                    </a:p>
+                  </a:txBody>
+                  <a:tcPr marL="28332" marR="28332" marT="28332" marB="28332" anchor="ctr" horzOverflow="overflow"/>
+                </a:tc>
+                <a:tc>
+                  <a:txBody>
+                    <a:bodyPr/>
+                    <a:lstStyle/>
+                    <a:p>
+                      <a:pPr defTabSz="457200">
+                        <a:defRPr sz="1800">
+                          <a:solidFill>
+                            <a:srgbClr val="000000"/>
+                          </a:solidFill>
+                        </a:defRPr>
+                      </a:pPr>
+                      <a:r>
+                        <a:rPr sz="2100">
+                          <a:solidFill>
+                            <a:srgbClr val="6D6A67"/>
+                          </a:solidFill>
+                          <a:effectLst>
+                            <a:outerShdw blurRad="25400" dist="12700" dir="5280000" rotWithShape="0">
+                              <a:srgbClr val="FFFFFF"/>
+                            </a:outerShdw>
+                          </a:effectLst>
+                        </a:rPr>
+                        <a:t>1038ms</a:t>
+                      </a:r>
+                    </a:p>
+                  </a:txBody>
+                  <a:tcPr marL="28332" marR="28332" marT="28332" marB="28332" anchor="ctr" horzOverflow="overflow"/>
+                </a:tc>
+                <a:tc>
+                  <a:txBody>
+                    <a:bodyPr/>
+                    <a:lstStyle/>
+                    <a:p>
+                      <a:pPr defTabSz="457200">
+                        <a:defRPr sz="1800">
+                          <a:solidFill>
+                            <a:srgbClr val="000000"/>
+                          </a:solidFill>
+                        </a:defRPr>
+                      </a:pPr>
+                      <a:r>
+                        <a:rPr sz="2100" dirty="0">
+                          <a:solidFill>
+                            <a:srgbClr val="6D6A67"/>
+                          </a:solidFill>
+                          <a:effectLst>
+                            <a:outerShdw blurRad="25400" dist="12700" dir="5280000" rotWithShape="0">
+                              <a:srgbClr val="FFFFFF"/>
+                            </a:outerShdw>
+                          </a:effectLst>
+                        </a:rPr>
+                        <a:t>986ms</a:t>
+                      </a:r>
+                    </a:p>
+                  </a:txBody>
+                  <a:tcPr marL="28332" marR="28332" marT="28332" marB="28332" anchor="ctr" horzOverflow="overflow"/>
+                </a:tc>
+                <a:extLst>
+                  <a:ext uri="{0D108BD9-81ED-4DB2-BD59-A6C34878D82A}">
+                    <a16:rowId xmlns:a16="http://schemas.microsoft.com/office/drawing/2014/main" val="10002"/>
+                  </a:ext>
+                </a:extLst>
+              </a:tr>
+            </a:tbl>
+          </a:graphicData>
+        </a:graphic>
+      </p:graphicFrame>
+      <p:graphicFrame>
+        <p:nvGraphicFramePr>
+          <p:cNvPr id="8" name="Table 280"/>
+          <p:cNvGraphicFramePr/>
+          <p:nvPr>
+            <p:extLst>
+              <p:ext uri="{D42A27DB-BD31-4B8C-83A1-F6EECF244321}">
+                <p14:modId xmlns:p14="http://schemas.microsoft.com/office/powerpoint/2010/main" val="3822923763"/>
+              </p:ext>
+            </p:extLst>
+          </p:nvPr>
+        </p:nvGraphicFramePr>
+        <p:xfrm>
+          <a:off x="1175881" y="5876865"/>
+          <a:ext cx="3917440" cy="3582205"/>
+        </p:xfrm>
+        <a:graphic>
+          <a:graphicData uri="http://schemas.openxmlformats.org/drawingml/2006/table">
+            <a:tbl>
+              <a:tblPr firstRow="1">
+                <a:tableStyleId>{4C3C2611-4C71-4FC5-86AE-919BDF0F9419}</a:tableStyleId>
+              </a:tblPr>
+              <a:tblGrid>
+                <a:gridCol w="1958720">
+                  <a:extLst>
+                    <a:ext uri="{9D8B030D-6E8A-4147-A177-3AD203B41FA5}">
+                      <a16:colId xmlns:a16="http://schemas.microsoft.com/office/drawing/2014/main" val="20000"/>
+                    </a:ext>
+                  </a:extLst>
+                </a:gridCol>
+                <a:gridCol w="1958720">
+                  <a:extLst>
+                    <a:ext uri="{9D8B030D-6E8A-4147-A177-3AD203B41FA5}">
+                      <a16:colId xmlns:a16="http://schemas.microsoft.com/office/drawing/2014/main" val="20001"/>
+                    </a:ext>
+                  </a:extLst>
+                </a:gridCol>
+              </a:tblGrid>
+              <a:tr h="597866">
+                <a:tc gridSpan="2">
+                  <a:txBody>
+                    <a:bodyPr/>
+                    <a:lstStyle/>
+                    <a:p>
+                      <a:pPr defTabSz="914400">
+                        <a:tabLst>
+                          <a:tab pos="914400" algn="l"/>
+                        </a:tabLst>
+                        <a:defRPr sz="1800">
+                          <a:solidFill>
+                            <a:srgbClr val="000000"/>
+                          </a:solidFill>
+                        </a:defRPr>
+                      </a:pPr>
+                      <a:r>
+                        <a:rPr lang="es-ES" sz="2500" dirty="0">
+                          <a:solidFill>
+                            <a:srgbClr val="F6F4EF"/>
+                          </a:solidFill>
+                          <a:effectLst>
+                            <a:outerShdw blurRad="25400" dist="12700" dir="5400000" rotWithShape="0">
+                              <a:srgbClr val="000000">
+                                <a:alpha val="50000"/>
+                              </a:srgbClr>
+                            </a:outerShdw>
+                          </a:effectLst>
+                        </a:rPr>
+                        <a:t>Datos</a:t>
+                      </a:r>
+                      <a:r>
+                        <a:rPr lang="es-ES" sz="2500" baseline="0" dirty="0">
+                          <a:solidFill>
+                            <a:srgbClr val="F6F4EF"/>
+                          </a:solidFill>
+                          <a:effectLst>
+                            <a:outerShdw blurRad="25400" dist="12700" dir="5400000" rotWithShape="0">
+                              <a:srgbClr val="000000">
+                                <a:alpha val="50000"/>
+                              </a:srgbClr>
+                            </a:outerShdw>
+                          </a:effectLst>
+                        </a:rPr>
+                        <a:t> meteorológicos</a:t>
+                      </a:r>
+                      <a:endParaRPr sz="2500" dirty="0">
+                        <a:solidFill>
+                          <a:srgbClr val="F6F4EF"/>
+                        </a:solidFill>
+                        <a:effectLst>
+                          <a:outerShdw blurRad="25400" dist="12700" dir="5400000" rotWithShape="0">
+                            <a:srgbClr val="000000">
+                              <a:alpha val="50000"/>
+                            </a:srgbClr>
+                          </a:outerShdw>
+                        </a:effectLst>
+                      </a:endParaRPr>
+                    </a:p>
+                  </a:txBody>
+                  <a:tcPr marL="50800" marR="50800" marT="50800" marB="50800" anchor="ctr" horzOverflow="overflow">
+                    <a:lnL w="12700">
+                      <a:solidFill>
+                        <a:srgbClr val="7695B6"/>
+                      </a:solidFill>
+                      <a:miter lim="400000"/>
+                    </a:lnL>
+                    <a:lnR w="12700" cap="flat" cmpd="sng" algn="ctr">
+                      <a:solidFill>
+                        <a:srgbClr val="7695B6"/>
+                      </a:solidFill>
+                      <a:prstDash val="solid"/>
+                      <a:miter lim="400000"/>
+                      <a:headEnd type="none" w="med" len="med"/>
+                      <a:tailEnd type="none" w="med" len="med"/>
+                    </a:lnR>
+                    <a:blipFill rotWithShape="1">
+                      <a:blip r:embed="rId3"/>
+                      <a:srcRect/>
+                      <a:tile tx="0" ty="0" sx="100000" sy="100000" flip="none" algn="tl"/>
+                    </a:blipFill>
+                  </a:tcPr>
+                </a:tc>
+                <a:tc hMerge="1">
+                  <a:txBody>
+                    <a:bodyPr/>
+                    <a:lstStyle/>
+                    <a:p>
+                      <a:pPr defTabSz="914400">
+                        <a:tabLst>
+                          <a:tab pos="914400" algn="l"/>
+                        </a:tabLst>
+                        <a:defRPr sz="1800">
+                          <a:solidFill>
+                            <a:srgbClr val="000000"/>
+                          </a:solidFill>
+                        </a:defRPr>
+                      </a:pPr>
+                      <a:endParaRPr sz="3000" dirty="0">
+                        <a:solidFill>
+                          <a:srgbClr val="F6F4EF"/>
+                        </a:solidFill>
+                        <a:effectLst>
+                          <a:outerShdw blurRad="25400" dist="12700" dir="5400000" rotWithShape="0">
+                            <a:srgbClr val="000000">
+                              <a:alpha val="50000"/>
+                            </a:srgbClr>
+                          </a:outerShdw>
+                        </a:effectLst>
+                      </a:endParaRPr>
+                    </a:p>
+                  </a:txBody>
+                  <a:tcPr marL="50800" marR="50800" marT="50800" marB="50800" anchor="ctr" horzOverflow="overflow">
+                    <a:lnR w="12700">
+                      <a:solidFill>
+                        <a:srgbClr val="7695B6"/>
+                      </a:solidFill>
+                      <a:miter lim="400000"/>
+                    </a:lnR>
+                    <a:blipFill rotWithShape="1">
+                      <a:blip r:embed="rId3"/>
+                      <a:srcRect/>
+                      <a:tile tx="0" ty="0" sx="100000" sy="100000" flip="none" algn="tl"/>
+                    </a:blipFill>
+                  </a:tcPr>
+                </a:tc>
+                <a:extLst>
+                  <a:ext uri="{0D108BD9-81ED-4DB2-BD59-A6C34878D82A}">
+                    <a16:rowId xmlns:a16="http://schemas.microsoft.com/office/drawing/2014/main" val="1635069163"/>
+                  </a:ext>
+                </a:extLst>
+              </a:tr>
+              <a:tr h="1087029">
+                <a:tc>
+                  <a:txBody>
+                    <a:bodyPr/>
+                    <a:lstStyle/>
+                    <a:p>
+                      <a:pPr defTabSz="914400">
+                        <a:tabLst>
+                          <a:tab pos="914400" algn="l"/>
+                        </a:tabLst>
+                        <a:defRPr sz="1800">
+                          <a:solidFill>
+                            <a:srgbClr val="000000"/>
+                          </a:solidFill>
+                        </a:defRPr>
+                      </a:pPr>
+                      <a:r>
+                        <a:rPr sz="2500" dirty="0" err="1">
+                          <a:solidFill>
+                            <a:srgbClr val="F6F4EF"/>
+                          </a:solidFill>
+                          <a:effectLst>
+                            <a:outerShdw blurRad="25400" dist="12700" dir="5400000" rotWithShape="0">
+                              <a:srgbClr val="000000">
+                                <a:alpha val="50000"/>
+                              </a:srgbClr>
+                            </a:outerShdw>
+                          </a:effectLst>
+                        </a:rPr>
+                        <a:t>Dispositivo</a:t>
+                      </a:r>
+                      <a:endParaRPr sz="2500" dirty="0">
+                        <a:solidFill>
+                          <a:srgbClr val="F6F4EF"/>
+                        </a:solidFill>
+                        <a:effectLst>
+                          <a:outerShdw blurRad="25400" dist="12700" dir="5400000" rotWithShape="0">
+                            <a:srgbClr val="000000">
+                              <a:alpha val="50000"/>
+                            </a:srgbClr>
+                          </a:outerShdw>
+                        </a:effectLst>
+                      </a:endParaRPr>
                     </a:p>
                   </a:txBody>
                   <a:tcPr marL="50800" marR="50800" marT="50800" marB="50800" anchor="ctr" horzOverflow="overflow">
@@ -9499,7 +12415,7 @@
                         </a:defRPr>
                       </a:pPr>
                       <a:r>
-                        <a:rPr sz="3000">
+                        <a:rPr sz="2500" dirty="0" err="1">
                           <a:solidFill>
                             <a:srgbClr val="F6F4EF"/>
                           </a:solidFill>
@@ -9513,6 +12429,18 @@
                         </a:rPr>
                         <a:t>Tiempo</a:t>
                       </a:r>
+                      <a:endParaRPr sz="2500" dirty="0">
+                        <a:solidFill>
+                          <a:srgbClr val="F6F4EF"/>
+                        </a:solidFill>
+                        <a:effectLst>
+                          <a:outerShdw blurRad="25400" dist="12700" dir="5400000" rotWithShape="0">
+                            <a:srgbClr val="000000">
+                              <a:alpha val="50000"/>
+                            </a:srgbClr>
+                          </a:outerShdw>
+                        </a:effectLst>
+                      </a:endParaRPr>
                     </a:p>
                   </a:txBody>
                   <a:tcPr marL="50800" marR="50800" marT="50800" marB="50800" anchor="ctr" horzOverflow="overflow">
@@ -9535,7 +12463,7 @@
                   </a:ext>
                 </a:extLst>
               </a:tr>
-              <a:tr h="1818242">
+              <a:tr h="1087029">
                 <a:tc>
                   <a:txBody>
                     <a:bodyPr/>
@@ -9549,7 +12477,7 @@
                         </a:defRPr>
                       </a:pPr>
                       <a:r>
-                        <a:rPr sz="3000">
+                        <a:rPr sz="2500">
                           <a:solidFill>
                             <a:srgbClr val="6D6A67"/>
                           </a:solidFill>
@@ -9578,7 +12506,7 @@
                         </a:defRPr>
                       </a:pPr>
                       <a:r>
-                        <a:rPr sz="3000">
+                        <a:rPr sz="2500" dirty="0">
                           <a:solidFill>
                             <a:srgbClr val="6D6A67"/>
                           </a:solidFill>
@@ -9588,8 +12516,31 @@
                             </a:outerShdw>
                           </a:effectLst>
                         </a:rPr>
-                        <a:t>13380ms</a:t>
+                        <a:t>330 </a:t>
                       </a:r>
+                      <a:r>
+                        <a:rPr sz="2500" dirty="0" err="1">
+                          <a:solidFill>
+                            <a:srgbClr val="6D6A67"/>
+                          </a:solidFill>
+                          <a:effectLst>
+                            <a:outerShdw blurRad="25400" dist="12700" dir="5280000" rotWithShape="0">
+                              <a:srgbClr val="FFFFFF"/>
+                            </a:outerShdw>
+                          </a:effectLst>
+                        </a:rPr>
+                        <a:t>ms</a:t>
+                      </a:r>
+                      <a:endParaRPr sz="2500" dirty="0">
+                        <a:solidFill>
+                          <a:srgbClr val="6D6A67"/>
+                        </a:solidFill>
+                        <a:effectLst>
+                          <a:outerShdw blurRad="25400" dist="12700" dir="5280000" rotWithShape="0">
+                            <a:srgbClr val="FFFFFF"/>
+                          </a:outerShdw>
+                        </a:effectLst>
+                      </a:endParaRPr>
                     </a:p>
                   </a:txBody>
                   <a:tcPr marL="50800" marR="50800" marT="50800" marB="50800" anchor="ctr" horzOverflow="overflow"/>
@@ -9600,7 +12551,7 @@
                   </a:ext>
                 </a:extLst>
               </a:tr>
-              <a:tr h="1818242">
+              <a:tr h="810281">
                 <a:tc>
                   <a:txBody>
                     <a:bodyPr/>
@@ -9614,7 +12565,7 @@
                         </a:defRPr>
                       </a:pPr>
                       <a:r>
-                        <a:rPr sz="3000">
+                        <a:rPr sz="2500">
                           <a:solidFill>
                             <a:srgbClr val="6D6A67"/>
                           </a:solidFill>
@@ -9643,7 +12594,7 @@
                         </a:defRPr>
                       </a:pPr>
                       <a:r>
-                        <a:rPr sz="3000">
+                        <a:rPr sz="2500" dirty="0">
                           <a:solidFill>
                             <a:srgbClr val="6D6A67"/>
                           </a:solidFill>
@@ -9653,7 +12604,7 @@
                             </a:outerShdw>
                           </a:effectLst>
                         </a:rPr>
-                        <a:t>11778ms</a:t>
+                        <a:t>280ms</a:t>
                       </a:r>
                     </a:p>
                   </a:txBody>
@@ -9669,37 +12620,6 @@
           </a:graphicData>
         </a:graphic>
       </p:graphicFrame>
-      <p:sp>
-        <p:nvSpPr>
-          <p:cNvPr id="263" name="Shape 263"/>
-          <p:cNvSpPr>
-            <a:spLocks noGrp="1"/>
-          </p:cNvSpPr>
-          <p:nvPr>
-            <p:ph type="sldNum" sz="quarter" idx="2"/>
-          </p:nvPr>
-        </p:nvSpPr>
-        <p:spPr>
-          <a:prstGeom prst="rect">
-            <a:avLst/>
-          </a:prstGeom>
-          <a:extLst>
-            <a:ext uri="{C572A759-6A51-4108-AA02-DFA0A04FC94B}">
-              <ma14:wrappingTextBoxFlag xmlns:ma14="http://schemas.microsoft.com/office/mac/drawingml/2011/main" xmlns="" val="1"/>
-            </a:ext>
-          </a:extLst>
-        </p:spPr>
-        <p:txBody>
-          <a:bodyPr/>
-          <a:lstStyle/>
-          <a:p>
-            <a:fld id="{86CB4B4D-7CA3-9044-876B-883B54F8677D}" type="slidenum">
-              <a:t>16</a:t>
-            </a:fld>
-            <a:endParaRPr/>
-          </a:p>
-        </p:txBody>
-      </p:sp>
     </p:spTree>
   </p:cSld>
   <p:clrMapOvr>
@@ -9755,11 +12675,17 @@
         <p:nvGraphicFramePr>
           <p:cNvPr id="268" name="Table 268"/>
           <p:cNvGraphicFramePr/>
-          <p:nvPr/>
+          <p:nvPr>
+            <p:extLst>
+              <p:ext uri="{D42A27DB-BD31-4B8C-83A1-F6EECF244321}">
+                <p14:modId xmlns:p14="http://schemas.microsoft.com/office/powerpoint/2010/main" val="2697190057"/>
+              </p:ext>
+            </p:extLst>
+          </p:nvPr>
         </p:nvGraphicFramePr>
         <p:xfrm>
-          <a:off x="980810" y="2950465"/>
-          <a:ext cx="11043177" cy="5590572"/>
+          <a:off x="4645028" y="4805463"/>
+          <a:ext cx="7378959" cy="3735573"/>
         </p:xfrm>
         <a:graphic>
           <a:graphicData uri="http://schemas.openxmlformats.org/drawingml/2006/table">
@@ -9768,21 +12694,21 @@
                 <a:tableStyleId>{4C3C2611-4C71-4FC5-86AE-919BDF0F9419}</a:tableStyleId>
               </a:tblPr>
               <a:tblGrid>
-                <a:gridCol w="3681059">
+                <a:gridCol w="2459653">
                   <a:extLst>
                     <a:ext uri="{9D8B030D-6E8A-4147-A177-3AD203B41FA5}">
                       <a16:colId xmlns:a16="http://schemas.microsoft.com/office/drawing/2014/main" val="20000"/>
                     </a:ext>
                   </a:extLst>
                 </a:gridCol>
-                <a:gridCol w="3681059">
+                <a:gridCol w="2459653">
                   <a:extLst>
                     <a:ext uri="{9D8B030D-6E8A-4147-A177-3AD203B41FA5}">
                       <a16:colId xmlns:a16="http://schemas.microsoft.com/office/drawing/2014/main" val="20001"/>
                     </a:ext>
                   </a:extLst>
                 </a:gridCol>
-                <a:gridCol w="3681059">
+                <a:gridCol w="2459653">
                   <a:extLst>
                     <a:ext uri="{9D8B030D-6E8A-4147-A177-3AD203B41FA5}">
                       <a16:colId xmlns:a16="http://schemas.microsoft.com/office/drawing/2014/main" val="20002"/>
@@ -9790,7 +12716,7 @@
                   </a:extLst>
                 </a:gridCol>
               </a:tblGrid>
-              <a:tr h="1863524">
+              <a:tr h="1245191">
                 <a:tc>
                   <a:txBody>
                     <a:bodyPr/>
@@ -9807,7 +12733,7 @@
                         </a:defRPr>
                       </a:pPr>
                       <a:r>
-                        <a:rPr sz="3000">
+                        <a:rPr sz="2000" dirty="0" err="1">
                           <a:solidFill>
                             <a:srgbClr val="F6F4EF"/>
                           </a:solidFill>
@@ -9821,9 +12747,21 @@
                         </a:rPr>
                         <a:t>Dispositivo</a:t>
                       </a:r>
+                      <a:endParaRPr sz="2000" dirty="0">
+                        <a:solidFill>
+                          <a:srgbClr val="F6F4EF"/>
+                        </a:solidFill>
+                        <a:effectLst>
+                          <a:outerShdw blurRad="25400" dist="12700" dir="5400000" rotWithShape="0">
+                            <a:srgbClr val="000000">
+                              <a:alpha val="50000"/>
+                            </a:srgbClr>
+                          </a:outerShdw>
+                        </a:effectLst>
+                      </a:endParaRPr>
                     </a:p>
                   </a:txBody>
-                  <a:tcPr marL="50800" marR="50800" marT="50800" marB="50800" anchor="ctr" horzOverflow="overflow">
+                  <a:tcPr marL="33944" marR="33944" marT="33944" marB="33944" anchor="ctr" horzOverflow="overflow">
                     <a:lnL w="12700">
                       <a:solidFill>
                         <a:srgbClr val="7695B6"/>
@@ -9853,7 +12791,7 @@
                         </a:defRPr>
                       </a:pPr>
                       <a:r>
-                        <a:rPr sz="3000">
+                        <a:rPr sz="2000">
                           <a:solidFill>
                             <a:srgbClr val="F6F4EF"/>
                           </a:solidFill>
@@ -9869,7 +12807,7 @@
                       </a:r>
                     </a:p>
                   </a:txBody>
-                  <a:tcPr marL="50800" marR="50800" marT="50800" marB="50800" anchor="ctr" horzOverflow="overflow">
+                  <a:tcPr marL="33944" marR="33944" marT="33944" marB="33944" anchor="ctr" horzOverflow="overflow">
                     <a:blipFill rotWithShape="1">
                       <a:blip r:embed="rId3"/>
                       <a:srcRect/>
@@ -9893,7 +12831,7 @@
                         </a:defRPr>
                       </a:pPr>
                       <a:r>
-                        <a:rPr sz="3000">
+                        <a:rPr sz="2000">
                           <a:solidFill>
                             <a:srgbClr val="F6F4EF"/>
                           </a:solidFill>
@@ -9909,7 +12847,7 @@
                       </a:r>
                     </a:p>
                   </a:txBody>
-                  <a:tcPr marL="50800" marR="50800" marT="50800" marB="50800" anchor="ctr" horzOverflow="overflow">
+                  <a:tcPr marL="33944" marR="33944" marT="33944" marB="33944" anchor="ctr" horzOverflow="overflow">
                     <a:lnR w="12700">
                       <a:solidFill>
                         <a:srgbClr val="7695B6"/>
@@ -9929,7 +12867,7 @@
                   </a:ext>
                 </a:extLst>
               </a:tr>
-              <a:tr h="1863524">
+              <a:tr h="1245191">
                 <a:tc>
                   <a:txBody>
                     <a:bodyPr/>
@@ -9943,7 +12881,7 @@
                         </a:defRPr>
                       </a:pPr>
                       <a:r>
-                        <a:rPr sz="3000">
+                        <a:rPr sz="2000">
                           <a:solidFill>
                             <a:srgbClr val="6D6A67"/>
                           </a:solidFill>
@@ -9957,7 +12895,7 @@
                       </a:r>
                     </a:p>
                   </a:txBody>
-                  <a:tcPr marL="50800" marR="50800" marT="50800" marB="50800" anchor="ctr" horzOverflow="overflow"/>
+                  <a:tcPr marL="33944" marR="33944" marT="33944" marB="33944" anchor="ctr" horzOverflow="overflow"/>
                 </a:tc>
                 <a:tc>
                   <a:txBody>
@@ -9972,7 +12910,7 @@
                         </a:defRPr>
                       </a:pPr>
                       <a:r>
-                        <a:rPr sz="3000">
+                        <a:rPr sz="2000">
                           <a:solidFill>
                             <a:srgbClr val="6D6A67"/>
                           </a:solidFill>
@@ -9986,7 +12924,7 @@
                       </a:r>
                     </a:p>
                   </a:txBody>
-                  <a:tcPr marL="50800" marR="50800" marT="50800" marB="50800" anchor="ctr" horzOverflow="overflow"/>
+                  <a:tcPr marL="33944" marR="33944" marT="33944" marB="33944" anchor="ctr" horzOverflow="overflow"/>
                 </a:tc>
                 <a:tc>
                   <a:txBody>
@@ -10001,7 +12939,7 @@
                         </a:defRPr>
                       </a:pPr>
                       <a:r>
-                        <a:rPr sz="3000">
+                        <a:rPr sz="2000">
                           <a:solidFill>
                             <a:srgbClr val="6D6A67"/>
                           </a:solidFill>
@@ -10015,7 +12953,7 @@
                       </a:r>
                     </a:p>
                   </a:txBody>
-                  <a:tcPr marL="50800" marR="50800" marT="50800" marB="50800" anchor="ctr" horzOverflow="overflow"/>
+                  <a:tcPr marL="33944" marR="33944" marT="33944" marB="33944" anchor="ctr" horzOverflow="overflow"/>
                 </a:tc>
                 <a:extLst>
                   <a:ext uri="{0D108BD9-81ED-4DB2-BD59-A6C34878D82A}">
@@ -10023,7 +12961,7 @@
                   </a:ext>
                 </a:extLst>
               </a:tr>
-              <a:tr h="1863524">
+              <a:tr h="1245191">
                 <a:tc>
                   <a:txBody>
                     <a:bodyPr/>
@@ -10037,7 +12975,7 @@
                         </a:defRPr>
                       </a:pPr>
                       <a:r>
-                        <a:rPr sz="3000">
+                        <a:rPr sz="2000">
                           <a:solidFill>
                             <a:srgbClr val="6D6A67"/>
                           </a:solidFill>
@@ -10051,7 +12989,7 @@
                       </a:r>
                     </a:p>
                   </a:txBody>
-                  <a:tcPr marL="50800" marR="50800" marT="50800" marB="50800" anchor="ctr" horzOverflow="overflow"/>
+                  <a:tcPr marL="33944" marR="33944" marT="33944" marB="33944" anchor="ctr" horzOverflow="overflow"/>
                 </a:tc>
                 <a:tc>
                   <a:txBody>
@@ -10066,7 +13004,7 @@
                         </a:defRPr>
                       </a:pPr>
                       <a:r>
-                        <a:rPr sz="3000">
+                        <a:rPr sz="2000">
                           <a:solidFill>
                             <a:srgbClr val="6D6A67"/>
                           </a:solidFill>
@@ -10080,7 +13018,7 @@
                       </a:r>
                     </a:p>
                   </a:txBody>
-                  <a:tcPr marL="50800" marR="50800" marT="50800" marB="50800" anchor="ctr" horzOverflow="overflow"/>
+                  <a:tcPr marL="33944" marR="33944" marT="33944" marB="33944" anchor="ctr" horzOverflow="overflow"/>
                 </a:tc>
                 <a:tc>
                   <a:txBody>
@@ -10095,7 +13033,7 @@
                         </a:defRPr>
                       </a:pPr>
                       <a:r>
-                        <a:rPr sz="3000">
+                        <a:rPr sz="2000" dirty="0">
                           <a:solidFill>
                             <a:srgbClr val="6D6A67"/>
                           </a:solidFill>
@@ -10109,7 +13047,7 @@
                       </a:r>
                     </a:p>
                   </a:txBody>
-                  <a:tcPr marL="50800" marR="50800" marT="50800" marB="50800" anchor="ctr" horzOverflow="overflow"/>
+                  <a:tcPr marL="33944" marR="33944" marT="33944" marB="33944" anchor="ctr" horzOverflow="overflow"/>
                 </a:tc>
                 <a:extLst>
                   <a:ext uri="{0D108BD9-81ED-4DB2-BD59-A6C34878D82A}">
@@ -10137,7 +13075,7 @@
           </a:prstGeom>
           <a:extLst>
             <a:ext uri="{C572A759-6A51-4108-AA02-DFA0A04FC94B}">
-              <ma14:wrappingTextBoxFlag xmlns:ma14="http://schemas.microsoft.com/office/mac/drawingml/2011/main" xmlns="" val="1"/>
+              <ma14:wrappingTextBoxFlag xmlns="" xmlns:ma14="http://schemas.microsoft.com/office/mac/drawingml/2011/main" val="1"/>
             </a:ext>
           </a:extLst>
         </p:spPr>
@@ -10716,7 +13654,7 @@
           </a:prstGeom>
           <a:extLst>
             <a:ext uri="{C572A759-6A51-4108-AA02-DFA0A04FC94B}">
-              <ma14:wrappingTextBoxFlag xmlns:ma14="http://schemas.microsoft.com/office/mac/drawingml/2011/main" xmlns="" val="1"/>
+              <ma14:wrappingTextBoxFlag xmlns="" xmlns:ma14="http://schemas.microsoft.com/office/mac/drawingml/2011/main" val="1"/>
             </a:ext>
           </a:extLst>
         </p:spPr>
@@ -10750,7 +13688,7 @@
           </a:ln>
           <a:extLst>
             <a:ext uri="{C572A759-6A51-4108-AA02-DFA0A04FC94B}">
-              <ma14:wrappingTextBoxFlag xmlns:ma14="http://schemas.microsoft.com/office/mac/drawingml/2011/main" xmlns="" val="1"/>
+              <ma14:wrappingTextBoxFlag xmlns="" xmlns:ma14="http://schemas.microsoft.com/office/mac/drawingml/2011/main" val="1"/>
             </a:ext>
           </a:extLst>
         </p:spPr>
@@ -10888,7 +13826,7 @@
                         </a:defRPr>
                       </a:pPr>
                       <a:r>
-                        <a:rPr sz="3000">
+                        <a:rPr sz="3000" dirty="0" err="1">
                           <a:solidFill>
                             <a:srgbClr val="F6F4EF"/>
                           </a:solidFill>
@@ -10902,6 +13840,18 @@
                         </a:rPr>
                         <a:t>Dispositivo</a:t>
                       </a:r>
+                      <a:endParaRPr sz="3000" dirty="0">
+                        <a:solidFill>
+                          <a:srgbClr val="F6F4EF"/>
+                        </a:solidFill>
+                        <a:effectLst>
+                          <a:outerShdw blurRad="25400" dist="12700" dir="5400000" rotWithShape="0">
+                            <a:srgbClr val="000000">
+                              <a:alpha val="50000"/>
+                            </a:srgbClr>
+                          </a:outerShdw>
+                        </a:effectLst>
+                      </a:endParaRPr>
                     </a:p>
                   </a:txBody>
                   <a:tcPr marL="50800" marR="50800" marT="50800" marB="50800" anchor="ctr" horzOverflow="overflow">
@@ -11078,7 +14028,7 @@
                         </a:defRPr>
                       </a:pPr>
                       <a:r>
-                        <a:rPr sz="3000">
+                        <a:rPr sz="3000" dirty="0">
                           <a:solidFill>
                             <a:srgbClr val="6D6A67"/>
                           </a:solidFill>
@@ -11120,7 +14070,7 @@
           </a:prstGeom>
           <a:extLst>
             <a:ext uri="{C572A759-6A51-4108-AA02-DFA0A04FC94B}">
-              <ma14:wrappingTextBoxFlag xmlns:ma14="http://schemas.microsoft.com/office/mac/drawingml/2011/main" xmlns="" val="1"/>
+              <ma14:wrappingTextBoxFlag xmlns="" xmlns:ma14="http://schemas.microsoft.com/office/mac/drawingml/2011/main" val="1"/>
             </a:ext>
           </a:extLst>
         </p:spPr>
@@ -11304,7 +14254,7 @@
           </a:prstGeom>
           <a:extLst>
             <a:ext uri="{C572A759-6A51-4108-AA02-DFA0A04FC94B}">
-              <ma14:wrappingTextBoxFlag xmlns:ma14="http://schemas.microsoft.com/office/mac/drawingml/2011/main" xmlns="" val="1"/>
+              <ma14:wrappingTextBoxFlag xmlns="" xmlns:ma14="http://schemas.microsoft.com/office/mac/drawingml/2011/main" val="1"/>
             </a:ext>
           </a:extLst>
         </p:spPr>
@@ -11918,7 +14868,7 @@
           </a:prstGeom>
           <a:extLst>
             <a:ext uri="{C572A759-6A51-4108-AA02-DFA0A04FC94B}">
-              <ma14:wrappingTextBoxFlag xmlns:ma14="http://schemas.microsoft.com/office/mac/drawingml/2011/main" xmlns="" val="1"/>
+              <ma14:wrappingTextBoxFlag xmlns="" xmlns:ma14="http://schemas.microsoft.com/office/mac/drawingml/2011/main" val="1"/>
             </a:ext>
           </a:extLst>
         </p:spPr>
@@ -11952,7 +14902,7 @@
           </a:ln>
           <a:extLst>
             <a:ext uri="{C572A759-6A51-4108-AA02-DFA0A04FC94B}">
-              <ma14:wrappingTextBoxFlag xmlns:ma14="http://schemas.microsoft.com/office/mac/drawingml/2011/main" xmlns="" val="1"/>
+              <ma14:wrappingTextBoxFlag xmlns="" xmlns:ma14="http://schemas.microsoft.com/office/mac/drawingml/2011/main" val="1"/>
             </a:ext>
           </a:extLst>
         </p:spPr>
@@ -11980,7 +14930,7 @@
         </p:nvSpPr>
         <p:spPr>
           <a:xfrm>
-            <a:off x="2123306" y="7899317"/>
+            <a:off x="2123306" y="7721517"/>
             <a:ext cx="8758188" cy="1092366"/>
           </a:xfrm>
           <a:prstGeom prst="rect">
@@ -11991,7 +14941,7 @@
           </a:ln>
           <a:extLst>
             <a:ext uri="{C572A759-6A51-4108-AA02-DFA0A04FC94B}">
-              <ma14:wrappingTextBoxFlag xmlns:ma14="http://schemas.microsoft.com/office/mac/drawingml/2011/main" xmlns="" val="1"/>
+              <ma14:wrappingTextBoxFlag xmlns="" xmlns:ma14="http://schemas.microsoft.com/office/mac/drawingml/2011/main" val="1"/>
             </a:ext>
           </a:extLst>
         </p:spPr>
@@ -12190,7 +15140,7 @@
           </a:prstGeom>
           <a:extLst>
             <a:ext uri="{C572A759-6A51-4108-AA02-DFA0A04FC94B}">
-              <ma14:wrappingTextBoxFlag xmlns:ma14="http://schemas.microsoft.com/office/mac/drawingml/2011/main" xmlns="" val="1"/>
+              <ma14:wrappingTextBoxFlag xmlns="" xmlns:ma14="http://schemas.microsoft.com/office/mac/drawingml/2011/main" val="1"/>
             </a:ext>
           </a:extLst>
         </p:spPr>
@@ -12312,7 +15262,7 @@
           </a:prstGeom>
           <a:extLst>
             <a:ext uri="{C572A759-6A51-4108-AA02-DFA0A04FC94B}">
-              <ma14:wrappingTextBoxFlag xmlns:ma14="http://schemas.microsoft.com/office/mac/drawingml/2011/main" xmlns="" val="1"/>
+              <ma14:wrappingTextBoxFlag xmlns="" xmlns:ma14="http://schemas.microsoft.com/office/mac/drawingml/2011/main" val="1"/>
             </a:ext>
           </a:extLst>
         </p:spPr>
@@ -12418,7 +15368,7 @@
           <p:nvPr/>
         </p:nvPicPr>
         <p:blipFill>
-          <a:blip r:embed="rId2">
+          <a:blip r:embed="rId3">
             <a:extLst>
               <a:ext uri="{28A0092B-C50C-407E-A947-70E740481C1C}">
                 <a14:useLocalDpi xmlns:a14="http://schemas.microsoft.com/office/drawing/2010/main" val="0"/>
@@ -12515,7 +15465,7 @@
           </a:prstGeom>
           <a:extLst>
             <a:ext uri="{C572A759-6A51-4108-AA02-DFA0A04FC94B}">
-              <ma14:wrappingTextBoxFlag xmlns:ma14="http://schemas.microsoft.com/office/mac/drawingml/2011/main" xmlns="" val="1"/>
+              <ma14:wrappingTextBoxFlag xmlns="" xmlns:ma14="http://schemas.microsoft.com/office/mac/drawingml/2011/main" val="1"/>
             </a:ext>
           </a:extLst>
         </p:spPr>
@@ -12630,15 +15580,7 @@
               <a:srgbClr val="969696"/>
             </a:contourClr>
           </a:sp3d>
-          <a:extLst>
-            <a:ext uri="{909E8E84-426E-40DD-AFC4-6F175D3DCCD1}">
-              <a14:hiddenFill xmlns:a14="http://schemas.microsoft.com/office/drawing/2010/main">
-                <a:solidFill>
-                  <a:srgbClr val="FFFFFF"/>
-                </a:solidFill>
-              </a14:hiddenFill>
-            </a:ext>
-          </a:extLst>
+          <a:extLst/>
         </p:spPr>
       </p:pic>
     </p:spTree>
@@ -12757,7 +15699,7 @@
           </a:prstGeom>
           <a:extLst>
             <a:ext uri="{C572A759-6A51-4108-AA02-DFA0A04FC94B}">
-              <ma14:wrappingTextBoxFlag xmlns:ma14="http://schemas.microsoft.com/office/mac/drawingml/2011/main" xmlns="" val="1"/>
+              <ma14:wrappingTextBoxFlag xmlns="" xmlns:ma14="http://schemas.microsoft.com/office/mac/drawingml/2011/main" val="1"/>
             </a:ext>
           </a:extLst>
         </p:spPr>
@@ -12843,7 +15785,7 @@
           </a:prstGeom>
           <a:extLst>
             <a:ext uri="{C572A759-6A51-4108-AA02-DFA0A04FC94B}">
-              <ma14:wrappingTextBoxFlag xmlns:ma14="http://schemas.microsoft.com/office/mac/drawingml/2011/main" xmlns="" val="1"/>
+              <ma14:wrappingTextBoxFlag xmlns="" xmlns:ma14="http://schemas.microsoft.com/office/mac/drawingml/2011/main" val="1"/>
             </a:ext>
           </a:extLst>
         </p:spPr>
@@ -12898,6 +15840,79 @@
           </a:effectLst>
         </p:spPr>
       </p:pic>
+      <p:sp>
+        <p:nvSpPr>
+          <p:cNvPr id="3" name="Rectángulo 2"/>
+          <p:cNvSpPr/>
+          <p:nvPr/>
+        </p:nvSpPr>
+        <p:spPr>
+          <a:xfrm>
+            <a:off x="9649838" y="3365770"/>
+            <a:ext cx="505839" cy="486383"/>
+          </a:xfrm>
+          <a:prstGeom prst="rect">
+            <a:avLst/>
+          </a:prstGeom>
+          <a:noFill/>
+          <a:ln w="12700" cap="flat">
+            <a:noFill/>
+            <a:miter lim="400000"/>
+          </a:ln>
+          <a:effectLst/>
+          <a:sp3d/>
+        </p:spPr>
+        <p:style>
+          <a:lnRef idx="0">
+            <a:scrgbClr r="0" g="0" b="0"/>
+          </a:lnRef>
+          <a:fillRef idx="0">
+            <a:scrgbClr r="0" g="0" b="0"/>
+          </a:fillRef>
+          <a:effectRef idx="0">
+            <a:scrgbClr r="0" g="0" b="0"/>
+          </a:effectRef>
+          <a:fontRef idx="none"/>
+        </p:style>
+        <p:txBody>
+          <a:bodyPr rot="0" spcFirstLastPara="1" vertOverflow="overflow" horzOverflow="overflow" vert="horz" wrap="square" lIns="50800" tIns="50800" rIns="50800" bIns="50800" numCol="1" spcCol="38100" rtlCol="0" anchor="ctr">
+            <a:spAutoFit/>
+          </a:bodyPr>
+          <a:lstStyle/>
+          <a:p>
+            <a:pPr marL="0" marR="0" indent="0" algn="ctr" defTabSz="584200" rtl="0" fontAlgn="auto" latinLnBrk="0" hangingPunct="0">
+              <a:lnSpc>
+                <a:spcPct val="100000"/>
+              </a:lnSpc>
+              <a:spcBef>
+                <a:spcPts val="0"/>
+              </a:spcBef>
+              <a:spcAft>
+                <a:spcPts val="0"/>
+              </a:spcAft>
+              <a:buClrTx/>
+              <a:buSzTx/>
+              <a:buFontTx/>
+              <a:buNone/>
+              <a:tabLst/>
+            </a:pPr>
+            <a:endParaRPr kumimoji="0" lang="es-ES" sz="3000" b="0" i="0" u="none" strike="noStrike" cap="none" spc="0" normalizeH="0" baseline="0">
+              <a:ln>
+                <a:noFill/>
+              </a:ln>
+              <a:solidFill>
+                <a:srgbClr val="FFFFFF"/>
+              </a:solidFill>
+              <a:effectLst/>
+              <a:uFillTx/>
+              <a:latin typeface="Palatino"/>
+              <a:ea typeface="Palatino"/>
+              <a:cs typeface="Palatino"/>
+              <a:sym typeface="Palatino"/>
+            </a:endParaRPr>
+          </a:p>
+        </p:txBody>
+      </p:sp>
     </p:spTree>
   </p:cSld>
   <p:clrMapOvr>
@@ -12975,8 +15990,10 @@
               <a:defRPr sz="2584"/>
             </a:pPr>
             <a:r>
+              <a:rPr dirty="0"/>
               <a:t>API Telegram</a:t>
             </a:r>
+            <a:endParaRPr lang="es-ES" dirty="0"/>
           </a:p>
           <a:p>
             <a:pPr marL="345440" indent="-345440" defTabSz="397256">
@@ -12986,8 +16003,10 @@
               <a:defRPr sz="2584"/>
             </a:pPr>
             <a:r>
-              <a:t>Máquina de Estados</a:t>
-            </a:r>
+              <a:rPr lang="es-ES" dirty="0"/>
+              <a:t>Usuarios</a:t>
+            </a:r>
+            <a:endParaRPr dirty="0"/>
           </a:p>
           <a:p>
             <a:pPr marL="345440" indent="-345440" defTabSz="397256">
@@ -12997,8 +16016,18 @@
               <a:defRPr sz="2584"/>
             </a:pPr>
             <a:r>
-              <a:t>Usuarios</a:t>
-            </a:r>
+              <a:rPr dirty="0" err="1"/>
+              <a:t>Máquina</a:t>
+            </a:r>
+            <a:r>
+              <a:rPr dirty="0"/>
+              <a:t> de </a:t>
+            </a:r>
+            <a:r>
+              <a:rPr dirty="0" err="1"/>
+              <a:t>Estados</a:t>
+            </a:r>
+            <a:endParaRPr dirty="0"/>
           </a:p>
           <a:p>
             <a:pPr marL="345440" indent="-345440" defTabSz="397256">
@@ -13008,8 +16037,14 @@
               <a:defRPr sz="2584"/>
             </a:pPr>
             <a:r>
-              <a:t>Control de Presencia</a:t>
-            </a:r>
+              <a:rPr dirty="0"/>
+              <a:t>Control de </a:t>
+            </a:r>
+            <a:r>
+              <a:rPr dirty="0" err="1"/>
+              <a:t>Presencia</a:t>
+            </a:r>
+            <a:endParaRPr dirty="0"/>
           </a:p>
           <a:p>
             <a:pPr marL="345440" indent="-345440" defTabSz="397256">
@@ -13019,8 +16054,18 @@
               <a:defRPr sz="2584"/>
             </a:pPr>
             <a:r>
-              <a:t>Portero Automático</a:t>
-            </a:r>
+              <a:rPr dirty="0" err="1"/>
+              <a:t>Portero</a:t>
+            </a:r>
+            <a:r>
+              <a:rPr dirty="0"/>
+              <a:t> </a:t>
+            </a:r>
+            <a:r>
+              <a:rPr dirty="0" err="1"/>
+              <a:t>Automático</a:t>
+            </a:r>
+            <a:endParaRPr dirty="0"/>
           </a:p>
           <a:p>
             <a:pPr marL="345440" indent="-345440" defTabSz="397256">
@@ -13030,8 +16075,18 @@
               <a:defRPr sz="2584"/>
             </a:pPr>
             <a:r>
-              <a:t>Sensores y Actuadores</a:t>
-            </a:r>
+              <a:rPr dirty="0" err="1"/>
+              <a:t>Sensores</a:t>
+            </a:r>
+            <a:r>
+              <a:rPr dirty="0"/>
+              <a:t> y </a:t>
+            </a:r>
+            <a:r>
+              <a:rPr dirty="0" err="1"/>
+              <a:t>Actuadores</a:t>
+            </a:r>
+            <a:endParaRPr dirty="0"/>
           </a:p>
           <a:p>
             <a:pPr marL="345440" indent="-345440" defTabSz="397256">
@@ -13041,8 +16096,10 @@
               <a:defRPr sz="2584"/>
             </a:pPr>
             <a:r>
-              <a:t>Temperatura</a:t>
-            </a:r>
+              <a:rPr lang="es-ES" dirty="0"/>
+              <a:t>Meteorología</a:t>
+            </a:r>
+            <a:endParaRPr dirty="0"/>
           </a:p>
           <a:p>
             <a:pPr marL="345440" indent="-345440" defTabSz="397256">
@@ -13052,8 +16109,10 @@
               <a:defRPr sz="2584"/>
             </a:pPr>
             <a:r>
+              <a:rPr dirty="0" err="1"/>
               <a:t>Alarma</a:t>
             </a:r>
+            <a:endParaRPr dirty="0"/>
           </a:p>
           <a:p>
             <a:pPr marL="345440" indent="-345440" defTabSz="397256">
@@ -13063,8 +16122,18 @@
               <a:defRPr sz="2584"/>
             </a:pPr>
             <a:r>
-              <a:t>Almacenamiento de Opciones</a:t>
-            </a:r>
+              <a:rPr dirty="0" err="1"/>
+              <a:t>Almacenamiento</a:t>
+            </a:r>
+            <a:r>
+              <a:rPr dirty="0"/>
+              <a:t> de </a:t>
+            </a:r>
+            <a:r>
+              <a:rPr dirty="0" err="1"/>
+              <a:t>Opciones</a:t>
+            </a:r>
+            <a:endParaRPr dirty="0"/>
           </a:p>
         </p:txBody>
       </p:sp>
@@ -13088,7 +16157,7 @@
           </a:prstGeom>
           <a:extLst>
             <a:ext uri="{C572A759-6A51-4108-AA02-DFA0A04FC94B}">
-              <ma14:wrappingTextBoxFlag xmlns:ma14="http://schemas.microsoft.com/office/mac/drawingml/2011/main" xmlns="" val="1"/>
+              <ma14:wrappingTextBoxFlag xmlns="" xmlns:ma14="http://schemas.microsoft.com/office/mac/drawingml/2011/main" val="1"/>
             </a:ext>
           </a:extLst>
         </p:spPr>
@@ -13223,7 +16292,7 @@
           </a:prstGeom>
           <a:extLst>
             <a:ext uri="{C572A759-6A51-4108-AA02-DFA0A04FC94B}">
-              <ma14:wrappingTextBoxFlag xmlns:ma14="http://schemas.microsoft.com/office/mac/drawingml/2011/main" xmlns="" val="1"/>
+              <ma14:wrappingTextBoxFlag xmlns="" xmlns:ma14="http://schemas.microsoft.com/office/mac/drawingml/2011/main" val="1"/>
             </a:ext>
           </a:extLst>
         </p:spPr>
@@ -13411,7 +16480,7 @@
           </a:prstGeom>
           <a:extLst>
             <a:ext uri="{C572A759-6A51-4108-AA02-DFA0A04FC94B}">
-              <ma14:wrappingTextBoxFlag xmlns:ma14="http://schemas.microsoft.com/office/mac/drawingml/2011/main" xmlns="" val="1"/>
+              <ma14:wrappingTextBoxFlag xmlns="" xmlns:ma14="http://schemas.microsoft.com/office/mac/drawingml/2011/main" val="1"/>
             </a:ext>
           </a:extLst>
         </p:spPr>
@@ -13509,7 +16578,7 @@
       </p:grpSpPr>
       <p:sp>
         <p:nvSpPr>
-          <p:cNvPr id="200" name="Shape 200"/>
+          <p:cNvPr id="207" name="Shape 207"/>
           <p:cNvSpPr>
             <a:spLocks noGrp="1"/>
           </p:cNvSpPr>
@@ -13527,14 +16596,14 @@
           <a:lstStyle/>
           <a:p>
             <a:r>
-              <a:t>Máquina de estados</a:t>
+              <a:t>Usuarios</a:t>
             </a:r>
           </a:p>
         </p:txBody>
       </p:sp>
       <p:sp>
         <p:nvSpPr>
-          <p:cNvPr id="203" name="Shape 203"/>
+          <p:cNvPr id="209" name="Shape 209"/>
           <p:cNvSpPr>
             <a:spLocks noGrp="1"/>
           </p:cNvSpPr>
@@ -13548,7 +16617,7 @@
           </a:prstGeom>
           <a:extLst>
             <a:ext uri="{C572A759-6A51-4108-AA02-DFA0A04FC94B}">
-              <ma14:wrappingTextBoxFlag xmlns:ma14="http://schemas.microsoft.com/office/mac/drawingml/2011/main" xmlns="" val="1"/>
+              <ma14:wrappingTextBoxFlag xmlns="" xmlns:ma14="http://schemas.microsoft.com/office/mac/drawingml/2011/main" val="1"/>
             </a:ext>
           </a:extLst>
         </p:spPr>
@@ -13571,7 +16640,7 @@
           </p:cNvPicPr>
           <p:nvPr/>
         </p:nvPicPr>
-        <p:blipFill rotWithShape="1">
+        <p:blipFill>
           <a:blip r:embed="rId3">
             <a:extLst>
               <a:ext uri="{28A0092B-C50C-407E-A947-70E740481C1C}">
@@ -13579,13 +16648,14 @@
               </a:ext>
             </a:extLst>
           </a:blip>
-          <a:srcRect l="18627" t="8090" r="15818" b="40962"/>
-          <a:stretch/>
+          <a:stretch>
+            <a:fillRect/>
+          </a:stretch>
         </p:blipFill>
         <p:spPr>
           <a:xfrm>
-            <a:off x="505906" y="2167003"/>
-            <a:ext cx="11992988" cy="6176375"/>
+            <a:off x="977900" y="1765300"/>
+            <a:ext cx="11049000" cy="7810500"/>
           </a:xfrm>
           <a:prstGeom prst="rect">
             <a:avLst/>

--- a/files/docs/TFM.pptx
+++ b/files/docs/TFM.pptx
@@ -2900,17 +2900,13 @@
             </a:r>
             <a:r>
               <a:rPr lang="es-ES" baseline="0" dirty="0"/>
-              <a:t> la presentación y quedo a disposición del </a:t>
-            </a:r>
-            <a:r>
-              <a:rPr lang="es-ES" baseline="0" dirty="0" err="1"/>
-              <a:t>tirbunal</a:t>
-            </a:r>
-            <a:r>
-              <a:rPr lang="es-ES" baseline="0" dirty="0"/>
-              <a:t> para enseñar mi demostración y resolver preguntas</a:t>
-            </a:r>
-            <a:endParaRPr lang="es-ES" dirty="0"/>
+              <a:t> mi </a:t>
+            </a:r>
+            <a:r>
+              <a:rPr lang="es-ES" baseline="0"/>
+              <a:t>presentació</a:t>
+            </a:r>
+            <a:endParaRPr lang="es-ES"/>
           </a:p>
         </p:txBody>
       </p:sp>
@@ -3426,7 +3422,6 @@
               <a:rPr lang="es-ES" dirty="0"/>
               <a:t>Otra de las razones que han sido fundamentales en este auge es la miniaturización de tecnología, que nos permite tener un dispositivo “Inteligente” en cualquier parte que nosotros imaginemos. como pueden ser los microordenadores.</a:t>
             </a:r>
-            <a:endParaRPr lang="es-ES" dirty="0"/>
           </a:p>
           <a:p>
             <a:endParaRPr dirty="0"/>
@@ -8146,7 +8141,7 @@
           </a:ln>
           <a:extLst>
             <a:ext uri="{C572A759-6A51-4108-AA02-DFA0A04FC94B}">
-              <ma14:wrappingTextBoxFlag xmlns="" xmlns:ma14="http://schemas.microsoft.com/office/mac/drawingml/2011/main" val="1"/>
+              <ma14:wrappingTextBoxFlag xmlns:ma14="http://schemas.microsoft.com/office/mac/drawingml/2011/main" xmlns="" val="1"/>
             </a:ext>
           </a:extLst>
         </p:spPr>
@@ -8185,7 +8180,7 @@
           </a:ln>
           <a:extLst>
             <a:ext uri="{C572A759-6A51-4108-AA02-DFA0A04FC94B}">
-              <ma14:wrappingTextBoxFlag xmlns="" xmlns:ma14="http://schemas.microsoft.com/office/mac/drawingml/2011/main" val="1"/>
+              <ma14:wrappingTextBoxFlag xmlns:ma14="http://schemas.microsoft.com/office/mac/drawingml/2011/main" xmlns="" val="1"/>
             </a:ext>
           </a:extLst>
         </p:spPr>
@@ -9336,7 +9331,7 @@
           </a:prstGeom>
           <a:extLst>
             <a:ext uri="{C572A759-6A51-4108-AA02-DFA0A04FC94B}">
-              <ma14:wrappingTextBoxFlag xmlns="" xmlns:ma14="http://schemas.microsoft.com/office/mac/drawingml/2011/main" val="1"/>
+              <ma14:wrappingTextBoxFlag xmlns:ma14="http://schemas.microsoft.com/office/mac/drawingml/2011/main" xmlns="" val="1"/>
             </a:ext>
           </a:extLst>
         </p:spPr>
@@ -9378,7 +9373,7 @@
           </a:ln>
           <a:extLst>
             <a:ext uri="{C572A759-6A51-4108-AA02-DFA0A04FC94B}">
-              <ma14:wrappingTextBoxFlag xmlns="" xmlns:ma14="http://schemas.microsoft.com/office/mac/drawingml/2011/main" val="1"/>
+              <ma14:wrappingTextBoxFlag xmlns:ma14="http://schemas.microsoft.com/office/mac/drawingml/2011/main" xmlns="" val="1"/>
             </a:ext>
           </a:extLst>
         </p:spPr>
@@ -9476,7 +9471,7 @@
           </a:prstGeom>
           <a:extLst>
             <a:ext uri="{C572A759-6A51-4108-AA02-DFA0A04FC94B}">
-              <ma14:wrappingTextBoxFlag xmlns="" xmlns:ma14="http://schemas.microsoft.com/office/mac/drawingml/2011/main" val="1"/>
+              <ma14:wrappingTextBoxFlag xmlns:ma14="http://schemas.microsoft.com/office/mac/drawingml/2011/main" xmlns="" val="1"/>
             </a:ext>
           </a:extLst>
         </p:spPr>
@@ -9597,7 +9592,7 @@
           </a:prstGeom>
           <a:extLst>
             <a:ext uri="{C572A759-6A51-4108-AA02-DFA0A04FC94B}">
-              <ma14:wrappingTextBoxFlag xmlns="" xmlns:ma14="http://schemas.microsoft.com/office/mac/drawingml/2011/main" val="1"/>
+              <ma14:wrappingTextBoxFlag xmlns:ma14="http://schemas.microsoft.com/office/mac/drawingml/2011/main" xmlns="" val="1"/>
             </a:ext>
           </a:extLst>
         </p:spPr>
@@ -9719,7 +9714,7 @@
           </a:prstGeom>
           <a:extLst>
             <a:ext uri="{C572A759-6A51-4108-AA02-DFA0A04FC94B}">
-              <ma14:wrappingTextBoxFlag xmlns="" xmlns:ma14="http://schemas.microsoft.com/office/mac/drawingml/2011/main" val="1"/>
+              <ma14:wrappingTextBoxFlag xmlns:ma14="http://schemas.microsoft.com/office/mac/drawingml/2011/main" xmlns="" val="1"/>
             </a:ext>
           </a:extLst>
         </p:spPr>
@@ -9841,7 +9836,7 @@
           </a:prstGeom>
           <a:extLst>
             <a:ext uri="{C572A759-6A51-4108-AA02-DFA0A04FC94B}">
-              <ma14:wrappingTextBoxFlag xmlns="" xmlns:ma14="http://schemas.microsoft.com/office/mac/drawingml/2011/main" val="1"/>
+              <ma14:wrappingTextBoxFlag xmlns:ma14="http://schemas.microsoft.com/office/mac/drawingml/2011/main" xmlns="" val="1"/>
             </a:ext>
           </a:extLst>
         </p:spPr>
@@ -10190,7 +10185,7 @@
           </a:prstGeom>
           <a:extLst>
             <a:ext uri="{C572A759-6A51-4108-AA02-DFA0A04FC94B}">
-              <ma14:wrappingTextBoxFlag xmlns="" xmlns:ma14="http://schemas.microsoft.com/office/mac/drawingml/2011/main" val="1"/>
+              <ma14:wrappingTextBoxFlag xmlns:ma14="http://schemas.microsoft.com/office/mac/drawingml/2011/main" xmlns="" val="1"/>
             </a:ext>
           </a:extLst>
         </p:spPr>
@@ -10560,7 +10555,7 @@
           </a:prstGeom>
           <a:extLst>
             <a:ext uri="{C572A759-6A51-4108-AA02-DFA0A04FC94B}">
-              <ma14:wrappingTextBoxFlag xmlns="" xmlns:ma14="http://schemas.microsoft.com/office/mac/drawingml/2011/main" val="1"/>
+              <ma14:wrappingTextBoxFlag xmlns:ma14="http://schemas.microsoft.com/office/mac/drawingml/2011/main" xmlns="" val="1"/>
             </a:ext>
           </a:extLst>
         </p:spPr>
@@ -11056,7 +11051,7 @@
           </a:prstGeom>
           <a:extLst>
             <a:ext uri="{C572A759-6A51-4108-AA02-DFA0A04FC94B}">
-              <ma14:wrappingTextBoxFlag xmlns="" xmlns:ma14="http://schemas.microsoft.com/office/mac/drawingml/2011/main" val="1"/>
+              <ma14:wrappingTextBoxFlag xmlns:ma14="http://schemas.microsoft.com/office/mac/drawingml/2011/main" xmlns="" val="1"/>
             </a:ext>
           </a:extLst>
         </p:spPr>
@@ -13075,7 +13070,7 @@
           </a:prstGeom>
           <a:extLst>
             <a:ext uri="{C572A759-6A51-4108-AA02-DFA0A04FC94B}">
-              <ma14:wrappingTextBoxFlag xmlns="" xmlns:ma14="http://schemas.microsoft.com/office/mac/drawingml/2011/main" val="1"/>
+              <ma14:wrappingTextBoxFlag xmlns:ma14="http://schemas.microsoft.com/office/mac/drawingml/2011/main" xmlns="" val="1"/>
             </a:ext>
           </a:extLst>
         </p:spPr>
@@ -13654,7 +13649,7 @@
           </a:prstGeom>
           <a:extLst>
             <a:ext uri="{C572A759-6A51-4108-AA02-DFA0A04FC94B}">
-              <ma14:wrappingTextBoxFlag xmlns="" xmlns:ma14="http://schemas.microsoft.com/office/mac/drawingml/2011/main" val="1"/>
+              <ma14:wrappingTextBoxFlag xmlns:ma14="http://schemas.microsoft.com/office/mac/drawingml/2011/main" xmlns="" val="1"/>
             </a:ext>
           </a:extLst>
         </p:spPr>
@@ -13688,7 +13683,7 @@
           </a:ln>
           <a:extLst>
             <a:ext uri="{C572A759-6A51-4108-AA02-DFA0A04FC94B}">
-              <ma14:wrappingTextBoxFlag xmlns="" xmlns:ma14="http://schemas.microsoft.com/office/mac/drawingml/2011/main" val="1"/>
+              <ma14:wrappingTextBoxFlag xmlns:ma14="http://schemas.microsoft.com/office/mac/drawingml/2011/main" xmlns="" val="1"/>
             </a:ext>
           </a:extLst>
         </p:spPr>
@@ -14070,7 +14065,7 @@
           </a:prstGeom>
           <a:extLst>
             <a:ext uri="{C572A759-6A51-4108-AA02-DFA0A04FC94B}">
-              <ma14:wrappingTextBoxFlag xmlns="" xmlns:ma14="http://schemas.microsoft.com/office/mac/drawingml/2011/main" val="1"/>
+              <ma14:wrappingTextBoxFlag xmlns:ma14="http://schemas.microsoft.com/office/mac/drawingml/2011/main" xmlns="" val="1"/>
             </a:ext>
           </a:extLst>
         </p:spPr>
@@ -14254,7 +14249,7 @@
           </a:prstGeom>
           <a:extLst>
             <a:ext uri="{C572A759-6A51-4108-AA02-DFA0A04FC94B}">
-              <ma14:wrappingTextBoxFlag xmlns="" xmlns:ma14="http://schemas.microsoft.com/office/mac/drawingml/2011/main" val="1"/>
+              <ma14:wrappingTextBoxFlag xmlns:ma14="http://schemas.microsoft.com/office/mac/drawingml/2011/main" xmlns="" val="1"/>
             </a:ext>
           </a:extLst>
         </p:spPr>
@@ -14868,7 +14863,7 @@
           </a:prstGeom>
           <a:extLst>
             <a:ext uri="{C572A759-6A51-4108-AA02-DFA0A04FC94B}">
-              <ma14:wrappingTextBoxFlag xmlns="" xmlns:ma14="http://schemas.microsoft.com/office/mac/drawingml/2011/main" val="1"/>
+              <ma14:wrappingTextBoxFlag xmlns:ma14="http://schemas.microsoft.com/office/mac/drawingml/2011/main" xmlns="" val="1"/>
             </a:ext>
           </a:extLst>
         </p:spPr>
@@ -14902,7 +14897,7 @@
           </a:ln>
           <a:extLst>
             <a:ext uri="{C572A759-6A51-4108-AA02-DFA0A04FC94B}">
-              <ma14:wrappingTextBoxFlag xmlns="" xmlns:ma14="http://schemas.microsoft.com/office/mac/drawingml/2011/main" val="1"/>
+              <ma14:wrappingTextBoxFlag xmlns:ma14="http://schemas.microsoft.com/office/mac/drawingml/2011/main" xmlns="" val="1"/>
             </a:ext>
           </a:extLst>
         </p:spPr>
@@ -14941,7 +14936,7 @@
           </a:ln>
           <a:extLst>
             <a:ext uri="{C572A759-6A51-4108-AA02-DFA0A04FC94B}">
-              <ma14:wrappingTextBoxFlag xmlns="" xmlns:ma14="http://schemas.microsoft.com/office/mac/drawingml/2011/main" val="1"/>
+              <ma14:wrappingTextBoxFlag xmlns:ma14="http://schemas.microsoft.com/office/mac/drawingml/2011/main" xmlns="" val="1"/>
             </a:ext>
           </a:extLst>
         </p:spPr>
@@ -15140,7 +15135,7 @@
           </a:prstGeom>
           <a:extLst>
             <a:ext uri="{C572A759-6A51-4108-AA02-DFA0A04FC94B}">
-              <ma14:wrappingTextBoxFlag xmlns="" xmlns:ma14="http://schemas.microsoft.com/office/mac/drawingml/2011/main" val="1"/>
+              <ma14:wrappingTextBoxFlag xmlns:ma14="http://schemas.microsoft.com/office/mac/drawingml/2011/main" xmlns="" val="1"/>
             </a:ext>
           </a:extLst>
         </p:spPr>
@@ -15262,7 +15257,7 @@
           </a:prstGeom>
           <a:extLst>
             <a:ext uri="{C572A759-6A51-4108-AA02-DFA0A04FC94B}">
-              <ma14:wrappingTextBoxFlag xmlns="" xmlns:ma14="http://schemas.microsoft.com/office/mac/drawingml/2011/main" val="1"/>
+              <ma14:wrappingTextBoxFlag xmlns:ma14="http://schemas.microsoft.com/office/mac/drawingml/2011/main" xmlns="" val="1"/>
             </a:ext>
           </a:extLst>
         </p:spPr>
@@ -15465,7 +15460,7 @@
           </a:prstGeom>
           <a:extLst>
             <a:ext uri="{C572A759-6A51-4108-AA02-DFA0A04FC94B}">
-              <ma14:wrappingTextBoxFlag xmlns="" xmlns:ma14="http://schemas.microsoft.com/office/mac/drawingml/2011/main" val="1"/>
+              <ma14:wrappingTextBoxFlag xmlns:ma14="http://schemas.microsoft.com/office/mac/drawingml/2011/main" xmlns="" val="1"/>
             </a:ext>
           </a:extLst>
         </p:spPr>
@@ -15699,7 +15694,7 @@
           </a:prstGeom>
           <a:extLst>
             <a:ext uri="{C572A759-6A51-4108-AA02-DFA0A04FC94B}">
-              <ma14:wrappingTextBoxFlag xmlns="" xmlns:ma14="http://schemas.microsoft.com/office/mac/drawingml/2011/main" val="1"/>
+              <ma14:wrappingTextBoxFlag xmlns:ma14="http://schemas.microsoft.com/office/mac/drawingml/2011/main" xmlns="" val="1"/>
             </a:ext>
           </a:extLst>
         </p:spPr>
@@ -15785,7 +15780,7 @@
           </a:prstGeom>
           <a:extLst>
             <a:ext uri="{C572A759-6A51-4108-AA02-DFA0A04FC94B}">
-              <ma14:wrappingTextBoxFlag xmlns="" xmlns:ma14="http://schemas.microsoft.com/office/mac/drawingml/2011/main" val="1"/>
+              <ma14:wrappingTextBoxFlag xmlns:ma14="http://schemas.microsoft.com/office/mac/drawingml/2011/main" xmlns="" val="1"/>
             </a:ext>
           </a:extLst>
         </p:spPr>
@@ -16157,7 +16152,7 @@
           </a:prstGeom>
           <a:extLst>
             <a:ext uri="{C572A759-6A51-4108-AA02-DFA0A04FC94B}">
-              <ma14:wrappingTextBoxFlag xmlns="" xmlns:ma14="http://schemas.microsoft.com/office/mac/drawingml/2011/main" val="1"/>
+              <ma14:wrappingTextBoxFlag xmlns:ma14="http://schemas.microsoft.com/office/mac/drawingml/2011/main" xmlns="" val="1"/>
             </a:ext>
           </a:extLst>
         </p:spPr>
@@ -16292,7 +16287,7 @@
           </a:prstGeom>
           <a:extLst>
             <a:ext uri="{C572A759-6A51-4108-AA02-DFA0A04FC94B}">
-              <ma14:wrappingTextBoxFlag xmlns="" xmlns:ma14="http://schemas.microsoft.com/office/mac/drawingml/2011/main" val="1"/>
+              <ma14:wrappingTextBoxFlag xmlns:ma14="http://schemas.microsoft.com/office/mac/drawingml/2011/main" xmlns="" val="1"/>
             </a:ext>
           </a:extLst>
         </p:spPr>
@@ -16480,7 +16475,7 @@
           </a:prstGeom>
           <a:extLst>
             <a:ext uri="{C572A759-6A51-4108-AA02-DFA0A04FC94B}">
-              <ma14:wrappingTextBoxFlag xmlns="" xmlns:ma14="http://schemas.microsoft.com/office/mac/drawingml/2011/main" val="1"/>
+              <ma14:wrappingTextBoxFlag xmlns:ma14="http://schemas.microsoft.com/office/mac/drawingml/2011/main" xmlns="" val="1"/>
             </a:ext>
           </a:extLst>
         </p:spPr>
@@ -16617,7 +16612,7 @@
           </a:prstGeom>
           <a:extLst>
             <a:ext uri="{C572A759-6A51-4108-AA02-DFA0A04FC94B}">
-              <ma14:wrappingTextBoxFlag xmlns="" xmlns:ma14="http://schemas.microsoft.com/office/mac/drawingml/2011/main" val="1"/>
+              <ma14:wrappingTextBoxFlag xmlns:ma14="http://schemas.microsoft.com/office/mac/drawingml/2011/main" xmlns="" val="1"/>
             </a:ext>
           </a:extLst>
         </p:spPr>

--- a/files/docs/TFM.pptx
+++ b/files/docs/TFM.pptx
@@ -5,7 +5,7 @@
     <p:sldMasterId id="2147483648" r:id="rId1"/>
   </p:sldMasterIdLst>
   <p:notesMasterIdLst>
-    <p:notesMasterId r:id="rId25"/>
+    <p:notesMasterId r:id="rId22"/>
   </p:notesMasterIdLst>
   <p:sldIdLst>
     <p:sldId id="256" r:id="rId2"/>
@@ -24,13 +24,10 @@
     <p:sldId id="273" r:id="rId15"/>
     <p:sldId id="276" r:id="rId16"/>
     <p:sldId id="277" r:id="rId17"/>
-    <p:sldId id="278" r:id="rId18"/>
-    <p:sldId id="279" r:id="rId19"/>
-    <p:sldId id="280" r:id="rId20"/>
-    <p:sldId id="281" r:id="rId21"/>
-    <p:sldId id="282" r:id="rId22"/>
-    <p:sldId id="283" r:id="rId23"/>
-    <p:sldId id="284" r:id="rId24"/>
+    <p:sldId id="281" r:id="rId18"/>
+    <p:sldId id="282" r:id="rId19"/>
+    <p:sldId id="283" r:id="rId20"/>
+    <p:sldId id="284" r:id="rId21"/>
   </p:sldIdLst>
   <p:sldSz cx="13004800" cy="9753600"/>
   <p:notesSz cx="6858000" cy="9144000"/>
@@ -1567,7 +1564,7 @@
       </p:grpSpPr>
       <p:sp>
         <p:nvSpPr>
-          <p:cNvPr id="270" name="Shape 270"/>
+          <p:cNvPr id="291" name="Shape 291"/>
           <p:cNvSpPr>
             <a:spLocks noGrp="1" noRot="1" noChangeAspect="1"/>
           </p:cNvSpPr>
@@ -1590,7 +1587,7 @@
       </p:sp>
       <p:sp>
         <p:nvSpPr>
-          <p:cNvPr id="271" name="Shape 271"/>
+          <p:cNvPr id="292" name="Shape 292"/>
           <p:cNvSpPr>
             <a:spLocks noGrp="1"/>
           </p:cNvSpPr>
@@ -1608,17 +1605,23 @@
           <a:lstStyle/>
           <a:p>
             <a:r>
-              <a:t>Estos tiempos son tomados desde que se empieza a tomar la foto hasta que ésta se almacena en nuestro disco duro. Pues es necesario almacenar la foto para poder enviarla desde nuestro módulo.</a:t>
-            </a:r>
-          </a:p>
-          <a:p>
-            <a:r>
-              <a:t>Se ha medido la velocidad con dos módulos diferentes y se puede ver como no influye el módulo en los tiempos, por lo que usaremos cualquiera de ellos. </a:t>
-            </a:r>
-          </a:p>
-          <a:p>
-            <a:r>
-              <a:t>Por otro lado, estos datos son tomados con una webcam antigua, por lo que habría que realizar pruebas con otro tipo de webcam y ver que tipo de influencia tiene.</a:t>
+              <a:t>En esta tabla podemos ver los costes fijos totales que tendríamos por dispositivo.</a:t>
+            </a:r>
+          </a:p>
+          <a:p>
+            <a:endParaRPr/>
+          </a:p>
+          <a:p>
+            <a:r>
+              <a:t>A esto habría que sumarle las 300 horas de desarrollo a un precio de 30€/h, que daría un coste total de desarrollo de 9000€ por lo que si repartimos estas horas entre los primeros 100 dispositivos, tendríamos un coste total del 185€ por dispositivo.</a:t>
+            </a:r>
+          </a:p>
+          <a:p>
+            <a:endParaRPr/>
+          </a:p>
+          <a:p>
+            <a:r>
+              <a:t>A esto habría que sumar los módulos supletorios que el cliente requiera y su instalación.</a:t>
             </a:r>
           </a:p>
         </p:txBody>
@@ -1650,7 +1653,7 @@
       </p:grpSpPr>
       <p:sp>
         <p:nvSpPr>
-          <p:cNvPr id="276" name="Shape 276"/>
+          <p:cNvPr id="297" name="Shape 297"/>
           <p:cNvSpPr>
             <a:spLocks noGrp="1" noRot="1" noChangeAspect="1"/>
           </p:cNvSpPr>
@@ -1673,7 +1676,7 @@
       </p:sp>
       <p:sp>
         <p:nvSpPr>
-          <p:cNvPr id="277" name="Shape 277"/>
+          <p:cNvPr id="298" name="Shape 298"/>
           <p:cNvSpPr>
             <a:spLocks noGrp="1"/>
           </p:cNvSpPr>
@@ -1691,7 +1694,75 @@
           <a:lstStyle/>
           <a:p>
             <a:r>
-              <a:t>Estos son los datos de la recepción y reproducción de audio. Pero bien es cierto que estos datos son muy subjetivos pues depende	de la duración del audio, también hay que incluir el tiempo de subida del audio que es algo que no podemos medir y también de la velocidad de descarga de la red doméstica.</a:t>
+              <a:t>Se han podido ver diferentes deficiencias en este sistema durante el desarrollo y por ello se proponen los siguientes desarrollos futuros:</a:t>
+            </a:r>
+          </a:p>
+          <a:p>
+            <a:endParaRPr/>
+          </a:p>
+          <a:p>
+            <a:pPr marL="294105" indent="-294105">
+              <a:buClr>
+                <a:srgbClr val="5C86B9"/>
+              </a:buClr>
+              <a:buSzPct val="70000"/>
+              <a:buFont typeface="Zapf Dingbats"/>
+              <a:buChar char="-"/>
+            </a:pPr>
+            <a:r>
+              <a:t>Investigar sobre nuevos métodos para la detección de presencia de forma transparente al usuario de forma que se mejoren los tiempos obtenidos.</a:t>
+            </a:r>
+          </a:p>
+          <a:p>
+            <a:pPr marL="294105" indent="-294105">
+              <a:buClr>
+                <a:srgbClr val="5C86B9"/>
+              </a:buClr>
+              <a:buSzPct val="70000"/>
+              <a:buFont typeface="Zapf Dingbats"/>
+              <a:buChar char="-"/>
+            </a:pPr>
+            <a:r>
+              <a:t>Realizar pruebas de rendimientos con diferentes cámaras y ver que velocidad de captura se puede obtener.</a:t>
+            </a:r>
+          </a:p>
+          <a:p>
+            <a:pPr marL="294105" indent="-294105">
+              <a:buClr>
+                <a:srgbClr val="5C86B9"/>
+              </a:buClr>
+              <a:buSzPct val="70000"/>
+              <a:buFont typeface="Zapf Dingbats"/>
+              <a:buChar char="-"/>
+            </a:pPr>
+            <a:r>
+              <a:t>Desarrollar un algoritmo que detecte qué elementos tiene conectado el sistema y actúe en consecuencia</a:t>
+            </a:r>
+          </a:p>
+          <a:p>
+            <a:pPr marL="294105" indent="-294105">
+              <a:buClr>
+                <a:srgbClr val="5C86B9"/>
+              </a:buClr>
+              <a:buSzPct val="70000"/>
+              <a:buFont typeface="Zapf Dingbats"/>
+              <a:buChar char="-"/>
+            </a:pPr>
+            <a:r>
+              <a:t>Desarrollar un sistema de visión artificial capaz de identificar tanto a los usuarios como diferentes situaciones especiales como puede ser un incendio.</a:t>
+            </a:r>
+          </a:p>
+          <a:p>
+            <a:pPr marL="294105" indent="-294105">
+              <a:buClr>
+                <a:srgbClr val="5C86B9"/>
+              </a:buClr>
+              <a:buSzPct val="70000"/>
+              <a:buFont typeface="Zapf Dingbats"/>
+              <a:buChar char="-"/>
+            </a:pPr>
+            <a:r>
+              <a:t>Realizar pruebas de rendimiento con diferentes lenguajes de programación como por ejemplo Python, Ruby, Java, que son lenguajes que tienen su propio framework para el uso del Bot API</a:t>
             </a:r>
           </a:p>
         </p:txBody>
@@ -1723,7 +1794,7 @@
       </p:grpSpPr>
       <p:sp>
         <p:nvSpPr>
-          <p:cNvPr id="282" name="Shape 282"/>
+          <p:cNvPr id="303" name="Shape 303"/>
           <p:cNvSpPr>
             <a:spLocks noGrp="1" noRot="1" noChangeAspect="1"/>
           </p:cNvSpPr>
@@ -1746,7 +1817,7 @@
       </p:sp>
       <p:sp>
         <p:nvSpPr>
-          <p:cNvPr id="283" name="Shape 283"/>
+          <p:cNvPr id="304" name="Shape 304"/>
           <p:cNvSpPr>
             <a:spLocks noGrp="1"/>
           </p:cNvSpPr>
@@ -1764,15 +1835,708 @@
           <a:lstStyle/>
           <a:p>
             <a:r>
-              <a:t>Aquí podemos ver el los tiempos de la petición y tratamiento de datos meteorológicos.</a:t>
-            </a:r>
-          </a:p>
-          <a:p>
-            <a:endParaRPr/>
-          </a:p>
-          <a:p>
-            <a:r>
-              <a:t>Como conclusión a estas pruebas de rendimiento podemos decir que se ve que hay una diferencia sustancial entre ambas máquinas algo que es totalmente obvio viendo las grandísimas diferencias que hay entre ambas máquinas. Pero los tiempos obtenidos por nuestra Raspberry Pi son asumibles, de igual forma que vemos que no los tiempos no son proporcionales a la potencia de la máquina</a:t>
+              <a:rPr dirty="0" err="1"/>
+              <a:t>Hemos</a:t>
+            </a:r>
+            <a:r>
+              <a:rPr dirty="0"/>
+              <a:t> </a:t>
+            </a:r>
+            <a:r>
+              <a:rPr dirty="0" err="1"/>
+              <a:t>visto</a:t>
+            </a:r>
+            <a:r>
+              <a:rPr dirty="0"/>
+              <a:t> </a:t>
+            </a:r>
+            <a:r>
+              <a:rPr dirty="0" err="1"/>
+              <a:t>como</a:t>
+            </a:r>
+            <a:r>
+              <a:rPr dirty="0"/>
+              <a:t> </a:t>
+            </a:r>
+            <a:r>
+              <a:rPr dirty="0" err="1"/>
+              <a:t>los</a:t>
+            </a:r>
+            <a:r>
+              <a:rPr dirty="0"/>
+              <a:t> </a:t>
+            </a:r>
+            <a:r>
+              <a:rPr dirty="0" err="1"/>
+              <a:t>objetivos</a:t>
+            </a:r>
+            <a:r>
+              <a:rPr dirty="0"/>
+              <a:t> </a:t>
+            </a:r>
+            <a:r>
+              <a:rPr dirty="0" err="1"/>
+              <a:t>iniciales</a:t>
+            </a:r>
+            <a:r>
+              <a:rPr dirty="0"/>
+              <a:t> </a:t>
+            </a:r>
+            <a:r>
+              <a:rPr dirty="0" err="1"/>
+              <a:t>planteados</a:t>
+            </a:r>
+            <a:r>
+              <a:rPr dirty="0"/>
+              <a:t> se </a:t>
+            </a:r>
+            <a:r>
+              <a:rPr dirty="0" err="1"/>
+              <a:t>han</a:t>
+            </a:r>
+            <a:r>
+              <a:rPr dirty="0"/>
+              <a:t> </a:t>
+            </a:r>
+            <a:r>
+              <a:rPr dirty="0" err="1"/>
+              <a:t>podido</a:t>
+            </a:r>
+            <a:r>
+              <a:rPr dirty="0"/>
+              <a:t> </a:t>
+            </a:r>
+            <a:r>
+              <a:rPr dirty="0" err="1"/>
+              <a:t>satisfacer</a:t>
+            </a:r>
+            <a:r>
+              <a:rPr dirty="0"/>
+              <a:t> </a:t>
+            </a:r>
+            <a:r>
+              <a:rPr dirty="0" err="1"/>
+              <a:t>positivamente</a:t>
+            </a:r>
+            <a:r>
+              <a:rPr dirty="0"/>
+              <a:t>.</a:t>
+            </a:r>
+          </a:p>
+          <a:p>
+            <a:pPr marL="294105" indent="-294105">
+              <a:buClr>
+                <a:srgbClr val="5C86B9"/>
+              </a:buClr>
+              <a:buSzPct val="70000"/>
+              <a:buFont typeface="Zapf Dingbats"/>
+              <a:buChar char="-"/>
+            </a:pPr>
+            <a:r>
+              <a:rPr dirty="0" err="1"/>
+              <a:t>En</a:t>
+            </a:r>
+            <a:r>
+              <a:rPr dirty="0"/>
+              <a:t> primer </a:t>
+            </a:r>
+            <a:r>
+              <a:rPr dirty="0" err="1"/>
+              <a:t>lugar</a:t>
+            </a:r>
+            <a:r>
+              <a:rPr dirty="0"/>
+              <a:t> </a:t>
+            </a:r>
+            <a:r>
+              <a:rPr dirty="0" err="1"/>
+              <a:t>hemos</a:t>
+            </a:r>
+            <a:r>
+              <a:rPr dirty="0"/>
+              <a:t> </a:t>
+            </a:r>
+            <a:r>
+              <a:rPr dirty="0" err="1"/>
+              <a:t>visto</a:t>
+            </a:r>
+            <a:r>
+              <a:rPr dirty="0"/>
+              <a:t> </a:t>
+            </a:r>
+            <a:r>
+              <a:rPr dirty="0" err="1"/>
+              <a:t>como</a:t>
+            </a:r>
+            <a:r>
+              <a:rPr dirty="0"/>
+              <a:t> la Raspberry Pi </a:t>
+            </a:r>
+            <a:r>
+              <a:rPr dirty="0" err="1"/>
+              <a:t>tiene</a:t>
+            </a:r>
+            <a:r>
+              <a:rPr dirty="0"/>
+              <a:t> </a:t>
+            </a:r>
+            <a:r>
+              <a:rPr dirty="0" err="1"/>
+              <a:t>algunas</a:t>
+            </a:r>
+            <a:r>
+              <a:rPr dirty="0"/>
+              <a:t> </a:t>
+            </a:r>
+            <a:r>
+              <a:rPr dirty="0" err="1"/>
+              <a:t>limitaciones</a:t>
+            </a:r>
+            <a:r>
+              <a:rPr dirty="0"/>
+              <a:t> </a:t>
+            </a:r>
+            <a:r>
+              <a:rPr dirty="0" err="1"/>
+              <a:t>pero</a:t>
+            </a:r>
+            <a:r>
+              <a:rPr dirty="0"/>
+              <a:t> </a:t>
+            </a:r>
+            <a:r>
+              <a:rPr dirty="0" err="1"/>
+              <a:t>cumple</a:t>
+            </a:r>
+            <a:r>
+              <a:rPr dirty="0"/>
+              <a:t> </a:t>
+            </a:r>
+            <a:r>
+              <a:rPr dirty="0" err="1"/>
+              <a:t>perfectamente</a:t>
+            </a:r>
+            <a:r>
+              <a:rPr dirty="0"/>
+              <a:t> con las </a:t>
+            </a:r>
+            <a:r>
+              <a:rPr dirty="0" err="1"/>
+              <a:t>exigencias</a:t>
+            </a:r>
+            <a:r>
+              <a:rPr dirty="0"/>
+              <a:t> que </a:t>
+            </a:r>
+            <a:r>
+              <a:rPr dirty="0" err="1"/>
+              <a:t>nosotros</a:t>
+            </a:r>
+            <a:r>
+              <a:rPr dirty="0"/>
+              <a:t> le </a:t>
+            </a:r>
+            <a:r>
+              <a:rPr dirty="0" err="1"/>
+              <a:t>pedimos</a:t>
+            </a:r>
+            <a:r>
+              <a:rPr dirty="0"/>
+              <a:t>.</a:t>
+            </a:r>
+          </a:p>
+          <a:p>
+            <a:pPr marL="294105" indent="-294105">
+              <a:buClr>
+                <a:srgbClr val="5C86B9"/>
+              </a:buClr>
+              <a:buSzPct val="70000"/>
+              <a:buFont typeface="Zapf Dingbats"/>
+              <a:buChar char="-"/>
+            </a:pPr>
+            <a:r>
+              <a:rPr dirty="0" err="1"/>
+              <a:t>Respecto</a:t>
+            </a:r>
+            <a:r>
+              <a:rPr dirty="0"/>
+              <a:t> al </a:t>
+            </a:r>
+            <a:r>
+              <a:rPr dirty="0" err="1"/>
+              <a:t>uso</a:t>
+            </a:r>
+            <a:r>
+              <a:rPr dirty="0"/>
+              <a:t> de </a:t>
+            </a:r>
+            <a:r>
+              <a:rPr dirty="0" err="1"/>
+              <a:t>NodeJS</a:t>
+            </a:r>
+            <a:r>
+              <a:rPr dirty="0"/>
+              <a:t>, </a:t>
+            </a:r>
+            <a:r>
+              <a:rPr dirty="0" err="1"/>
+              <a:t>hemos</a:t>
+            </a:r>
+            <a:r>
+              <a:rPr dirty="0"/>
+              <a:t> </a:t>
+            </a:r>
+            <a:r>
+              <a:rPr dirty="0" err="1"/>
+              <a:t>podido</a:t>
+            </a:r>
+            <a:r>
+              <a:rPr dirty="0"/>
+              <a:t> </a:t>
+            </a:r>
+            <a:r>
+              <a:rPr dirty="0" err="1"/>
+              <a:t>realizar</a:t>
+            </a:r>
+            <a:r>
+              <a:rPr dirty="0"/>
+              <a:t> </a:t>
+            </a:r>
+            <a:r>
+              <a:rPr dirty="0" err="1"/>
+              <a:t>todas</a:t>
+            </a:r>
+            <a:r>
+              <a:rPr dirty="0"/>
+              <a:t> las </a:t>
+            </a:r>
+            <a:r>
+              <a:rPr dirty="0" err="1"/>
+              <a:t>funciones</a:t>
+            </a:r>
+            <a:r>
+              <a:rPr dirty="0"/>
+              <a:t> que </a:t>
+            </a:r>
+            <a:r>
+              <a:rPr dirty="0" err="1"/>
+              <a:t>queríamos</a:t>
+            </a:r>
+            <a:r>
+              <a:rPr dirty="0"/>
+              <a:t>, </a:t>
+            </a:r>
+            <a:r>
+              <a:rPr dirty="0" err="1"/>
+              <a:t>consiguiendo</a:t>
+            </a:r>
+            <a:r>
+              <a:rPr dirty="0"/>
+              <a:t> </a:t>
+            </a:r>
+            <a:r>
+              <a:rPr dirty="0" err="1"/>
+              <a:t>grandes</a:t>
+            </a:r>
+            <a:r>
+              <a:rPr dirty="0"/>
+              <a:t> </a:t>
+            </a:r>
+            <a:r>
+              <a:rPr dirty="0" err="1"/>
+              <a:t>facilidades</a:t>
+            </a:r>
+            <a:r>
+              <a:rPr dirty="0"/>
+              <a:t> </a:t>
+            </a:r>
+            <a:r>
+              <a:rPr dirty="0" err="1"/>
+              <a:t>mediante</a:t>
+            </a:r>
+            <a:r>
+              <a:rPr dirty="0"/>
+              <a:t> el </a:t>
+            </a:r>
+            <a:r>
+              <a:rPr dirty="0" err="1"/>
+              <a:t>uso</a:t>
+            </a:r>
+            <a:r>
+              <a:rPr dirty="0"/>
+              <a:t> de </a:t>
+            </a:r>
+            <a:r>
+              <a:rPr dirty="0" err="1"/>
+              <a:t>módulos</a:t>
+            </a:r>
+            <a:r>
+              <a:rPr dirty="0"/>
+              <a:t> de </a:t>
+            </a:r>
+            <a:r>
+              <a:rPr dirty="0" err="1"/>
+              <a:t>terceros</a:t>
+            </a:r>
+            <a:r>
+              <a:rPr dirty="0"/>
+              <a:t>.</a:t>
+            </a:r>
+          </a:p>
+          <a:p>
+            <a:pPr marL="294105" indent="-294105">
+              <a:buClr>
+                <a:srgbClr val="5C86B9"/>
+              </a:buClr>
+              <a:buSzPct val="70000"/>
+              <a:buFont typeface="Zapf Dingbats"/>
+              <a:buChar char="-"/>
+            </a:pPr>
+            <a:r>
+              <a:rPr dirty="0"/>
+              <a:t>El control de </a:t>
+            </a:r>
+            <a:r>
+              <a:rPr dirty="0" err="1"/>
+              <a:t>presencia</a:t>
+            </a:r>
+            <a:r>
+              <a:rPr dirty="0"/>
+              <a:t> </a:t>
+            </a:r>
+            <a:r>
+              <a:rPr dirty="0" err="1"/>
+              <a:t>planteado</a:t>
+            </a:r>
+            <a:r>
+              <a:rPr dirty="0"/>
+              <a:t> se ha </a:t>
+            </a:r>
+            <a:r>
+              <a:rPr dirty="0" err="1"/>
+              <a:t>podido</a:t>
+            </a:r>
+            <a:r>
+              <a:rPr dirty="0"/>
+              <a:t> </a:t>
+            </a:r>
+            <a:r>
+              <a:rPr dirty="0" err="1"/>
+              <a:t>implementar</a:t>
+            </a:r>
+            <a:r>
+              <a:rPr dirty="0"/>
+              <a:t> </a:t>
+            </a:r>
+            <a:r>
+              <a:rPr dirty="0" err="1"/>
+              <a:t>en</a:t>
+            </a:r>
+            <a:r>
+              <a:rPr dirty="0"/>
+              <a:t> el </a:t>
+            </a:r>
+            <a:r>
+              <a:rPr dirty="0" err="1"/>
+              <a:t>sistema</a:t>
+            </a:r>
+            <a:r>
+              <a:rPr dirty="0"/>
+              <a:t>, </a:t>
+            </a:r>
+            <a:r>
+              <a:rPr dirty="0" err="1"/>
+              <a:t>aunque</a:t>
+            </a:r>
+            <a:r>
+              <a:rPr dirty="0"/>
+              <a:t> </a:t>
+            </a:r>
+            <a:r>
+              <a:rPr dirty="0" err="1"/>
+              <a:t>en</a:t>
+            </a:r>
+            <a:r>
+              <a:rPr dirty="0"/>
+              <a:t> el </a:t>
+            </a:r>
+            <a:r>
+              <a:rPr dirty="0" err="1"/>
+              <a:t>apartado</a:t>
+            </a:r>
+            <a:r>
+              <a:rPr dirty="0"/>
+              <a:t> de </a:t>
+            </a:r>
+            <a:r>
+              <a:rPr dirty="0" err="1"/>
+              <a:t>pruebas</a:t>
+            </a:r>
+            <a:r>
+              <a:rPr dirty="0"/>
+              <a:t> de </a:t>
+            </a:r>
+            <a:r>
+              <a:rPr dirty="0" err="1"/>
+              <a:t>rendimiento</a:t>
+            </a:r>
+            <a:r>
+              <a:rPr dirty="0"/>
+              <a:t> </a:t>
+            </a:r>
+            <a:r>
+              <a:rPr dirty="0" err="1"/>
+              <a:t>hemos</a:t>
+            </a:r>
+            <a:r>
+              <a:rPr dirty="0"/>
+              <a:t> </a:t>
+            </a:r>
+            <a:r>
+              <a:rPr dirty="0" err="1"/>
+              <a:t>visto</a:t>
+            </a:r>
+            <a:r>
+              <a:rPr dirty="0"/>
+              <a:t> que </a:t>
+            </a:r>
+            <a:r>
+              <a:rPr dirty="0" err="1"/>
+              <a:t>lleva</a:t>
+            </a:r>
+            <a:r>
+              <a:rPr dirty="0"/>
+              <a:t> un </a:t>
+            </a:r>
+            <a:r>
+              <a:rPr dirty="0" err="1"/>
+              <a:t>tiempo</a:t>
+            </a:r>
+            <a:r>
+              <a:rPr dirty="0"/>
+              <a:t> </a:t>
+            </a:r>
+            <a:r>
+              <a:rPr dirty="0" err="1"/>
+              <a:t>bastante</a:t>
+            </a:r>
+            <a:r>
+              <a:rPr dirty="0"/>
+              <a:t> alto el </a:t>
+            </a:r>
+            <a:r>
+              <a:rPr dirty="0" err="1"/>
+              <a:t>reconocimiento</a:t>
+            </a:r>
+            <a:r>
+              <a:rPr dirty="0"/>
+              <a:t> de la red, </a:t>
+            </a:r>
+            <a:r>
+              <a:rPr dirty="0" err="1"/>
+              <a:t>pero</a:t>
+            </a:r>
+            <a:r>
+              <a:rPr dirty="0"/>
+              <a:t> </a:t>
+            </a:r>
+            <a:r>
+              <a:rPr dirty="0" err="1"/>
+              <a:t>es</a:t>
+            </a:r>
+            <a:r>
+              <a:rPr dirty="0"/>
+              <a:t> un </a:t>
+            </a:r>
+            <a:r>
+              <a:rPr dirty="0" err="1"/>
+              <a:t>tiempo</a:t>
+            </a:r>
+            <a:r>
+              <a:rPr dirty="0"/>
+              <a:t> que </a:t>
+            </a:r>
+            <a:r>
+              <a:rPr dirty="0" err="1"/>
+              <a:t>podemos</a:t>
+            </a:r>
+            <a:r>
+              <a:rPr dirty="0"/>
+              <a:t> </a:t>
+            </a:r>
+            <a:r>
+              <a:rPr dirty="0" err="1"/>
+              <a:t>permitirnos</a:t>
+            </a:r>
+            <a:r>
+              <a:rPr dirty="0"/>
+              <a:t>.</a:t>
+            </a:r>
+          </a:p>
+          <a:p>
+            <a:pPr marL="294105" indent="-294105">
+              <a:buClr>
+                <a:srgbClr val="5C86B9"/>
+              </a:buClr>
+              <a:buSzPct val="70000"/>
+              <a:buFont typeface="Zapf Dingbats"/>
+              <a:buChar char="-"/>
+            </a:pPr>
+            <a:r>
+              <a:rPr dirty="0"/>
+              <a:t>Por </a:t>
+            </a:r>
+            <a:r>
+              <a:rPr dirty="0" err="1"/>
+              <a:t>último</a:t>
+            </a:r>
+            <a:r>
+              <a:rPr dirty="0"/>
+              <a:t>, el </a:t>
+            </a:r>
+            <a:r>
+              <a:rPr dirty="0" err="1"/>
+              <a:t>requisito</a:t>
+            </a:r>
+            <a:r>
+              <a:rPr dirty="0"/>
+              <a:t> final </a:t>
+            </a:r>
+            <a:r>
+              <a:rPr dirty="0" err="1"/>
+              <a:t>propuesto</a:t>
+            </a:r>
+            <a:r>
+              <a:rPr dirty="0"/>
+              <a:t> que era el control del </a:t>
+            </a:r>
+            <a:r>
+              <a:rPr dirty="0" err="1"/>
+              <a:t>sistema</a:t>
+            </a:r>
+            <a:r>
+              <a:rPr dirty="0"/>
+              <a:t> </a:t>
+            </a:r>
+            <a:r>
+              <a:rPr dirty="0" err="1"/>
+              <a:t>mediante</a:t>
+            </a:r>
+            <a:r>
+              <a:rPr dirty="0"/>
+              <a:t> </a:t>
+            </a:r>
+            <a:r>
+              <a:rPr dirty="0" err="1"/>
+              <a:t>una</a:t>
+            </a:r>
+            <a:r>
+              <a:rPr dirty="0"/>
+              <a:t> </a:t>
+            </a:r>
+            <a:r>
+              <a:rPr dirty="0" err="1"/>
+              <a:t>aplicación</a:t>
+            </a:r>
+            <a:r>
+              <a:rPr dirty="0"/>
+              <a:t> de </a:t>
+            </a:r>
+            <a:r>
+              <a:rPr dirty="0" err="1"/>
+              <a:t>mensajería</a:t>
+            </a:r>
+            <a:r>
+              <a:rPr dirty="0"/>
+              <a:t> se ha </a:t>
+            </a:r>
+            <a:r>
+              <a:rPr dirty="0" err="1"/>
+              <a:t>podido</a:t>
+            </a:r>
+            <a:r>
+              <a:rPr dirty="0"/>
+              <a:t> </a:t>
+            </a:r>
+            <a:r>
+              <a:rPr dirty="0" err="1"/>
+              <a:t>satisfacer</a:t>
+            </a:r>
+            <a:r>
+              <a:rPr dirty="0"/>
+              <a:t> </a:t>
+            </a:r>
+            <a:r>
+              <a:rPr dirty="0" err="1"/>
+              <a:t>mediante</a:t>
+            </a:r>
+            <a:r>
+              <a:rPr dirty="0"/>
+              <a:t> el Bot API de Telegram. </a:t>
+            </a:r>
+            <a:r>
+              <a:rPr dirty="0" err="1"/>
+              <a:t>Integrando</a:t>
+            </a:r>
+            <a:r>
+              <a:rPr dirty="0"/>
+              <a:t> un Bot </a:t>
+            </a:r>
+            <a:r>
+              <a:rPr dirty="0" err="1"/>
+              <a:t>en</a:t>
+            </a:r>
+            <a:r>
+              <a:rPr dirty="0"/>
+              <a:t> </a:t>
+            </a:r>
+            <a:r>
+              <a:rPr dirty="0" err="1"/>
+              <a:t>su</a:t>
+            </a:r>
+            <a:r>
+              <a:rPr dirty="0"/>
+              <a:t> </a:t>
+            </a:r>
+            <a:r>
+              <a:rPr dirty="0" err="1"/>
+              <a:t>cliente</a:t>
+            </a:r>
+            <a:r>
+              <a:rPr dirty="0"/>
+              <a:t> y </a:t>
+            </a:r>
+            <a:r>
+              <a:rPr dirty="0" err="1"/>
+              <a:t>haciendo</a:t>
+            </a:r>
+            <a:r>
+              <a:rPr dirty="0"/>
+              <a:t> la </a:t>
+            </a:r>
+            <a:r>
+              <a:rPr dirty="0" err="1"/>
+              <a:t>tarea</a:t>
+            </a:r>
+            <a:r>
+              <a:rPr dirty="0"/>
+              <a:t> de control </a:t>
+            </a:r>
+            <a:r>
+              <a:rPr dirty="0" err="1"/>
+              <a:t>muy</a:t>
+            </a:r>
+            <a:r>
+              <a:rPr dirty="0"/>
+              <a:t> </a:t>
+            </a:r>
+            <a:r>
+              <a:rPr dirty="0" err="1"/>
+              <a:t>intuitiva</a:t>
+            </a:r>
+            <a:r>
+              <a:rPr dirty="0"/>
+              <a:t>.</a:t>
             </a:r>
           </a:p>
         </p:txBody>
@@ -1865,1010 +2629,6 @@
       </p:grpSpPr>
       <p:sp>
         <p:nvSpPr>
-          <p:cNvPr id="291" name="Shape 291"/>
-          <p:cNvSpPr>
-            <a:spLocks noGrp="1" noRot="1" noChangeAspect="1"/>
-          </p:cNvSpPr>
-          <p:nvPr>
-            <p:ph type="sldImg"/>
-          </p:nvPr>
-        </p:nvSpPr>
-        <p:spPr>
-          <a:prstGeom prst="rect">
-            <a:avLst/>
-          </a:prstGeom>
-        </p:spPr>
-        <p:txBody>
-          <a:bodyPr/>
-          <a:lstStyle/>
-          <a:p>
-            <a:endParaRPr/>
-          </a:p>
-        </p:txBody>
-      </p:sp>
-      <p:sp>
-        <p:nvSpPr>
-          <p:cNvPr id="292" name="Shape 292"/>
-          <p:cNvSpPr>
-            <a:spLocks noGrp="1"/>
-          </p:cNvSpPr>
-          <p:nvPr>
-            <p:ph type="body" sz="quarter" idx="1"/>
-          </p:nvPr>
-        </p:nvSpPr>
-        <p:spPr>
-          <a:prstGeom prst="rect">
-            <a:avLst/>
-          </a:prstGeom>
-        </p:spPr>
-        <p:txBody>
-          <a:bodyPr/>
-          <a:lstStyle/>
-          <a:p>
-            <a:r>
-              <a:t>En esta tabla podemos ver los costes fijos totales que tendríamos por dispositivo.</a:t>
-            </a:r>
-          </a:p>
-          <a:p>
-            <a:endParaRPr/>
-          </a:p>
-          <a:p>
-            <a:r>
-              <a:t>A esto habría que sumarle las 300 horas de desarrollo a un precio de 30€/h, que daría un coste total de desarrollo de 9000€ por lo que si repartimos estas horas entre los primeros 100 dispositivos, tendríamos un coste total del 185€ por dispositivo.</a:t>
-            </a:r>
-          </a:p>
-          <a:p>
-            <a:endParaRPr/>
-          </a:p>
-          <a:p>
-            <a:r>
-              <a:t>A esto habría que sumar los módulos supletorios que el cliente requiera y su instalación.</a:t>
-            </a:r>
-          </a:p>
-        </p:txBody>
-      </p:sp>
-    </p:spTree>
-  </p:cSld>
-  <p:clrMapOvr>
-    <a:masterClrMapping/>
-  </p:clrMapOvr>
-</p:notes>
-</file>
-
-<file path=ppt/notesSlides/notesSlide21.xml><?xml version="1.0" encoding="utf-8"?>
-<p:notes xmlns:a="http://schemas.openxmlformats.org/drawingml/2006/main" xmlns:r="http://schemas.openxmlformats.org/officeDocument/2006/relationships" xmlns:p="http://schemas.openxmlformats.org/presentationml/2006/main">
-  <p:cSld>
-    <p:spTree>
-      <p:nvGrpSpPr>
-        <p:cNvPr id="1" name=""/>
-        <p:cNvGrpSpPr/>
-        <p:nvPr/>
-      </p:nvGrpSpPr>
-      <p:grpSpPr>
-        <a:xfrm>
-          <a:off x="0" y="0"/>
-          <a:ext cx="0" cy="0"/>
-          <a:chOff x="0" y="0"/>
-          <a:chExt cx="0" cy="0"/>
-        </a:xfrm>
-      </p:grpSpPr>
-      <p:sp>
-        <p:nvSpPr>
-          <p:cNvPr id="297" name="Shape 297"/>
-          <p:cNvSpPr>
-            <a:spLocks noGrp="1" noRot="1" noChangeAspect="1"/>
-          </p:cNvSpPr>
-          <p:nvPr>
-            <p:ph type="sldImg"/>
-          </p:nvPr>
-        </p:nvSpPr>
-        <p:spPr>
-          <a:prstGeom prst="rect">
-            <a:avLst/>
-          </a:prstGeom>
-        </p:spPr>
-        <p:txBody>
-          <a:bodyPr/>
-          <a:lstStyle/>
-          <a:p>
-            <a:endParaRPr/>
-          </a:p>
-        </p:txBody>
-      </p:sp>
-      <p:sp>
-        <p:nvSpPr>
-          <p:cNvPr id="298" name="Shape 298"/>
-          <p:cNvSpPr>
-            <a:spLocks noGrp="1"/>
-          </p:cNvSpPr>
-          <p:nvPr>
-            <p:ph type="body" sz="quarter" idx="1"/>
-          </p:nvPr>
-        </p:nvSpPr>
-        <p:spPr>
-          <a:prstGeom prst="rect">
-            <a:avLst/>
-          </a:prstGeom>
-        </p:spPr>
-        <p:txBody>
-          <a:bodyPr/>
-          <a:lstStyle/>
-          <a:p>
-            <a:r>
-              <a:t>Se han podido ver diferentes deficiencias en este sistema durante el desarrollo y por ello se proponen los siguientes desarrollos futuros:</a:t>
-            </a:r>
-          </a:p>
-          <a:p>
-            <a:endParaRPr/>
-          </a:p>
-          <a:p>
-            <a:pPr marL="294105" indent="-294105">
-              <a:buClr>
-                <a:srgbClr val="5C86B9"/>
-              </a:buClr>
-              <a:buSzPct val="70000"/>
-              <a:buFont typeface="Zapf Dingbats"/>
-              <a:buChar char="-"/>
-            </a:pPr>
-            <a:r>
-              <a:t>Investigar sobre nuevos métodos para la detección de presencia de forma transparente al usuario de forma que se mejoren los tiempos obtenidos.</a:t>
-            </a:r>
-          </a:p>
-          <a:p>
-            <a:pPr marL="294105" indent="-294105">
-              <a:buClr>
-                <a:srgbClr val="5C86B9"/>
-              </a:buClr>
-              <a:buSzPct val="70000"/>
-              <a:buFont typeface="Zapf Dingbats"/>
-              <a:buChar char="-"/>
-            </a:pPr>
-            <a:r>
-              <a:t>Realizar pruebas de rendimientos con diferentes cámaras y ver que velocidad de captura se puede obtener.</a:t>
-            </a:r>
-          </a:p>
-          <a:p>
-            <a:pPr marL="294105" indent="-294105">
-              <a:buClr>
-                <a:srgbClr val="5C86B9"/>
-              </a:buClr>
-              <a:buSzPct val="70000"/>
-              <a:buFont typeface="Zapf Dingbats"/>
-              <a:buChar char="-"/>
-            </a:pPr>
-            <a:r>
-              <a:t>Desarrollar un algoritmo que detecte qué elementos tiene conectado el sistema y actúe en consecuencia</a:t>
-            </a:r>
-          </a:p>
-          <a:p>
-            <a:pPr marL="294105" indent="-294105">
-              <a:buClr>
-                <a:srgbClr val="5C86B9"/>
-              </a:buClr>
-              <a:buSzPct val="70000"/>
-              <a:buFont typeface="Zapf Dingbats"/>
-              <a:buChar char="-"/>
-            </a:pPr>
-            <a:r>
-              <a:t>Desarrollar un sistema de visión artificial capaz de identificar tanto a los usuarios como diferentes situaciones especiales como puede ser un incendio.</a:t>
-            </a:r>
-          </a:p>
-          <a:p>
-            <a:pPr marL="294105" indent="-294105">
-              <a:buClr>
-                <a:srgbClr val="5C86B9"/>
-              </a:buClr>
-              <a:buSzPct val="70000"/>
-              <a:buFont typeface="Zapf Dingbats"/>
-              <a:buChar char="-"/>
-            </a:pPr>
-            <a:r>
-              <a:t>Realizar pruebas de rendimiento con diferentes lenguajes de programación como por ejemplo Python, Ruby, Java, que son lenguajes que tienen su propio framework para el uso del Bot API</a:t>
-            </a:r>
-          </a:p>
-        </p:txBody>
-      </p:sp>
-    </p:spTree>
-  </p:cSld>
-  <p:clrMapOvr>
-    <a:masterClrMapping/>
-  </p:clrMapOvr>
-</p:notes>
-</file>
-
-<file path=ppt/notesSlides/notesSlide22.xml><?xml version="1.0" encoding="utf-8"?>
-<p:notes xmlns:a="http://schemas.openxmlformats.org/drawingml/2006/main" xmlns:r="http://schemas.openxmlformats.org/officeDocument/2006/relationships" xmlns:p="http://schemas.openxmlformats.org/presentationml/2006/main">
-  <p:cSld>
-    <p:spTree>
-      <p:nvGrpSpPr>
-        <p:cNvPr id="1" name=""/>
-        <p:cNvGrpSpPr/>
-        <p:nvPr/>
-      </p:nvGrpSpPr>
-      <p:grpSpPr>
-        <a:xfrm>
-          <a:off x="0" y="0"/>
-          <a:ext cx="0" cy="0"/>
-          <a:chOff x="0" y="0"/>
-          <a:chExt cx="0" cy="0"/>
-        </a:xfrm>
-      </p:grpSpPr>
-      <p:sp>
-        <p:nvSpPr>
-          <p:cNvPr id="303" name="Shape 303"/>
-          <p:cNvSpPr>
-            <a:spLocks noGrp="1" noRot="1" noChangeAspect="1"/>
-          </p:cNvSpPr>
-          <p:nvPr>
-            <p:ph type="sldImg"/>
-          </p:nvPr>
-        </p:nvSpPr>
-        <p:spPr>
-          <a:prstGeom prst="rect">
-            <a:avLst/>
-          </a:prstGeom>
-        </p:spPr>
-        <p:txBody>
-          <a:bodyPr/>
-          <a:lstStyle/>
-          <a:p>
-            <a:endParaRPr/>
-          </a:p>
-        </p:txBody>
-      </p:sp>
-      <p:sp>
-        <p:nvSpPr>
-          <p:cNvPr id="304" name="Shape 304"/>
-          <p:cNvSpPr>
-            <a:spLocks noGrp="1"/>
-          </p:cNvSpPr>
-          <p:nvPr>
-            <p:ph type="body" sz="quarter" idx="1"/>
-          </p:nvPr>
-        </p:nvSpPr>
-        <p:spPr>
-          <a:prstGeom prst="rect">
-            <a:avLst/>
-          </a:prstGeom>
-        </p:spPr>
-        <p:txBody>
-          <a:bodyPr/>
-          <a:lstStyle/>
-          <a:p>
-            <a:r>
-              <a:rPr dirty="0" err="1"/>
-              <a:t>Hemos</a:t>
-            </a:r>
-            <a:r>
-              <a:rPr dirty="0"/>
-              <a:t> </a:t>
-            </a:r>
-            <a:r>
-              <a:rPr dirty="0" err="1"/>
-              <a:t>visto</a:t>
-            </a:r>
-            <a:r>
-              <a:rPr dirty="0"/>
-              <a:t> </a:t>
-            </a:r>
-            <a:r>
-              <a:rPr dirty="0" err="1"/>
-              <a:t>como</a:t>
-            </a:r>
-            <a:r>
-              <a:rPr dirty="0"/>
-              <a:t> </a:t>
-            </a:r>
-            <a:r>
-              <a:rPr dirty="0" err="1"/>
-              <a:t>los</a:t>
-            </a:r>
-            <a:r>
-              <a:rPr dirty="0"/>
-              <a:t> </a:t>
-            </a:r>
-            <a:r>
-              <a:rPr dirty="0" err="1"/>
-              <a:t>objetivos</a:t>
-            </a:r>
-            <a:r>
-              <a:rPr dirty="0"/>
-              <a:t> </a:t>
-            </a:r>
-            <a:r>
-              <a:rPr dirty="0" err="1"/>
-              <a:t>iniciales</a:t>
-            </a:r>
-            <a:r>
-              <a:rPr dirty="0"/>
-              <a:t> </a:t>
-            </a:r>
-            <a:r>
-              <a:rPr dirty="0" err="1"/>
-              <a:t>planteados</a:t>
-            </a:r>
-            <a:r>
-              <a:rPr dirty="0"/>
-              <a:t> se </a:t>
-            </a:r>
-            <a:r>
-              <a:rPr dirty="0" err="1"/>
-              <a:t>han</a:t>
-            </a:r>
-            <a:r>
-              <a:rPr dirty="0"/>
-              <a:t> </a:t>
-            </a:r>
-            <a:r>
-              <a:rPr dirty="0" err="1"/>
-              <a:t>podido</a:t>
-            </a:r>
-            <a:r>
-              <a:rPr dirty="0"/>
-              <a:t> </a:t>
-            </a:r>
-            <a:r>
-              <a:rPr dirty="0" err="1"/>
-              <a:t>satisfacer</a:t>
-            </a:r>
-            <a:r>
-              <a:rPr dirty="0"/>
-              <a:t> </a:t>
-            </a:r>
-            <a:r>
-              <a:rPr dirty="0" err="1"/>
-              <a:t>positivamente</a:t>
-            </a:r>
-            <a:r>
-              <a:rPr dirty="0"/>
-              <a:t>.</a:t>
-            </a:r>
-          </a:p>
-          <a:p>
-            <a:pPr marL="294105" indent="-294105">
-              <a:buClr>
-                <a:srgbClr val="5C86B9"/>
-              </a:buClr>
-              <a:buSzPct val="70000"/>
-              <a:buFont typeface="Zapf Dingbats"/>
-              <a:buChar char="-"/>
-            </a:pPr>
-            <a:r>
-              <a:rPr dirty="0" err="1"/>
-              <a:t>En</a:t>
-            </a:r>
-            <a:r>
-              <a:rPr dirty="0"/>
-              <a:t> primer </a:t>
-            </a:r>
-            <a:r>
-              <a:rPr dirty="0" err="1"/>
-              <a:t>lugar</a:t>
-            </a:r>
-            <a:r>
-              <a:rPr dirty="0"/>
-              <a:t> </a:t>
-            </a:r>
-            <a:r>
-              <a:rPr dirty="0" err="1"/>
-              <a:t>hemos</a:t>
-            </a:r>
-            <a:r>
-              <a:rPr dirty="0"/>
-              <a:t> </a:t>
-            </a:r>
-            <a:r>
-              <a:rPr dirty="0" err="1"/>
-              <a:t>visto</a:t>
-            </a:r>
-            <a:r>
-              <a:rPr dirty="0"/>
-              <a:t> </a:t>
-            </a:r>
-            <a:r>
-              <a:rPr dirty="0" err="1"/>
-              <a:t>como</a:t>
-            </a:r>
-            <a:r>
-              <a:rPr dirty="0"/>
-              <a:t> la Raspberry Pi </a:t>
-            </a:r>
-            <a:r>
-              <a:rPr dirty="0" err="1"/>
-              <a:t>tiene</a:t>
-            </a:r>
-            <a:r>
-              <a:rPr dirty="0"/>
-              <a:t> </a:t>
-            </a:r>
-            <a:r>
-              <a:rPr dirty="0" err="1"/>
-              <a:t>algunas</a:t>
-            </a:r>
-            <a:r>
-              <a:rPr dirty="0"/>
-              <a:t> </a:t>
-            </a:r>
-            <a:r>
-              <a:rPr dirty="0" err="1"/>
-              <a:t>limitaciones</a:t>
-            </a:r>
-            <a:r>
-              <a:rPr dirty="0"/>
-              <a:t> </a:t>
-            </a:r>
-            <a:r>
-              <a:rPr dirty="0" err="1"/>
-              <a:t>pero</a:t>
-            </a:r>
-            <a:r>
-              <a:rPr dirty="0"/>
-              <a:t> </a:t>
-            </a:r>
-            <a:r>
-              <a:rPr dirty="0" err="1"/>
-              <a:t>cumple</a:t>
-            </a:r>
-            <a:r>
-              <a:rPr dirty="0"/>
-              <a:t> </a:t>
-            </a:r>
-            <a:r>
-              <a:rPr dirty="0" err="1"/>
-              <a:t>perfectamente</a:t>
-            </a:r>
-            <a:r>
-              <a:rPr dirty="0"/>
-              <a:t> con las </a:t>
-            </a:r>
-            <a:r>
-              <a:rPr dirty="0" err="1"/>
-              <a:t>exigencias</a:t>
-            </a:r>
-            <a:r>
-              <a:rPr dirty="0"/>
-              <a:t> que </a:t>
-            </a:r>
-            <a:r>
-              <a:rPr dirty="0" err="1"/>
-              <a:t>nosotros</a:t>
-            </a:r>
-            <a:r>
-              <a:rPr dirty="0"/>
-              <a:t> le </a:t>
-            </a:r>
-            <a:r>
-              <a:rPr dirty="0" err="1"/>
-              <a:t>pedimos</a:t>
-            </a:r>
-            <a:r>
-              <a:rPr dirty="0"/>
-              <a:t>.</a:t>
-            </a:r>
-          </a:p>
-          <a:p>
-            <a:pPr marL="294105" indent="-294105">
-              <a:buClr>
-                <a:srgbClr val="5C86B9"/>
-              </a:buClr>
-              <a:buSzPct val="70000"/>
-              <a:buFont typeface="Zapf Dingbats"/>
-              <a:buChar char="-"/>
-            </a:pPr>
-            <a:r>
-              <a:rPr dirty="0" err="1"/>
-              <a:t>Respecto</a:t>
-            </a:r>
-            <a:r>
-              <a:rPr dirty="0"/>
-              <a:t> al </a:t>
-            </a:r>
-            <a:r>
-              <a:rPr dirty="0" err="1"/>
-              <a:t>uso</a:t>
-            </a:r>
-            <a:r>
-              <a:rPr dirty="0"/>
-              <a:t> de </a:t>
-            </a:r>
-            <a:r>
-              <a:rPr dirty="0" err="1"/>
-              <a:t>NodeJS</a:t>
-            </a:r>
-            <a:r>
-              <a:rPr dirty="0"/>
-              <a:t>, </a:t>
-            </a:r>
-            <a:r>
-              <a:rPr dirty="0" err="1"/>
-              <a:t>hemos</a:t>
-            </a:r>
-            <a:r>
-              <a:rPr dirty="0"/>
-              <a:t> </a:t>
-            </a:r>
-            <a:r>
-              <a:rPr dirty="0" err="1"/>
-              <a:t>podido</a:t>
-            </a:r>
-            <a:r>
-              <a:rPr dirty="0"/>
-              <a:t> </a:t>
-            </a:r>
-            <a:r>
-              <a:rPr dirty="0" err="1"/>
-              <a:t>realizar</a:t>
-            </a:r>
-            <a:r>
-              <a:rPr dirty="0"/>
-              <a:t> </a:t>
-            </a:r>
-            <a:r>
-              <a:rPr dirty="0" err="1"/>
-              <a:t>todas</a:t>
-            </a:r>
-            <a:r>
-              <a:rPr dirty="0"/>
-              <a:t> las </a:t>
-            </a:r>
-            <a:r>
-              <a:rPr dirty="0" err="1"/>
-              <a:t>funciones</a:t>
-            </a:r>
-            <a:r>
-              <a:rPr dirty="0"/>
-              <a:t> que </a:t>
-            </a:r>
-            <a:r>
-              <a:rPr dirty="0" err="1"/>
-              <a:t>queríamos</a:t>
-            </a:r>
-            <a:r>
-              <a:rPr dirty="0"/>
-              <a:t>, </a:t>
-            </a:r>
-            <a:r>
-              <a:rPr dirty="0" err="1"/>
-              <a:t>consiguiendo</a:t>
-            </a:r>
-            <a:r>
-              <a:rPr dirty="0"/>
-              <a:t> </a:t>
-            </a:r>
-            <a:r>
-              <a:rPr dirty="0" err="1"/>
-              <a:t>grandes</a:t>
-            </a:r>
-            <a:r>
-              <a:rPr dirty="0"/>
-              <a:t> </a:t>
-            </a:r>
-            <a:r>
-              <a:rPr dirty="0" err="1"/>
-              <a:t>facilidades</a:t>
-            </a:r>
-            <a:r>
-              <a:rPr dirty="0"/>
-              <a:t> </a:t>
-            </a:r>
-            <a:r>
-              <a:rPr dirty="0" err="1"/>
-              <a:t>mediante</a:t>
-            </a:r>
-            <a:r>
-              <a:rPr dirty="0"/>
-              <a:t> el </a:t>
-            </a:r>
-            <a:r>
-              <a:rPr dirty="0" err="1"/>
-              <a:t>uso</a:t>
-            </a:r>
-            <a:r>
-              <a:rPr dirty="0"/>
-              <a:t> de </a:t>
-            </a:r>
-            <a:r>
-              <a:rPr dirty="0" err="1"/>
-              <a:t>módulos</a:t>
-            </a:r>
-            <a:r>
-              <a:rPr dirty="0"/>
-              <a:t> de </a:t>
-            </a:r>
-            <a:r>
-              <a:rPr dirty="0" err="1"/>
-              <a:t>terceros</a:t>
-            </a:r>
-            <a:r>
-              <a:rPr dirty="0"/>
-              <a:t>.</a:t>
-            </a:r>
-          </a:p>
-          <a:p>
-            <a:pPr marL="294105" indent="-294105">
-              <a:buClr>
-                <a:srgbClr val="5C86B9"/>
-              </a:buClr>
-              <a:buSzPct val="70000"/>
-              <a:buFont typeface="Zapf Dingbats"/>
-              <a:buChar char="-"/>
-            </a:pPr>
-            <a:r>
-              <a:rPr dirty="0"/>
-              <a:t>El control de </a:t>
-            </a:r>
-            <a:r>
-              <a:rPr dirty="0" err="1"/>
-              <a:t>presencia</a:t>
-            </a:r>
-            <a:r>
-              <a:rPr dirty="0"/>
-              <a:t> </a:t>
-            </a:r>
-            <a:r>
-              <a:rPr dirty="0" err="1"/>
-              <a:t>planteado</a:t>
-            </a:r>
-            <a:r>
-              <a:rPr dirty="0"/>
-              <a:t> se ha </a:t>
-            </a:r>
-            <a:r>
-              <a:rPr dirty="0" err="1"/>
-              <a:t>podido</a:t>
-            </a:r>
-            <a:r>
-              <a:rPr dirty="0"/>
-              <a:t> </a:t>
-            </a:r>
-            <a:r>
-              <a:rPr dirty="0" err="1"/>
-              <a:t>implementar</a:t>
-            </a:r>
-            <a:r>
-              <a:rPr dirty="0"/>
-              <a:t> </a:t>
-            </a:r>
-            <a:r>
-              <a:rPr dirty="0" err="1"/>
-              <a:t>en</a:t>
-            </a:r>
-            <a:r>
-              <a:rPr dirty="0"/>
-              <a:t> el </a:t>
-            </a:r>
-            <a:r>
-              <a:rPr dirty="0" err="1"/>
-              <a:t>sistema</a:t>
-            </a:r>
-            <a:r>
-              <a:rPr dirty="0"/>
-              <a:t>, </a:t>
-            </a:r>
-            <a:r>
-              <a:rPr dirty="0" err="1"/>
-              <a:t>aunque</a:t>
-            </a:r>
-            <a:r>
-              <a:rPr dirty="0"/>
-              <a:t> </a:t>
-            </a:r>
-            <a:r>
-              <a:rPr dirty="0" err="1"/>
-              <a:t>en</a:t>
-            </a:r>
-            <a:r>
-              <a:rPr dirty="0"/>
-              <a:t> el </a:t>
-            </a:r>
-            <a:r>
-              <a:rPr dirty="0" err="1"/>
-              <a:t>apartado</a:t>
-            </a:r>
-            <a:r>
-              <a:rPr dirty="0"/>
-              <a:t> de </a:t>
-            </a:r>
-            <a:r>
-              <a:rPr dirty="0" err="1"/>
-              <a:t>pruebas</a:t>
-            </a:r>
-            <a:r>
-              <a:rPr dirty="0"/>
-              <a:t> de </a:t>
-            </a:r>
-            <a:r>
-              <a:rPr dirty="0" err="1"/>
-              <a:t>rendimiento</a:t>
-            </a:r>
-            <a:r>
-              <a:rPr dirty="0"/>
-              <a:t> </a:t>
-            </a:r>
-            <a:r>
-              <a:rPr dirty="0" err="1"/>
-              <a:t>hemos</a:t>
-            </a:r>
-            <a:r>
-              <a:rPr dirty="0"/>
-              <a:t> </a:t>
-            </a:r>
-            <a:r>
-              <a:rPr dirty="0" err="1"/>
-              <a:t>visto</a:t>
-            </a:r>
-            <a:r>
-              <a:rPr dirty="0"/>
-              <a:t> que </a:t>
-            </a:r>
-            <a:r>
-              <a:rPr dirty="0" err="1"/>
-              <a:t>lleva</a:t>
-            </a:r>
-            <a:r>
-              <a:rPr dirty="0"/>
-              <a:t> un </a:t>
-            </a:r>
-            <a:r>
-              <a:rPr dirty="0" err="1"/>
-              <a:t>tiempo</a:t>
-            </a:r>
-            <a:r>
-              <a:rPr dirty="0"/>
-              <a:t> </a:t>
-            </a:r>
-            <a:r>
-              <a:rPr dirty="0" err="1"/>
-              <a:t>bastante</a:t>
-            </a:r>
-            <a:r>
-              <a:rPr dirty="0"/>
-              <a:t> alto el </a:t>
-            </a:r>
-            <a:r>
-              <a:rPr dirty="0" err="1"/>
-              <a:t>reconocimiento</a:t>
-            </a:r>
-            <a:r>
-              <a:rPr dirty="0"/>
-              <a:t> de la red, </a:t>
-            </a:r>
-            <a:r>
-              <a:rPr dirty="0" err="1"/>
-              <a:t>pero</a:t>
-            </a:r>
-            <a:r>
-              <a:rPr dirty="0"/>
-              <a:t> </a:t>
-            </a:r>
-            <a:r>
-              <a:rPr dirty="0" err="1"/>
-              <a:t>es</a:t>
-            </a:r>
-            <a:r>
-              <a:rPr dirty="0"/>
-              <a:t> un </a:t>
-            </a:r>
-            <a:r>
-              <a:rPr dirty="0" err="1"/>
-              <a:t>tiempo</a:t>
-            </a:r>
-            <a:r>
-              <a:rPr dirty="0"/>
-              <a:t> que </a:t>
-            </a:r>
-            <a:r>
-              <a:rPr dirty="0" err="1"/>
-              <a:t>podemos</a:t>
-            </a:r>
-            <a:r>
-              <a:rPr dirty="0"/>
-              <a:t> </a:t>
-            </a:r>
-            <a:r>
-              <a:rPr dirty="0" err="1"/>
-              <a:t>permitirnos</a:t>
-            </a:r>
-            <a:r>
-              <a:rPr dirty="0"/>
-              <a:t>.</a:t>
-            </a:r>
-          </a:p>
-          <a:p>
-            <a:pPr marL="294105" indent="-294105">
-              <a:buClr>
-                <a:srgbClr val="5C86B9"/>
-              </a:buClr>
-              <a:buSzPct val="70000"/>
-              <a:buFont typeface="Zapf Dingbats"/>
-              <a:buChar char="-"/>
-            </a:pPr>
-            <a:r>
-              <a:rPr dirty="0"/>
-              <a:t>Por </a:t>
-            </a:r>
-            <a:r>
-              <a:rPr dirty="0" err="1"/>
-              <a:t>último</a:t>
-            </a:r>
-            <a:r>
-              <a:rPr dirty="0"/>
-              <a:t>, el </a:t>
-            </a:r>
-            <a:r>
-              <a:rPr dirty="0" err="1"/>
-              <a:t>requisito</a:t>
-            </a:r>
-            <a:r>
-              <a:rPr dirty="0"/>
-              <a:t> final </a:t>
-            </a:r>
-            <a:r>
-              <a:rPr dirty="0" err="1"/>
-              <a:t>propuesto</a:t>
-            </a:r>
-            <a:r>
-              <a:rPr dirty="0"/>
-              <a:t> que era el control del </a:t>
-            </a:r>
-            <a:r>
-              <a:rPr dirty="0" err="1"/>
-              <a:t>sistema</a:t>
-            </a:r>
-            <a:r>
-              <a:rPr dirty="0"/>
-              <a:t> </a:t>
-            </a:r>
-            <a:r>
-              <a:rPr dirty="0" err="1"/>
-              <a:t>mediante</a:t>
-            </a:r>
-            <a:r>
-              <a:rPr dirty="0"/>
-              <a:t> </a:t>
-            </a:r>
-            <a:r>
-              <a:rPr dirty="0" err="1"/>
-              <a:t>una</a:t>
-            </a:r>
-            <a:r>
-              <a:rPr dirty="0"/>
-              <a:t> </a:t>
-            </a:r>
-            <a:r>
-              <a:rPr dirty="0" err="1"/>
-              <a:t>aplicación</a:t>
-            </a:r>
-            <a:r>
-              <a:rPr dirty="0"/>
-              <a:t> de </a:t>
-            </a:r>
-            <a:r>
-              <a:rPr dirty="0" err="1"/>
-              <a:t>mensajería</a:t>
-            </a:r>
-            <a:r>
-              <a:rPr dirty="0"/>
-              <a:t> se ha </a:t>
-            </a:r>
-            <a:r>
-              <a:rPr dirty="0" err="1"/>
-              <a:t>podido</a:t>
-            </a:r>
-            <a:r>
-              <a:rPr dirty="0"/>
-              <a:t> </a:t>
-            </a:r>
-            <a:r>
-              <a:rPr dirty="0" err="1"/>
-              <a:t>satisfacer</a:t>
-            </a:r>
-            <a:r>
-              <a:rPr dirty="0"/>
-              <a:t> </a:t>
-            </a:r>
-            <a:r>
-              <a:rPr dirty="0" err="1"/>
-              <a:t>mediante</a:t>
-            </a:r>
-            <a:r>
-              <a:rPr dirty="0"/>
-              <a:t> el Bot API de Telegram. </a:t>
-            </a:r>
-            <a:r>
-              <a:rPr dirty="0" err="1"/>
-              <a:t>Integrando</a:t>
-            </a:r>
-            <a:r>
-              <a:rPr dirty="0"/>
-              <a:t> un Bot </a:t>
-            </a:r>
-            <a:r>
-              <a:rPr dirty="0" err="1"/>
-              <a:t>en</a:t>
-            </a:r>
-            <a:r>
-              <a:rPr dirty="0"/>
-              <a:t> </a:t>
-            </a:r>
-            <a:r>
-              <a:rPr dirty="0" err="1"/>
-              <a:t>su</a:t>
-            </a:r>
-            <a:r>
-              <a:rPr dirty="0"/>
-              <a:t> </a:t>
-            </a:r>
-            <a:r>
-              <a:rPr dirty="0" err="1"/>
-              <a:t>cliente</a:t>
-            </a:r>
-            <a:r>
-              <a:rPr dirty="0"/>
-              <a:t> y </a:t>
-            </a:r>
-            <a:r>
-              <a:rPr dirty="0" err="1"/>
-              <a:t>haciendo</a:t>
-            </a:r>
-            <a:r>
-              <a:rPr dirty="0"/>
-              <a:t> la </a:t>
-            </a:r>
-            <a:r>
-              <a:rPr dirty="0" err="1"/>
-              <a:t>tarea</a:t>
-            </a:r>
-            <a:r>
-              <a:rPr dirty="0"/>
-              <a:t> de control </a:t>
-            </a:r>
-            <a:r>
-              <a:rPr dirty="0" err="1"/>
-              <a:t>muy</a:t>
-            </a:r>
-            <a:r>
-              <a:rPr dirty="0"/>
-              <a:t> </a:t>
-            </a:r>
-            <a:r>
-              <a:rPr dirty="0" err="1"/>
-              <a:t>intuitiva</a:t>
-            </a:r>
-            <a:r>
-              <a:rPr dirty="0"/>
-              <a:t>.</a:t>
-            </a:r>
-          </a:p>
-        </p:txBody>
-      </p:sp>
-    </p:spTree>
-  </p:cSld>
-  <p:clrMapOvr>
-    <a:masterClrMapping/>
-  </p:clrMapOvr>
-</p:notes>
-</file>
-
-<file path=ppt/notesSlides/notesSlide23.xml><?xml version="1.0" encoding="utf-8"?>
-<p:notes xmlns:a="http://schemas.openxmlformats.org/drawingml/2006/main" xmlns:r="http://schemas.openxmlformats.org/officeDocument/2006/relationships" xmlns:p="http://schemas.openxmlformats.org/presentationml/2006/main">
-  <p:cSld>
-    <p:spTree>
-      <p:nvGrpSpPr>
-        <p:cNvPr id="1" name=""/>
-        <p:cNvGrpSpPr/>
-        <p:nvPr/>
-      </p:nvGrpSpPr>
-      <p:grpSpPr>
-        <a:xfrm>
-          <a:off x="0" y="0"/>
-          <a:ext cx="0" cy="0"/>
-          <a:chOff x="0" y="0"/>
-          <a:chExt cx="0" cy="0"/>
-        </a:xfrm>
-      </p:grpSpPr>
-      <p:sp>
-        <p:nvSpPr>
           <p:cNvPr id="2" name="Marcador de imagen de diapositiva 1"/>
           <p:cNvSpPr>
             <a:spLocks noGrp="1" noRot="1" noChangeAspect="1"/>
@@ -2900,13 +2660,9 @@
             </a:r>
             <a:r>
               <a:rPr lang="es-ES" baseline="0" dirty="0"/>
-              <a:t> mi </a:t>
-            </a:r>
-            <a:r>
-              <a:rPr lang="es-ES" baseline="0"/>
-              <a:t>presentació</a:t>
-            </a:r>
-            <a:endParaRPr lang="es-ES"/>
+              <a:t> mi presentación y quedo a disposición del tribunal para enseñar la demostración o resolver preguntas</a:t>
+            </a:r>
+            <a:endParaRPr lang="es-ES" dirty="0"/>
           </a:p>
         </p:txBody>
       </p:sp>
@@ -8141,7 +7897,7 @@
           </a:ln>
           <a:extLst>
             <a:ext uri="{C572A759-6A51-4108-AA02-DFA0A04FC94B}">
-              <ma14:wrappingTextBoxFlag xmlns:ma14="http://schemas.microsoft.com/office/mac/drawingml/2011/main" xmlns="" val="1"/>
+              <ma14:wrappingTextBoxFlag xmlns="" xmlns:ma14="http://schemas.microsoft.com/office/mac/drawingml/2011/main" val="1"/>
             </a:ext>
           </a:extLst>
         </p:spPr>
@@ -8180,7 +7936,7 @@
           </a:ln>
           <a:extLst>
             <a:ext uri="{C572A759-6A51-4108-AA02-DFA0A04FC94B}">
-              <ma14:wrappingTextBoxFlag xmlns:ma14="http://schemas.microsoft.com/office/mac/drawingml/2011/main" xmlns="" val="1"/>
+              <ma14:wrappingTextBoxFlag xmlns="" xmlns:ma14="http://schemas.microsoft.com/office/mac/drawingml/2011/main" val="1"/>
             </a:ext>
           </a:extLst>
         </p:spPr>
@@ -9331,7 +9087,7 @@
           </a:prstGeom>
           <a:extLst>
             <a:ext uri="{C572A759-6A51-4108-AA02-DFA0A04FC94B}">
-              <ma14:wrappingTextBoxFlag xmlns:ma14="http://schemas.microsoft.com/office/mac/drawingml/2011/main" xmlns="" val="1"/>
+              <ma14:wrappingTextBoxFlag xmlns="" xmlns:ma14="http://schemas.microsoft.com/office/mac/drawingml/2011/main" val="1"/>
             </a:ext>
           </a:extLst>
         </p:spPr>
@@ -9373,7 +9129,7 @@
           </a:ln>
           <a:extLst>
             <a:ext uri="{C572A759-6A51-4108-AA02-DFA0A04FC94B}">
-              <ma14:wrappingTextBoxFlag xmlns:ma14="http://schemas.microsoft.com/office/mac/drawingml/2011/main" xmlns="" val="1"/>
+              <ma14:wrappingTextBoxFlag xmlns="" xmlns:ma14="http://schemas.microsoft.com/office/mac/drawingml/2011/main" val="1"/>
             </a:ext>
           </a:extLst>
         </p:spPr>
@@ -9471,7 +9227,7 @@
           </a:prstGeom>
           <a:extLst>
             <a:ext uri="{C572A759-6A51-4108-AA02-DFA0A04FC94B}">
-              <ma14:wrappingTextBoxFlag xmlns:ma14="http://schemas.microsoft.com/office/mac/drawingml/2011/main" xmlns="" val="1"/>
+              <ma14:wrappingTextBoxFlag xmlns="" xmlns:ma14="http://schemas.microsoft.com/office/mac/drawingml/2011/main" val="1"/>
             </a:ext>
           </a:extLst>
         </p:spPr>
@@ -9592,7 +9348,7 @@
           </a:prstGeom>
           <a:extLst>
             <a:ext uri="{C572A759-6A51-4108-AA02-DFA0A04FC94B}">
-              <ma14:wrappingTextBoxFlag xmlns:ma14="http://schemas.microsoft.com/office/mac/drawingml/2011/main" xmlns="" val="1"/>
+              <ma14:wrappingTextBoxFlag xmlns="" xmlns:ma14="http://schemas.microsoft.com/office/mac/drawingml/2011/main" val="1"/>
             </a:ext>
           </a:extLst>
         </p:spPr>
@@ -9714,7 +9470,7 @@
           </a:prstGeom>
           <a:extLst>
             <a:ext uri="{C572A759-6A51-4108-AA02-DFA0A04FC94B}">
-              <ma14:wrappingTextBoxFlag xmlns:ma14="http://schemas.microsoft.com/office/mac/drawingml/2011/main" xmlns="" val="1"/>
+              <ma14:wrappingTextBoxFlag xmlns="" xmlns:ma14="http://schemas.microsoft.com/office/mac/drawingml/2011/main" val="1"/>
             </a:ext>
           </a:extLst>
         </p:spPr>
@@ -9836,7 +9592,7 @@
           </a:prstGeom>
           <a:extLst>
             <a:ext uri="{C572A759-6A51-4108-AA02-DFA0A04FC94B}">
-              <ma14:wrappingTextBoxFlag xmlns:ma14="http://schemas.microsoft.com/office/mac/drawingml/2011/main" xmlns="" val="1"/>
+              <ma14:wrappingTextBoxFlag xmlns="" xmlns:ma14="http://schemas.microsoft.com/office/mac/drawingml/2011/main" val="1"/>
             </a:ext>
           </a:extLst>
         </p:spPr>
@@ -10185,7 +9941,7 @@
           </a:prstGeom>
           <a:extLst>
             <a:ext uri="{C572A759-6A51-4108-AA02-DFA0A04FC94B}">
-              <ma14:wrappingTextBoxFlag xmlns:ma14="http://schemas.microsoft.com/office/mac/drawingml/2011/main" xmlns="" val="1"/>
+              <ma14:wrappingTextBoxFlag xmlns="" xmlns:ma14="http://schemas.microsoft.com/office/mac/drawingml/2011/main" val="1"/>
             </a:ext>
           </a:extLst>
         </p:spPr>
@@ -10555,7 +10311,7 @@
           </a:prstGeom>
           <a:extLst>
             <a:ext uri="{C572A759-6A51-4108-AA02-DFA0A04FC94B}">
-              <ma14:wrappingTextBoxFlag xmlns:ma14="http://schemas.microsoft.com/office/mac/drawingml/2011/main" xmlns="" val="1"/>
+              <ma14:wrappingTextBoxFlag xmlns="" xmlns:ma14="http://schemas.microsoft.com/office/mac/drawingml/2011/main" val="1"/>
             </a:ext>
           </a:extLst>
         </p:spPr>
@@ -11051,7 +10807,7 @@
           </a:prstGeom>
           <a:extLst>
             <a:ext uri="{C572A759-6A51-4108-AA02-DFA0A04FC94B}">
-              <ma14:wrappingTextBoxFlag xmlns:ma14="http://schemas.microsoft.com/office/mac/drawingml/2011/main" xmlns="" val="1"/>
+              <ma14:wrappingTextBoxFlag xmlns="" xmlns:ma14="http://schemas.microsoft.com/office/mac/drawingml/2011/main" val="1"/>
             </a:ext>
           </a:extLst>
         </p:spPr>
@@ -11610,563 +11366,6 @@
       </p:graphicFrame>
       <p:graphicFrame>
         <p:nvGraphicFramePr>
-          <p:cNvPr id="6" name="Table 268"/>
-          <p:cNvGraphicFramePr/>
-          <p:nvPr>
-            <p:extLst>
-              <p:ext uri="{D42A27DB-BD31-4B8C-83A1-F6EECF244321}">
-                <p14:modId xmlns:p14="http://schemas.microsoft.com/office/powerpoint/2010/main" val="4202002506"/>
-              </p:ext>
-            </p:extLst>
-          </p:nvPr>
-        </p:nvGraphicFramePr>
-        <p:xfrm>
-          <a:off x="5861410" y="5783904"/>
-          <a:ext cx="6159006" cy="3675166"/>
-        </p:xfrm>
-        <a:graphic>
-          <a:graphicData uri="http://schemas.openxmlformats.org/drawingml/2006/table">
-            <a:tbl>
-              <a:tblPr firstRow="1">
-                <a:tableStyleId>{4C3C2611-4C71-4FC5-86AE-919BDF0F9419}</a:tableStyleId>
-              </a:tblPr>
-              <a:tblGrid>
-                <a:gridCol w="2053002">
-                  <a:extLst>
-                    <a:ext uri="{9D8B030D-6E8A-4147-A177-3AD203B41FA5}">
-                      <a16:colId xmlns:a16="http://schemas.microsoft.com/office/drawing/2014/main" val="20000"/>
-                    </a:ext>
-                  </a:extLst>
-                </a:gridCol>
-                <a:gridCol w="2053002">
-                  <a:extLst>
-                    <a:ext uri="{9D8B030D-6E8A-4147-A177-3AD203B41FA5}">
-                      <a16:colId xmlns:a16="http://schemas.microsoft.com/office/drawing/2014/main" val="20001"/>
-                    </a:ext>
-                  </a:extLst>
-                </a:gridCol>
-                <a:gridCol w="2053002">
-                  <a:extLst>
-                    <a:ext uri="{9D8B030D-6E8A-4147-A177-3AD203B41FA5}">
-                      <a16:colId xmlns:a16="http://schemas.microsoft.com/office/drawing/2014/main" val="20002"/>
-                    </a:ext>
-                  </a:extLst>
-                </a:gridCol>
-              </a:tblGrid>
-              <a:tr h="557188">
-                <a:tc gridSpan="3">
-                  <a:txBody>
-                    <a:bodyPr/>
-                    <a:lstStyle/>
-                    <a:p>
-                      <a:pPr defTabSz="914400">
-                        <a:tabLst>
-                          <a:tab pos="914400" algn="l"/>
-                        </a:tabLst>
-                        <a:defRPr sz="1800">
-                          <a:solidFill>
-                            <a:srgbClr val="000000"/>
-                          </a:solidFill>
-                        </a:defRPr>
-                      </a:pPr>
-                      <a:r>
-                        <a:rPr lang="es-ES" sz="2100" dirty="0">
-                          <a:solidFill>
-                            <a:srgbClr val="F6F4EF"/>
-                          </a:solidFill>
-                          <a:effectLst>
-                            <a:outerShdw blurRad="25400" dist="12700" dir="5400000" rotWithShape="0">
-                              <a:srgbClr val="000000">
-                                <a:alpha val="50000"/>
-                              </a:srgbClr>
-                            </a:outerShdw>
-                          </a:effectLst>
-                        </a:rPr>
-                        <a:t>Recepción</a:t>
-                      </a:r>
-                      <a:r>
-                        <a:rPr lang="es-ES" sz="2100" baseline="0" dirty="0">
-                          <a:solidFill>
-                            <a:srgbClr val="F6F4EF"/>
-                          </a:solidFill>
-                          <a:effectLst>
-                            <a:outerShdw blurRad="25400" dist="12700" dir="5400000" rotWithShape="0">
-                              <a:srgbClr val="000000">
-                                <a:alpha val="50000"/>
-                              </a:srgbClr>
-                            </a:outerShdw>
-                          </a:effectLst>
-                        </a:rPr>
-                        <a:t> y reproducción de audio</a:t>
-                      </a:r>
-                      <a:endParaRPr sz="2100" dirty="0">
-                        <a:solidFill>
-                          <a:srgbClr val="F6F4EF"/>
-                        </a:solidFill>
-                        <a:effectLst>
-                          <a:outerShdw blurRad="25400" dist="12700" dir="5400000" rotWithShape="0">
-                            <a:srgbClr val="000000">
-                              <a:alpha val="50000"/>
-                            </a:srgbClr>
-                          </a:outerShdw>
-                        </a:effectLst>
-                      </a:endParaRPr>
-                    </a:p>
-                  </a:txBody>
-                  <a:tcPr marL="28332" marR="28332" marT="28332" marB="28332" anchor="ctr" horzOverflow="overflow">
-                    <a:lnL w="12700">
-                      <a:solidFill>
-                        <a:srgbClr val="7695B6"/>
-                      </a:solidFill>
-                      <a:miter lim="400000"/>
-                    </a:lnL>
-                    <a:lnR w="12700" cap="flat" cmpd="sng" algn="ctr">
-                      <a:solidFill>
-                        <a:srgbClr val="7695B6"/>
-                      </a:solidFill>
-                      <a:prstDash val="solid"/>
-                      <a:miter lim="400000"/>
-                      <a:headEnd type="none" w="med" len="med"/>
-                      <a:tailEnd type="none" w="med" len="med"/>
-                    </a:lnR>
-                    <a:blipFill rotWithShape="1">
-                      <a:blip r:embed="rId3"/>
-                      <a:srcRect/>
-                      <a:tile tx="0" ty="0" sx="100000" sy="100000" flip="none" algn="tl"/>
-                    </a:blipFill>
-                  </a:tcPr>
-                </a:tc>
-                <a:tc hMerge="1">
-                  <a:txBody>
-                    <a:bodyPr/>
-                    <a:lstStyle/>
-                    <a:p>
-                      <a:pPr defTabSz="914400">
-                        <a:tabLst>
-                          <a:tab pos="914400" algn="l"/>
-                        </a:tabLst>
-                        <a:defRPr sz="1800">
-                          <a:solidFill>
-                            <a:srgbClr val="000000"/>
-                          </a:solidFill>
-                        </a:defRPr>
-                      </a:pPr>
-                      <a:endParaRPr sz="2000">
-                        <a:solidFill>
-                          <a:srgbClr val="F6F4EF"/>
-                        </a:solidFill>
-                        <a:effectLst>
-                          <a:outerShdw blurRad="25400" dist="12700" dir="5400000" rotWithShape="0">
-                            <a:srgbClr val="000000">
-                              <a:alpha val="50000"/>
-                            </a:srgbClr>
-                          </a:outerShdw>
-                        </a:effectLst>
-                      </a:endParaRPr>
-                    </a:p>
-                  </a:txBody>
-                  <a:tcPr marL="33944" marR="33944" marT="33944" marB="33944" anchor="ctr" horzOverflow="overflow">
-                    <a:blipFill rotWithShape="1">
-                      <a:blip r:embed="rId3"/>
-                      <a:srcRect/>
-                      <a:tile tx="0" ty="0" sx="100000" sy="100000" flip="none" algn="tl"/>
-                    </a:blipFill>
-                  </a:tcPr>
-                </a:tc>
-                <a:tc hMerge="1">
-                  <a:txBody>
-                    <a:bodyPr/>
-                    <a:lstStyle/>
-                    <a:p>
-                      <a:pPr defTabSz="914400">
-                        <a:tabLst>
-                          <a:tab pos="914400" algn="l"/>
-                        </a:tabLst>
-                        <a:defRPr sz="1800">
-                          <a:solidFill>
-                            <a:srgbClr val="000000"/>
-                          </a:solidFill>
-                        </a:defRPr>
-                      </a:pPr>
-                      <a:endParaRPr sz="2000" dirty="0">
-                        <a:solidFill>
-                          <a:srgbClr val="F6F4EF"/>
-                        </a:solidFill>
-                        <a:effectLst>
-                          <a:outerShdw blurRad="25400" dist="12700" dir="5400000" rotWithShape="0">
-                            <a:srgbClr val="000000">
-                              <a:alpha val="50000"/>
-                            </a:srgbClr>
-                          </a:outerShdw>
-                        </a:effectLst>
-                      </a:endParaRPr>
-                    </a:p>
-                  </a:txBody>
-                  <a:tcPr marL="33944" marR="33944" marT="33944" marB="33944" anchor="ctr" horzOverflow="overflow">
-                    <a:lnR w="12700">
-                      <a:solidFill>
-                        <a:srgbClr val="7695B6"/>
-                      </a:solidFill>
-                      <a:miter lim="400000"/>
-                    </a:lnR>
-                    <a:blipFill rotWithShape="1">
-                      <a:blip r:embed="rId3"/>
-                      <a:srcRect/>
-                      <a:tile tx="0" ty="0" sx="100000" sy="100000" flip="none" algn="tl"/>
-                    </a:blipFill>
-                  </a:tcPr>
-                </a:tc>
-                <a:extLst>
-                  <a:ext uri="{0D108BD9-81ED-4DB2-BD59-A6C34878D82A}">
-                    <a16:rowId xmlns:a16="http://schemas.microsoft.com/office/drawing/2014/main" val="3098805213"/>
-                  </a:ext>
-                </a:extLst>
-              </a:tr>
-              <a:tr h="1039326">
-                <a:tc>
-                  <a:txBody>
-                    <a:bodyPr/>
-                    <a:lstStyle/>
-                    <a:p>
-                      <a:pPr defTabSz="914400">
-                        <a:tabLst>
-                          <a:tab pos="914400" algn="l"/>
-                        </a:tabLst>
-                        <a:defRPr sz="1800">
-                          <a:solidFill>
-                            <a:srgbClr val="000000"/>
-                          </a:solidFill>
-                        </a:defRPr>
-                      </a:pPr>
-                      <a:r>
-                        <a:rPr sz="2100" dirty="0" err="1">
-                          <a:solidFill>
-                            <a:srgbClr val="F6F4EF"/>
-                          </a:solidFill>
-                          <a:effectLst>
-                            <a:outerShdw blurRad="25400" dist="12700" dir="5400000" rotWithShape="0">
-                              <a:srgbClr val="000000">
-                                <a:alpha val="50000"/>
-                              </a:srgbClr>
-                            </a:outerShdw>
-                          </a:effectLst>
-                        </a:rPr>
-                        <a:t>Dispositivo</a:t>
-                      </a:r>
-                      <a:endParaRPr sz="2100" dirty="0">
-                        <a:solidFill>
-                          <a:srgbClr val="F6F4EF"/>
-                        </a:solidFill>
-                        <a:effectLst>
-                          <a:outerShdw blurRad="25400" dist="12700" dir="5400000" rotWithShape="0">
-                            <a:srgbClr val="000000">
-                              <a:alpha val="50000"/>
-                            </a:srgbClr>
-                          </a:outerShdw>
-                        </a:effectLst>
-                      </a:endParaRPr>
-                    </a:p>
-                  </a:txBody>
-                  <a:tcPr marL="28332" marR="28332" marT="28332" marB="28332" anchor="ctr" horzOverflow="overflow">
-                    <a:lnL w="12700">
-                      <a:solidFill>
-                        <a:srgbClr val="7695B6"/>
-                      </a:solidFill>
-                      <a:miter lim="400000"/>
-                    </a:lnL>
-                    <a:blipFill rotWithShape="1">
-                      <a:blip r:embed="rId3"/>
-                      <a:srcRect/>
-                      <a:tile tx="0" ty="0" sx="100000" sy="100000" flip="none" algn="tl"/>
-                    </a:blipFill>
-                  </a:tcPr>
-                </a:tc>
-                <a:tc>
-                  <a:txBody>
-                    <a:bodyPr/>
-                    <a:lstStyle/>
-                    <a:p>
-                      <a:pPr defTabSz="914400">
-                        <a:tabLst>
-                          <a:tab pos="914400" algn="l"/>
-                        </a:tabLst>
-                        <a:defRPr sz="1800">
-                          <a:solidFill>
-                            <a:srgbClr val="000000"/>
-                          </a:solidFill>
-                        </a:defRPr>
-                      </a:pPr>
-                      <a:r>
-                        <a:rPr sz="2100" dirty="0">
-                          <a:solidFill>
-                            <a:srgbClr val="F6F4EF"/>
-                          </a:solidFill>
-                          <a:effectLst>
-                            <a:outerShdw blurRad="25400" dist="12700" dir="5400000" rotWithShape="0">
-                              <a:srgbClr val="000000">
-                                <a:alpha val="50000"/>
-                              </a:srgbClr>
-                            </a:outerShdw>
-                          </a:effectLst>
-                        </a:rPr>
-                        <a:t>v4l2camera</a:t>
-                      </a:r>
-                    </a:p>
-                  </a:txBody>
-                  <a:tcPr marL="28332" marR="28332" marT="28332" marB="28332" anchor="ctr" horzOverflow="overflow">
-                    <a:blipFill rotWithShape="1">
-                      <a:blip r:embed="rId3"/>
-                      <a:srcRect/>
-                      <a:tile tx="0" ty="0" sx="100000" sy="100000" flip="none" algn="tl"/>
-                    </a:blipFill>
-                  </a:tcPr>
-                </a:tc>
-                <a:tc>
-                  <a:txBody>
-                    <a:bodyPr/>
-                    <a:lstStyle/>
-                    <a:p>
-                      <a:pPr defTabSz="914400">
-                        <a:tabLst>
-                          <a:tab pos="914400" algn="l"/>
-                        </a:tabLst>
-                        <a:defRPr sz="1800">
-                          <a:solidFill>
-                            <a:srgbClr val="000000"/>
-                          </a:solidFill>
-                        </a:defRPr>
-                      </a:pPr>
-                      <a:r>
-                        <a:rPr sz="2100">
-                          <a:solidFill>
-                            <a:srgbClr val="F6F4EF"/>
-                          </a:solidFill>
-                          <a:effectLst>
-                            <a:outerShdw blurRad="25400" dist="12700" dir="5400000" rotWithShape="0">
-                              <a:srgbClr val="000000">
-                                <a:alpha val="50000"/>
-                              </a:srgbClr>
-                            </a:outerShdw>
-                          </a:effectLst>
-                        </a:rPr>
-                        <a:t>fswebcam</a:t>
-                      </a:r>
-                    </a:p>
-                  </a:txBody>
-                  <a:tcPr marL="28332" marR="28332" marT="28332" marB="28332" anchor="ctr" horzOverflow="overflow">
-                    <a:lnR w="12700">
-                      <a:solidFill>
-                        <a:srgbClr val="7695B6"/>
-                      </a:solidFill>
-                      <a:miter lim="400000"/>
-                    </a:lnR>
-                    <a:blipFill rotWithShape="1">
-                      <a:blip r:embed="rId3"/>
-                      <a:srcRect/>
-                      <a:tile tx="0" ty="0" sx="100000" sy="100000" flip="none" algn="tl"/>
-                    </a:blipFill>
-                  </a:tcPr>
-                </a:tc>
-                <a:extLst>
-                  <a:ext uri="{0D108BD9-81ED-4DB2-BD59-A6C34878D82A}">
-                    <a16:rowId xmlns:a16="http://schemas.microsoft.com/office/drawing/2014/main" val="10000"/>
-                  </a:ext>
-                </a:extLst>
-              </a:tr>
-              <a:tr h="1039326">
-                <a:tc>
-                  <a:txBody>
-                    <a:bodyPr/>
-                    <a:lstStyle/>
-                    <a:p>
-                      <a:pPr defTabSz="457200">
-                        <a:defRPr sz="1800">
-                          <a:solidFill>
-                            <a:srgbClr val="000000"/>
-                          </a:solidFill>
-                        </a:defRPr>
-                      </a:pPr>
-                      <a:r>
-                        <a:rPr sz="2100" dirty="0">
-                          <a:solidFill>
-                            <a:srgbClr val="6D6A67"/>
-                          </a:solidFill>
-                          <a:effectLst>
-                            <a:outerShdw blurRad="25400" dist="12700" dir="5280000" rotWithShape="0">
-                              <a:srgbClr val="FFFFFF"/>
-                            </a:outerShdw>
-                          </a:effectLst>
-                        </a:rPr>
-                        <a:t>Raspberry Pi</a:t>
-                      </a:r>
-                    </a:p>
-                  </a:txBody>
-                  <a:tcPr marL="28332" marR="28332" marT="28332" marB="28332" anchor="ctr" horzOverflow="overflow"/>
-                </a:tc>
-                <a:tc>
-                  <a:txBody>
-                    <a:bodyPr/>
-                    <a:lstStyle/>
-                    <a:p>
-                      <a:pPr defTabSz="457200">
-                        <a:defRPr sz="1800">
-                          <a:solidFill>
-                            <a:srgbClr val="000000"/>
-                          </a:solidFill>
-                        </a:defRPr>
-                      </a:pPr>
-                      <a:r>
-                        <a:rPr sz="2100" dirty="0">
-                          <a:solidFill>
-                            <a:srgbClr val="6D6A67"/>
-                          </a:solidFill>
-                          <a:effectLst>
-                            <a:outerShdw blurRad="25400" dist="12700" dir="5280000" rotWithShape="0">
-                              <a:srgbClr val="FFFFFF"/>
-                            </a:outerShdw>
-                          </a:effectLst>
-                        </a:rPr>
-                        <a:t>1246ms</a:t>
-                      </a:r>
-                    </a:p>
-                  </a:txBody>
-                  <a:tcPr marL="28332" marR="28332" marT="28332" marB="28332" anchor="ctr" horzOverflow="overflow"/>
-                </a:tc>
-                <a:tc>
-                  <a:txBody>
-                    <a:bodyPr/>
-                    <a:lstStyle/>
-                    <a:p>
-                      <a:pPr defTabSz="457200">
-                        <a:defRPr sz="1800">
-                          <a:solidFill>
-                            <a:srgbClr val="000000"/>
-                          </a:solidFill>
-                        </a:defRPr>
-                      </a:pPr>
-                      <a:r>
-                        <a:rPr sz="2100" dirty="0">
-                          <a:solidFill>
-                            <a:srgbClr val="6D6A67"/>
-                          </a:solidFill>
-                          <a:effectLst>
-                            <a:outerShdw blurRad="25400" dist="12700" dir="5280000" rotWithShape="0">
-                              <a:srgbClr val="FFFFFF"/>
-                            </a:outerShdw>
-                          </a:effectLst>
-                        </a:rPr>
-                        <a:t>1278ms</a:t>
-                      </a:r>
-                    </a:p>
-                  </a:txBody>
-                  <a:tcPr marL="28332" marR="28332" marT="28332" marB="28332" anchor="ctr" horzOverflow="overflow"/>
-                </a:tc>
-                <a:extLst>
-                  <a:ext uri="{0D108BD9-81ED-4DB2-BD59-A6C34878D82A}">
-                    <a16:rowId xmlns:a16="http://schemas.microsoft.com/office/drawing/2014/main" val="10001"/>
-                  </a:ext>
-                </a:extLst>
-              </a:tr>
-              <a:tr h="1039326">
-                <a:tc>
-                  <a:txBody>
-                    <a:bodyPr/>
-                    <a:lstStyle/>
-                    <a:p>
-                      <a:pPr defTabSz="457200">
-                        <a:defRPr sz="1800">
-                          <a:solidFill>
-                            <a:srgbClr val="000000"/>
-                          </a:solidFill>
-                        </a:defRPr>
-                      </a:pPr>
-                      <a:r>
-                        <a:rPr sz="2100">
-                          <a:solidFill>
-                            <a:srgbClr val="6D6A67"/>
-                          </a:solidFill>
-                          <a:effectLst>
-                            <a:outerShdw blurRad="25400" dist="12700" dir="5280000" rotWithShape="0">
-                              <a:srgbClr val="FFFFFF"/>
-                            </a:outerShdw>
-                          </a:effectLst>
-                        </a:rPr>
-                        <a:t>MacBook</a:t>
-                      </a:r>
-                    </a:p>
-                  </a:txBody>
-                  <a:tcPr marL="28332" marR="28332" marT="28332" marB="28332" anchor="ctr" horzOverflow="overflow"/>
-                </a:tc>
-                <a:tc>
-                  <a:txBody>
-                    <a:bodyPr/>
-                    <a:lstStyle/>
-                    <a:p>
-                      <a:pPr defTabSz="457200">
-                        <a:defRPr sz="1800">
-                          <a:solidFill>
-                            <a:srgbClr val="000000"/>
-                          </a:solidFill>
-                        </a:defRPr>
-                      </a:pPr>
-                      <a:r>
-                        <a:rPr sz="2100">
-                          <a:solidFill>
-                            <a:srgbClr val="6D6A67"/>
-                          </a:solidFill>
-                          <a:effectLst>
-                            <a:outerShdw blurRad="25400" dist="12700" dir="5280000" rotWithShape="0">
-                              <a:srgbClr val="FFFFFF"/>
-                            </a:outerShdw>
-                          </a:effectLst>
-                        </a:rPr>
-                        <a:t>1038ms</a:t>
-                      </a:r>
-                    </a:p>
-                  </a:txBody>
-                  <a:tcPr marL="28332" marR="28332" marT="28332" marB="28332" anchor="ctr" horzOverflow="overflow"/>
-                </a:tc>
-                <a:tc>
-                  <a:txBody>
-                    <a:bodyPr/>
-                    <a:lstStyle/>
-                    <a:p>
-                      <a:pPr defTabSz="457200">
-                        <a:defRPr sz="1800">
-                          <a:solidFill>
-                            <a:srgbClr val="000000"/>
-                          </a:solidFill>
-                        </a:defRPr>
-                      </a:pPr>
-                      <a:r>
-                        <a:rPr sz="2100" dirty="0">
-                          <a:solidFill>
-                            <a:srgbClr val="6D6A67"/>
-                          </a:solidFill>
-                          <a:effectLst>
-                            <a:outerShdw blurRad="25400" dist="12700" dir="5280000" rotWithShape="0">
-                              <a:srgbClr val="FFFFFF"/>
-                            </a:outerShdw>
-                          </a:effectLst>
-                        </a:rPr>
-                        <a:t>986ms</a:t>
-                      </a:r>
-                    </a:p>
-                  </a:txBody>
-                  <a:tcPr marL="28332" marR="28332" marT="28332" marB="28332" anchor="ctr" horzOverflow="overflow"/>
-                </a:tc>
-                <a:extLst>
-                  <a:ext uri="{0D108BD9-81ED-4DB2-BD59-A6C34878D82A}">
-                    <a16:rowId xmlns:a16="http://schemas.microsoft.com/office/drawing/2014/main" val="10002"/>
-                  </a:ext>
-                </a:extLst>
-              </a:tr>
-            </a:tbl>
-          </a:graphicData>
-        </a:graphic>
-      </p:graphicFrame>
-      <p:graphicFrame>
-        <p:nvGraphicFramePr>
           <p:cNvPr id="8" name="Table 280"/>
           <p:cNvGraphicFramePr/>
           <p:nvPr>
@@ -12615,72 +11814,21 @@
           </a:graphicData>
         </a:graphic>
       </p:graphicFrame>
-    </p:spTree>
-  </p:cSld>
-  <p:clrMapOvr>
-    <a:masterClrMapping/>
-  </p:clrMapOvr>
-  <p:transition spd="med"/>
-</p:sld>
-</file>
-
-<file path=ppt/slides/slide17.xml><?xml version="1.0" encoding="utf-8"?>
-<p:sld xmlns:a="http://schemas.openxmlformats.org/drawingml/2006/main" xmlns:r="http://schemas.openxmlformats.org/officeDocument/2006/relationships" xmlns:p="http://schemas.openxmlformats.org/presentationml/2006/main">
-  <p:cSld>
-    <p:spTree>
-      <p:nvGrpSpPr>
-        <p:cNvPr id="1" name=""/>
-        <p:cNvGrpSpPr/>
-        <p:nvPr/>
-      </p:nvGrpSpPr>
-      <p:grpSpPr>
-        <a:xfrm>
-          <a:off x="0" y="0"/>
-          <a:ext cx="0" cy="0"/>
-          <a:chOff x="0" y="0"/>
-          <a:chExt cx="0" cy="0"/>
-        </a:xfrm>
-      </p:grpSpPr>
-      <p:sp>
-        <p:nvSpPr>
-          <p:cNvPr id="267" name="Shape 267"/>
-          <p:cNvSpPr>
-            <a:spLocks noGrp="1"/>
-          </p:cNvSpPr>
-          <p:nvPr>
-            <p:ph type="title"/>
-          </p:nvPr>
-        </p:nvSpPr>
-        <p:spPr>
-          <a:prstGeom prst="rect">
-            <a:avLst/>
-          </a:prstGeom>
-        </p:spPr>
-        <p:txBody>
-          <a:bodyPr/>
-          <a:lstStyle/>
-          <a:p>
-            <a:r>
-              <a:t>Captura de foto</a:t>
-            </a:r>
-          </a:p>
-        </p:txBody>
-      </p:sp>
       <p:graphicFrame>
         <p:nvGraphicFramePr>
-          <p:cNvPr id="268" name="Table 268"/>
+          <p:cNvPr id="9" name="Table 274"/>
           <p:cNvGraphicFramePr/>
           <p:nvPr>
             <p:extLst>
               <p:ext uri="{D42A27DB-BD31-4B8C-83A1-F6EECF244321}">
-                <p14:modId xmlns:p14="http://schemas.microsoft.com/office/powerpoint/2010/main" val="2697190057"/>
+                <p14:modId xmlns:p14="http://schemas.microsoft.com/office/powerpoint/2010/main" val="3127289654"/>
               </p:ext>
             </p:extLst>
           </p:nvPr>
         </p:nvGraphicFramePr>
         <p:xfrm>
-          <a:off x="4645028" y="4805463"/>
-          <a:ext cx="7378959" cy="3735573"/>
+          <a:off x="5861410" y="5876865"/>
+          <a:ext cx="6159008" cy="3582205"/>
         </p:xfrm>
         <a:graphic>
           <a:graphicData uri="http://schemas.openxmlformats.org/drawingml/2006/table">
@@ -12689,29 +11837,242 @@
                 <a:tableStyleId>{4C3C2611-4C71-4FC5-86AE-919BDF0F9419}</a:tableStyleId>
               </a:tblPr>
               <a:tblGrid>
-                <a:gridCol w="2459653">
+                <a:gridCol w="1539752">
                   <a:extLst>
                     <a:ext uri="{9D8B030D-6E8A-4147-A177-3AD203B41FA5}">
                       <a16:colId xmlns:a16="http://schemas.microsoft.com/office/drawing/2014/main" val="20000"/>
                     </a:ext>
                   </a:extLst>
                 </a:gridCol>
-                <a:gridCol w="2459653">
+                <a:gridCol w="1539752">
                   <a:extLst>
                     <a:ext uri="{9D8B030D-6E8A-4147-A177-3AD203B41FA5}">
                       <a16:colId xmlns:a16="http://schemas.microsoft.com/office/drawing/2014/main" val="20001"/>
                     </a:ext>
                   </a:extLst>
                 </a:gridCol>
-                <a:gridCol w="2459653">
+                <a:gridCol w="1539752">
                   <a:extLst>
                     <a:ext uri="{9D8B030D-6E8A-4147-A177-3AD203B41FA5}">
                       <a16:colId xmlns:a16="http://schemas.microsoft.com/office/drawing/2014/main" val="20002"/>
                     </a:ext>
                   </a:extLst>
                 </a:gridCol>
+                <a:gridCol w="1539752">
+                  <a:extLst>
+                    <a:ext uri="{9D8B030D-6E8A-4147-A177-3AD203B41FA5}">
+                      <a16:colId xmlns:a16="http://schemas.microsoft.com/office/drawing/2014/main" val="20003"/>
+                    </a:ext>
+                  </a:extLst>
+                </a:gridCol>
               </a:tblGrid>
-              <a:tr h="1245191">
+              <a:tr h="547384">
+                <a:tc gridSpan="4">
+                  <a:txBody>
+                    <a:bodyPr/>
+                    <a:lstStyle/>
+                    <a:p>
+                      <a:pPr defTabSz="914400">
+                        <a:tabLst>
+                          <a:tab pos="914400" algn="l"/>
+                        </a:tabLst>
+                        <a:defRPr sz="1800">
+                          <a:solidFill>
+                            <a:srgbClr val="000000"/>
+                          </a:solidFill>
+                        </a:defRPr>
+                      </a:pPr>
+                      <a:r>
+                        <a:rPr lang="es-ES" sz="2500" dirty="0">
+                          <a:solidFill>
+                            <a:srgbClr val="F6F4EF"/>
+                          </a:solidFill>
+                          <a:effectLst>
+                            <a:outerShdw blurRad="25400" dist="12700" dir="5400000" rotWithShape="0">
+                              <a:srgbClr val="000000">
+                                <a:alpha val="50000"/>
+                              </a:srgbClr>
+                            </a:outerShdw>
+                          </a:effectLst>
+                        </a:rPr>
+                        <a:t>Recepción y</a:t>
+                      </a:r>
+                      <a:r>
+                        <a:rPr lang="es-ES" sz="2500" baseline="0" dirty="0">
+                          <a:solidFill>
+                            <a:srgbClr val="F6F4EF"/>
+                          </a:solidFill>
+                          <a:effectLst>
+                            <a:outerShdw blurRad="25400" dist="12700" dir="5400000" rotWithShape="0">
+                              <a:srgbClr val="000000">
+                                <a:alpha val="50000"/>
+                              </a:srgbClr>
+                            </a:outerShdw>
+                          </a:effectLst>
+                        </a:rPr>
+                        <a:t> reproducción de audio</a:t>
+                      </a:r>
+                      <a:endParaRPr sz="2500" dirty="0">
+                        <a:solidFill>
+                          <a:srgbClr val="F6F4EF"/>
+                        </a:solidFill>
+                        <a:effectLst>
+                          <a:outerShdw blurRad="25400" dist="12700" dir="5400000" rotWithShape="0">
+                            <a:srgbClr val="000000">
+                              <a:alpha val="50000"/>
+                            </a:srgbClr>
+                          </a:outerShdw>
+                        </a:effectLst>
+                      </a:endParaRPr>
+                    </a:p>
+                  </a:txBody>
+                  <a:tcPr marL="26563" marR="26563" marT="26563" marB="26563" anchor="ctr" horzOverflow="overflow">
+                    <a:lnL w="12700">
+                      <a:solidFill>
+                        <a:srgbClr val="7695B6"/>
+                      </a:solidFill>
+                      <a:miter lim="400000"/>
+                    </a:lnL>
+                    <a:lnR w="12700" cap="flat" cmpd="sng" algn="ctr">
+                      <a:solidFill>
+                        <a:srgbClr val="7695B6"/>
+                      </a:solidFill>
+                      <a:prstDash val="solid"/>
+                      <a:miter lim="400000"/>
+                      <a:headEnd type="none" w="med" len="med"/>
+                      <a:tailEnd type="none" w="med" len="med"/>
+                    </a:lnR>
+                    <a:blipFill rotWithShape="1">
+                      <a:blip r:embed="rId3"/>
+                      <a:srcRect/>
+                      <a:tile tx="0" ty="0" sx="100000" sy="100000" flip="none" algn="tl"/>
+                    </a:blipFill>
+                  </a:tcPr>
+                </a:tc>
+                <a:tc hMerge="1">
+                  <a:txBody>
+                    <a:bodyPr/>
+                    <a:lstStyle/>
+                    <a:p>
+                      <a:pPr defTabSz="914400">
+                        <a:tabLst>
+                          <a:tab pos="914400" algn="l"/>
+                        </a:tabLst>
+                        <a:defRPr sz="1800">
+                          <a:solidFill>
+                            <a:srgbClr val="000000"/>
+                          </a:solidFill>
+                        </a:defRPr>
+                      </a:pPr>
+                      <a:endParaRPr sz="1600" dirty="0">
+                        <a:solidFill>
+                          <a:srgbClr val="F6F4EF"/>
+                        </a:solidFill>
+                        <a:effectLst>
+                          <a:outerShdw blurRad="25400" dist="12700" dir="5400000" rotWithShape="0">
+                            <a:srgbClr val="000000">
+                              <a:alpha val="50000"/>
+                            </a:srgbClr>
+                          </a:outerShdw>
+                        </a:effectLst>
+                      </a:endParaRPr>
+                    </a:p>
+                  </a:txBody>
+                  <a:tcPr marL="26563" marR="26563" marT="26563" marB="26563" anchor="ctr" horzOverflow="overflow">
+                    <a:blipFill rotWithShape="1">
+                      <a:blip r:embed="rId3"/>
+                      <a:srcRect/>
+                      <a:tile tx="0" ty="0" sx="100000" sy="100000" flip="none" algn="tl"/>
+                    </a:blipFill>
+                  </a:tcPr>
+                </a:tc>
+                <a:tc hMerge="1">
+                  <a:txBody>
+                    <a:bodyPr/>
+                    <a:lstStyle/>
+                    <a:p>
+                      <a:pPr defTabSz="914400">
+                        <a:tabLst>
+                          <a:tab pos="914400" algn="l"/>
+                        </a:tabLst>
+                        <a:defRPr sz="1800">
+                          <a:solidFill>
+                            <a:srgbClr val="000000"/>
+                          </a:solidFill>
+                        </a:defRPr>
+                      </a:pPr>
+                      <a:endParaRPr sz="1600" dirty="0">
+                        <a:solidFill>
+                          <a:srgbClr val="F6F4EF"/>
+                        </a:solidFill>
+                        <a:effectLst>
+                          <a:outerShdw blurRad="25400" dist="12700" dir="5400000" rotWithShape="0">
+                            <a:srgbClr val="000000">
+                              <a:alpha val="50000"/>
+                            </a:srgbClr>
+                          </a:outerShdw>
+                        </a:effectLst>
+                      </a:endParaRPr>
+                    </a:p>
+                  </a:txBody>
+                  <a:tcPr marL="26563" marR="26563" marT="26563" marB="26563" anchor="ctr" horzOverflow="overflow">
+                    <a:blipFill rotWithShape="1">
+                      <a:blip r:embed="rId3"/>
+                      <a:srcRect/>
+                      <a:tile tx="0" ty="0" sx="100000" sy="100000" flip="none" algn="tl"/>
+                    </a:blipFill>
+                  </a:tcPr>
+                </a:tc>
+                <a:tc hMerge="1">
+                  <a:txBody>
+                    <a:bodyPr/>
+                    <a:lstStyle/>
+                    <a:p>
+                      <a:pPr defTabSz="914400">
+                        <a:tabLst>
+                          <a:tab pos="914400" algn="l"/>
+                        </a:tabLst>
+                        <a:defRPr sz="1800">
+                          <a:solidFill>
+                            <a:srgbClr val="000000"/>
+                          </a:solidFill>
+                        </a:defRPr>
+                      </a:pPr>
+                      <a:endParaRPr sz="1600" dirty="0">
+                        <a:solidFill>
+                          <a:srgbClr val="F6F4EF"/>
+                        </a:solidFill>
+                        <a:effectLst>
+                          <a:outerShdw blurRad="25400" dist="12700" dir="5400000" rotWithShape="0">
+                            <a:srgbClr val="000000">
+                              <a:alpha val="50000"/>
+                            </a:srgbClr>
+                          </a:outerShdw>
+                        </a:effectLst>
+                      </a:endParaRPr>
+                    </a:p>
+                  </a:txBody>
+                  <a:tcPr marL="26563" marR="26563" marT="26563" marB="26563" anchor="ctr" horzOverflow="overflow">
+                    <a:lnR w="12700">
+                      <a:solidFill>
+                        <a:srgbClr val="7695B6"/>
+                      </a:solidFill>
+                      <a:miter lim="400000"/>
+                    </a:lnR>
+                    <a:blipFill rotWithShape="1">
+                      <a:blip r:embed="rId3"/>
+                      <a:srcRect/>
+                      <a:tile tx="0" ty="0" sx="100000" sy="100000" flip="none" algn="tl"/>
+                    </a:blipFill>
+                  </a:tcPr>
+                </a:tc>
+                <a:extLst>
+                  <a:ext uri="{0D108BD9-81ED-4DB2-BD59-A6C34878D82A}">
+                    <a16:rowId xmlns:a16="http://schemas.microsoft.com/office/drawing/2014/main" val="695825853"/>
+                  </a:ext>
+                </a:extLst>
+              </a:tr>
+              <a:tr h="1011607">
                 <a:tc>
                   <a:txBody>
                     <a:bodyPr/>
@@ -12728,7 +12089,7 @@
                         </a:defRPr>
                       </a:pPr>
                       <a:r>
-                        <a:rPr sz="2000" dirty="0" err="1">
+                        <a:rPr sz="1600" dirty="0" err="1">
                           <a:solidFill>
                             <a:srgbClr val="F6F4EF"/>
                           </a:solidFill>
@@ -12742,7 +12103,7 @@
                         </a:rPr>
                         <a:t>Dispositivo</a:t>
                       </a:r>
-                      <a:endParaRPr sz="2000" dirty="0">
+                      <a:endParaRPr sz="1600" dirty="0">
                         <a:solidFill>
                           <a:srgbClr val="F6F4EF"/>
                         </a:solidFill>
@@ -12756,7 +12117,7 @@
                       </a:endParaRPr>
                     </a:p>
                   </a:txBody>
-                  <a:tcPr marL="33944" marR="33944" marT="33944" marB="33944" anchor="ctr" horzOverflow="overflow">
+                  <a:tcPr marL="26563" marR="26563" marT="26563" marB="26563" anchor="ctr" horzOverflow="overflow">
                     <a:lnL w="12700">
                       <a:solidFill>
                         <a:srgbClr val="7695B6"/>
@@ -12786,7 +12147,7 @@
                         </a:defRPr>
                       </a:pPr>
                       <a:r>
-                        <a:rPr sz="2000">
+                        <a:rPr sz="1600" dirty="0" err="1">
                           <a:solidFill>
                             <a:srgbClr val="F6F4EF"/>
                           </a:solidFill>
@@ -12798,11 +12159,23 @@
                             </a:outerShdw>
                           </a:effectLst>
                         </a:rPr>
-                        <a:t>v4l2camera</a:t>
+                        <a:t>Descarga</a:t>
                       </a:r>
+                      <a:endParaRPr sz="1600" dirty="0">
+                        <a:solidFill>
+                          <a:srgbClr val="F6F4EF"/>
+                        </a:solidFill>
+                        <a:effectLst>
+                          <a:outerShdw blurRad="25400" dist="12700" dir="5400000" rotWithShape="0">
+                            <a:srgbClr val="000000">
+                              <a:alpha val="50000"/>
+                            </a:srgbClr>
+                          </a:outerShdw>
+                        </a:effectLst>
+                      </a:endParaRPr>
                     </a:p>
                   </a:txBody>
-                  <a:tcPr marL="33944" marR="33944" marT="33944" marB="33944" anchor="ctr" horzOverflow="overflow">
+                  <a:tcPr marL="26563" marR="26563" marT="26563" marB="26563" anchor="ctr" horzOverflow="overflow">
                     <a:blipFill rotWithShape="1">
                       <a:blip r:embed="rId3"/>
                       <a:srcRect/>
@@ -12826,7 +12199,7 @@
                         </a:defRPr>
                       </a:pPr>
                       <a:r>
-                        <a:rPr sz="2000">
+                        <a:rPr sz="1600" dirty="0">
                           <a:solidFill>
                             <a:srgbClr val="F6F4EF"/>
                           </a:solidFill>
@@ -12838,412 +12211,11 @@
                             </a:outerShdw>
                           </a:effectLst>
                         </a:rPr>
-                        <a:t>fswebcam</a:t>
+                        <a:t>Decode</a:t>
                       </a:r>
                     </a:p>
                   </a:txBody>
-                  <a:tcPr marL="33944" marR="33944" marT="33944" marB="33944" anchor="ctr" horzOverflow="overflow">
-                    <a:lnR w="12700">
-                      <a:solidFill>
-                        <a:srgbClr val="7695B6"/>
-                      </a:solidFill>
-                      <a:miter lim="400000"/>
-                    </a:lnR>
-                    <a:blipFill rotWithShape="1">
-                      <a:blip r:embed="rId3"/>
-                      <a:srcRect/>
-                      <a:tile tx="0" ty="0" sx="100000" sy="100000" flip="none" algn="tl"/>
-                    </a:blipFill>
-                  </a:tcPr>
-                </a:tc>
-                <a:extLst>
-                  <a:ext uri="{0D108BD9-81ED-4DB2-BD59-A6C34878D82A}">
-                    <a16:rowId xmlns:a16="http://schemas.microsoft.com/office/drawing/2014/main" val="10000"/>
-                  </a:ext>
-                </a:extLst>
-              </a:tr>
-              <a:tr h="1245191">
-                <a:tc>
-                  <a:txBody>
-                    <a:bodyPr/>
-                    <a:lstStyle/>
-                    <a:p>
-                      <a:pPr defTabSz="457200">
-                        <a:defRPr sz="1800">
-                          <a:solidFill>
-                            <a:srgbClr val="000000"/>
-                          </a:solidFill>
-                        </a:defRPr>
-                      </a:pPr>
-                      <a:r>
-                        <a:rPr sz="2000">
-                          <a:solidFill>
-                            <a:srgbClr val="6D6A67"/>
-                          </a:solidFill>
-                          <a:effectLst>
-                            <a:outerShdw blurRad="25400" dist="12700" dir="5280000" rotWithShape="0">
-                              <a:srgbClr val="FFFFFF"/>
-                            </a:outerShdw>
-                          </a:effectLst>
-                        </a:rPr>
-                        <a:t>Raspberry Pi</a:t>
-                      </a:r>
-                    </a:p>
-                  </a:txBody>
-                  <a:tcPr marL="33944" marR="33944" marT="33944" marB="33944" anchor="ctr" horzOverflow="overflow"/>
-                </a:tc>
-                <a:tc>
-                  <a:txBody>
-                    <a:bodyPr/>
-                    <a:lstStyle/>
-                    <a:p>
-                      <a:pPr defTabSz="457200">
-                        <a:defRPr sz="1800">
-                          <a:solidFill>
-                            <a:srgbClr val="000000"/>
-                          </a:solidFill>
-                        </a:defRPr>
-                      </a:pPr>
-                      <a:r>
-                        <a:rPr sz="2000">
-                          <a:solidFill>
-                            <a:srgbClr val="6D6A67"/>
-                          </a:solidFill>
-                          <a:effectLst>
-                            <a:outerShdw blurRad="25400" dist="12700" dir="5280000" rotWithShape="0">
-                              <a:srgbClr val="FFFFFF"/>
-                            </a:outerShdw>
-                          </a:effectLst>
-                        </a:rPr>
-                        <a:t>1246ms</a:t>
-                      </a:r>
-                    </a:p>
-                  </a:txBody>
-                  <a:tcPr marL="33944" marR="33944" marT="33944" marB="33944" anchor="ctr" horzOverflow="overflow"/>
-                </a:tc>
-                <a:tc>
-                  <a:txBody>
-                    <a:bodyPr/>
-                    <a:lstStyle/>
-                    <a:p>
-                      <a:pPr defTabSz="457200">
-                        <a:defRPr sz="1800">
-                          <a:solidFill>
-                            <a:srgbClr val="000000"/>
-                          </a:solidFill>
-                        </a:defRPr>
-                      </a:pPr>
-                      <a:r>
-                        <a:rPr sz="2000">
-                          <a:solidFill>
-                            <a:srgbClr val="6D6A67"/>
-                          </a:solidFill>
-                          <a:effectLst>
-                            <a:outerShdw blurRad="25400" dist="12700" dir="5280000" rotWithShape="0">
-                              <a:srgbClr val="FFFFFF"/>
-                            </a:outerShdw>
-                          </a:effectLst>
-                        </a:rPr>
-                        <a:t>1278ms</a:t>
-                      </a:r>
-                    </a:p>
-                  </a:txBody>
-                  <a:tcPr marL="33944" marR="33944" marT="33944" marB="33944" anchor="ctr" horzOverflow="overflow"/>
-                </a:tc>
-                <a:extLst>
-                  <a:ext uri="{0D108BD9-81ED-4DB2-BD59-A6C34878D82A}">
-                    <a16:rowId xmlns:a16="http://schemas.microsoft.com/office/drawing/2014/main" val="10001"/>
-                  </a:ext>
-                </a:extLst>
-              </a:tr>
-              <a:tr h="1245191">
-                <a:tc>
-                  <a:txBody>
-                    <a:bodyPr/>
-                    <a:lstStyle/>
-                    <a:p>
-                      <a:pPr defTabSz="457200">
-                        <a:defRPr sz="1800">
-                          <a:solidFill>
-                            <a:srgbClr val="000000"/>
-                          </a:solidFill>
-                        </a:defRPr>
-                      </a:pPr>
-                      <a:r>
-                        <a:rPr sz="2000">
-                          <a:solidFill>
-                            <a:srgbClr val="6D6A67"/>
-                          </a:solidFill>
-                          <a:effectLst>
-                            <a:outerShdw blurRad="25400" dist="12700" dir="5280000" rotWithShape="0">
-                              <a:srgbClr val="FFFFFF"/>
-                            </a:outerShdw>
-                          </a:effectLst>
-                        </a:rPr>
-                        <a:t>MacBook</a:t>
-                      </a:r>
-                    </a:p>
-                  </a:txBody>
-                  <a:tcPr marL="33944" marR="33944" marT="33944" marB="33944" anchor="ctr" horzOverflow="overflow"/>
-                </a:tc>
-                <a:tc>
-                  <a:txBody>
-                    <a:bodyPr/>
-                    <a:lstStyle/>
-                    <a:p>
-                      <a:pPr defTabSz="457200">
-                        <a:defRPr sz="1800">
-                          <a:solidFill>
-                            <a:srgbClr val="000000"/>
-                          </a:solidFill>
-                        </a:defRPr>
-                      </a:pPr>
-                      <a:r>
-                        <a:rPr sz="2000">
-                          <a:solidFill>
-                            <a:srgbClr val="6D6A67"/>
-                          </a:solidFill>
-                          <a:effectLst>
-                            <a:outerShdw blurRad="25400" dist="12700" dir="5280000" rotWithShape="0">
-                              <a:srgbClr val="FFFFFF"/>
-                            </a:outerShdw>
-                          </a:effectLst>
-                        </a:rPr>
-                        <a:t>1038ms</a:t>
-                      </a:r>
-                    </a:p>
-                  </a:txBody>
-                  <a:tcPr marL="33944" marR="33944" marT="33944" marB="33944" anchor="ctr" horzOverflow="overflow"/>
-                </a:tc>
-                <a:tc>
-                  <a:txBody>
-                    <a:bodyPr/>
-                    <a:lstStyle/>
-                    <a:p>
-                      <a:pPr defTabSz="457200">
-                        <a:defRPr sz="1800">
-                          <a:solidFill>
-                            <a:srgbClr val="000000"/>
-                          </a:solidFill>
-                        </a:defRPr>
-                      </a:pPr>
-                      <a:r>
-                        <a:rPr sz="2000" dirty="0">
-                          <a:solidFill>
-                            <a:srgbClr val="6D6A67"/>
-                          </a:solidFill>
-                          <a:effectLst>
-                            <a:outerShdw blurRad="25400" dist="12700" dir="5280000" rotWithShape="0">
-                              <a:srgbClr val="FFFFFF"/>
-                            </a:outerShdw>
-                          </a:effectLst>
-                        </a:rPr>
-                        <a:t>986ms</a:t>
-                      </a:r>
-                    </a:p>
-                  </a:txBody>
-                  <a:tcPr marL="33944" marR="33944" marT="33944" marB="33944" anchor="ctr" horzOverflow="overflow"/>
-                </a:tc>
-                <a:extLst>
-                  <a:ext uri="{0D108BD9-81ED-4DB2-BD59-A6C34878D82A}">
-                    <a16:rowId xmlns:a16="http://schemas.microsoft.com/office/drawing/2014/main" val="10002"/>
-                  </a:ext>
-                </a:extLst>
-              </a:tr>
-            </a:tbl>
-          </a:graphicData>
-        </a:graphic>
-      </p:graphicFrame>
-      <p:sp>
-        <p:nvSpPr>
-          <p:cNvPr id="269" name="Shape 269"/>
-          <p:cNvSpPr>
-            <a:spLocks noGrp="1"/>
-          </p:cNvSpPr>
-          <p:nvPr>
-            <p:ph type="sldNum" sz="quarter" idx="2"/>
-          </p:nvPr>
-        </p:nvSpPr>
-        <p:spPr>
-          <a:prstGeom prst="rect">
-            <a:avLst/>
-          </a:prstGeom>
-          <a:extLst>
-            <a:ext uri="{C572A759-6A51-4108-AA02-DFA0A04FC94B}">
-              <ma14:wrappingTextBoxFlag xmlns:ma14="http://schemas.microsoft.com/office/mac/drawingml/2011/main" xmlns="" val="1"/>
-            </a:ext>
-          </a:extLst>
-        </p:spPr>
-        <p:txBody>
-          <a:bodyPr/>
-          <a:lstStyle/>
-          <a:p>
-            <a:fld id="{86CB4B4D-7CA3-9044-876B-883B54F8677D}" type="slidenum">
-              <a:t>17</a:t>
-            </a:fld>
-            <a:endParaRPr/>
-          </a:p>
-        </p:txBody>
-      </p:sp>
-    </p:spTree>
-  </p:cSld>
-  <p:clrMapOvr>
-    <a:masterClrMapping/>
-  </p:clrMapOvr>
-  <p:transition spd="med"/>
-</p:sld>
-</file>
-
-<file path=ppt/slides/slide18.xml><?xml version="1.0" encoding="utf-8"?>
-<p:sld xmlns:a="http://schemas.openxmlformats.org/drawingml/2006/main" xmlns:r="http://schemas.openxmlformats.org/officeDocument/2006/relationships" xmlns:p="http://schemas.openxmlformats.org/presentationml/2006/main">
-  <p:cSld>
-    <p:spTree>
-      <p:nvGrpSpPr>
-        <p:cNvPr id="1" name=""/>
-        <p:cNvGrpSpPr/>
-        <p:nvPr/>
-      </p:nvGrpSpPr>
-      <p:grpSpPr>
-        <a:xfrm>
-          <a:off x="0" y="0"/>
-          <a:ext cx="0" cy="0"/>
-          <a:chOff x="0" y="0"/>
-          <a:chExt cx="0" cy="0"/>
-        </a:xfrm>
-      </p:grpSpPr>
-      <p:sp>
-        <p:nvSpPr>
-          <p:cNvPr id="273" name="Shape 273"/>
-          <p:cNvSpPr>
-            <a:spLocks noGrp="1"/>
-          </p:cNvSpPr>
-          <p:nvPr>
-            <p:ph type="title"/>
-          </p:nvPr>
-        </p:nvSpPr>
-        <p:spPr>
-          <a:prstGeom prst="rect">
-            <a:avLst/>
-          </a:prstGeom>
-        </p:spPr>
-        <p:txBody>
-          <a:bodyPr/>
-          <a:lstStyle>
-            <a:lvl1pPr defTabSz="560831">
-              <a:defRPr sz="6144" spc="-122"/>
-            </a:lvl1pPr>
-          </a:lstStyle>
-          <a:p>
-            <a:r>
-              <a:t>Recepción y reproducción de Audio</a:t>
-            </a:r>
-          </a:p>
-        </p:txBody>
-      </p:sp>
-      <p:graphicFrame>
-        <p:nvGraphicFramePr>
-          <p:cNvPr id="274" name="Table 274"/>
-          <p:cNvGraphicFramePr/>
-          <p:nvPr>
-            <p:extLst>
-              <p:ext uri="{D42A27DB-BD31-4B8C-83A1-F6EECF244321}">
-                <p14:modId xmlns:p14="http://schemas.microsoft.com/office/powerpoint/2010/main" val="3459527677"/>
-              </p:ext>
-            </p:extLst>
-          </p:nvPr>
-        </p:nvGraphicFramePr>
-        <p:xfrm>
-          <a:off x="875092" y="2326659"/>
-          <a:ext cx="11254616" cy="5552457"/>
-        </p:xfrm>
-        <a:graphic>
-          <a:graphicData uri="http://schemas.openxmlformats.org/drawingml/2006/table">
-            <a:tbl>
-              <a:tblPr firstRow="1">
-                <a:tableStyleId>{4C3C2611-4C71-4FC5-86AE-919BDF0F9419}</a:tableStyleId>
-              </a:tblPr>
-              <a:tblGrid>
-                <a:gridCol w="2813654">
-                  <a:extLst>
-                    <a:ext uri="{9D8B030D-6E8A-4147-A177-3AD203B41FA5}">
-                      <a16:colId xmlns:a16="http://schemas.microsoft.com/office/drawing/2014/main" val="20000"/>
-                    </a:ext>
-                  </a:extLst>
-                </a:gridCol>
-                <a:gridCol w="2813654">
-                  <a:extLst>
-                    <a:ext uri="{9D8B030D-6E8A-4147-A177-3AD203B41FA5}">
-                      <a16:colId xmlns:a16="http://schemas.microsoft.com/office/drawing/2014/main" val="20001"/>
-                    </a:ext>
-                  </a:extLst>
-                </a:gridCol>
-                <a:gridCol w="2813654">
-                  <a:extLst>
-                    <a:ext uri="{9D8B030D-6E8A-4147-A177-3AD203B41FA5}">
-                      <a16:colId xmlns:a16="http://schemas.microsoft.com/office/drawing/2014/main" val="20002"/>
-                    </a:ext>
-                  </a:extLst>
-                </a:gridCol>
-                <a:gridCol w="2813654">
-                  <a:extLst>
-                    <a:ext uri="{9D8B030D-6E8A-4147-A177-3AD203B41FA5}">
-                      <a16:colId xmlns:a16="http://schemas.microsoft.com/office/drawing/2014/main" val="20003"/>
-                    </a:ext>
-                  </a:extLst>
-                </a:gridCol>
-              </a:tblGrid>
-              <a:tr h="1850819">
-                <a:tc>
-                  <a:txBody>
-                    <a:bodyPr/>
-                    <a:lstStyle/>
-                    <a:p>
-                      <a:pPr defTabSz="914400">
-                        <a:tabLst>
-                          <a:tab pos="914400" algn="l"/>
-                        </a:tabLst>
-                        <a:defRPr sz="1800">
-                          <a:solidFill>
-                            <a:srgbClr val="000000"/>
-                          </a:solidFill>
-                        </a:defRPr>
-                      </a:pPr>
-                      <a:r>
-                        <a:rPr sz="3000" dirty="0" err="1">
-                          <a:solidFill>
-                            <a:srgbClr val="F6F4EF"/>
-                          </a:solidFill>
-                          <a:effectLst>
-                            <a:outerShdw blurRad="25400" dist="12700" dir="5400000" rotWithShape="0">
-                              <a:srgbClr val="000000">
-                                <a:alpha val="50000"/>
-                              </a:srgbClr>
-                            </a:outerShdw>
-                          </a:effectLst>
-                        </a:rPr>
-                        <a:t>Dispositivo</a:t>
-                      </a:r>
-                      <a:endParaRPr sz="3000" dirty="0">
-                        <a:solidFill>
-                          <a:srgbClr val="F6F4EF"/>
-                        </a:solidFill>
-                        <a:effectLst>
-                          <a:outerShdw blurRad="25400" dist="12700" dir="5400000" rotWithShape="0">
-                            <a:srgbClr val="000000">
-                              <a:alpha val="50000"/>
-                            </a:srgbClr>
-                          </a:outerShdw>
-                        </a:effectLst>
-                      </a:endParaRPr>
-                    </a:p>
-                  </a:txBody>
-                  <a:tcPr marL="50800" marR="50800" marT="50800" marB="50800" anchor="ctr" horzOverflow="overflow">
-                    <a:lnL w="12700">
-                      <a:solidFill>
-                        <a:srgbClr val="7695B6"/>
-                      </a:solidFill>
-                      <a:miter lim="400000"/>
-                    </a:lnL>
+                  <a:tcPr marL="26563" marR="26563" marT="26563" marB="26563" anchor="ctr" horzOverflow="overflow">
                     <a:blipFill rotWithShape="1">
                       <a:blip r:embed="rId3"/>
                       <a:srcRect/>
@@ -13267,87 +12239,7 @@
                         </a:defRPr>
                       </a:pPr>
                       <a:r>
-                        <a:rPr sz="3000">
-                          <a:solidFill>
-                            <a:srgbClr val="F6F4EF"/>
-                          </a:solidFill>
-                          <a:effectLst>
-                            <a:outerShdw blurRad="25400" dist="12700" dir="5400000" rotWithShape="0">
-                              <a:srgbClr val="000000">
-                                <a:alpha val="50000"/>
-                              </a:srgbClr>
-                            </a:outerShdw>
-                          </a:effectLst>
-                        </a:rPr>
-                        <a:t>Descarga</a:t>
-                      </a:r>
-                    </a:p>
-                  </a:txBody>
-                  <a:tcPr marL="50800" marR="50800" marT="50800" marB="50800" anchor="ctr" horzOverflow="overflow">
-                    <a:blipFill rotWithShape="1">
-                      <a:blip r:embed="rId3"/>
-                      <a:srcRect/>
-                      <a:tile tx="0" ty="0" sx="100000" sy="100000" flip="none" algn="tl"/>
-                    </a:blipFill>
-                  </a:tcPr>
-                </a:tc>
-                <a:tc>
-                  <a:txBody>
-                    <a:bodyPr/>
-                    <a:lstStyle/>
-                    <a:p>
-                      <a:pPr defTabSz="914400">
-                        <a:tabLst>
-                          <a:tab pos="914400" algn="l"/>
-                        </a:tabLst>
-                        <a:defRPr sz="1800">
-                          <a:solidFill>
-                            <a:srgbClr val="000000"/>
-                          </a:solidFill>
-                        </a:defRPr>
-                      </a:pPr>
-                      <a:r>
-                        <a:rPr sz="3000">
-                          <a:solidFill>
-                            <a:srgbClr val="F6F4EF"/>
-                          </a:solidFill>
-                          <a:effectLst>
-                            <a:outerShdw blurRad="25400" dist="12700" dir="5400000" rotWithShape="0">
-                              <a:srgbClr val="000000">
-                                <a:alpha val="50000"/>
-                              </a:srgbClr>
-                            </a:outerShdw>
-                          </a:effectLst>
-                        </a:rPr>
-                        <a:t>Decode</a:t>
-                      </a:r>
-                    </a:p>
-                  </a:txBody>
-                  <a:tcPr marL="50800" marR="50800" marT="50800" marB="50800" anchor="ctr" horzOverflow="overflow">
-                    <a:blipFill rotWithShape="1">
-                      <a:blip r:embed="rId3"/>
-                      <a:srcRect/>
-                      <a:tile tx="0" ty="0" sx="100000" sy="100000" flip="none" algn="tl"/>
-                    </a:blipFill>
-                  </a:tcPr>
-                </a:tc>
-                <a:tc>
-                  <a:txBody>
-                    <a:bodyPr/>
-                    <a:lstStyle/>
-                    <a:p>
-                      <a:pPr defTabSz="914400">
-                        <a:tabLst>
-                          <a:tab pos="914400" algn="l"/>
-                        </a:tabLst>
-                        <a:defRPr sz="1800">
-                          <a:solidFill>
-                            <a:srgbClr val="000000"/>
-                          </a:solidFill>
-                        </a:defRPr>
-                      </a:pPr>
-                      <a:r>
-                        <a:rPr sz="3000">
+                        <a:rPr sz="1600" dirty="0">
                           <a:solidFill>
                             <a:srgbClr val="F6F4EF"/>
                           </a:solidFill>
@@ -13363,7 +12255,7 @@
                       </a:r>
                     </a:p>
                   </a:txBody>
-                  <a:tcPr marL="50800" marR="50800" marT="50800" marB="50800" anchor="ctr" horzOverflow="overflow">
+                  <a:tcPr marL="26563" marR="26563" marT="26563" marB="26563" anchor="ctr" horzOverflow="overflow">
                     <a:lnR w="12700">
                       <a:solidFill>
                         <a:srgbClr val="7695B6"/>
@@ -13383,7 +12275,7 @@
                   </a:ext>
                 </a:extLst>
               </a:tr>
-              <a:tr h="1850819">
+              <a:tr h="1011607">
                 <a:tc>
                   <a:txBody>
                     <a:bodyPr/>
@@ -13397,7 +12289,7 @@
                         </a:defRPr>
                       </a:pPr>
                       <a:r>
-                        <a:rPr sz="3000">
+                        <a:rPr sz="1600">
                           <a:solidFill>
                             <a:srgbClr val="6D6A67"/>
                           </a:solidFill>
@@ -13411,7 +12303,7 @@
                       </a:r>
                     </a:p>
                   </a:txBody>
-                  <a:tcPr marL="50800" marR="50800" marT="50800" marB="50800" anchor="ctr" horzOverflow="overflow"/>
+                  <a:tcPr marL="26563" marR="26563" marT="26563" marB="26563" anchor="ctr" horzOverflow="overflow"/>
                 </a:tc>
                 <a:tc>
                   <a:txBody>
@@ -13426,7 +12318,7 @@
                         </a:defRPr>
                       </a:pPr>
                       <a:r>
-                        <a:rPr sz="3000">
+                        <a:rPr sz="1600">
                           <a:solidFill>
                             <a:srgbClr val="6D6A67"/>
                           </a:solidFill>
@@ -13440,7 +12332,7 @@
                       </a:r>
                     </a:p>
                   </a:txBody>
-                  <a:tcPr marL="50800" marR="50800" marT="50800" marB="50800" anchor="ctr" horzOverflow="overflow"/>
+                  <a:tcPr marL="26563" marR="26563" marT="26563" marB="26563" anchor="ctr" horzOverflow="overflow"/>
                 </a:tc>
                 <a:tc>
                   <a:txBody>
@@ -13455,7 +12347,7 @@
                         </a:defRPr>
                       </a:pPr>
                       <a:r>
-                        <a:rPr sz="3000">
+                        <a:rPr sz="1600">
                           <a:solidFill>
                             <a:srgbClr val="6D6A67"/>
                           </a:solidFill>
@@ -13469,7 +12361,7 @@
                       </a:r>
                     </a:p>
                   </a:txBody>
-                  <a:tcPr marL="50800" marR="50800" marT="50800" marB="50800" anchor="ctr" horzOverflow="overflow"/>
+                  <a:tcPr marL="26563" marR="26563" marT="26563" marB="26563" anchor="ctr" horzOverflow="overflow"/>
                 </a:tc>
                 <a:tc>
                   <a:txBody>
@@ -13484,7 +12376,7 @@
                         </a:defRPr>
                       </a:pPr>
                       <a:r>
-                        <a:rPr sz="3000">
+                        <a:rPr sz="1600">
                           <a:solidFill>
                             <a:srgbClr val="6D6A67"/>
                           </a:solidFill>
@@ -13498,7 +12390,7 @@
                       </a:r>
                     </a:p>
                   </a:txBody>
-                  <a:tcPr marL="50800" marR="50800" marT="50800" marB="50800" anchor="ctr" horzOverflow="overflow"/>
+                  <a:tcPr marL="26563" marR="26563" marT="26563" marB="26563" anchor="ctr" horzOverflow="overflow"/>
                 </a:tc>
                 <a:extLst>
                   <a:ext uri="{0D108BD9-81ED-4DB2-BD59-A6C34878D82A}">
@@ -13506,7 +12398,7 @@
                   </a:ext>
                 </a:extLst>
               </a:tr>
-              <a:tr h="1850819">
+              <a:tr h="1011607">
                 <a:tc>
                   <a:txBody>
                     <a:bodyPr/>
@@ -13520,7 +12412,7 @@
                         </a:defRPr>
                       </a:pPr>
                       <a:r>
-                        <a:rPr sz="3000">
+                        <a:rPr sz="1600">
                           <a:solidFill>
                             <a:srgbClr val="6D6A67"/>
                           </a:solidFill>
@@ -13534,7 +12426,7 @@
                       </a:r>
                     </a:p>
                   </a:txBody>
-                  <a:tcPr marL="50800" marR="50800" marT="50800" marB="50800" anchor="ctr" horzOverflow="overflow"/>
+                  <a:tcPr marL="26563" marR="26563" marT="26563" marB="26563" anchor="ctr" horzOverflow="overflow"/>
                 </a:tc>
                 <a:tc>
                   <a:txBody>
@@ -13549,7 +12441,7 @@
                         </a:defRPr>
                       </a:pPr>
                       <a:r>
-                        <a:rPr sz="3000">
+                        <a:rPr sz="1600">
                           <a:solidFill>
                             <a:srgbClr val="6D6A67"/>
                           </a:solidFill>
@@ -13563,7 +12455,7 @@
                       </a:r>
                     </a:p>
                   </a:txBody>
-                  <a:tcPr marL="50800" marR="50800" marT="50800" marB="50800" anchor="ctr" horzOverflow="overflow"/>
+                  <a:tcPr marL="26563" marR="26563" marT="26563" marB="26563" anchor="ctr" horzOverflow="overflow"/>
                 </a:tc>
                 <a:tc>
                   <a:txBody>
@@ -13578,7 +12470,7 @@
                         </a:defRPr>
                       </a:pPr>
                       <a:r>
-                        <a:rPr sz="3000">
+                        <a:rPr sz="1600">
                           <a:solidFill>
                             <a:srgbClr val="6D6A67"/>
                           </a:solidFill>
@@ -13592,7 +12484,7 @@
                       </a:r>
                     </a:p>
                   </a:txBody>
-                  <a:tcPr marL="50800" marR="50800" marT="50800" marB="50800" anchor="ctr" horzOverflow="overflow"/>
+                  <a:tcPr marL="26563" marR="26563" marT="26563" marB="26563" anchor="ctr" horzOverflow="overflow"/>
                 </a:tc>
                 <a:tc>
                   <a:txBody>
@@ -13607,7 +12499,7 @@
                         </a:defRPr>
                       </a:pPr>
                       <a:r>
-                        <a:rPr sz="3000" dirty="0">
+                        <a:rPr sz="1600" dirty="0">
                           <a:solidFill>
                             <a:srgbClr val="6D6A67"/>
                           </a:solidFill>
@@ -13621,7 +12513,7 @@
                       </a:r>
                     </a:p>
                   </a:txBody>
-                  <a:tcPr marL="50800" marR="50800" marT="50800" marB="50800" anchor="ctr" horzOverflow="overflow"/>
+                  <a:tcPr marL="26563" marR="26563" marT="26563" marB="26563" anchor="ctr" horzOverflow="overflow"/>
                 </a:tc>
                 <a:extLst>
                   <a:ext uri="{0D108BD9-81ED-4DB2-BD59-A6C34878D82A}">
@@ -13633,90 +12525,6 @@
           </a:graphicData>
         </a:graphic>
       </p:graphicFrame>
-      <p:sp>
-        <p:nvSpPr>
-          <p:cNvPr id="275" name="Shape 275"/>
-          <p:cNvSpPr>
-            <a:spLocks noGrp="1"/>
-          </p:cNvSpPr>
-          <p:nvPr>
-            <p:ph type="sldNum" sz="quarter" idx="2"/>
-          </p:nvPr>
-        </p:nvSpPr>
-        <p:spPr>
-          <a:prstGeom prst="rect">
-            <a:avLst/>
-          </a:prstGeom>
-          <a:extLst>
-            <a:ext uri="{C572A759-6A51-4108-AA02-DFA0A04FC94B}">
-              <ma14:wrappingTextBoxFlag xmlns:ma14="http://schemas.microsoft.com/office/mac/drawingml/2011/main" xmlns="" val="1"/>
-            </a:ext>
-          </a:extLst>
-        </p:spPr>
-        <p:txBody>
-          <a:bodyPr/>
-          <a:lstStyle/>
-          <a:p>
-            <a:fld id="{86CB4B4D-7CA3-9044-876B-883B54F8677D}" type="slidenum">
-              <a:t>18</a:t>
-            </a:fld>
-            <a:endParaRPr/>
-          </a:p>
-        </p:txBody>
-      </p:sp>
-      <p:sp>
-        <p:nvSpPr>
-          <p:cNvPr id="5" name="Shape 290"/>
-          <p:cNvSpPr/>
-          <p:nvPr/>
-        </p:nvSpPr>
-        <p:spPr>
-          <a:xfrm>
-            <a:off x="875092" y="8127834"/>
-            <a:ext cx="6745123" cy="1092366"/>
-          </a:xfrm>
-          <a:prstGeom prst="rect">
-            <a:avLst/>
-          </a:prstGeom>
-          <a:ln w="12700">
-            <a:miter lim="400000"/>
-          </a:ln>
-          <a:extLst>
-            <a:ext uri="{C572A759-6A51-4108-AA02-DFA0A04FC94B}">
-              <ma14:wrappingTextBoxFlag xmlns:ma14="http://schemas.microsoft.com/office/mac/drawingml/2011/main" xmlns="" val="1"/>
-            </a:ext>
-          </a:extLst>
-        </p:spPr>
-        <p:txBody>
-          <a:bodyPr lIns="50800" tIns="50800" rIns="50800" bIns="50800" anchor="ctr">
-            <a:normAutofit/>
-          </a:bodyPr>
-          <a:lstStyle/>
-          <a:p>
-            <a:pPr marL="680720" lvl="1" indent="-340360" algn="l" defTabSz="391414">
-              <a:spcBef>
-                <a:spcPts val="2800"/>
-              </a:spcBef>
-              <a:buClr>
-                <a:srgbClr val="5C86B9"/>
-              </a:buClr>
-              <a:buSzPct val="70000"/>
-              <a:buFont typeface="Zapf Dingbats"/>
-              <a:buChar char="✤"/>
-              <a:defRPr sz="3350">
-                <a:solidFill>
-                  <a:srgbClr val="000000"/>
-                </a:solidFill>
-              </a:defRPr>
-            </a:pPr>
-            <a:r>
-              <a:rPr lang="es-ES" dirty="0"/>
-              <a:t>Duración del audio 2 segundos</a:t>
-            </a:r>
-            <a:endParaRPr dirty="0"/>
-          </a:p>
-        </p:txBody>
-      </p:sp>
     </p:spTree>
   </p:cSld>
   <p:clrMapOvr>
@@ -13726,554 +12534,7 @@
 </p:sld>
 </file>
 
-<file path=ppt/slides/slide19.xml><?xml version="1.0" encoding="utf-8"?>
-<p:sld xmlns:a="http://schemas.openxmlformats.org/drawingml/2006/main" xmlns:r="http://schemas.openxmlformats.org/officeDocument/2006/relationships" xmlns:p="http://schemas.openxmlformats.org/presentationml/2006/main">
-  <p:cSld>
-    <p:spTree>
-      <p:nvGrpSpPr>
-        <p:cNvPr id="1" name=""/>
-        <p:cNvGrpSpPr/>
-        <p:nvPr/>
-      </p:nvGrpSpPr>
-      <p:grpSpPr>
-        <a:xfrm>
-          <a:off x="0" y="0"/>
-          <a:ext cx="0" cy="0"/>
-          <a:chOff x="0" y="0"/>
-          <a:chExt cx="0" cy="0"/>
-        </a:xfrm>
-      </p:grpSpPr>
-      <p:sp>
-        <p:nvSpPr>
-          <p:cNvPr id="279" name="Shape 279"/>
-          <p:cNvSpPr>
-            <a:spLocks noGrp="1"/>
-          </p:cNvSpPr>
-          <p:nvPr>
-            <p:ph type="title"/>
-          </p:nvPr>
-        </p:nvSpPr>
-        <p:spPr>
-          <a:prstGeom prst="rect">
-            <a:avLst/>
-          </a:prstGeom>
-        </p:spPr>
-        <p:txBody>
-          <a:bodyPr/>
-          <a:lstStyle>
-            <a:lvl1pPr defTabSz="432308">
-              <a:defRPr sz="4736" spc="-94"/>
-            </a:lvl1pPr>
-          </a:lstStyle>
-          <a:p>
-            <a:r>
-              <a:t>Petición y tratamiento de datos meteorológicos</a:t>
-            </a:r>
-          </a:p>
-        </p:txBody>
-      </p:sp>
-      <p:graphicFrame>
-        <p:nvGraphicFramePr>
-          <p:cNvPr id="280" name="Table 280"/>
-          <p:cNvGraphicFramePr/>
-          <p:nvPr/>
-        </p:nvGraphicFramePr>
-        <p:xfrm>
-          <a:off x="1695579" y="2649507"/>
-          <a:ext cx="9613642" cy="5446788"/>
-        </p:xfrm>
-        <a:graphic>
-          <a:graphicData uri="http://schemas.openxmlformats.org/drawingml/2006/table">
-            <a:tbl>
-              <a:tblPr firstRow="1">
-                <a:tableStyleId>{4C3C2611-4C71-4FC5-86AE-919BDF0F9419}</a:tableStyleId>
-              </a:tblPr>
-              <a:tblGrid>
-                <a:gridCol w="4806821">
-                  <a:extLst>
-                    <a:ext uri="{9D8B030D-6E8A-4147-A177-3AD203B41FA5}">
-                      <a16:colId xmlns:a16="http://schemas.microsoft.com/office/drawing/2014/main" val="20000"/>
-                    </a:ext>
-                  </a:extLst>
-                </a:gridCol>
-                <a:gridCol w="4806821">
-                  <a:extLst>
-                    <a:ext uri="{9D8B030D-6E8A-4147-A177-3AD203B41FA5}">
-                      <a16:colId xmlns:a16="http://schemas.microsoft.com/office/drawing/2014/main" val="20001"/>
-                    </a:ext>
-                  </a:extLst>
-                </a:gridCol>
-              </a:tblGrid>
-              <a:tr h="1815596">
-                <a:tc>
-                  <a:txBody>
-                    <a:bodyPr/>
-                    <a:lstStyle/>
-                    <a:p>
-                      <a:pPr defTabSz="914400">
-                        <a:tabLst>
-                          <a:tab pos="914400" algn="l"/>
-                        </a:tabLst>
-                        <a:defRPr sz="1800">
-                          <a:solidFill>
-                            <a:srgbClr val="000000"/>
-                          </a:solidFill>
-                        </a:defRPr>
-                      </a:pPr>
-                      <a:r>
-                        <a:rPr sz="3000" dirty="0" err="1">
-                          <a:solidFill>
-                            <a:srgbClr val="F6F4EF"/>
-                          </a:solidFill>
-                          <a:effectLst>
-                            <a:outerShdw blurRad="25400" dist="12700" dir="5400000" rotWithShape="0">
-                              <a:srgbClr val="000000">
-                                <a:alpha val="50000"/>
-                              </a:srgbClr>
-                            </a:outerShdw>
-                          </a:effectLst>
-                        </a:rPr>
-                        <a:t>Dispositivo</a:t>
-                      </a:r>
-                      <a:endParaRPr sz="3000" dirty="0">
-                        <a:solidFill>
-                          <a:srgbClr val="F6F4EF"/>
-                        </a:solidFill>
-                        <a:effectLst>
-                          <a:outerShdw blurRad="25400" dist="12700" dir="5400000" rotWithShape="0">
-                            <a:srgbClr val="000000">
-                              <a:alpha val="50000"/>
-                            </a:srgbClr>
-                          </a:outerShdw>
-                        </a:effectLst>
-                      </a:endParaRPr>
-                    </a:p>
-                  </a:txBody>
-                  <a:tcPr marL="50800" marR="50800" marT="50800" marB="50800" anchor="ctr" horzOverflow="overflow">
-                    <a:lnL w="12700">
-                      <a:solidFill>
-                        <a:srgbClr val="7695B6"/>
-                      </a:solidFill>
-                      <a:miter lim="400000"/>
-                    </a:lnL>
-                    <a:blipFill rotWithShape="1">
-                      <a:blip r:embed="rId3"/>
-                      <a:srcRect/>
-                      <a:tile tx="0" ty="0" sx="100000" sy="100000" flip="none" algn="tl"/>
-                    </a:blipFill>
-                  </a:tcPr>
-                </a:tc>
-                <a:tc>
-                  <a:txBody>
-                    <a:bodyPr/>
-                    <a:lstStyle/>
-                    <a:p>
-                      <a:pPr defTabSz="914400">
-                        <a:tabLst>
-                          <a:tab pos="914400" algn="l"/>
-                        </a:tabLst>
-                        <a:defRPr sz="1800">
-                          <a:solidFill>
-                            <a:srgbClr val="000000"/>
-                          </a:solidFill>
-                        </a:defRPr>
-                      </a:pPr>
-                      <a:r>
-                        <a:rPr sz="3000">
-                          <a:solidFill>
-                            <a:srgbClr val="F6F4EF"/>
-                          </a:solidFill>
-                          <a:effectLst>
-                            <a:outerShdw blurRad="25400" dist="12700" dir="5400000" rotWithShape="0">
-                              <a:srgbClr val="000000">
-                                <a:alpha val="50000"/>
-                              </a:srgbClr>
-                            </a:outerShdw>
-                          </a:effectLst>
-                        </a:rPr>
-                        <a:t>Tiempo</a:t>
-                      </a:r>
-                    </a:p>
-                  </a:txBody>
-                  <a:tcPr marL="50800" marR="50800" marT="50800" marB="50800" anchor="ctr" horzOverflow="overflow">
-                    <a:lnR w="12700">
-                      <a:solidFill>
-                        <a:srgbClr val="7695B6"/>
-                      </a:solidFill>
-                      <a:miter lim="400000"/>
-                    </a:lnR>
-                    <a:blipFill rotWithShape="1">
-                      <a:blip r:embed="rId3"/>
-                      <a:srcRect/>
-                      <a:tile tx="0" ty="0" sx="100000" sy="100000" flip="none" algn="tl"/>
-                    </a:blipFill>
-                  </a:tcPr>
-                </a:tc>
-                <a:extLst>
-                  <a:ext uri="{0D108BD9-81ED-4DB2-BD59-A6C34878D82A}">
-                    <a16:rowId xmlns:a16="http://schemas.microsoft.com/office/drawing/2014/main" val="10000"/>
-                  </a:ext>
-                </a:extLst>
-              </a:tr>
-              <a:tr h="1815596">
-                <a:tc>
-                  <a:txBody>
-                    <a:bodyPr/>
-                    <a:lstStyle/>
-                    <a:p>
-                      <a:pPr defTabSz="457200">
-                        <a:defRPr sz="1800">
-                          <a:solidFill>
-                            <a:srgbClr val="000000"/>
-                          </a:solidFill>
-                        </a:defRPr>
-                      </a:pPr>
-                      <a:r>
-                        <a:rPr sz="3000">
-                          <a:solidFill>
-                            <a:srgbClr val="6D6A67"/>
-                          </a:solidFill>
-                          <a:effectLst>
-                            <a:outerShdw blurRad="25400" dist="12700" dir="5280000" rotWithShape="0">
-                              <a:srgbClr val="FFFFFF"/>
-                            </a:outerShdw>
-                          </a:effectLst>
-                        </a:rPr>
-                        <a:t>Raspberry Pi</a:t>
-                      </a:r>
-                    </a:p>
-                  </a:txBody>
-                  <a:tcPr marL="50800" marR="50800" marT="50800" marB="50800" anchor="ctr" horzOverflow="overflow"/>
-                </a:tc>
-                <a:tc>
-                  <a:txBody>
-                    <a:bodyPr/>
-                    <a:lstStyle/>
-                    <a:p>
-                      <a:pPr defTabSz="457200">
-                        <a:defRPr sz="1800">
-                          <a:solidFill>
-                            <a:srgbClr val="000000"/>
-                          </a:solidFill>
-                        </a:defRPr>
-                      </a:pPr>
-                      <a:r>
-                        <a:rPr sz="3000">
-                          <a:solidFill>
-                            <a:srgbClr val="6D6A67"/>
-                          </a:solidFill>
-                          <a:effectLst>
-                            <a:outerShdw blurRad="25400" dist="12700" dir="5280000" rotWithShape="0">
-                              <a:srgbClr val="FFFFFF"/>
-                            </a:outerShdw>
-                          </a:effectLst>
-                        </a:rPr>
-                        <a:t>330 ms</a:t>
-                      </a:r>
-                    </a:p>
-                  </a:txBody>
-                  <a:tcPr marL="50800" marR="50800" marT="50800" marB="50800" anchor="ctr" horzOverflow="overflow"/>
-                </a:tc>
-                <a:extLst>
-                  <a:ext uri="{0D108BD9-81ED-4DB2-BD59-A6C34878D82A}">
-                    <a16:rowId xmlns:a16="http://schemas.microsoft.com/office/drawing/2014/main" val="10001"/>
-                  </a:ext>
-                </a:extLst>
-              </a:tr>
-              <a:tr h="1815596">
-                <a:tc>
-                  <a:txBody>
-                    <a:bodyPr/>
-                    <a:lstStyle/>
-                    <a:p>
-                      <a:pPr defTabSz="457200">
-                        <a:defRPr sz="1800">
-                          <a:solidFill>
-                            <a:srgbClr val="000000"/>
-                          </a:solidFill>
-                        </a:defRPr>
-                      </a:pPr>
-                      <a:r>
-                        <a:rPr sz="3000">
-                          <a:solidFill>
-                            <a:srgbClr val="6D6A67"/>
-                          </a:solidFill>
-                          <a:effectLst>
-                            <a:outerShdw blurRad="25400" dist="12700" dir="5280000" rotWithShape="0">
-                              <a:srgbClr val="FFFFFF"/>
-                            </a:outerShdw>
-                          </a:effectLst>
-                        </a:rPr>
-                        <a:t>MacBook</a:t>
-                      </a:r>
-                    </a:p>
-                  </a:txBody>
-                  <a:tcPr marL="50800" marR="50800" marT="50800" marB="50800" anchor="ctr" horzOverflow="overflow"/>
-                </a:tc>
-                <a:tc>
-                  <a:txBody>
-                    <a:bodyPr/>
-                    <a:lstStyle/>
-                    <a:p>
-                      <a:pPr defTabSz="457200">
-                        <a:defRPr sz="1800">
-                          <a:solidFill>
-                            <a:srgbClr val="000000"/>
-                          </a:solidFill>
-                        </a:defRPr>
-                      </a:pPr>
-                      <a:r>
-                        <a:rPr sz="3000" dirty="0">
-                          <a:solidFill>
-                            <a:srgbClr val="6D6A67"/>
-                          </a:solidFill>
-                          <a:effectLst>
-                            <a:outerShdw blurRad="25400" dist="12700" dir="5280000" rotWithShape="0">
-                              <a:srgbClr val="FFFFFF"/>
-                            </a:outerShdw>
-                          </a:effectLst>
-                        </a:rPr>
-                        <a:t>280ms</a:t>
-                      </a:r>
-                    </a:p>
-                  </a:txBody>
-                  <a:tcPr marL="50800" marR="50800" marT="50800" marB="50800" anchor="ctr" horzOverflow="overflow"/>
-                </a:tc>
-                <a:extLst>
-                  <a:ext uri="{0D108BD9-81ED-4DB2-BD59-A6C34878D82A}">
-                    <a16:rowId xmlns:a16="http://schemas.microsoft.com/office/drawing/2014/main" val="10002"/>
-                  </a:ext>
-                </a:extLst>
-              </a:tr>
-            </a:tbl>
-          </a:graphicData>
-        </a:graphic>
-      </p:graphicFrame>
-      <p:sp>
-        <p:nvSpPr>
-          <p:cNvPr id="281" name="Shape 281"/>
-          <p:cNvSpPr>
-            <a:spLocks noGrp="1"/>
-          </p:cNvSpPr>
-          <p:nvPr>
-            <p:ph type="sldNum" sz="quarter" idx="2"/>
-          </p:nvPr>
-        </p:nvSpPr>
-        <p:spPr>
-          <a:prstGeom prst="rect">
-            <a:avLst/>
-          </a:prstGeom>
-          <a:extLst>
-            <a:ext uri="{C572A759-6A51-4108-AA02-DFA0A04FC94B}">
-              <ma14:wrappingTextBoxFlag xmlns:ma14="http://schemas.microsoft.com/office/mac/drawingml/2011/main" xmlns="" val="1"/>
-            </a:ext>
-          </a:extLst>
-        </p:spPr>
-        <p:txBody>
-          <a:bodyPr/>
-          <a:lstStyle/>
-          <a:p>
-            <a:fld id="{86CB4B4D-7CA3-9044-876B-883B54F8677D}" type="slidenum">
-              <a:t>19</a:t>
-            </a:fld>
-            <a:endParaRPr/>
-          </a:p>
-        </p:txBody>
-      </p:sp>
-    </p:spTree>
-  </p:cSld>
-  <p:clrMapOvr>
-    <a:masterClrMapping/>
-  </p:clrMapOvr>
-  <p:transition spd="med"/>
-</p:sld>
-</file>
-
-<file path=ppt/slides/slide2.xml><?xml version="1.0" encoding="utf-8"?>
-<p:sld xmlns:a="http://schemas.openxmlformats.org/drawingml/2006/main" xmlns:r="http://schemas.openxmlformats.org/officeDocument/2006/relationships" xmlns:p="http://schemas.openxmlformats.org/presentationml/2006/main">
-  <p:cSld>
-    <p:spTree>
-      <p:nvGrpSpPr>
-        <p:cNvPr id="1" name=""/>
-        <p:cNvGrpSpPr/>
-        <p:nvPr/>
-      </p:nvGrpSpPr>
-      <p:grpSpPr>
-        <a:xfrm>
-          <a:off x="0" y="0"/>
-          <a:ext cx="0" cy="0"/>
-          <a:chOff x="0" y="0"/>
-          <a:chExt cx="0" cy="0"/>
-        </a:xfrm>
-      </p:grpSpPr>
-      <p:sp>
-        <p:nvSpPr>
-          <p:cNvPr id="142" name="Shape 142"/>
-          <p:cNvSpPr>
-            <a:spLocks noGrp="1"/>
-          </p:cNvSpPr>
-          <p:nvPr>
-            <p:ph type="title"/>
-          </p:nvPr>
-        </p:nvSpPr>
-        <p:spPr>
-          <a:prstGeom prst="rect">
-            <a:avLst/>
-          </a:prstGeom>
-        </p:spPr>
-        <p:txBody>
-          <a:bodyPr/>
-          <a:lstStyle/>
-          <a:p>
-            <a:pPr lvl="1"/>
-            <a:r>
-              <a:t>Índice</a:t>
-            </a:r>
-          </a:p>
-        </p:txBody>
-      </p:sp>
-      <p:sp>
-        <p:nvSpPr>
-          <p:cNvPr id="143" name="Shape 143"/>
-          <p:cNvSpPr>
-            <a:spLocks noGrp="1"/>
-          </p:cNvSpPr>
-          <p:nvPr>
-            <p:ph type="body" idx="1"/>
-          </p:nvPr>
-        </p:nvSpPr>
-        <p:spPr>
-          <a:prstGeom prst="rect">
-            <a:avLst/>
-          </a:prstGeom>
-        </p:spPr>
-        <p:txBody>
-          <a:bodyPr/>
-          <a:lstStyle/>
-          <a:p>
-            <a:pPr marL="457200" indent="-457200" defTabSz="525779">
-              <a:spcBef>
-                <a:spcPts val="3700"/>
-              </a:spcBef>
-              <a:defRPr sz="3420"/>
-            </a:pPr>
-            <a:r>
-              <a:t>Introducción y Objetivos </a:t>
-            </a:r>
-          </a:p>
-          <a:p>
-            <a:pPr marL="457200" indent="-457200" defTabSz="525779">
-              <a:spcBef>
-                <a:spcPts val="3700"/>
-              </a:spcBef>
-              <a:defRPr sz="3420"/>
-            </a:pPr>
-            <a:r>
-              <a:t>Arquitectura del Sistema</a:t>
-            </a:r>
-          </a:p>
-          <a:p>
-            <a:pPr marL="457200" indent="-457200" defTabSz="525779">
-              <a:spcBef>
-                <a:spcPts val="3700"/>
-              </a:spcBef>
-              <a:defRPr sz="3420"/>
-            </a:pPr>
-            <a:r>
-              <a:t>Desarrollo del Software</a:t>
-            </a:r>
-          </a:p>
-          <a:p>
-            <a:pPr marL="457200" indent="-457200" defTabSz="525779">
-              <a:spcBef>
-                <a:spcPts val="3700"/>
-              </a:spcBef>
-              <a:defRPr sz="3420"/>
-            </a:pPr>
-            <a:r>
-              <a:t>Pruebas de Rendimiento</a:t>
-            </a:r>
-          </a:p>
-          <a:p>
-            <a:pPr marL="457200" indent="-457200" defTabSz="525779">
-              <a:spcBef>
-                <a:spcPts val="3700"/>
-              </a:spcBef>
-              <a:defRPr sz="3420"/>
-            </a:pPr>
-            <a:r>
-              <a:t>Costes</a:t>
-            </a:r>
-          </a:p>
-          <a:p>
-            <a:pPr marL="457200" indent="-457200" defTabSz="525779">
-              <a:spcBef>
-                <a:spcPts val="3700"/>
-              </a:spcBef>
-              <a:defRPr sz="3420"/>
-            </a:pPr>
-            <a:r>
-              <a:t>Futuros Desarrollos</a:t>
-            </a:r>
-          </a:p>
-          <a:p>
-            <a:pPr marL="457200" indent="-457200" defTabSz="525779">
-              <a:spcBef>
-                <a:spcPts val="3700"/>
-              </a:spcBef>
-              <a:defRPr sz="3420"/>
-            </a:pPr>
-            <a:r>
-              <a:t>Conclusiones</a:t>
-            </a:r>
-          </a:p>
-        </p:txBody>
-      </p:sp>
-      <p:sp>
-        <p:nvSpPr>
-          <p:cNvPr id="144" name="Shape 144"/>
-          <p:cNvSpPr>
-            <a:spLocks noGrp="1"/>
-          </p:cNvSpPr>
-          <p:nvPr>
-            <p:ph type="sldNum" sz="quarter" idx="2"/>
-          </p:nvPr>
-        </p:nvSpPr>
-        <p:spPr>
-          <a:xfrm>
-            <a:off x="12382499" y="9220200"/>
-            <a:ext cx="215901" cy="355600"/>
-          </a:xfrm>
-          <a:prstGeom prst="rect">
-            <a:avLst/>
-          </a:prstGeom>
-          <a:extLst>
-            <a:ext uri="{C572A759-6A51-4108-AA02-DFA0A04FC94B}">
-              <ma14:wrappingTextBoxFlag xmlns:ma14="http://schemas.microsoft.com/office/mac/drawingml/2011/main" xmlns="" val="1"/>
-            </a:ext>
-          </a:extLst>
-        </p:spPr>
-        <p:txBody>
-          <a:bodyPr/>
-          <a:lstStyle/>
-          <a:p>
-            <a:fld id="{86CB4B4D-7CA3-9044-876B-883B54F8677D}" type="slidenum">
-              <a:t>2</a:t>
-            </a:fld>
-            <a:endParaRPr/>
-          </a:p>
-        </p:txBody>
-      </p:sp>
-    </p:spTree>
-  </p:cSld>
-  <p:clrMapOvr>
-    <a:masterClrMapping/>
-  </p:clrMapOvr>
-  <p:transition spd="med"/>
-</p:sld>
-</file>
-
-<file path=ppt/slides/slide20.xml><?xml version="1.0" encoding="utf-8"?>
+<file path=ppt/slides/slide17.xml><?xml version="1.0" encoding="utf-8"?>
 <p:sld xmlns:a="http://schemas.openxmlformats.org/drawingml/2006/main" xmlns:r="http://schemas.openxmlformats.org/officeDocument/2006/relationships" xmlns:p="http://schemas.openxmlformats.org/presentationml/2006/main">
   <p:cSld>
     <p:spTree>
@@ -14855,7 +13116,7 @@
         </p:nvSpPr>
         <p:spPr>
           <a:xfrm>
-            <a:off x="12331700" y="8267700"/>
+            <a:off x="12331700" y="9203450"/>
             <a:ext cx="317500" cy="355600"/>
           </a:xfrm>
           <a:prstGeom prst="rect">
@@ -14863,7 +13124,7 @@
           </a:prstGeom>
           <a:extLst>
             <a:ext uri="{C572A759-6A51-4108-AA02-DFA0A04FC94B}">
-              <ma14:wrappingTextBoxFlag xmlns:ma14="http://schemas.microsoft.com/office/mac/drawingml/2011/main" xmlns="" val="1"/>
+              <ma14:wrappingTextBoxFlag xmlns="" xmlns:ma14="http://schemas.microsoft.com/office/mac/drawingml/2011/main" val="1"/>
             </a:ext>
           </a:extLst>
         </p:spPr>
@@ -14872,9 +13133,9 @@
           <a:lstStyle/>
           <a:p>
             <a:fld id="{86CB4B4D-7CA3-9044-876B-883B54F8677D}" type="slidenum">
-              <a:t>20</a:t>
+              <a:t>17</a:t>
             </a:fld>
-            <a:endParaRPr/>
+            <a:endParaRPr dirty="0"/>
           </a:p>
         </p:txBody>
       </p:sp>
@@ -14897,7 +13158,7 @@
           </a:ln>
           <a:extLst>
             <a:ext uri="{C572A759-6A51-4108-AA02-DFA0A04FC94B}">
-              <ma14:wrappingTextBoxFlag xmlns:ma14="http://schemas.microsoft.com/office/mac/drawingml/2011/main" xmlns="" val="1"/>
+              <ma14:wrappingTextBoxFlag xmlns="" xmlns:ma14="http://schemas.microsoft.com/office/mac/drawingml/2011/main" val="1"/>
             </a:ext>
           </a:extLst>
         </p:spPr>
@@ -14936,7 +13197,7 @@
           </a:ln>
           <a:extLst>
             <a:ext uri="{C572A759-6A51-4108-AA02-DFA0A04FC94B}">
-              <ma14:wrappingTextBoxFlag xmlns:ma14="http://schemas.microsoft.com/office/mac/drawingml/2011/main" xmlns="" val="1"/>
+              <ma14:wrappingTextBoxFlag xmlns="" xmlns:ma14="http://schemas.microsoft.com/office/mac/drawingml/2011/main" val="1"/>
             </a:ext>
           </a:extLst>
         </p:spPr>
@@ -15002,7 +13263,7 @@
 </p:sld>
 </file>
 
-<file path=ppt/slides/slide21.xml><?xml version="1.0" encoding="utf-8"?>
+<file path=ppt/slides/slide18.xml><?xml version="1.0" encoding="utf-8"?>
 <p:sld xmlns:a="http://schemas.openxmlformats.org/drawingml/2006/main" xmlns:r="http://schemas.openxmlformats.org/officeDocument/2006/relationships" xmlns:p="http://schemas.openxmlformats.org/presentationml/2006/main">
   <p:cSld>
     <p:spTree>
@@ -15070,7 +13331,44 @@
               <a:defRPr sz="3306"/>
             </a:pPr>
             <a:r>
-              <a:t>Investigar otros método de detección de presencia.</a:t>
+              <a:rPr dirty="0" err="1"/>
+              <a:t>Investigar</a:t>
+            </a:r>
+            <a:r>
+              <a:rPr dirty="0"/>
+              <a:t> </a:t>
+            </a:r>
+            <a:r>
+              <a:rPr dirty="0" err="1"/>
+              <a:t>otros</a:t>
+            </a:r>
+            <a:r>
+              <a:rPr dirty="0"/>
+              <a:t> </a:t>
+            </a:r>
+            <a:r>
+              <a:rPr dirty="0" err="1"/>
+              <a:t>método</a:t>
+            </a:r>
+            <a:r>
+              <a:rPr dirty="0"/>
+              <a:t> de </a:t>
+            </a:r>
+            <a:r>
+              <a:rPr dirty="0" err="1"/>
+              <a:t>detección</a:t>
+            </a:r>
+            <a:r>
+              <a:rPr dirty="0"/>
+              <a:t> de </a:t>
+            </a:r>
+            <a:r>
+              <a:rPr dirty="0" err="1"/>
+              <a:t>presencia</a:t>
+            </a:r>
+            <a:r>
+              <a:rPr dirty="0"/>
+              <a:t>.</a:t>
             </a:r>
           </a:p>
           <a:p>
@@ -15081,7 +13379,60 @@
               <a:defRPr sz="3306"/>
             </a:pPr>
             <a:r>
-              <a:t>Realizar pruebas de rendimiento con diferentes cámaras, para mejorar la velocidad de captura</a:t>
+              <a:rPr dirty="0" err="1"/>
+              <a:t>Desarrollar</a:t>
+            </a:r>
+            <a:r>
+              <a:rPr dirty="0"/>
+              <a:t> un </a:t>
+            </a:r>
+            <a:r>
+              <a:rPr dirty="0" err="1"/>
+              <a:t>algoritmo</a:t>
+            </a:r>
+            <a:r>
+              <a:rPr dirty="0"/>
+              <a:t> que </a:t>
+            </a:r>
+            <a:r>
+              <a:rPr dirty="0" err="1"/>
+              <a:t>detecte</a:t>
+            </a:r>
+            <a:r>
+              <a:rPr dirty="0"/>
+              <a:t> </a:t>
+            </a:r>
+            <a:r>
+              <a:rPr dirty="0" err="1"/>
+              <a:t>los</a:t>
+            </a:r>
+            <a:r>
+              <a:rPr dirty="0"/>
+              <a:t> </a:t>
+            </a:r>
+            <a:r>
+              <a:rPr dirty="0" err="1"/>
+              <a:t>elementos</a:t>
+            </a:r>
+            <a:r>
+              <a:rPr dirty="0"/>
+              <a:t> </a:t>
+            </a:r>
+            <a:r>
+              <a:rPr dirty="0" err="1"/>
+              <a:t>conectados</a:t>
+            </a:r>
+            <a:r>
+              <a:rPr dirty="0"/>
+              <a:t> al </a:t>
+            </a:r>
+            <a:r>
+              <a:rPr dirty="0" err="1"/>
+              <a:t>sistema</a:t>
+            </a:r>
+            <a:r>
+              <a:rPr dirty="0"/>
+              <a:t>.</a:t>
             </a:r>
           </a:p>
           <a:p>
@@ -15092,7 +13443,52 @@
               <a:defRPr sz="3306"/>
             </a:pPr>
             <a:r>
-              <a:t>Desarrollar un algoritmo que detecte los elementos conectados al sistema.</a:t>
+              <a:rPr dirty="0" err="1"/>
+              <a:t>Desarrollar</a:t>
+            </a:r>
+            <a:r>
+              <a:rPr dirty="0"/>
+              <a:t> un </a:t>
+            </a:r>
+            <a:r>
+              <a:rPr dirty="0" err="1"/>
+              <a:t>sistema</a:t>
+            </a:r>
+            <a:r>
+              <a:rPr dirty="0"/>
+              <a:t> de </a:t>
+            </a:r>
+            <a:r>
+              <a:rPr dirty="0" err="1"/>
+              <a:t>visión</a:t>
+            </a:r>
+            <a:r>
+              <a:rPr dirty="0"/>
+              <a:t> artificial para </a:t>
+            </a:r>
+            <a:r>
+              <a:rPr dirty="0" err="1"/>
+              <a:t>detectar</a:t>
+            </a:r>
+            <a:r>
+              <a:rPr dirty="0"/>
+              <a:t> </a:t>
+            </a:r>
+            <a:r>
+              <a:rPr dirty="0" err="1"/>
+              <a:t>situaciones</a:t>
+            </a:r>
+            <a:r>
+              <a:rPr dirty="0"/>
+              <a:t> </a:t>
+            </a:r>
+            <a:r>
+              <a:rPr dirty="0" err="1"/>
+              <a:t>anómalas</a:t>
+            </a:r>
+            <a:r>
+              <a:rPr dirty="0"/>
+              <a:t>.</a:t>
             </a:r>
           </a:p>
           <a:p>
@@ -15103,19 +13499,50 @@
               <a:defRPr sz="3306"/>
             </a:pPr>
             <a:r>
-              <a:t>Desarrollar un sistema de visión artificial para detectar situaciones anómalas.</a:t>
-            </a:r>
-          </a:p>
-          <a:p>
-            <a:pPr marL="441959" indent="-441959" defTabSz="508254">
-              <a:spcBef>
-                <a:spcPts val="3600"/>
-              </a:spcBef>
-              <a:defRPr sz="3306"/>
-            </a:pPr>
-            <a:r>
-              <a:t>Realizar pruebas de rendimiento con diferentes lenguajes de programación</a:t>
-            </a:r>
+              <a:rPr dirty="0" err="1"/>
+              <a:t>Realizar</a:t>
+            </a:r>
+            <a:r>
+              <a:rPr dirty="0"/>
+              <a:t> </a:t>
+            </a:r>
+            <a:r>
+              <a:rPr dirty="0" err="1"/>
+              <a:t>pruebas</a:t>
+            </a:r>
+            <a:r>
+              <a:rPr dirty="0"/>
+              <a:t> de </a:t>
+            </a:r>
+            <a:r>
+              <a:rPr dirty="0" err="1"/>
+              <a:t>rendimiento</a:t>
+            </a:r>
+            <a:r>
+              <a:rPr dirty="0"/>
+              <a:t> con </a:t>
+            </a:r>
+            <a:r>
+              <a:rPr dirty="0" err="1"/>
+              <a:t>diferentes</a:t>
+            </a:r>
+            <a:r>
+              <a:rPr dirty="0"/>
+              <a:t> </a:t>
+            </a:r>
+            <a:r>
+              <a:rPr dirty="0" err="1"/>
+              <a:t>lenguajes</a:t>
+            </a:r>
+            <a:r>
+              <a:rPr dirty="0"/>
+              <a:t> de </a:t>
+            </a:r>
+            <a:r>
+              <a:rPr dirty="0" err="1"/>
+              <a:t>programación</a:t>
+            </a:r>
+            <a:endParaRPr dirty="0"/>
           </a:p>
         </p:txBody>
       </p:sp>
@@ -15135,7 +13562,7 @@
           </a:prstGeom>
           <a:extLst>
             <a:ext uri="{C572A759-6A51-4108-AA02-DFA0A04FC94B}">
-              <ma14:wrappingTextBoxFlag xmlns:ma14="http://schemas.microsoft.com/office/mac/drawingml/2011/main" xmlns="" val="1"/>
+              <ma14:wrappingTextBoxFlag xmlns="" xmlns:ma14="http://schemas.microsoft.com/office/mac/drawingml/2011/main" val="1"/>
             </a:ext>
           </a:extLst>
         </p:spPr>
@@ -15144,7 +13571,7 @@
           <a:lstStyle/>
           <a:p>
             <a:fld id="{86CB4B4D-7CA3-9044-876B-883B54F8677D}" type="slidenum">
-              <a:t>21</a:t>
+              <a:t>18</a:t>
             </a:fld>
             <a:endParaRPr/>
           </a:p>
@@ -15159,7 +13586,7 @@
 </p:sld>
 </file>
 
-<file path=ppt/slides/slide22.xml><?xml version="1.0" encoding="utf-8"?>
+<file path=ppt/slides/slide19.xml><?xml version="1.0" encoding="utf-8"?>
 <p:sld xmlns:a="http://schemas.openxmlformats.org/drawingml/2006/main" xmlns:r="http://schemas.openxmlformats.org/officeDocument/2006/relationships" xmlns:p="http://schemas.openxmlformats.org/presentationml/2006/main">
   <p:cSld>
     <p:spTree>
@@ -15257,7 +13684,7 @@
           </a:prstGeom>
           <a:extLst>
             <a:ext uri="{C572A759-6A51-4108-AA02-DFA0A04FC94B}">
-              <ma14:wrappingTextBoxFlag xmlns:ma14="http://schemas.microsoft.com/office/mac/drawingml/2011/main" xmlns="" val="1"/>
+              <ma14:wrappingTextBoxFlag xmlns="" xmlns:ma14="http://schemas.microsoft.com/office/mac/drawingml/2011/main" val="1"/>
             </a:ext>
           </a:extLst>
         </p:spPr>
@@ -15266,7 +13693,7 @@
           <a:lstStyle/>
           <a:p>
             <a:fld id="{86CB4B4D-7CA3-9044-876B-883B54F8677D}" type="slidenum">
-              <a:t>22</a:t>
+              <a:t>19</a:t>
             </a:fld>
             <a:endParaRPr/>
           </a:p>
@@ -15281,7 +13708,191 @@
 </p:sld>
 </file>
 
-<file path=ppt/slides/slide23.xml><?xml version="1.0" encoding="utf-8"?>
+<file path=ppt/slides/slide2.xml><?xml version="1.0" encoding="utf-8"?>
+<p:sld xmlns:a="http://schemas.openxmlformats.org/drawingml/2006/main" xmlns:r="http://schemas.openxmlformats.org/officeDocument/2006/relationships" xmlns:p="http://schemas.openxmlformats.org/presentationml/2006/main">
+  <p:cSld>
+    <p:spTree>
+      <p:nvGrpSpPr>
+        <p:cNvPr id="1" name=""/>
+        <p:cNvGrpSpPr/>
+        <p:nvPr/>
+      </p:nvGrpSpPr>
+      <p:grpSpPr>
+        <a:xfrm>
+          <a:off x="0" y="0"/>
+          <a:ext cx="0" cy="0"/>
+          <a:chOff x="0" y="0"/>
+          <a:chExt cx="0" cy="0"/>
+        </a:xfrm>
+      </p:grpSpPr>
+      <p:sp>
+        <p:nvSpPr>
+          <p:cNvPr id="142" name="Shape 142"/>
+          <p:cNvSpPr>
+            <a:spLocks noGrp="1"/>
+          </p:cNvSpPr>
+          <p:nvPr>
+            <p:ph type="title"/>
+          </p:nvPr>
+        </p:nvSpPr>
+        <p:spPr>
+          <a:prstGeom prst="rect">
+            <a:avLst/>
+          </a:prstGeom>
+        </p:spPr>
+        <p:txBody>
+          <a:bodyPr/>
+          <a:lstStyle/>
+          <a:p>
+            <a:pPr lvl="1"/>
+            <a:r>
+              <a:t>Índice</a:t>
+            </a:r>
+          </a:p>
+        </p:txBody>
+      </p:sp>
+      <p:sp>
+        <p:nvSpPr>
+          <p:cNvPr id="143" name="Shape 143"/>
+          <p:cNvSpPr>
+            <a:spLocks noGrp="1"/>
+          </p:cNvSpPr>
+          <p:nvPr>
+            <p:ph type="body" idx="1"/>
+          </p:nvPr>
+        </p:nvSpPr>
+        <p:spPr>
+          <a:prstGeom prst="rect">
+            <a:avLst/>
+          </a:prstGeom>
+        </p:spPr>
+        <p:txBody>
+          <a:bodyPr/>
+          <a:lstStyle/>
+          <a:p>
+            <a:pPr marL="457200" indent="-457200" defTabSz="525779">
+              <a:spcBef>
+                <a:spcPts val="3700"/>
+              </a:spcBef>
+              <a:defRPr sz="3420"/>
+            </a:pPr>
+            <a:r>
+              <a:t>Introducción y Objetivos </a:t>
+            </a:r>
+          </a:p>
+          <a:p>
+            <a:pPr marL="457200" indent="-457200" defTabSz="525779">
+              <a:spcBef>
+                <a:spcPts val="3700"/>
+              </a:spcBef>
+              <a:defRPr sz="3420"/>
+            </a:pPr>
+            <a:r>
+              <a:t>Arquitectura del Sistema</a:t>
+            </a:r>
+          </a:p>
+          <a:p>
+            <a:pPr marL="457200" indent="-457200" defTabSz="525779">
+              <a:spcBef>
+                <a:spcPts val="3700"/>
+              </a:spcBef>
+              <a:defRPr sz="3420"/>
+            </a:pPr>
+            <a:r>
+              <a:t>Desarrollo del Software</a:t>
+            </a:r>
+          </a:p>
+          <a:p>
+            <a:pPr marL="457200" indent="-457200" defTabSz="525779">
+              <a:spcBef>
+                <a:spcPts val="3700"/>
+              </a:spcBef>
+              <a:defRPr sz="3420"/>
+            </a:pPr>
+            <a:r>
+              <a:t>Pruebas de Rendimiento</a:t>
+            </a:r>
+          </a:p>
+          <a:p>
+            <a:pPr marL="457200" indent="-457200" defTabSz="525779">
+              <a:spcBef>
+                <a:spcPts val="3700"/>
+              </a:spcBef>
+              <a:defRPr sz="3420"/>
+            </a:pPr>
+            <a:r>
+              <a:t>Costes</a:t>
+            </a:r>
+          </a:p>
+          <a:p>
+            <a:pPr marL="457200" indent="-457200" defTabSz="525779">
+              <a:spcBef>
+                <a:spcPts val="3700"/>
+              </a:spcBef>
+              <a:defRPr sz="3420"/>
+            </a:pPr>
+            <a:r>
+              <a:t>Futuros Desarrollos</a:t>
+            </a:r>
+          </a:p>
+          <a:p>
+            <a:pPr marL="457200" indent="-457200" defTabSz="525779">
+              <a:spcBef>
+                <a:spcPts val="3700"/>
+              </a:spcBef>
+              <a:defRPr sz="3420"/>
+            </a:pPr>
+            <a:r>
+              <a:t>Conclusiones</a:t>
+            </a:r>
+          </a:p>
+        </p:txBody>
+      </p:sp>
+      <p:sp>
+        <p:nvSpPr>
+          <p:cNvPr id="144" name="Shape 144"/>
+          <p:cNvSpPr>
+            <a:spLocks noGrp="1"/>
+          </p:cNvSpPr>
+          <p:nvPr>
+            <p:ph type="sldNum" sz="quarter" idx="2"/>
+          </p:nvPr>
+        </p:nvSpPr>
+        <p:spPr>
+          <a:xfrm>
+            <a:off x="12382499" y="9220200"/>
+            <a:ext cx="215901" cy="355600"/>
+          </a:xfrm>
+          <a:prstGeom prst="rect">
+            <a:avLst/>
+          </a:prstGeom>
+          <a:extLst>
+            <a:ext uri="{C572A759-6A51-4108-AA02-DFA0A04FC94B}">
+              <ma14:wrappingTextBoxFlag xmlns="" xmlns:ma14="http://schemas.microsoft.com/office/mac/drawingml/2011/main" val="1"/>
+            </a:ext>
+          </a:extLst>
+        </p:spPr>
+        <p:txBody>
+          <a:bodyPr/>
+          <a:lstStyle/>
+          <a:p>
+            <a:fld id="{86CB4B4D-7CA3-9044-876B-883B54F8677D}" type="slidenum">
+              <a:t>2</a:t>
+            </a:fld>
+            <a:endParaRPr/>
+          </a:p>
+        </p:txBody>
+      </p:sp>
+    </p:spTree>
+  </p:cSld>
+  <p:clrMapOvr>
+    <a:masterClrMapping/>
+  </p:clrMapOvr>
+  <p:transition spd="med"/>
+</p:sld>
+</file>
+
+<file path=ppt/slides/slide20.xml><?xml version="1.0" encoding="utf-8"?>
 <p:sld xmlns:a="http://schemas.openxmlformats.org/drawingml/2006/main" xmlns:r="http://schemas.openxmlformats.org/officeDocument/2006/relationships" xmlns:p="http://schemas.openxmlformats.org/presentationml/2006/main">
   <p:cSld>
     <p:spTree>
@@ -15332,23 +13943,25 @@
         </p:nvSpPr>
         <p:spPr>
           <a:xfrm>
-            <a:off x="725251" y="3321050"/>
-            <a:ext cx="5816600" cy="2871551"/>
+            <a:off x="627974" y="2489200"/>
+            <a:ext cx="8749489" cy="4422167"/>
           </a:xfrm>
         </p:spPr>
         <p:txBody>
-          <a:bodyPr/>
+          <a:bodyPr>
+            <a:normAutofit/>
+          </a:bodyPr>
           <a:lstStyle/>
           <a:p>
             <a:r>
-              <a:rPr lang="es-ES" dirty="0"/>
+              <a:rPr lang="es-ES" sz="5400" dirty="0"/>
               <a:t>Gracias por su atención.</a:t>
             </a:r>
           </a:p>
           <a:p>
             <a:pPr lvl="1"/>
             <a:r>
-              <a:rPr lang="es-ES" dirty="0"/>
+              <a:rPr lang="es-ES" sz="5400" dirty="0"/>
               <a:t>Demostración</a:t>
             </a:r>
           </a:p>
@@ -15376,8 +13989,8 @@
         </p:blipFill>
         <p:spPr>
           <a:xfrm>
-            <a:off x="6541851" y="3880525"/>
-            <a:ext cx="4978400" cy="4978400"/>
+            <a:off x="5797684" y="2941536"/>
+            <a:ext cx="6812064" cy="6812064"/>
           </a:xfrm>
           <a:prstGeom prst="rect">
             <a:avLst/>
@@ -15460,7 +14073,7 @@
           </a:prstGeom>
           <a:extLst>
             <a:ext uri="{C572A759-6A51-4108-AA02-DFA0A04FC94B}">
-              <ma14:wrappingTextBoxFlag xmlns:ma14="http://schemas.microsoft.com/office/mac/drawingml/2011/main" xmlns="" val="1"/>
+              <ma14:wrappingTextBoxFlag xmlns="" xmlns:ma14="http://schemas.microsoft.com/office/mac/drawingml/2011/main" val="1"/>
             </a:ext>
           </a:extLst>
         </p:spPr>
@@ -15694,7 +14307,7 @@
           </a:prstGeom>
           <a:extLst>
             <a:ext uri="{C572A759-6A51-4108-AA02-DFA0A04FC94B}">
-              <ma14:wrappingTextBoxFlag xmlns:ma14="http://schemas.microsoft.com/office/mac/drawingml/2011/main" xmlns="" val="1"/>
+              <ma14:wrappingTextBoxFlag xmlns="" xmlns:ma14="http://schemas.microsoft.com/office/mac/drawingml/2011/main" val="1"/>
             </a:ext>
           </a:extLst>
         </p:spPr>
@@ -15780,7 +14393,7 @@
           </a:prstGeom>
           <a:extLst>
             <a:ext uri="{C572A759-6A51-4108-AA02-DFA0A04FC94B}">
-              <ma14:wrappingTextBoxFlag xmlns:ma14="http://schemas.microsoft.com/office/mac/drawingml/2011/main" xmlns="" val="1"/>
+              <ma14:wrappingTextBoxFlag xmlns="" xmlns:ma14="http://schemas.microsoft.com/office/mac/drawingml/2011/main" val="1"/>
             </a:ext>
           </a:extLst>
         </p:spPr>
@@ -16152,7 +14765,7 @@
           </a:prstGeom>
           <a:extLst>
             <a:ext uri="{C572A759-6A51-4108-AA02-DFA0A04FC94B}">
-              <ma14:wrappingTextBoxFlag xmlns:ma14="http://schemas.microsoft.com/office/mac/drawingml/2011/main" xmlns="" val="1"/>
+              <ma14:wrappingTextBoxFlag xmlns="" xmlns:ma14="http://schemas.microsoft.com/office/mac/drawingml/2011/main" val="1"/>
             </a:ext>
           </a:extLst>
         </p:spPr>
@@ -16287,7 +14900,7 @@
           </a:prstGeom>
           <a:extLst>
             <a:ext uri="{C572A759-6A51-4108-AA02-DFA0A04FC94B}">
-              <ma14:wrappingTextBoxFlag xmlns:ma14="http://schemas.microsoft.com/office/mac/drawingml/2011/main" xmlns="" val="1"/>
+              <ma14:wrappingTextBoxFlag xmlns="" xmlns:ma14="http://schemas.microsoft.com/office/mac/drawingml/2011/main" val="1"/>
             </a:ext>
           </a:extLst>
         </p:spPr>
@@ -16475,7 +15088,7 @@
           </a:prstGeom>
           <a:extLst>
             <a:ext uri="{C572A759-6A51-4108-AA02-DFA0A04FC94B}">
-              <ma14:wrappingTextBoxFlag xmlns:ma14="http://schemas.microsoft.com/office/mac/drawingml/2011/main" xmlns="" val="1"/>
+              <ma14:wrappingTextBoxFlag xmlns="" xmlns:ma14="http://schemas.microsoft.com/office/mac/drawingml/2011/main" val="1"/>
             </a:ext>
           </a:extLst>
         </p:spPr>
@@ -16612,7 +15225,7 @@
           </a:prstGeom>
           <a:extLst>
             <a:ext uri="{C572A759-6A51-4108-AA02-DFA0A04FC94B}">
-              <ma14:wrappingTextBoxFlag xmlns:ma14="http://schemas.microsoft.com/office/mac/drawingml/2011/main" xmlns="" val="1"/>
+              <ma14:wrappingTextBoxFlag xmlns="" xmlns:ma14="http://schemas.microsoft.com/office/mac/drawingml/2011/main" val="1"/>
             </a:ext>
           </a:extLst>
         </p:spPr>
